--- a/05-CSS3/05-CSS3.pptx
+++ b/05-CSS3/05-CSS3.pptx
@@ -5,30 +5,29 @@
     <p:sldMasterId id="2147483648" r:id="rId1"/>
   </p:sldMasterIdLst>
   <p:notesMasterIdLst>
-    <p:notesMasterId r:id="rId23"/>
+    <p:notesMasterId r:id="rId22"/>
   </p:notesMasterIdLst>
   <p:sldIdLst>
     <p:sldId id="256" r:id="rId2"/>
     <p:sldId id="271" r:id="rId3"/>
-    <p:sldId id="272" r:id="rId4"/>
-    <p:sldId id="263" r:id="rId5"/>
-    <p:sldId id="273" r:id="rId6"/>
-    <p:sldId id="274" r:id="rId7"/>
-    <p:sldId id="275" r:id="rId8"/>
-    <p:sldId id="276" r:id="rId9"/>
-    <p:sldId id="277" r:id="rId10"/>
-    <p:sldId id="278" r:id="rId11"/>
-    <p:sldId id="279" r:id="rId12"/>
-    <p:sldId id="281" r:id="rId13"/>
-    <p:sldId id="280" r:id="rId14"/>
-    <p:sldId id="282" r:id="rId15"/>
-    <p:sldId id="283" r:id="rId16"/>
-    <p:sldId id="284" r:id="rId17"/>
-    <p:sldId id="285" r:id="rId18"/>
-    <p:sldId id="286" r:id="rId19"/>
-    <p:sldId id="287" r:id="rId20"/>
-    <p:sldId id="265" r:id="rId21"/>
-    <p:sldId id="269" r:id="rId22"/>
+    <p:sldId id="263" r:id="rId4"/>
+    <p:sldId id="273" r:id="rId5"/>
+    <p:sldId id="274" r:id="rId6"/>
+    <p:sldId id="275" r:id="rId7"/>
+    <p:sldId id="276" r:id="rId8"/>
+    <p:sldId id="277" r:id="rId9"/>
+    <p:sldId id="278" r:id="rId10"/>
+    <p:sldId id="279" r:id="rId11"/>
+    <p:sldId id="281" r:id="rId12"/>
+    <p:sldId id="280" r:id="rId13"/>
+    <p:sldId id="282" r:id="rId14"/>
+    <p:sldId id="283" r:id="rId15"/>
+    <p:sldId id="284" r:id="rId16"/>
+    <p:sldId id="285" r:id="rId17"/>
+    <p:sldId id="286" r:id="rId18"/>
+    <p:sldId id="287" r:id="rId19"/>
+    <p:sldId id="265" r:id="rId20"/>
+    <p:sldId id="269" r:id="rId21"/>
   </p:sldIdLst>
   <p:sldSz cx="9144000" cy="6858000" type="screen4x3"/>
   <p:notesSz cx="6858000" cy="9144000"/>
@@ -240,7 +239,7 @@
           <a:p>
             <a:fld id="{2E054F57-E93D-4CC3-8A27-2F256E70BB98}" type="datetimeFigureOut">
               <a:rPr lang="en-US" smtClean="0"/>
-              <a:t>29 Jul 15</a:t>
+              <a:t>5/22/2016</a:t>
             </a:fld>
             <a:endParaRPr lang="en-US"/>
           </a:p>
@@ -689,7 +688,7 @@
           <a:p>
             <a:fld id="{3EA744D9-3FBE-48D8-BF2A-85DF203E4D20}" type="datetimeFigureOut">
               <a:rPr lang="bg-BG" smtClean="0"/>
-              <a:t>29.7.2015 г.</a:t>
+              <a:t>22.5.2016 г.</a:t>
             </a:fld>
             <a:endParaRPr lang="bg-BG"/>
           </a:p>
@@ -859,7 +858,7 @@
           <a:p>
             <a:fld id="{3EA744D9-3FBE-48D8-BF2A-85DF203E4D20}" type="datetimeFigureOut">
               <a:rPr lang="bg-BG" smtClean="0"/>
-              <a:t>29.7.2015 г.</a:t>
+              <a:t>22.5.2016 г.</a:t>
             </a:fld>
             <a:endParaRPr lang="bg-BG"/>
           </a:p>
@@ -1039,7 +1038,7 @@
           <a:p>
             <a:fld id="{3EA744D9-3FBE-48D8-BF2A-85DF203E4D20}" type="datetimeFigureOut">
               <a:rPr lang="bg-BG" smtClean="0"/>
-              <a:t>29.7.2015 г.</a:t>
+              <a:t>22.5.2016 г.</a:t>
             </a:fld>
             <a:endParaRPr lang="bg-BG"/>
           </a:p>
@@ -1209,7 +1208,7 @@
           <a:p>
             <a:fld id="{3EA744D9-3FBE-48D8-BF2A-85DF203E4D20}" type="datetimeFigureOut">
               <a:rPr lang="bg-BG" smtClean="0"/>
-              <a:t>29.7.2015 г.</a:t>
+              <a:t>22.5.2016 г.</a:t>
             </a:fld>
             <a:endParaRPr lang="bg-BG"/>
           </a:p>
@@ -1455,7 +1454,7 @@
           <a:p>
             <a:fld id="{3EA744D9-3FBE-48D8-BF2A-85DF203E4D20}" type="datetimeFigureOut">
               <a:rPr lang="bg-BG" smtClean="0"/>
-              <a:t>29.7.2015 г.</a:t>
+              <a:t>22.5.2016 г.</a:t>
             </a:fld>
             <a:endParaRPr lang="bg-BG"/>
           </a:p>
@@ -1743,7 +1742,7 @@
           <a:p>
             <a:fld id="{3EA744D9-3FBE-48D8-BF2A-85DF203E4D20}" type="datetimeFigureOut">
               <a:rPr lang="bg-BG" smtClean="0"/>
-              <a:t>29.7.2015 г.</a:t>
+              <a:t>22.5.2016 г.</a:t>
             </a:fld>
             <a:endParaRPr lang="bg-BG"/>
           </a:p>
@@ -2165,7 +2164,7 @@
           <a:p>
             <a:fld id="{3EA744D9-3FBE-48D8-BF2A-85DF203E4D20}" type="datetimeFigureOut">
               <a:rPr lang="bg-BG" smtClean="0"/>
-              <a:t>29.7.2015 г.</a:t>
+              <a:t>22.5.2016 г.</a:t>
             </a:fld>
             <a:endParaRPr lang="bg-BG"/>
           </a:p>
@@ -2283,7 +2282,7 @@
           <a:p>
             <a:fld id="{3EA744D9-3FBE-48D8-BF2A-85DF203E4D20}" type="datetimeFigureOut">
               <a:rPr lang="bg-BG" smtClean="0"/>
-              <a:t>29.7.2015 г.</a:t>
+              <a:t>22.5.2016 г.</a:t>
             </a:fld>
             <a:endParaRPr lang="bg-BG"/>
           </a:p>
@@ -2378,7 +2377,7 @@
           <a:p>
             <a:fld id="{3EA744D9-3FBE-48D8-BF2A-85DF203E4D20}" type="datetimeFigureOut">
               <a:rPr lang="bg-BG" smtClean="0"/>
-              <a:t>29.7.2015 г.</a:t>
+              <a:t>22.5.2016 г.</a:t>
             </a:fld>
             <a:endParaRPr lang="bg-BG"/>
           </a:p>
@@ -2655,7 +2654,7 @@
           <a:p>
             <a:fld id="{3EA744D9-3FBE-48D8-BF2A-85DF203E4D20}" type="datetimeFigureOut">
               <a:rPr lang="bg-BG" smtClean="0"/>
-              <a:t>29.7.2015 г.</a:t>
+              <a:t>22.5.2016 г.</a:t>
             </a:fld>
             <a:endParaRPr lang="bg-BG"/>
           </a:p>
@@ -2908,7 +2907,7 @@
           <a:p>
             <a:fld id="{3EA744D9-3FBE-48D8-BF2A-85DF203E4D20}" type="datetimeFigureOut">
               <a:rPr lang="bg-BG" smtClean="0"/>
-              <a:t>29.7.2015 г.</a:t>
+              <a:t>22.5.2016 г.</a:t>
             </a:fld>
             <a:endParaRPr lang="bg-BG"/>
           </a:p>
@@ -3130,7 +3129,7 @@
           <a:p>
             <a:fld id="{3EA744D9-3FBE-48D8-BF2A-85DF203E4D20}" type="datetimeFigureOut">
               <a:rPr lang="bg-BG" smtClean="0"/>
-              <a:t>29.7.2015 г.</a:t>
+              <a:t>22.5.2016 г.</a:t>
             </a:fld>
             <a:endParaRPr lang="bg-BG"/>
           </a:p>
@@ -3651,7 +3650,7 @@
         <p:spPr/>
         <p:txBody>
           <a:bodyPr>
-            <a:normAutofit lnSpcReduction="10000"/>
+            <a:normAutofit fontScale="77500" lnSpcReduction="20000"/>
           </a:bodyPr>
           <a:lstStyle/>
           <a:p>
@@ -3659,269 +3658,24 @@
               <a:buNone/>
             </a:pPr>
             <a:r>
-              <a:rPr lang="bg-BG" sz="2000" dirty="0" smtClean="0">
+              <a:rPr lang="bg-BG" sz="2600" dirty="0" smtClean="0">
                 <a:solidFill>
                   <a:schemeClr val="bg1"/>
                 </a:solidFill>
-                <a:latin typeface="+mj-lt"/>
-                <a:cs typeface="Courier New" panose="02070309020205020404" pitchFamily="49" charset="0"/>
-              </a:rPr>
-              <a:t>Синтаксис:</a:t>
-            </a:r>
-          </a:p>
-          <a:p>
-            <a:pPr marL="0" indent="0">
-              <a:buNone/>
-            </a:pPr>
-            <a:r>
-              <a:rPr lang="en-US" sz="1500" dirty="0">
-                <a:solidFill>
-                  <a:schemeClr val="accent3"/>
-                </a:solidFill>
-                <a:latin typeface="Courier New" panose="02070309020205020404" pitchFamily="49" charset="0"/>
-                <a:cs typeface="Courier New" panose="02070309020205020404" pitchFamily="49" charset="0"/>
-              </a:rPr>
-              <a:t>background: linear-gradient(</a:t>
-            </a:r>
-            <a:r>
-              <a:rPr lang="en-US" sz="1500" i="1" dirty="0">
-                <a:solidFill>
-                  <a:schemeClr val="accent3"/>
-                </a:solidFill>
-                <a:latin typeface="Courier New" panose="02070309020205020404" pitchFamily="49" charset="0"/>
-                <a:cs typeface="Courier New" panose="02070309020205020404" pitchFamily="49" charset="0"/>
-              </a:rPr>
-              <a:t>direction</a:t>
-            </a:r>
-            <a:r>
-              <a:rPr lang="en-US" sz="1500" dirty="0">
-                <a:solidFill>
-                  <a:schemeClr val="accent3"/>
-                </a:solidFill>
-                <a:latin typeface="Courier New" panose="02070309020205020404" pitchFamily="49" charset="0"/>
-                <a:cs typeface="Courier New" panose="02070309020205020404" pitchFamily="49" charset="0"/>
-              </a:rPr>
-              <a:t>, </a:t>
-            </a:r>
-            <a:r>
-              <a:rPr lang="en-US" sz="1500" i="1" dirty="0">
-                <a:solidFill>
-                  <a:schemeClr val="accent3"/>
-                </a:solidFill>
-                <a:latin typeface="Courier New" panose="02070309020205020404" pitchFamily="49" charset="0"/>
-                <a:cs typeface="Courier New" panose="02070309020205020404" pitchFamily="49" charset="0"/>
-              </a:rPr>
-              <a:t>color-stop1</a:t>
-            </a:r>
-            <a:r>
-              <a:rPr lang="en-US" sz="1500" dirty="0">
-                <a:solidFill>
-                  <a:schemeClr val="accent3"/>
-                </a:solidFill>
-                <a:latin typeface="Courier New" panose="02070309020205020404" pitchFamily="49" charset="0"/>
-                <a:cs typeface="Courier New" panose="02070309020205020404" pitchFamily="49" charset="0"/>
-              </a:rPr>
-              <a:t>, </a:t>
-            </a:r>
-            <a:r>
-              <a:rPr lang="en-US" sz="1500" i="1" dirty="0">
-                <a:solidFill>
-                  <a:schemeClr val="accent3"/>
-                </a:solidFill>
-                <a:latin typeface="Courier New" panose="02070309020205020404" pitchFamily="49" charset="0"/>
-                <a:cs typeface="Courier New" panose="02070309020205020404" pitchFamily="49" charset="0"/>
-              </a:rPr>
-              <a:t>color-stop2, </a:t>
-            </a:r>
-            <a:r>
-              <a:rPr lang="en-US" sz="1500" i="1" dirty="0" smtClean="0">
-                <a:solidFill>
-                  <a:schemeClr val="accent3"/>
-                </a:solidFill>
-                <a:latin typeface="Courier New" panose="02070309020205020404" pitchFamily="49" charset="0"/>
-                <a:cs typeface="Courier New" panose="02070309020205020404" pitchFamily="49" charset="0"/>
-              </a:rPr>
-              <a:t>...</a:t>
-            </a:r>
-            <a:r>
-              <a:rPr lang="en-US" sz="1500" dirty="0" smtClean="0">
-                <a:solidFill>
-                  <a:schemeClr val="accent3"/>
-                </a:solidFill>
-                <a:latin typeface="Courier New" panose="02070309020205020404" pitchFamily="49" charset="0"/>
-                <a:cs typeface="Courier New" panose="02070309020205020404" pitchFamily="49" charset="0"/>
-              </a:rPr>
-              <a:t>);</a:t>
-            </a:r>
-          </a:p>
-          <a:p>
-            <a:pPr marL="0" indent="0">
-              <a:buNone/>
-            </a:pPr>
-            <a:r>
-              <a:rPr lang="en-US" sz="2000" dirty="0" smtClean="0">
+                <a:cs typeface="Courier New" panose="02070309020205020404" pitchFamily="49" charset="0"/>
+              </a:rPr>
+              <a:t>С използване на няколко цвята</a:t>
+            </a:r>
+            <a:r>
+              <a:rPr lang="en-US" sz="2600" dirty="0" smtClean="0">
                 <a:solidFill>
                   <a:schemeClr val="bg1"/>
                 </a:solidFill>
-                <a:latin typeface="+mj-lt"/>
-                <a:cs typeface="Courier New" panose="02070309020205020404" pitchFamily="49" charset="0"/>
-              </a:rPr>
-              <a:t>Top to bottom(default):</a:t>
-            </a:r>
-          </a:p>
-          <a:p>
-            <a:pPr marL="0" indent="0">
-              <a:buNone/>
-            </a:pPr>
-            <a:r>
-              <a:rPr lang="en-US" sz="1500" dirty="0" smtClean="0">
-                <a:solidFill>
-                  <a:schemeClr val="accent3"/>
-                </a:solidFill>
-                <a:latin typeface="Courier New" panose="02070309020205020404" pitchFamily="49" charset="0"/>
-                <a:cs typeface="Courier New" panose="02070309020205020404" pitchFamily="49" charset="0"/>
-              </a:rPr>
-              <a:t>.gradient1 {</a:t>
-            </a:r>
-          </a:p>
-          <a:p>
-            <a:pPr marL="0" indent="0">
-              <a:buNone/>
-            </a:pPr>
-            <a:r>
-              <a:rPr lang="en-US" sz="1500" dirty="0" smtClean="0">
-                <a:solidFill>
-                  <a:schemeClr val="accent3"/>
-                </a:solidFill>
-                <a:latin typeface="Courier New" panose="02070309020205020404" pitchFamily="49" charset="0"/>
-                <a:cs typeface="Courier New" panose="02070309020205020404" pitchFamily="49" charset="0"/>
-              </a:rPr>
-              <a:t>	background: -</a:t>
-            </a:r>
-            <a:r>
-              <a:rPr lang="en-US" sz="1500" dirty="0" err="1" smtClean="0">
-                <a:solidFill>
-                  <a:schemeClr val="accent3"/>
-                </a:solidFill>
-                <a:latin typeface="Courier New" panose="02070309020205020404" pitchFamily="49" charset="0"/>
-                <a:cs typeface="Courier New" panose="02070309020205020404" pitchFamily="49" charset="0"/>
-              </a:rPr>
-              <a:t>webkit</a:t>
-            </a:r>
-            <a:r>
-              <a:rPr lang="en-US" sz="1500" dirty="0" smtClean="0">
-                <a:solidFill>
-                  <a:schemeClr val="accent3"/>
-                </a:solidFill>
-                <a:latin typeface="Courier New" panose="02070309020205020404" pitchFamily="49" charset="0"/>
-                <a:cs typeface="Courier New" panose="02070309020205020404" pitchFamily="49" charset="0"/>
-              </a:rPr>
-              <a:t>-linear-gradient(yellow, green);</a:t>
-            </a:r>
-          </a:p>
-          <a:p>
-            <a:pPr marL="0" indent="0">
-              <a:buNone/>
-            </a:pPr>
-            <a:r>
-              <a:rPr lang="en-US" sz="1500" dirty="0" smtClean="0">
-                <a:solidFill>
-                  <a:schemeClr val="accent3"/>
-                </a:solidFill>
-                <a:latin typeface="Courier New" panose="02070309020205020404" pitchFamily="49" charset="0"/>
-                <a:cs typeface="Courier New" panose="02070309020205020404" pitchFamily="49" charset="0"/>
-              </a:rPr>
-              <a:t>	background: -o-linear-gradient(yellow, green);</a:t>
-            </a:r>
-          </a:p>
-          <a:p>
-            <a:pPr marL="0" indent="0">
-              <a:buNone/>
-            </a:pPr>
-            <a:r>
-              <a:rPr lang="en-US" sz="1500" dirty="0" smtClean="0">
-                <a:solidFill>
-                  <a:schemeClr val="accent3"/>
-                </a:solidFill>
-                <a:latin typeface="Courier New" panose="02070309020205020404" pitchFamily="49" charset="0"/>
-                <a:cs typeface="Courier New" panose="02070309020205020404" pitchFamily="49" charset="0"/>
-              </a:rPr>
-              <a:t>	background: -</a:t>
-            </a:r>
-            <a:r>
-              <a:rPr lang="en-US" sz="1500" dirty="0" err="1" smtClean="0">
-                <a:solidFill>
-                  <a:schemeClr val="accent3"/>
-                </a:solidFill>
-                <a:latin typeface="Courier New" panose="02070309020205020404" pitchFamily="49" charset="0"/>
-                <a:cs typeface="Courier New" panose="02070309020205020404" pitchFamily="49" charset="0"/>
-              </a:rPr>
-              <a:t>moz</a:t>
-            </a:r>
-            <a:r>
-              <a:rPr lang="en-US" sz="1500" dirty="0" smtClean="0">
-                <a:solidFill>
-                  <a:schemeClr val="accent3"/>
-                </a:solidFill>
-                <a:latin typeface="Courier New" panose="02070309020205020404" pitchFamily="49" charset="0"/>
-                <a:cs typeface="Courier New" panose="02070309020205020404" pitchFamily="49" charset="0"/>
-              </a:rPr>
-              <a:t>-linear-gradient(yellow, green);</a:t>
-            </a:r>
-          </a:p>
-          <a:p>
-            <a:pPr marL="0" indent="0">
-              <a:buNone/>
-            </a:pPr>
-            <a:r>
-              <a:rPr lang="en-US" sz="1500" dirty="0" smtClean="0">
-                <a:solidFill>
-                  <a:schemeClr val="accent3"/>
-                </a:solidFill>
-                <a:latin typeface="Courier New" panose="02070309020205020404" pitchFamily="49" charset="0"/>
-                <a:cs typeface="Courier New" panose="02070309020205020404" pitchFamily="49" charset="0"/>
-              </a:rPr>
-              <a:t>	background: linear-gradient(yellow, green);</a:t>
-            </a:r>
-          </a:p>
-          <a:p>
-            <a:pPr marL="0" indent="0">
-              <a:buNone/>
-            </a:pPr>
-            <a:r>
-              <a:rPr lang="en-US" sz="1500" dirty="0" smtClean="0">
-                <a:solidFill>
-                  <a:schemeClr val="accent3"/>
-                </a:solidFill>
-                <a:latin typeface="Courier New" panose="02070309020205020404" pitchFamily="49" charset="0"/>
-                <a:cs typeface="Courier New" panose="02070309020205020404" pitchFamily="49" charset="0"/>
-              </a:rPr>
-              <a:t>}</a:t>
-            </a:r>
-          </a:p>
-          <a:p>
-            <a:pPr marL="0" indent="0">
-              <a:buNone/>
-            </a:pPr>
-            <a:r>
-              <a:rPr lang="en-US" sz="2000" dirty="0">
-                <a:solidFill>
-                  <a:schemeClr val="bg1"/>
-                </a:solidFill>
-                <a:cs typeface="Courier New" panose="02070309020205020404" pitchFamily="49" charset="0"/>
-              </a:rPr>
-              <a:t>L</a:t>
-            </a:r>
-            <a:r>
-              <a:rPr lang="en-US" sz="2000" dirty="0" smtClean="0">
-                <a:solidFill>
-                  <a:schemeClr val="bg1"/>
-                </a:solidFill>
-                <a:cs typeface="Courier New" panose="02070309020205020404" pitchFamily="49" charset="0"/>
-              </a:rPr>
-              <a:t>eft to right:</a:t>
-            </a:r>
-            <a:endParaRPr lang="en-US" sz="2000" dirty="0">
+                <a:cs typeface="Courier New" panose="02070309020205020404" pitchFamily="49" charset="0"/>
+              </a:rPr>
+              <a:t>:</a:t>
+            </a:r>
+            <a:endParaRPr lang="en-US" sz="2600" dirty="0">
               <a:solidFill>
                 <a:schemeClr val="bg1"/>
               </a:solidFill>
@@ -3940,7 +3694,7 @@
                 <a:latin typeface="Courier New" panose="02070309020205020404" pitchFamily="49" charset="0"/>
                 <a:cs typeface="Courier New" panose="02070309020205020404" pitchFamily="49" charset="0"/>
               </a:rPr>
-              <a:t>.gradient2 </a:t>
+              <a:t>.</a:t>
             </a:r>
             <a:r>
               <a:rPr lang="en-US" sz="1500" dirty="0" smtClean="0">
@@ -3950,7 +3704,27 @@
                 <a:latin typeface="Courier New" panose="02070309020205020404" pitchFamily="49" charset="0"/>
                 <a:cs typeface="Courier New" panose="02070309020205020404" pitchFamily="49" charset="0"/>
               </a:rPr>
-              <a:t>{</a:t>
+              <a:t>gradient</a:t>
+            </a:r>
+            <a:r>
+              <a:rPr lang="bg-BG" sz="1500" dirty="0" smtClean="0">
+                <a:solidFill>
+                  <a:schemeClr val="accent3"/>
+                </a:solidFill>
+                <a:latin typeface="Courier New" panose="02070309020205020404" pitchFamily="49" charset="0"/>
+                <a:cs typeface="Courier New" panose="02070309020205020404" pitchFamily="49" charset="0"/>
+              </a:rPr>
+              <a:t>3</a:t>
+            </a:r>
+            <a:r>
+              <a:rPr lang="en-US" sz="1500" dirty="0" smtClean="0">
+                <a:solidFill>
+                  <a:schemeClr val="accent3"/>
+                </a:solidFill>
+                <a:latin typeface="Courier New" panose="02070309020205020404" pitchFamily="49" charset="0"/>
+                <a:cs typeface="Courier New" panose="02070309020205020404" pitchFamily="49" charset="0"/>
+              </a:rPr>
+              <a:t> {</a:t>
             </a:r>
             <a:endParaRPr lang="en-US" sz="1500" dirty="0">
               <a:solidFill>
@@ -3992,7 +3766,7 @@
                 <a:latin typeface="Courier New" panose="02070309020205020404" pitchFamily="49" charset="0"/>
                 <a:cs typeface="Courier New" panose="02070309020205020404" pitchFamily="49" charset="0"/>
               </a:rPr>
-              <a:t>-linear-gradient(left, yellow ,green</a:t>
+              <a:t>-linear-gradient(orange, red, purple, blue, green, yellow, white</a:t>
             </a:r>
             <a:r>
               <a:rPr lang="en-US" sz="1500" dirty="0" smtClean="0">
@@ -4024,7 +3798,91 @@
                 <a:latin typeface="Courier New" panose="02070309020205020404" pitchFamily="49" charset="0"/>
                 <a:cs typeface="Courier New" panose="02070309020205020404" pitchFamily="49" charset="0"/>
               </a:rPr>
-              <a:t>	background: -o-linear-gradient(right, yellow, green</a:t>
+              <a:t>	background: -o-linear-gradient(orange, red, purple, blue, green, yellow, white</a:t>
+            </a:r>
+            <a:r>
+              <a:rPr lang="en-US" sz="1500" dirty="0" smtClean="0">
+                <a:solidFill>
+                  <a:schemeClr val="accent3"/>
+                </a:solidFill>
+                <a:latin typeface="Courier New" panose="02070309020205020404" pitchFamily="49" charset="0"/>
+                <a:cs typeface="Courier New" panose="02070309020205020404" pitchFamily="49" charset="0"/>
+              </a:rPr>
+              <a:t>);</a:t>
+            </a:r>
+            <a:endParaRPr lang="bg-BG" sz="1500" dirty="0" smtClean="0">
+              <a:solidFill>
+                <a:schemeClr val="accent3"/>
+              </a:solidFill>
+              <a:latin typeface="Courier New" panose="02070309020205020404" pitchFamily="49" charset="0"/>
+              <a:cs typeface="Courier New" panose="02070309020205020404" pitchFamily="49" charset="0"/>
+            </a:endParaRPr>
+          </a:p>
+          <a:p>
+            <a:pPr marL="0" indent="0">
+              <a:buNone/>
+            </a:pPr>
+            <a:r>
+              <a:rPr lang="en-US" sz="1500" dirty="0" smtClean="0">
+                <a:solidFill>
+                  <a:schemeClr val="accent3"/>
+                </a:solidFill>
+                <a:latin typeface="Courier New" panose="02070309020205020404" pitchFamily="49" charset="0"/>
+                <a:cs typeface="Courier New" panose="02070309020205020404" pitchFamily="49" charset="0"/>
+              </a:rPr>
+              <a:t> </a:t>
+            </a:r>
+            <a:r>
+              <a:rPr lang="en-US" sz="1500" dirty="0">
+                <a:solidFill>
+                  <a:schemeClr val="accent3"/>
+                </a:solidFill>
+                <a:latin typeface="Courier New" panose="02070309020205020404" pitchFamily="49" charset="0"/>
+                <a:cs typeface="Courier New" panose="02070309020205020404" pitchFamily="49" charset="0"/>
+              </a:rPr>
+              <a:t>	background: -</a:t>
+            </a:r>
+            <a:r>
+              <a:rPr lang="en-US" sz="1500" dirty="0" err="1">
+                <a:solidFill>
+                  <a:schemeClr val="accent3"/>
+                </a:solidFill>
+                <a:latin typeface="Courier New" panose="02070309020205020404" pitchFamily="49" charset="0"/>
+                <a:cs typeface="Courier New" panose="02070309020205020404" pitchFamily="49" charset="0"/>
+              </a:rPr>
+              <a:t>moz</a:t>
+            </a:r>
+            <a:r>
+              <a:rPr lang="en-US" sz="1500" dirty="0">
+                <a:solidFill>
+                  <a:schemeClr val="accent3"/>
+                </a:solidFill>
+                <a:latin typeface="Courier New" panose="02070309020205020404" pitchFamily="49" charset="0"/>
+                <a:cs typeface="Courier New" panose="02070309020205020404" pitchFamily="49" charset="0"/>
+              </a:rPr>
+              <a:t>-linear-gradient(orange, red, purple, blue, green, yellow, white); </a:t>
+            </a:r>
+            <a:endParaRPr lang="bg-BG" sz="1500" dirty="0" smtClean="0">
+              <a:solidFill>
+                <a:schemeClr val="accent3"/>
+              </a:solidFill>
+              <a:latin typeface="Courier New" panose="02070309020205020404" pitchFamily="49" charset="0"/>
+              <a:cs typeface="Courier New" panose="02070309020205020404" pitchFamily="49" charset="0"/>
+            </a:endParaRPr>
+          </a:p>
+          <a:p>
+            <a:pPr marL="0" indent="0">
+              <a:buNone/>
+            </a:pPr>
+            <a:r>
+              <a:rPr lang="en-US" sz="1500" dirty="0">
+                <a:solidFill>
+                  <a:schemeClr val="accent3"/>
+                </a:solidFill>
+                <a:latin typeface="Courier New" panose="02070309020205020404" pitchFamily="49" charset="0"/>
+                <a:cs typeface="Courier New" panose="02070309020205020404" pitchFamily="49" charset="0"/>
+              </a:rPr>
+              <a:t>	background: linear-gradient(orange, red, purple, blue, green, yellow, white</a:t>
             </a:r>
             <a:r>
               <a:rPr lang="en-US" sz="1500" dirty="0" smtClean="0">
@@ -4049,36 +3907,6 @@
               <a:buNone/>
             </a:pPr>
             <a:r>
-              <a:rPr lang="en-US" sz="1500" dirty="0">
-                <a:solidFill>
-                  <a:schemeClr val="accent3"/>
-                </a:solidFill>
-                <a:latin typeface="Courier New" panose="02070309020205020404" pitchFamily="49" charset="0"/>
-                <a:cs typeface="Courier New" panose="02070309020205020404" pitchFamily="49" charset="0"/>
-              </a:rPr>
-              <a:t>	background: -</a:t>
-            </a:r>
-            <a:r>
-              <a:rPr lang="en-US" sz="1500" dirty="0" err="1">
-                <a:solidFill>
-                  <a:schemeClr val="accent3"/>
-                </a:solidFill>
-                <a:latin typeface="Courier New" panose="02070309020205020404" pitchFamily="49" charset="0"/>
-                <a:cs typeface="Courier New" panose="02070309020205020404" pitchFamily="49" charset="0"/>
-              </a:rPr>
-              <a:t>moz</a:t>
-            </a:r>
-            <a:r>
-              <a:rPr lang="en-US" sz="1500" dirty="0">
-                <a:solidFill>
-                  <a:schemeClr val="accent3"/>
-                </a:solidFill>
-                <a:latin typeface="Courier New" panose="02070309020205020404" pitchFamily="49" charset="0"/>
-                <a:cs typeface="Courier New" panose="02070309020205020404" pitchFamily="49" charset="0"/>
-              </a:rPr>
-              <a:t>-linear-gradient(right, yellow, green</a:t>
-            </a:r>
-            <a:r>
               <a:rPr lang="en-US" sz="1500" dirty="0" smtClean="0">
                 <a:solidFill>
                   <a:schemeClr val="accent3"/>
@@ -4086,9 +3914,9 @@
                 <a:latin typeface="Courier New" panose="02070309020205020404" pitchFamily="49" charset="0"/>
                 <a:cs typeface="Courier New" panose="02070309020205020404" pitchFamily="49" charset="0"/>
               </a:rPr>
-              <a:t>);</a:t>
-            </a:r>
-            <a:endParaRPr lang="en-US" sz="1500" dirty="0">
+              <a:t>}</a:t>
+            </a:r>
+            <a:endParaRPr lang="bg-BG" sz="1500" dirty="0" smtClean="0">
               <a:solidFill>
                 <a:schemeClr val="accent3"/>
               </a:solidFill>
@@ -4101,26 +3929,76 @@
               <a:buNone/>
             </a:pPr>
             <a:r>
-              <a:rPr lang="en-US" sz="1500" dirty="0">
-                <a:solidFill>
-                  <a:schemeClr val="accent3"/>
-                </a:solidFill>
-                <a:latin typeface="Courier New" panose="02070309020205020404" pitchFamily="49" charset="0"/>
-                <a:cs typeface="Courier New" panose="02070309020205020404" pitchFamily="49" charset="0"/>
-              </a:rPr>
-              <a:t>	background: linear-gradient(to right, yellow ,green</a:t>
-            </a:r>
-            <a:r>
-              <a:rPr lang="en-US" sz="1500" dirty="0" smtClean="0">
-                <a:solidFill>
-                  <a:schemeClr val="accent3"/>
-                </a:solidFill>
-                <a:latin typeface="Courier New" panose="02070309020205020404" pitchFamily="49" charset="0"/>
-                <a:cs typeface="Courier New" panose="02070309020205020404" pitchFamily="49" charset="0"/>
-              </a:rPr>
-              <a:t>);</a:t>
-            </a:r>
-            <a:endParaRPr lang="en-US" sz="1500" dirty="0">
+              <a:rPr lang="en-US" sz="2600" dirty="0" smtClean="0">
+                <a:solidFill>
+                  <a:schemeClr val="bg1"/>
+                </a:solidFill>
+                <a:latin typeface="+mj-lt"/>
+                <a:cs typeface="Courier New" panose="02070309020205020404" pitchFamily="49" charset="0"/>
+              </a:rPr>
+              <a:t>Radial Gradients</a:t>
+            </a:r>
+          </a:p>
+          <a:p>
+            <a:pPr marL="0" indent="0">
+              <a:buNone/>
+            </a:pPr>
+            <a:r>
+              <a:rPr lang="en-US" sz="1900" dirty="0">
+                <a:solidFill>
+                  <a:schemeClr val="accent3"/>
+                </a:solidFill>
+                <a:latin typeface="Courier New" panose="02070309020205020404" pitchFamily="49" charset="0"/>
+                <a:cs typeface="Courier New" panose="02070309020205020404" pitchFamily="49" charset="0"/>
+              </a:rPr>
+              <a:t>.gradient4 </a:t>
+            </a:r>
+            <a:r>
+              <a:rPr lang="en-US" sz="1900" dirty="0" smtClean="0">
+                <a:solidFill>
+                  <a:schemeClr val="accent3"/>
+                </a:solidFill>
+                <a:latin typeface="Courier New" panose="02070309020205020404" pitchFamily="49" charset="0"/>
+                <a:cs typeface="Courier New" panose="02070309020205020404" pitchFamily="49" charset="0"/>
+              </a:rPr>
+              <a:t>{</a:t>
+            </a:r>
+          </a:p>
+          <a:p>
+            <a:pPr marL="0" indent="0">
+              <a:buNone/>
+            </a:pPr>
+            <a:r>
+              <a:rPr lang="en-US" sz="1900" dirty="0">
+                <a:solidFill>
+                  <a:schemeClr val="accent3"/>
+                </a:solidFill>
+                <a:latin typeface="Courier New" panose="02070309020205020404" pitchFamily="49" charset="0"/>
+                <a:cs typeface="Courier New" panose="02070309020205020404" pitchFamily="49" charset="0"/>
+              </a:rPr>
+              <a:t>	background: -</a:t>
+            </a:r>
+            <a:r>
+              <a:rPr lang="en-US" sz="1900" dirty="0" err="1">
+                <a:solidFill>
+                  <a:schemeClr val="accent3"/>
+                </a:solidFill>
+                <a:latin typeface="Courier New" panose="02070309020205020404" pitchFamily="49" charset="0"/>
+                <a:cs typeface="Courier New" panose="02070309020205020404" pitchFamily="49" charset="0"/>
+              </a:rPr>
+              <a:t>webkit</a:t>
+            </a:r>
+            <a:r>
+              <a:rPr lang="en-US" sz="1900" dirty="0">
+                <a:solidFill>
+                  <a:schemeClr val="accent3"/>
+                </a:solidFill>
+                <a:latin typeface="Courier New" panose="02070309020205020404" pitchFamily="49" charset="0"/>
+                <a:cs typeface="Courier New" panose="02070309020205020404" pitchFamily="49" charset="0"/>
+              </a:rPr>
+              <a:t>-radial-gradient(yellow 33%, green 66%, blue 100%); </a:t>
+            </a:r>
+            <a:endParaRPr lang="en-US" sz="1900" dirty="0" smtClean="0">
               <a:solidFill>
                 <a:schemeClr val="accent3"/>
               </a:solidFill>
@@ -4133,7 +4011,93 @@
               <a:buNone/>
             </a:pPr>
             <a:r>
-              <a:rPr lang="en-US" sz="1500" dirty="0">
+              <a:rPr lang="en-US" sz="1900" dirty="0">
+                <a:solidFill>
+                  <a:schemeClr val="accent3"/>
+                </a:solidFill>
+                <a:latin typeface="Courier New" panose="02070309020205020404" pitchFamily="49" charset="0"/>
+                <a:cs typeface="Courier New" panose="02070309020205020404" pitchFamily="49" charset="0"/>
+              </a:rPr>
+              <a:t>	background: -o-radial-gradient(yellow 33%, green 66%, blue 100%); </a:t>
+            </a:r>
+            <a:endParaRPr lang="en-US" sz="1900" dirty="0" smtClean="0">
+              <a:solidFill>
+                <a:schemeClr val="accent3"/>
+              </a:solidFill>
+              <a:latin typeface="Courier New" panose="02070309020205020404" pitchFamily="49" charset="0"/>
+              <a:cs typeface="Courier New" panose="02070309020205020404" pitchFamily="49" charset="0"/>
+            </a:endParaRPr>
+          </a:p>
+          <a:p>
+            <a:pPr marL="0" indent="0">
+              <a:buNone/>
+            </a:pPr>
+            <a:r>
+              <a:rPr lang="en-US" sz="1900" dirty="0">
+                <a:solidFill>
+                  <a:schemeClr val="accent3"/>
+                </a:solidFill>
+                <a:latin typeface="Courier New" panose="02070309020205020404" pitchFamily="49" charset="0"/>
+                <a:cs typeface="Courier New" panose="02070309020205020404" pitchFamily="49" charset="0"/>
+              </a:rPr>
+              <a:t>	background: -</a:t>
+            </a:r>
+            <a:r>
+              <a:rPr lang="en-US" sz="1900" dirty="0" err="1">
+                <a:solidFill>
+                  <a:schemeClr val="accent3"/>
+                </a:solidFill>
+                <a:latin typeface="Courier New" panose="02070309020205020404" pitchFamily="49" charset="0"/>
+                <a:cs typeface="Courier New" panose="02070309020205020404" pitchFamily="49" charset="0"/>
+              </a:rPr>
+              <a:t>moz</a:t>
+            </a:r>
+            <a:r>
+              <a:rPr lang="en-US" sz="1900" dirty="0">
+                <a:solidFill>
+                  <a:schemeClr val="accent3"/>
+                </a:solidFill>
+                <a:latin typeface="Courier New" panose="02070309020205020404" pitchFamily="49" charset="0"/>
+                <a:cs typeface="Courier New" panose="02070309020205020404" pitchFamily="49" charset="0"/>
+              </a:rPr>
+              <a:t>-radial-gradient(yellow 33%, green 66%, blue 100%); </a:t>
+            </a:r>
+            <a:endParaRPr lang="en-US" sz="1900" dirty="0" smtClean="0">
+              <a:solidFill>
+                <a:schemeClr val="accent3"/>
+              </a:solidFill>
+              <a:latin typeface="Courier New" panose="02070309020205020404" pitchFamily="49" charset="0"/>
+              <a:cs typeface="Courier New" panose="02070309020205020404" pitchFamily="49" charset="0"/>
+            </a:endParaRPr>
+          </a:p>
+          <a:p>
+            <a:pPr marL="0" indent="0">
+              <a:buNone/>
+            </a:pPr>
+            <a:r>
+              <a:rPr lang="en-US" sz="1900" dirty="0">
+                <a:solidFill>
+                  <a:schemeClr val="accent3"/>
+                </a:solidFill>
+                <a:latin typeface="Courier New" panose="02070309020205020404" pitchFamily="49" charset="0"/>
+                <a:cs typeface="Courier New" panose="02070309020205020404" pitchFamily="49" charset="0"/>
+              </a:rPr>
+              <a:t>	background: radial-gradient(yellow 33%, green 66%, blue 100%); </a:t>
+            </a:r>
+            <a:endParaRPr lang="en-US" sz="1900" dirty="0" smtClean="0">
+              <a:solidFill>
+                <a:schemeClr val="accent3"/>
+              </a:solidFill>
+              <a:latin typeface="Courier New" panose="02070309020205020404" pitchFamily="49" charset="0"/>
+              <a:cs typeface="Courier New" panose="02070309020205020404" pitchFamily="49" charset="0"/>
+            </a:endParaRPr>
+          </a:p>
+          <a:p>
+            <a:pPr marL="0" indent="0">
+              <a:buNone/>
+            </a:pPr>
+            <a:r>
+              <a:rPr lang="en-US" sz="1900" dirty="0" smtClean="0">
                 <a:solidFill>
                   <a:schemeClr val="accent3"/>
                 </a:solidFill>
@@ -4142,13 +4106,20 @@
               </a:rPr>
               <a:t>}</a:t>
             </a:r>
+            <a:endParaRPr lang="en-US" sz="1900" dirty="0">
+              <a:solidFill>
+                <a:schemeClr val="accent3"/>
+              </a:solidFill>
+              <a:latin typeface="Courier New" panose="02070309020205020404" pitchFamily="49" charset="0"/>
+              <a:cs typeface="Courier New" panose="02070309020205020404" pitchFamily="49" charset="0"/>
+            </a:endParaRPr>
           </a:p>
         </p:txBody>
       </p:sp>
     </p:spTree>
     <p:extLst>
       <p:ext uri="{BB962C8B-B14F-4D97-AF65-F5344CB8AC3E}">
-        <p14:creationId xmlns:p14="http://schemas.microsoft.com/office/powerpoint/2010/main" val="365007872"/>
+        <p14:creationId xmlns:p14="http://schemas.microsoft.com/office/powerpoint/2010/main" val="714117594"/>
       </p:ext>
     </p:extLst>
   </p:cSld>
@@ -4227,7 +4198,7 @@
                   <a:schemeClr val="accent6"/>
                 </a:solidFill>
               </a:rPr>
-              <a:t>gradients</a:t>
+              <a:t>shadows</a:t>
             </a:r>
             <a:endParaRPr lang="bg-BG" dirty="0">
               <a:solidFill>
@@ -4250,37 +4221,23 @@
         <p:spPr/>
         <p:txBody>
           <a:bodyPr>
-            <a:normAutofit fontScale="77500" lnSpcReduction="20000"/>
+            <a:normAutofit/>
           </a:bodyPr>
           <a:lstStyle/>
           <a:p>
-            <a:pPr marL="0" indent="0">
-              <a:buNone/>
-            </a:pPr>
-            <a:r>
-              <a:rPr lang="bg-BG" sz="2600" dirty="0" smtClean="0">
+            <a:pPr>
+              <a:buFont typeface="Wingdings" panose="05000000000000000000" pitchFamily="2" charset="2"/>
+              <a:buChar char="§"/>
+            </a:pPr>
+            <a:r>
+              <a:rPr lang="en-US" sz="2600" dirty="0" smtClean="0">
                 <a:solidFill>
                   <a:schemeClr val="bg1"/>
                 </a:solidFill>
                 <a:cs typeface="Courier New" panose="02070309020205020404" pitchFamily="49" charset="0"/>
               </a:rPr>
-              <a:t>С използване на няколко цвята</a:t>
-            </a:r>
-            <a:r>
-              <a:rPr lang="en-US" sz="2600" dirty="0" smtClean="0">
-                <a:solidFill>
-                  <a:schemeClr val="bg1"/>
-                </a:solidFill>
-                <a:cs typeface="Courier New" panose="02070309020205020404" pitchFamily="49" charset="0"/>
-              </a:rPr>
-              <a:t>:</a:t>
-            </a:r>
-            <a:endParaRPr lang="en-US" sz="2600" dirty="0">
-              <a:solidFill>
-                <a:schemeClr val="bg1"/>
-              </a:solidFill>
-              <a:cs typeface="Courier New" panose="02070309020205020404" pitchFamily="49" charset="0"/>
-            </a:endParaRPr>
+              <a:t>Text-shadow</a:t>
+            </a:r>
           </a:p>
           <a:p>
             <a:pPr marL="0" indent="0">
@@ -4294,38 +4251,63 @@
                 <a:latin typeface="Courier New" panose="02070309020205020404" pitchFamily="49" charset="0"/>
                 <a:cs typeface="Courier New" panose="02070309020205020404" pitchFamily="49" charset="0"/>
               </a:rPr>
-              <a:t>.</a:t>
-            </a:r>
-            <a:r>
-              <a:rPr lang="en-US" sz="1500" dirty="0" smtClean="0">
-                <a:solidFill>
-                  <a:schemeClr val="accent3"/>
-                </a:solidFill>
-                <a:latin typeface="Courier New" panose="02070309020205020404" pitchFamily="49" charset="0"/>
-                <a:cs typeface="Courier New" panose="02070309020205020404" pitchFamily="49" charset="0"/>
-              </a:rPr>
-              <a:t>gradient</a:t>
-            </a:r>
-            <a:r>
-              <a:rPr lang="bg-BG" sz="1500" dirty="0" smtClean="0">
-                <a:solidFill>
-                  <a:schemeClr val="accent3"/>
-                </a:solidFill>
-                <a:latin typeface="Courier New" panose="02070309020205020404" pitchFamily="49" charset="0"/>
-                <a:cs typeface="Courier New" panose="02070309020205020404" pitchFamily="49" charset="0"/>
-              </a:rPr>
-              <a:t>3</a:t>
-            </a:r>
-            <a:r>
-              <a:rPr lang="en-US" sz="1500" dirty="0" smtClean="0">
-                <a:solidFill>
-                  <a:schemeClr val="accent3"/>
-                </a:solidFill>
-                <a:latin typeface="Courier New" panose="02070309020205020404" pitchFamily="49" charset="0"/>
-                <a:cs typeface="Courier New" panose="02070309020205020404" pitchFamily="49" charset="0"/>
-              </a:rPr>
-              <a:t> {</a:t>
-            </a:r>
+              <a:t>.text-shadow {</a:t>
+            </a:r>
+          </a:p>
+          <a:p>
+            <a:pPr marL="0" indent="0">
+              <a:buNone/>
+            </a:pPr>
+            <a:r>
+              <a:rPr lang="en-US" sz="1500" dirty="0">
+                <a:solidFill>
+                  <a:schemeClr val="accent3"/>
+                </a:solidFill>
+                <a:latin typeface="Courier New" panose="02070309020205020404" pitchFamily="49" charset="0"/>
+                <a:cs typeface="Courier New" panose="02070309020205020404" pitchFamily="49" charset="0"/>
+              </a:rPr>
+              <a:t>	text-shadow: 2px </a:t>
+            </a:r>
+            <a:r>
+              <a:rPr lang="en-US" sz="1500" dirty="0" err="1">
+                <a:solidFill>
+                  <a:schemeClr val="accent3"/>
+                </a:solidFill>
+                <a:latin typeface="Courier New" panose="02070309020205020404" pitchFamily="49" charset="0"/>
+                <a:cs typeface="Courier New" panose="02070309020205020404" pitchFamily="49" charset="0"/>
+              </a:rPr>
+              <a:t>2px</a:t>
+            </a:r>
+            <a:r>
+              <a:rPr lang="en-US" sz="1500" dirty="0">
+                <a:solidFill>
+                  <a:schemeClr val="accent3"/>
+                </a:solidFill>
+                <a:latin typeface="Courier New" panose="02070309020205020404" pitchFamily="49" charset="0"/>
+                <a:cs typeface="Courier New" panose="02070309020205020404" pitchFamily="49" charset="0"/>
+              </a:rPr>
+              <a:t> #666;</a:t>
+            </a:r>
+          </a:p>
+          <a:p>
+            <a:pPr marL="0" indent="0">
+              <a:buNone/>
+            </a:pPr>
+            <a:r>
+              <a:rPr lang="en-US" sz="1500" dirty="0">
+                <a:solidFill>
+                  <a:schemeClr val="accent3"/>
+                </a:solidFill>
+                <a:latin typeface="Courier New" panose="02070309020205020404" pitchFamily="49" charset="0"/>
+                <a:cs typeface="Courier New" panose="02070309020205020404" pitchFamily="49" charset="0"/>
+              </a:rPr>
+              <a:t>}</a:t>
+            </a:r>
+          </a:p>
+          <a:p>
+            <a:pPr marL="0" indent="0">
+              <a:buNone/>
+            </a:pPr>
             <a:endParaRPr lang="en-US" sz="1500" dirty="0">
               <a:solidFill>
                 <a:schemeClr val="accent3"/>
@@ -4346,7 +4328,22 @@
                 <a:latin typeface="Courier New" panose="02070309020205020404" pitchFamily="49" charset="0"/>
                 <a:cs typeface="Courier New" panose="02070309020205020404" pitchFamily="49" charset="0"/>
               </a:rPr>
-              <a:t>	background: -</a:t>
+              <a:t>.text-shadow2 {</a:t>
+            </a:r>
+          </a:p>
+          <a:p>
+            <a:pPr marL="0" indent="0">
+              <a:buNone/>
+            </a:pPr>
+            <a:r>
+              <a:rPr lang="en-US" sz="1500" dirty="0">
+                <a:solidFill>
+                  <a:schemeClr val="accent3"/>
+                </a:solidFill>
+                <a:latin typeface="Courier New" panose="02070309020205020404" pitchFamily="49" charset="0"/>
+                <a:cs typeface="Courier New" panose="02070309020205020404" pitchFamily="49" charset="0"/>
+              </a:rPr>
+              <a:t>	text-shadow: 0px </a:t>
             </a:r>
             <a:r>
               <a:rPr lang="en-US" sz="1500" dirty="0" err="1">
@@ -4356,7 +4353,7 @@
                 <a:latin typeface="Courier New" panose="02070309020205020404" pitchFamily="49" charset="0"/>
                 <a:cs typeface="Courier New" panose="02070309020205020404" pitchFamily="49" charset="0"/>
               </a:rPr>
-              <a:t>webkit</a:t>
+              <a:t>0px</a:t>
             </a:r>
             <a:r>
               <a:rPr lang="en-US" sz="1500" dirty="0">
@@ -4366,18 +4363,28 @@
                 <a:latin typeface="Courier New" panose="02070309020205020404" pitchFamily="49" charset="0"/>
                 <a:cs typeface="Courier New" panose="02070309020205020404" pitchFamily="49" charset="0"/>
               </a:rPr>
-              <a:t>-linear-gradient(orange, red, purple, blue, green, yellow, white</a:t>
-            </a:r>
-            <a:r>
-              <a:rPr lang="en-US" sz="1500" dirty="0" smtClean="0">
-                <a:solidFill>
-                  <a:schemeClr val="accent3"/>
-                </a:solidFill>
-                <a:latin typeface="Courier New" panose="02070309020205020404" pitchFamily="49" charset="0"/>
-                <a:cs typeface="Courier New" panose="02070309020205020404" pitchFamily="49" charset="0"/>
-              </a:rPr>
-              <a:t>);</a:t>
-            </a:r>
+              <a:t> 5px #f00; </a:t>
+            </a:r>
+          </a:p>
+          <a:p>
+            <a:pPr marL="0" indent="0">
+              <a:buNone/>
+            </a:pPr>
+            <a:r>
+              <a:rPr lang="en-US" sz="1500" dirty="0">
+                <a:solidFill>
+                  <a:schemeClr val="accent3"/>
+                </a:solidFill>
+                <a:latin typeface="Courier New" panose="02070309020205020404" pitchFamily="49" charset="0"/>
+                <a:cs typeface="Courier New" panose="02070309020205020404" pitchFamily="49" charset="0"/>
+              </a:rPr>
+              <a:t>}</a:t>
+            </a:r>
+          </a:p>
+          <a:p>
+            <a:pPr marL="0" indent="0">
+              <a:buNone/>
+            </a:pPr>
             <a:endParaRPr lang="en-US" sz="1500" dirty="0">
               <a:solidFill>
                 <a:schemeClr val="accent3"/>
@@ -4398,19 +4405,59 @@
                 <a:latin typeface="Courier New" panose="02070309020205020404" pitchFamily="49" charset="0"/>
                 <a:cs typeface="Courier New" panose="02070309020205020404" pitchFamily="49" charset="0"/>
               </a:rPr>
-              <a:t>	background: -o-linear-gradient(orange, red, purple, blue, green, yellow, white</a:t>
-            </a:r>
-            <a:r>
-              <a:rPr lang="en-US" sz="1500" dirty="0" smtClean="0">
-                <a:solidFill>
-                  <a:schemeClr val="accent3"/>
-                </a:solidFill>
-                <a:latin typeface="Courier New" panose="02070309020205020404" pitchFamily="49" charset="0"/>
-                <a:cs typeface="Courier New" panose="02070309020205020404" pitchFamily="49" charset="0"/>
-              </a:rPr>
-              <a:t>);</a:t>
-            </a:r>
-            <a:endParaRPr lang="bg-BG" sz="1500" dirty="0" smtClean="0">
+              <a:t>.text-shadow3 {</a:t>
+            </a:r>
+          </a:p>
+          <a:p>
+            <a:pPr marL="0" indent="0">
+              <a:buNone/>
+            </a:pPr>
+            <a:r>
+              <a:rPr lang="en-US" sz="1500" dirty="0">
+                <a:solidFill>
+                  <a:schemeClr val="accent3"/>
+                </a:solidFill>
+                <a:latin typeface="Courier New" panose="02070309020205020404" pitchFamily="49" charset="0"/>
+                <a:cs typeface="Courier New" panose="02070309020205020404" pitchFamily="49" charset="0"/>
+              </a:rPr>
+              <a:t>	text-shadow: 0px -5px </a:t>
+            </a:r>
+            <a:r>
+              <a:rPr lang="en-US" sz="1500" dirty="0" err="1">
+                <a:solidFill>
+                  <a:schemeClr val="accent3"/>
+                </a:solidFill>
+                <a:latin typeface="Courier New" panose="02070309020205020404" pitchFamily="49" charset="0"/>
+                <a:cs typeface="Courier New" panose="02070309020205020404" pitchFamily="49" charset="0"/>
+              </a:rPr>
+              <a:t>5px</a:t>
+            </a:r>
+            <a:r>
+              <a:rPr lang="en-US" sz="1500" dirty="0">
+                <a:solidFill>
+                  <a:schemeClr val="accent3"/>
+                </a:solidFill>
+                <a:latin typeface="Courier New" panose="02070309020205020404" pitchFamily="49" charset="0"/>
+                <a:cs typeface="Courier New" panose="02070309020205020404" pitchFamily="49" charset="0"/>
+              </a:rPr>
+              <a:t> #f00, 0px 5px 10px yellow; </a:t>
+            </a:r>
+          </a:p>
+          <a:p>
+            <a:pPr marL="0" indent="0">
+              <a:buNone/>
+            </a:pPr>
+            <a:r>
+              <a:rPr lang="en-US" sz="1500" dirty="0">
+                <a:solidFill>
+                  <a:schemeClr val="accent3"/>
+                </a:solidFill>
+                <a:latin typeface="Courier New" panose="02070309020205020404" pitchFamily="49" charset="0"/>
+                <a:cs typeface="Courier New" panose="02070309020205020404" pitchFamily="49" charset="0"/>
+              </a:rPr>
+              <a:t>}</a:t>
+            </a:r>
+            <a:endParaRPr lang="en-US" sz="1500" dirty="0" smtClean="0">
               <a:solidFill>
                 <a:schemeClr val="accent3"/>
               </a:solidFill>
@@ -4418,308 +4465,42 @@
               <a:cs typeface="Courier New" panose="02070309020205020404" pitchFamily="49" charset="0"/>
             </a:endParaRPr>
           </a:p>
-          <a:p>
-            <a:pPr marL="0" indent="0">
-              <a:buNone/>
-            </a:pPr>
-            <a:r>
-              <a:rPr lang="en-US" sz="1500" dirty="0" smtClean="0">
-                <a:solidFill>
-                  <a:schemeClr val="accent3"/>
-                </a:solidFill>
-                <a:latin typeface="Courier New" panose="02070309020205020404" pitchFamily="49" charset="0"/>
-                <a:cs typeface="Courier New" panose="02070309020205020404" pitchFamily="49" charset="0"/>
-              </a:rPr>
-              <a:t> </a:t>
-            </a:r>
-            <a:r>
-              <a:rPr lang="en-US" sz="1500" dirty="0">
-                <a:solidFill>
-                  <a:schemeClr val="accent3"/>
-                </a:solidFill>
-                <a:latin typeface="Courier New" panose="02070309020205020404" pitchFamily="49" charset="0"/>
-                <a:cs typeface="Courier New" panose="02070309020205020404" pitchFamily="49" charset="0"/>
-              </a:rPr>
-              <a:t>	background: -</a:t>
-            </a:r>
-            <a:r>
-              <a:rPr lang="en-US" sz="1500" dirty="0" err="1">
-                <a:solidFill>
-                  <a:schemeClr val="accent3"/>
-                </a:solidFill>
-                <a:latin typeface="Courier New" panose="02070309020205020404" pitchFamily="49" charset="0"/>
-                <a:cs typeface="Courier New" panose="02070309020205020404" pitchFamily="49" charset="0"/>
-              </a:rPr>
-              <a:t>moz</a:t>
-            </a:r>
-            <a:r>
-              <a:rPr lang="en-US" sz="1500" dirty="0">
-                <a:solidFill>
-                  <a:schemeClr val="accent3"/>
-                </a:solidFill>
-                <a:latin typeface="Courier New" panose="02070309020205020404" pitchFamily="49" charset="0"/>
-                <a:cs typeface="Courier New" panose="02070309020205020404" pitchFamily="49" charset="0"/>
-              </a:rPr>
-              <a:t>-linear-gradient(orange, red, purple, blue, green, yellow, white); </a:t>
-            </a:r>
-            <a:endParaRPr lang="bg-BG" sz="1500" dirty="0" smtClean="0">
-              <a:solidFill>
-                <a:schemeClr val="accent3"/>
-              </a:solidFill>
-              <a:latin typeface="Courier New" panose="02070309020205020404" pitchFamily="49" charset="0"/>
-              <a:cs typeface="Courier New" panose="02070309020205020404" pitchFamily="49" charset="0"/>
-            </a:endParaRPr>
-          </a:p>
-          <a:p>
-            <a:pPr marL="0" indent="0">
-              <a:buNone/>
-            </a:pPr>
-            <a:r>
-              <a:rPr lang="en-US" sz="1500" dirty="0">
-                <a:solidFill>
-                  <a:schemeClr val="accent3"/>
-                </a:solidFill>
-                <a:latin typeface="Courier New" panose="02070309020205020404" pitchFamily="49" charset="0"/>
-                <a:cs typeface="Courier New" panose="02070309020205020404" pitchFamily="49" charset="0"/>
-              </a:rPr>
-              <a:t>	background: linear-gradient(orange, red, purple, blue, green, yellow, white</a:t>
-            </a:r>
-            <a:r>
-              <a:rPr lang="en-US" sz="1500" dirty="0" smtClean="0">
-                <a:solidFill>
-                  <a:schemeClr val="accent3"/>
-                </a:solidFill>
-                <a:latin typeface="Courier New" panose="02070309020205020404" pitchFamily="49" charset="0"/>
-                <a:cs typeface="Courier New" panose="02070309020205020404" pitchFamily="49" charset="0"/>
-              </a:rPr>
-              <a:t>);</a:t>
-            </a:r>
-            <a:endParaRPr lang="en-US" sz="1500" dirty="0">
-              <a:solidFill>
-                <a:schemeClr val="accent3"/>
-              </a:solidFill>
-              <a:latin typeface="Courier New" panose="02070309020205020404" pitchFamily="49" charset="0"/>
-              <a:cs typeface="Courier New" panose="02070309020205020404" pitchFamily="49" charset="0"/>
-            </a:endParaRPr>
-          </a:p>
-          <a:p>
-            <a:pPr marL="0" indent="0">
-              <a:buNone/>
-            </a:pPr>
-            <a:r>
-              <a:rPr lang="en-US" sz="1500" dirty="0" smtClean="0">
-                <a:solidFill>
-                  <a:schemeClr val="accent3"/>
-                </a:solidFill>
-                <a:latin typeface="Courier New" panose="02070309020205020404" pitchFamily="49" charset="0"/>
-                <a:cs typeface="Courier New" panose="02070309020205020404" pitchFamily="49" charset="0"/>
-              </a:rPr>
-              <a:t>}</a:t>
-            </a:r>
-            <a:endParaRPr lang="bg-BG" sz="1500" dirty="0" smtClean="0">
-              <a:solidFill>
-                <a:schemeClr val="accent3"/>
-              </a:solidFill>
-              <a:latin typeface="Courier New" panose="02070309020205020404" pitchFamily="49" charset="0"/>
-              <a:cs typeface="Courier New" panose="02070309020205020404" pitchFamily="49" charset="0"/>
-            </a:endParaRPr>
-          </a:p>
-          <a:p>
-            <a:pPr marL="0" indent="0">
-              <a:buNone/>
-            </a:pPr>
-            <a:r>
-              <a:rPr lang="en-US" sz="2600" dirty="0" smtClean="0">
-                <a:solidFill>
-                  <a:schemeClr val="bg1"/>
-                </a:solidFill>
-                <a:latin typeface="+mj-lt"/>
-                <a:cs typeface="Courier New" panose="02070309020205020404" pitchFamily="49" charset="0"/>
-              </a:rPr>
-              <a:t>Radial Gradients</a:t>
-            </a:r>
-          </a:p>
-          <a:p>
-            <a:pPr marL="0" indent="0">
-              <a:buNone/>
-            </a:pPr>
-            <a:r>
-              <a:rPr lang="en-US" sz="1900" dirty="0">
-                <a:solidFill>
-                  <a:schemeClr val="accent3"/>
-                </a:solidFill>
-                <a:latin typeface="Courier New" panose="02070309020205020404" pitchFamily="49" charset="0"/>
-                <a:cs typeface="Courier New" panose="02070309020205020404" pitchFamily="49" charset="0"/>
-              </a:rPr>
-              <a:t>.gradient4 </a:t>
-            </a:r>
-            <a:r>
-              <a:rPr lang="en-US" sz="1900" dirty="0" smtClean="0">
-                <a:solidFill>
-                  <a:schemeClr val="accent3"/>
-                </a:solidFill>
-                <a:latin typeface="Courier New" panose="02070309020205020404" pitchFamily="49" charset="0"/>
-                <a:cs typeface="Courier New" panose="02070309020205020404" pitchFamily="49" charset="0"/>
-              </a:rPr>
-              <a:t>{</a:t>
-            </a:r>
-          </a:p>
-          <a:p>
-            <a:pPr marL="0" indent="0">
-              <a:buNone/>
-            </a:pPr>
-            <a:r>
-              <a:rPr lang="en-US" sz="1900" dirty="0">
-                <a:solidFill>
-                  <a:schemeClr val="accent3"/>
-                </a:solidFill>
-                <a:latin typeface="Courier New" panose="02070309020205020404" pitchFamily="49" charset="0"/>
-                <a:cs typeface="Courier New" panose="02070309020205020404" pitchFamily="49" charset="0"/>
-              </a:rPr>
-              <a:t>	background: -</a:t>
-            </a:r>
-            <a:r>
-              <a:rPr lang="en-US" sz="1900" dirty="0" err="1">
-                <a:solidFill>
-                  <a:schemeClr val="accent3"/>
-                </a:solidFill>
-                <a:latin typeface="Courier New" panose="02070309020205020404" pitchFamily="49" charset="0"/>
-                <a:cs typeface="Courier New" panose="02070309020205020404" pitchFamily="49" charset="0"/>
-              </a:rPr>
-              <a:t>webkit</a:t>
-            </a:r>
-            <a:r>
-              <a:rPr lang="en-US" sz="1900" dirty="0">
-                <a:solidFill>
-                  <a:schemeClr val="accent3"/>
-                </a:solidFill>
-                <a:latin typeface="Courier New" panose="02070309020205020404" pitchFamily="49" charset="0"/>
-                <a:cs typeface="Courier New" panose="02070309020205020404" pitchFamily="49" charset="0"/>
-              </a:rPr>
-              <a:t>-radial-gradient(yellow 33%, green 66%, blue 100%); </a:t>
-            </a:r>
-            <a:endParaRPr lang="en-US" sz="1900" dirty="0" smtClean="0">
-              <a:solidFill>
-                <a:schemeClr val="accent3"/>
-              </a:solidFill>
-              <a:latin typeface="Courier New" panose="02070309020205020404" pitchFamily="49" charset="0"/>
-              <a:cs typeface="Courier New" panose="02070309020205020404" pitchFamily="49" charset="0"/>
-            </a:endParaRPr>
-          </a:p>
-          <a:p>
-            <a:pPr marL="0" indent="0">
-              <a:buNone/>
-            </a:pPr>
-            <a:r>
-              <a:rPr lang="en-US" sz="1900" dirty="0">
-                <a:solidFill>
-                  <a:schemeClr val="accent3"/>
-                </a:solidFill>
-                <a:latin typeface="Courier New" panose="02070309020205020404" pitchFamily="49" charset="0"/>
-                <a:cs typeface="Courier New" panose="02070309020205020404" pitchFamily="49" charset="0"/>
-              </a:rPr>
-              <a:t>	background: -o-radial-gradient(yellow 33%, green 66%, blue 100%); </a:t>
-            </a:r>
-            <a:endParaRPr lang="en-US" sz="1900" dirty="0" smtClean="0">
-              <a:solidFill>
-                <a:schemeClr val="accent3"/>
-              </a:solidFill>
-              <a:latin typeface="Courier New" panose="02070309020205020404" pitchFamily="49" charset="0"/>
-              <a:cs typeface="Courier New" panose="02070309020205020404" pitchFamily="49" charset="0"/>
-            </a:endParaRPr>
-          </a:p>
-          <a:p>
-            <a:pPr marL="0" indent="0">
-              <a:buNone/>
-            </a:pPr>
-            <a:r>
-              <a:rPr lang="en-US" sz="1900" dirty="0">
-                <a:solidFill>
-                  <a:schemeClr val="accent3"/>
-                </a:solidFill>
-                <a:latin typeface="Courier New" panose="02070309020205020404" pitchFamily="49" charset="0"/>
-                <a:cs typeface="Courier New" panose="02070309020205020404" pitchFamily="49" charset="0"/>
-              </a:rPr>
-              <a:t>	background: -</a:t>
-            </a:r>
-            <a:r>
-              <a:rPr lang="en-US" sz="1900" dirty="0" err="1">
-                <a:solidFill>
-                  <a:schemeClr val="accent3"/>
-                </a:solidFill>
-                <a:latin typeface="Courier New" panose="02070309020205020404" pitchFamily="49" charset="0"/>
-                <a:cs typeface="Courier New" panose="02070309020205020404" pitchFamily="49" charset="0"/>
-              </a:rPr>
-              <a:t>moz</a:t>
-            </a:r>
-            <a:r>
-              <a:rPr lang="en-US" sz="1900" dirty="0">
-                <a:solidFill>
-                  <a:schemeClr val="accent3"/>
-                </a:solidFill>
-                <a:latin typeface="Courier New" panose="02070309020205020404" pitchFamily="49" charset="0"/>
-                <a:cs typeface="Courier New" panose="02070309020205020404" pitchFamily="49" charset="0"/>
-              </a:rPr>
-              <a:t>-radial-gradient(yellow 33%, green 66%, blue 100%); </a:t>
-            </a:r>
-            <a:endParaRPr lang="en-US" sz="1900" dirty="0" smtClean="0">
-              <a:solidFill>
-                <a:schemeClr val="accent3"/>
-              </a:solidFill>
-              <a:latin typeface="Courier New" panose="02070309020205020404" pitchFamily="49" charset="0"/>
-              <a:cs typeface="Courier New" panose="02070309020205020404" pitchFamily="49" charset="0"/>
-            </a:endParaRPr>
-          </a:p>
-          <a:p>
-            <a:pPr marL="0" indent="0">
-              <a:buNone/>
-            </a:pPr>
-            <a:r>
-              <a:rPr lang="en-US" sz="1900" dirty="0">
-                <a:solidFill>
-                  <a:schemeClr val="accent3"/>
-                </a:solidFill>
-                <a:latin typeface="Courier New" panose="02070309020205020404" pitchFamily="49" charset="0"/>
-                <a:cs typeface="Courier New" panose="02070309020205020404" pitchFamily="49" charset="0"/>
-              </a:rPr>
-              <a:t>	background: radial-gradient(yellow 33%, green 66%, blue 100%); </a:t>
-            </a:r>
-            <a:endParaRPr lang="en-US" sz="1900" dirty="0" smtClean="0">
-              <a:solidFill>
-                <a:schemeClr val="accent3"/>
-              </a:solidFill>
-              <a:latin typeface="Courier New" panose="02070309020205020404" pitchFamily="49" charset="0"/>
-              <a:cs typeface="Courier New" panose="02070309020205020404" pitchFamily="49" charset="0"/>
-            </a:endParaRPr>
-          </a:p>
-          <a:p>
-            <a:pPr marL="0" indent="0">
-              <a:buNone/>
-            </a:pPr>
-            <a:r>
-              <a:rPr lang="en-US" sz="1900" dirty="0" smtClean="0">
-                <a:solidFill>
-                  <a:schemeClr val="accent3"/>
-                </a:solidFill>
-                <a:latin typeface="Courier New" panose="02070309020205020404" pitchFamily="49" charset="0"/>
-                <a:cs typeface="Courier New" panose="02070309020205020404" pitchFamily="49" charset="0"/>
-              </a:rPr>
-              <a:t>}</a:t>
-            </a:r>
-            <a:endParaRPr lang="en-US" sz="1900" dirty="0">
-              <a:solidFill>
-                <a:schemeClr val="accent3"/>
-              </a:solidFill>
-              <a:latin typeface="Courier New" panose="02070309020205020404" pitchFamily="49" charset="0"/>
-              <a:cs typeface="Courier New" panose="02070309020205020404" pitchFamily="49" charset="0"/>
-            </a:endParaRPr>
-          </a:p>
         </p:txBody>
       </p:sp>
+      <p:pic>
+        <p:nvPicPr>
+          <p:cNvPr id="3" name="Picture 2"/>
+          <p:cNvPicPr>
+            <a:picLocks noChangeAspect="1"/>
+          </p:cNvPicPr>
+          <p:nvPr/>
+        </p:nvPicPr>
+        <p:blipFill>
+          <a:blip r:embed="rId2">
+            <a:extLst>
+              <a:ext uri="{28A0092B-C50C-407E-A947-70E740481C1C}">
+                <a14:useLocalDpi xmlns:a14="http://schemas.microsoft.com/office/drawing/2010/main" val="0"/>
+              </a:ext>
+            </a:extLst>
+          </a:blip>
+          <a:stretch>
+            <a:fillRect/>
+          </a:stretch>
+        </p:blipFill>
+        <p:spPr>
+          <a:xfrm>
+            <a:off x="2743200" y="5334000"/>
+            <a:ext cx="3133971" cy="792163"/>
+          </a:xfrm>
+          <a:prstGeom prst="rect">
+            <a:avLst/>
+          </a:prstGeom>
+        </p:spPr>
+      </p:pic>
     </p:spTree>
     <p:extLst>
       <p:ext uri="{BB962C8B-B14F-4D97-AF65-F5344CB8AC3E}">
-        <p14:creationId xmlns:p14="http://schemas.microsoft.com/office/powerpoint/2010/main" val="714117594"/>
+        <p14:creationId xmlns:p14="http://schemas.microsoft.com/office/powerpoint/2010/main" val="4221924136"/>
       </p:ext>
     </p:extLst>
   </p:cSld>
@@ -4836,7 +4617,7 @@
                 </a:solidFill>
                 <a:cs typeface="Courier New" panose="02070309020205020404" pitchFamily="49" charset="0"/>
               </a:rPr>
-              <a:t>Text-shadow</a:t>
+              <a:t>Box-shadow</a:t>
             </a:r>
           </a:p>
           <a:p>
@@ -4851,7 +4632,7 @@
                 <a:latin typeface="Courier New" panose="02070309020205020404" pitchFamily="49" charset="0"/>
                 <a:cs typeface="Courier New" panose="02070309020205020404" pitchFamily="49" charset="0"/>
               </a:rPr>
-              <a:t>.text-shadow {</a:t>
+              <a:t>.box-shadow {</a:t>
             </a:r>
           </a:p>
           <a:p>
@@ -4866,7 +4647,52 @@
                 <a:latin typeface="Courier New" panose="02070309020205020404" pitchFamily="49" charset="0"/>
                 <a:cs typeface="Courier New" panose="02070309020205020404" pitchFamily="49" charset="0"/>
               </a:rPr>
-              <a:t>	text-shadow: 2px </a:t>
+              <a:t>	width: 200px;</a:t>
+            </a:r>
+          </a:p>
+          <a:p>
+            <a:pPr marL="0" indent="0">
+              <a:buNone/>
+            </a:pPr>
+            <a:r>
+              <a:rPr lang="en-US" sz="1500" dirty="0">
+                <a:solidFill>
+                  <a:schemeClr val="accent3"/>
+                </a:solidFill>
+                <a:latin typeface="Courier New" panose="02070309020205020404" pitchFamily="49" charset="0"/>
+                <a:cs typeface="Courier New" panose="02070309020205020404" pitchFamily="49" charset="0"/>
+              </a:rPr>
+              <a:t>	height: 200px;</a:t>
+            </a:r>
+          </a:p>
+          <a:p>
+            <a:pPr marL="0" indent="0">
+              <a:buNone/>
+            </a:pPr>
+            <a:r>
+              <a:rPr lang="en-US" sz="1500" dirty="0">
+                <a:solidFill>
+                  <a:schemeClr val="accent3"/>
+                </a:solidFill>
+                <a:latin typeface="Courier New" panose="02070309020205020404" pitchFamily="49" charset="0"/>
+                <a:cs typeface="Courier New" panose="02070309020205020404" pitchFamily="49" charset="0"/>
+              </a:rPr>
+              <a:t>	background: white;</a:t>
+            </a:r>
+          </a:p>
+          <a:p>
+            <a:pPr marL="0" indent="0">
+              <a:buNone/>
+            </a:pPr>
+            <a:r>
+              <a:rPr lang="en-US" sz="1500" dirty="0">
+                <a:solidFill>
+                  <a:schemeClr val="accent3"/>
+                </a:solidFill>
+                <a:latin typeface="Courier New" panose="02070309020205020404" pitchFamily="49" charset="0"/>
+                <a:cs typeface="Courier New" panose="02070309020205020404" pitchFamily="49" charset="0"/>
+              </a:rPr>
+              <a:t>	box-shadow: 0px </a:t>
             </a:r>
             <a:r>
               <a:rPr lang="en-US" sz="1500" dirty="0" err="1">
@@ -4876,7 +4702,7 @@
                 <a:latin typeface="Courier New" panose="02070309020205020404" pitchFamily="49" charset="0"/>
                 <a:cs typeface="Courier New" panose="02070309020205020404" pitchFamily="49" charset="0"/>
               </a:rPr>
-              <a:t>2px</a:t>
+              <a:t>0px</a:t>
             </a:r>
             <a:r>
               <a:rPr lang="en-US" sz="1500" dirty="0">
@@ -4886,7 +4712,7 @@
                 <a:latin typeface="Courier New" panose="02070309020205020404" pitchFamily="49" charset="0"/>
                 <a:cs typeface="Courier New" panose="02070309020205020404" pitchFamily="49" charset="0"/>
               </a:rPr>
-              <a:t> #666;</a:t>
+              <a:t> 10px #111;</a:t>
             </a:r>
           </a:p>
           <a:p>
@@ -4903,174 +4729,43 @@
               </a:rPr>
               <a:t>}</a:t>
             </a:r>
-          </a:p>
-          <a:p>
-            <a:pPr marL="0" indent="0">
-              <a:buNone/>
-            </a:pPr>
-            <a:endParaRPr lang="en-US" sz="1500" dirty="0">
-              <a:solidFill>
-                <a:schemeClr val="accent3"/>
-              </a:solidFill>
-              <a:latin typeface="Courier New" panose="02070309020205020404" pitchFamily="49" charset="0"/>
-              <a:cs typeface="Courier New" panose="02070309020205020404" pitchFamily="49" charset="0"/>
-            </a:endParaRPr>
-          </a:p>
-          <a:p>
-            <a:pPr marL="0" indent="0">
-              <a:buNone/>
-            </a:pPr>
-            <a:r>
-              <a:rPr lang="en-US" sz="1500" dirty="0">
-                <a:solidFill>
-                  <a:schemeClr val="accent3"/>
-                </a:solidFill>
-                <a:latin typeface="Courier New" panose="02070309020205020404" pitchFamily="49" charset="0"/>
-                <a:cs typeface="Courier New" panose="02070309020205020404" pitchFamily="49" charset="0"/>
-              </a:rPr>
-              <a:t>.text-shadow2 {</a:t>
-            </a:r>
-          </a:p>
-          <a:p>
-            <a:pPr marL="0" indent="0">
-              <a:buNone/>
-            </a:pPr>
-            <a:r>
-              <a:rPr lang="en-US" sz="1500" dirty="0">
-                <a:solidFill>
-                  <a:schemeClr val="accent3"/>
-                </a:solidFill>
-                <a:latin typeface="Courier New" panose="02070309020205020404" pitchFamily="49" charset="0"/>
-                <a:cs typeface="Courier New" panose="02070309020205020404" pitchFamily="49" charset="0"/>
-              </a:rPr>
-              <a:t>	text-shadow: 0px </a:t>
-            </a:r>
-            <a:r>
-              <a:rPr lang="en-US" sz="1500" dirty="0" err="1">
-                <a:solidFill>
-                  <a:schemeClr val="accent3"/>
-                </a:solidFill>
-                <a:latin typeface="Courier New" panose="02070309020205020404" pitchFamily="49" charset="0"/>
-                <a:cs typeface="Courier New" panose="02070309020205020404" pitchFamily="49" charset="0"/>
-              </a:rPr>
-              <a:t>0px</a:t>
-            </a:r>
-            <a:r>
-              <a:rPr lang="en-US" sz="1500" dirty="0">
-                <a:solidFill>
-                  <a:schemeClr val="accent3"/>
-                </a:solidFill>
-                <a:latin typeface="Courier New" panose="02070309020205020404" pitchFamily="49" charset="0"/>
-                <a:cs typeface="Courier New" panose="02070309020205020404" pitchFamily="49" charset="0"/>
-              </a:rPr>
-              <a:t> 5px #f00; </a:t>
-            </a:r>
-          </a:p>
-          <a:p>
-            <a:pPr marL="0" indent="0">
-              <a:buNone/>
-            </a:pPr>
-            <a:r>
-              <a:rPr lang="en-US" sz="1500" dirty="0">
-                <a:solidFill>
-                  <a:schemeClr val="accent3"/>
-                </a:solidFill>
-                <a:latin typeface="Courier New" panose="02070309020205020404" pitchFamily="49" charset="0"/>
-                <a:cs typeface="Courier New" panose="02070309020205020404" pitchFamily="49" charset="0"/>
-              </a:rPr>
-              <a:t>}</a:t>
-            </a:r>
-          </a:p>
-          <a:p>
-            <a:pPr marL="0" indent="0">
-              <a:buNone/>
-            </a:pPr>
-            <a:endParaRPr lang="en-US" sz="1500" dirty="0">
-              <a:solidFill>
-                <a:schemeClr val="accent3"/>
-              </a:solidFill>
-              <a:latin typeface="Courier New" panose="02070309020205020404" pitchFamily="49" charset="0"/>
-              <a:cs typeface="Courier New" panose="02070309020205020404" pitchFamily="49" charset="0"/>
-            </a:endParaRPr>
-          </a:p>
-          <a:p>
-            <a:pPr marL="0" indent="0">
-              <a:buNone/>
-            </a:pPr>
-            <a:r>
-              <a:rPr lang="en-US" sz="1500" dirty="0">
-                <a:solidFill>
-                  <a:schemeClr val="accent3"/>
-                </a:solidFill>
-                <a:latin typeface="Courier New" panose="02070309020205020404" pitchFamily="49" charset="0"/>
-                <a:cs typeface="Courier New" panose="02070309020205020404" pitchFamily="49" charset="0"/>
-              </a:rPr>
-              <a:t>.text-shadow3 {</a:t>
-            </a:r>
-          </a:p>
-          <a:p>
-            <a:pPr marL="0" indent="0">
-              <a:buNone/>
-            </a:pPr>
-            <a:r>
-              <a:rPr lang="en-US" sz="1500" dirty="0">
-                <a:solidFill>
-                  <a:schemeClr val="accent3"/>
-                </a:solidFill>
-                <a:latin typeface="Courier New" panose="02070309020205020404" pitchFamily="49" charset="0"/>
-                <a:cs typeface="Courier New" panose="02070309020205020404" pitchFamily="49" charset="0"/>
-              </a:rPr>
-              <a:t>	text-shadow: 0px -5px </a:t>
-            </a:r>
-            <a:r>
-              <a:rPr lang="en-US" sz="1500" dirty="0" err="1">
-                <a:solidFill>
-                  <a:schemeClr val="accent3"/>
-                </a:solidFill>
-                <a:latin typeface="Courier New" panose="02070309020205020404" pitchFamily="49" charset="0"/>
-                <a:cs typeface="Courier New" panose="02070309020205020404" pitchFamily="49" charset="0"/>
-              </a:rPr>
-              <a:t>5px</a:t>
-            </a:r>
-            <a:r>
-              <a:rPr lang="en-US" sz="1500" dirty="0">
-                <a:solidFill>
-                  <a:schemeClr val="accent3"/>
-                </a:solidFill>
-                <a:latin typeface="Courier New" panose="02070309020205020404" pitchFamily="49" charset="0"/>
-                <a:cs typeface="Courier New" panose="02070309020205020404" pitchFamily="49" charset="0"/>
-              </a:rPr>
-              <a:t> #f00, 0px 5px 10px yellow; </a:t>
-            </a:r>
-          </a:p>
-          <a:p>
-            <a:pPr marL="0" indent="0">
-              <a:buNone/>
-            </a:pPr>
-            <a:r>
-              <a:rPr lang="en-US" sz="1500" dirty="0">
-                <a:solidFill>
-                  <a:schemeClr val="accent3"/>
-                </a:solidFill>
-                <a:latin typeface="Courier New" panose="02070309020205020404" pitchFamily="49" charset="0"/>
-                <a:cs typeface="Courier New" panose="02070309020205020404" pitchFamily="49" charset="0"/>
-              </a:rPr>
-              <a:t>}</a:t>
-            </a:r>
-            <a:endParaRPr lang="en-US" sz="1500" dirty="0" smtClean="0">
-              <a:solidFill>
-                <a:schemeClr val="accent3"/>
-              </a:solidFill>
-              <a:latin typeface="Courier New" panose="02070309020205020404" pitchFamily="49" charset="0"/>
-              <a:cs typeface="Courier New" panose="02070309020205020404" pitchFamily="49" charset="0"/>
-            </a:endParaRPr>
           </a:p>
         </p:txBody>
       </p:sp>
+      <p:pic>
+        <p:nvPicPr>
+          <p:cNvPr id="3" name="Picture 2"/>
+          <p:cNvPicPr>
+            <a:picLocks noChangeAspect="1"/>
+          </p:cNvPicPr>
+          <p:nvPr/>
+        </p:nvPicPr>
+        <p:blipFill>
+          <a:blip r:embed="rId2">
+            <a:extLst>
+              <a:ext uri="{28A0092B-C50C-407E-A947-70E740481C1C}">
+                <a14:useLocalDpi xmlns:a14="http://schemas.microsoft.com/office/drawing/2010/main" val="0"/>
+              </a:ext>
+            </a:extLst>
+          </a:blip>
+          <a:stretch>
+            <a:fillRect/>
+          </a:stretch>
+        </p:blipFill>
+        <p:spPr>
+          <a:xfrm>
+            <a:off x="2743200" y="4343400"/>
+            <a:ext cx="3124636" cy="1181265"/>
+          </a:xfrm>
+          <a:prstGeom prst="rect">
+            <a:avLst/>
+          </a:prstGeom>
+        </p:spPr>
+      </p:pic>
     </p:spTree>
     <p:extLst>
       <p:ext uri="{BB962C8B-B14F-4D97-AF65-F5344CB8AC3E}">
-        <p14:creationId xmlns:p14="http://schemas.microsoft.com/office/powerpoint/2010/main" val="4221924136"/>
+        <p14:creationId xmlns:p14="http://schemas.microsoft.com/office/powerpoint/2010/main" val="810505626"/>
       </p:ext>
     </p:extLst>
   </p:cSld>
@@ -5149,7 +4844,7 @@
                   <a:schemeClr val="accent6"/>
                 </a:solidFill>
               </a:rPr>
-              <a:t>shadows</a:t>
+              <a:t>text properties</a:t>
             </a:r>
             <a:endParaRPr lang="bg-BG" dirty="0">
               <a:solidFill>
@@ -5187,7 +4882,7 @@
                 </a:solidFill>
                 <a:cs typeface="Courier New" panose="02070309020205020404" pitchFamily="49" charset="0"/>
               </a:rPr>
-              <a:t>Box-shadow</a:t>
+              <a:t>Text-overflow</a:t>
             </a:r>
           </a:p>
           <a:p>
@@ -5202,7 +4897,7 @@
                 <a:latin typeface="Courier New" panose="02070309020205020404" pitchFamily="49" charset="0"/>
                 <a:cs typeface="Courier New" panose="02070309020205020404" pitchFamily="49" charset="0"/>
               </a:rPr>
-              <a:t>.box-shadow {</a:t>
+              <a:t>.text1 {</a:t>
             </a:r>
           </a:p>
           <a:p>
@@ -5217,7 +4912,7 @@
                 <a:latin typeface="Courier New" panose="02070309020205020404" pitchFamily="49" charset="0"/>
                 <a:cs typeface="Courier New" panose="02070309020205020404" pitchFamily="49" charset="0"/>
               </a:rPr>
-              <a:t>	width: 200px;</a:t>
+              <a:t>	width: 100px;</a:t>
             </a:r>
           </a:p>
           <a:p>
@@ -5232,7 +4927,7 @@
                 <a:latin typeface="Courier New" panose="02070309020205020404" pitchFamily="49" charset="0"/>
                 <a:cs typeface="Courier New" panose="02070309020205020404" pitchFamily="49" charset="0"/>
               </a:rPr>
-              <a:t>	height: 200px;</a:t>
+              <a:t>	border: 1px solid #ccc;</a:t>
             </a:r>
           </a:p>
           <a:p>
@@ -5247,13 +4942,18 @@
                 <a:latin typeface="Courier New" panose="02070309020205020404" pitchFamily="49" charset="0"/>
                 <a:cs typeface="Courier New" panose="02070309020205020404" pitchFamily="49" charset="0"/>
               </a:rPr>
-              <a:t>	background: white;</a:t>
-            </a:r>
-          </a:p>
-          <a:p>
-            <a:pPr marL="0" indent="0">
-              <a:buNone/>
-            </a:pPr>
+              <a:t>	white-space: </a:t>
+            </a:r>
+            <a:r>
+              <a:rPr lang="en-US" sz="1500" dirty="0" err="1">
+                <a:solidFill>
+                  <a:schemeClr val="accent3"/>
+                </a:solidFill>
+                <a:latin typeface="Courier New" panose="02070309020205020404" pitchFamily="49" charset="0"/>
+                <a:cs typeface="Courier New" panose="02070309020205020404" pitchFamily="49" charset="0"/>
+              </a:rPr>
+              <a:t>nowrap</a:t>
+            </a:r>
             <a:r>
               <a:rPr lang="en-US" sz="1500" dirty="0">
                 <a:solidFill>
@@ -5262,18 +4962,13 @@
                 <a:latin typeface="Courier New" panose="02070309020205020404" pitchFamily="49" charset="0"/>
                 <a:cs typeface="Courier New" panose="02070309020205020404" pitchFamily="49" charset="0"/>
               </a:rPr>
-              <a:t>	box-shadow: 0px </a:t>
-            </a:r>
-            <a:r>
-              <a:rPr lang="en-US" sz="1500" dirty="0" err="1">
-                <a:solidFill>
-                  <a:schemeClr val="accent3"/>
-                </a:solidFill>
-                <a:latin typeface="Courier New" panose="02070309020205020404" pitchFamily="49" charset="0"/>
-                <a:cs typeface="Courier New" panose="02070309020205020404" pitchFamily="49" charset="0"/>
-              </a:rPr>
-              <a:t>0px</a:t>
-            </a:r>
+              <a:t>;</a:t>
+            </a:r>
+          </a:p>
+          <a:p>
+            <a:pPr marL="0" indent="0">
+              <a:buNone/>
+            </a:pPr>
             <a:r>
               <a:rPr lang="en-US" sz="1500" dirty="0">
                 <a:solidFill>
@@ -5282,7 +4977,118 @@
                 <a:latin typeface="Courier New" panose="02070309020205020404" pitchFamily="49" charset="0"/>
                 <a:cs typeface="Courier New" panose="02070309020205020404" pitchFamily="49" charset="0"/>
               </a:rPr>
-              <a:t> 10px #111;</a:t>
+              <a:t>	text-overflow: ellipsis;</a:t>
+            </a:r>
+          </a:p>
+          <a:p>
+            <a:pPr marL="0" indent="0">
+              <a:buNone/>
+            </a:pPr>
+            <a:r>
+              <a:rPr lang="en-US" sz="1500" dirty="0">
+                <a:solidFill>
+                  <a:schemeClr val="accent3"/>
+                </a:solidFill>
+                <a:latin typeface="Courier New" panose="02070309020205020404" pitchFamily="49" charset="0"/>
+                <a:cs typeface="Courier New" panose="02070309020205020404" pitchFamily="49" charset="0"/>
+              </a:rPr>
+              <a:t>	overflow: hidden;</a:t>
+            </a:r>
+          </a:p>
+          <a:p>
+            <a:pPr marL="0" indent="0">
+              <a:buNone/>
+            </a:pPr>
+            <a:r>
+              <a:rPr lang="en-US" sz="1500" dirty="0" smtClean="0">
+                <a:solidFill>
+                  <a:schemeClr val="accent3"/>
+                </a:solidFill>
+                <a:latin typeface="Courier New" panose="02070309020205020404" pitchFamily="49" charset="0"/>
+                <a:cs typeface="Courier New" panose="02070309020205020404" pitchFamily="49" charset="0"/>
+              </a:rPr>
+              <a:t>}</a:t>
+            </a:r>
+          </a:p>
+          <a:p>
+            <a:pPr>
+              <a:buFont typeface="Wingdings" panose="05000000000000000000" pitchFamily="2" charset="2"/>
+              <a:buChar char="§"/>
+            </a:pPr>
+            <a:r>
+              <a:rPr lang="en-US" sz="2600" dirty="0" smtClean="0">
+                <a:solidFill>
+                  <a:schemeClr val="bg1"/>
+                </a:solidFill>
+                <a:cs typeface="Courier New" panose="02070309020205020404" pitchFamily="49" charset="0"/>
+              </a:rPr>
+              <a:t>Word-break</a:t>
+            </a:r>
+            <a:endParaRPr lang="en-US" sz="2600" dirty="0">
+              <a:solidFill>
+                <a:schemeClr val="bg1"/>
+              </a:solidFill>
+              <a:cs typeface="Courier New" panose="02070309020205020404" pitchFamily="49" charset="0"/>
+            </a:endParaRPr>
+          </a:p>
+          <a:p>
+            <a:pPr marL="0" indent="0">
+              <a:buNone/>
+            </a:pPr>
+            <a:r>
+              <a:rPr lang="en-US" sz="1500" dirty="0">
+                <a:solidFill>
+                  <a:schemeClr val="accent3"/>
+                </a:solidFill>
+                <a:latin typeface="Courier New" panose="02070309020205020404" pitchFamily="49" charset="0"/>
+                <a:cs typeface="Courier New" panose="02070309020205020404" pitchFamily="49" charset="0"/>
+              </a:rPr>
+              <a:t>.text2 {</a:t>
+            </a:r>
+          </a:p>
+          <a:p>
+            <a:pPr marL="0" indent="0">
+              <a:buNone/>
+            </a:pPr>
+            <a:r>
+              <a:rPr lang="en-US" sz="1500" dirty="0">
+                <a:solidFill>
+                  <a:schemeClr val="accent3"/>
+                </a:solidFill>
+                <a:latin typeface="Courier New" panose="02070309020205020404" pitchFamily="49" charset="0"/>
+                <a:cs typeface="Courier New" panose="02070309020205020404" pitchFamily="49" charset="0"/>
+              </a:rPr>
+              <a:t>	width: 100px;</a:t>
+            </a:r>
+          </a:p>
+          <a:p>
+            <a:pPr marL="0" indent="0">
+              <a:buNone/>
+            </a:pPr>
+            <a:r>
+              <a:rPr lang="en-US" sz="1500" dirty="0">
+                <a:solidFill>
+                  <a:schemeClr val="accent3"/>
+                </a:solidFill>
+                <a:latin typeface="Courier New" panose="02070309020205020404" pitchFamily="49" charset="0"/>
+                <a:cs typeface="Courier New" panose="02070309020205020404" pitchFamily="49" charset="0"/>
+              </a:rPr>
+              <a:t>	border: 1px solid #ccc;</a:t>
+            </a:r>
+          </a:p>
+          <a:p>
+            <a:pPr marL="0" indent="0">
+              <a:buNone/>
+            </a:pPr>
+            <a:r>
+              <a:rPr lang="en-US" sz="1500" dirty="0">
+                <a:solidFill>
+                  <a:schemeClr val="accent3"/>
+                </a:solidFill>
+                <a:latin typeface="Courier New" panose="02070309020205020404" pitchFamily="49" charset="0"/>
+                <a:cs typeface="Courier New" panose="02070309020205020404" pitchFamily="49" charset="0"/>
+              </a:rPr>
+              <a:t>	word-break: break-all;</a:t>
             </a:r>
           </a:p>
           <a:p>
@@ -5305,7 +5111,7 @@
     </p:spTree>
     <p:extLst>
       <p:ext uri="{BB962C8B-B14F-4D97-AF65-F5344CB8AC3E}">
-        <p14:creationId xmlns:p14="http://schemas.microsoft.com/office/powerpoint/2010/main" val="810505626"/>
+        <p14:creationId xmlns:p14="http://schemas.microsoft.com/office/powerpoint/2010/main" val="560896804"/>
       </p:ext>
     </p:extLst>
   </p:cSld>
@@ -5384,7 +5190,7 @@
                   <a:schemeClr val="accent6"/>
                 </a:solidFill>
               </a:rPr>
-              <a:t>text properties</a:t>
+              <a:t>2D Transforms</a:t>
             </a:r>
             <a:endParaRPr lang="bg-BG" dirty="0">
               <a:solidFill>
@@ -5416,139 +5222,32 @@
               <a:buChar char="§"/>
             </a:pPr>
             <a:r>
-              <a:rPr lang="en-US" sz="2600" dirty="0" smtClean="0">
+              <a:rPr lang="en-US" sz="3000" dirty="0">
                 <a:solidFill>
                   <a:schemeClr val="bg1"/>
                 </a:solidFill>
-                <a:cs typeface="Courier New" panose="02070309020205020404" pitchFamily="49" charset="0"/>
-              </a:rPr>
-              <a:t>Text-overflow</a:t>
-            </a:r>
-          </a:p>
-          <a:p>
-            <a:pPr marL="0" indent="0">
-              <a:buNone/>
-            </a:pPr>
-            <a:r>
-              <a:rPr lang="en-US" sz="1500" dirty="0">
-                <a:solidFill>
-                  <a:schemeClr val="accent3"/>
-                </a:solidFill>
-                <a:latin typeface="Courier New" panose="02070309020205020404" pitchFamily="49" charset="0"/>
-                <a:cs typeface="Courier New" panose="02070309020205020404" pitchFamily="49" charset="0"/>
-              </a:rPr>
-              <a:t>.text1 {</a:t>
-            </a:r>
-          </a:p>
-          <a:p>
-            <a:pPr marL="0" indent="0">
-              <a:buNone/>
-            </a:pPr>
-            <a:r>
-              <a:rPr lang="en-US" sz="1500" dirty="0">
-                <a:solidFill>
-                  <a:schemeClr val="accent3"/>
-                </a:solidFill>
-                <a:latin typeface="Courier New" panose="02070309020205020404" pitchFamily="49" charset="0"/>
-                <a:cs typeface="Courier New" panose="02070309020205020404" pitchFamily="49" charset="0"/>
-              </a:rPr>
-              <a:t>	width: 100px;</a:t>
-            </a:r>
-          </a:p>
-          <a:p>
-            <a:pPr marL="0" indent="0">
-              <a:buNone/>
-            </a:pPr>
-            <a:r>
-              <a:rPr lang="en-US" sz="1500" dirty="0">
-                <a:solidFill>
-                  <a:schemeClr val="accent3"/>
-                </a:solidFill>
-                <a:latin typeface="Courier New" panose="02070309020205020404" pitchFamily="49" charset="0"/>
-                <a:cs typeface="Courier New" panose="02070309020205020404" pitchFamily="49" charset="0"/>
-              </a:rPr>
-              <a:t>	border: 1px solid #ccc;</a:t>
-            </a:r>
-          </a:p>
-          <a:p>
-            <a:pPr marL="0" indent="0">
-              <a:buNone/>
-            </a:pPr>
-            <a:r>
-              <a:rPr lang="en-US" sz="1500" dirty="0">
-                <a:solidFill>
-                  <a:schemeClr val="accent3"/>
-                </a:solidFill>
-                <a:latin typeface="Courier New" panose="02070309020205020404" pitchFamily="49" charset="0"/>
-                <a:cs typeface="Courier New" panose="02070309020205020404" pitchFamily="49" charset="0"/>
-              </a:rPr>
-              <a:t>	white-space: </a:t>
-            </a:r>
-            <a:r>
-              <a:rPr lang="en-US" sz="1500" dirty="0" err="1">
-                <a:solidFill>
-                  <a:schemeClr val="accent3"/>
-                </a:solidFill>
-                <a:latin typeface="Courier New" panose="02070309020205020404" pitchFamily="49" charset="0"/>
-                <a:cs typeface="Courier New" panose="02070309020205020404" pitchFamily="49" charset="0"/>
-              </a:rPr>
-              <a:t>nowrap</a:t>
-            </a:r>
-            <a:r>
-              <a:rPr lang="en-US" sz="1500" dirty="0">
-                <a:solidFill>
-                  <a:schemeClr val="accent3"/>
-                </a:solidFill>
-                <a:latin typeface="Courier New" panose="02070309020205020404" pitchFamily="49" charset="0"/>
-                <a:cs typeface="Courier New" panose="02070309020205020404" pitchFamily="49" charset="0"/>
-              </a:rPr>
-              <a:t>;</a:t>
-            </a:r>
-          </a:p>
-          <a:p>
-            <a:pPr marL="0" indent="0">
-              <a:buNone/>
-            </a:pPr>
-            <a:r>
-              <a:rPr lang="en-US" sz="1500" dirty="0">
-                <a:solidFill>
-                  <a:schemeClr val="accent3"/>
-                </a:solidFill>
-                <a:latin typeface="Courier New" panose="02070309020205020404" pitchFamily="49" charset="0"/>
-                <a:cs typeface="Courier New" panose="02070309020205020404" pitchFamily="49" charset="0"/>
-              </a:rPr>
-              <a:t>	text-overflow: ellipsis;</a:t>
-            </a:r>
-          </a:p>
-          <a:p>
-            <a:pPr marL="0" indent="0">
-              <a:buNone/>
-            </a:pPr>
-            <a:r>
-              <a:rPr lang="en-US" sz="1500" dirty="0">
-                <a:solidFill>
-                  <a:schemeClr val="accent3"/>
-                </a:solidFill>
-                <a:latin typeface="Courier New" panose="02070309020205020404" pitchFamily="49" charset="0"/>
-                <a:cs typeface="Courier New" panose="02070309020205020404" pitchFamily="49" charset="0"/>
-              </a:rPr>
-              <a:t>	overflow: hidden;</a:t>
-            </a:r>
-          </a:p>
-          <a:p>
-            <a:pPr marL="0" indent="0">
-              <a:buNone/>
-            </a:pPr>
-            <a:r>
-              <a:rPr lang="en-US" sz="1500" dirty="0" smtClean="0">
-                <a:solidFill>
-                  <a:schemeClr val="accent3"/>
-                </a:solidFill>
-                <a:latin typeface="Courier New" panose="02070309020205020404" pitchFamily="49" charset="0"/>
-                <a:cs typeface="Courier New" panose="02070309020205020404" pitchFamily="49" charset="0"/>
-              </a:rPr>
-              <a:t>}</a:t>
-            </a:r>
+                <a:latin typeface="+mj-lt"/>
+                <a:cs typeface="Courier New" panose="02070309020205020404" pitchFamily="49" charset="0"/>
+              </a:rPr>
+              <a:t>t</a:t>
+            </a:r>
+            <a:r>
+              <a:rPr lang="en-US" sz="3000" dirty="0" smtClean="0">
+                <a:solidFill>
+                  <a:schemeClr val="bg1"/>
+                </a:solidFill>
+                <a:latin typeface="+mj-lt"/>
+                <a:cs typeface="Courier New" panose="02070309020205020404" pitchFamily="49" charset="0"/>
+              </a:rPr>
+              <a:t>ranslate</a:t>
+            </a:r>
+            <a:endParaRPr lang="en-US" sz="3000" dirty="0" smtClean="0">
+              <a:solidFill>
+                <a:schemeClr val="bg1"/>
+              </a:solidFill>
+              <a:latin typeface="+mj-lt"/>
+              <a:cs typeface="Courier New" panose="02070309020205020404" pitchFamily="49" charset="0"/>
+            </a:endParaRPr>
           </a:p>
           <a:p>
             <a:pPr>
@@ -5556,102 +5255,111 @@
               <a:buChar char="§"/>
             </a:pPr>
             <a:r>
-              <a:rPr lang="en-US" sz="2600" dirty="0" smtClean="0">
+              <a:rPr lang="en-US" sz="3000" dirty="0">
                 <a:solidFill>
                   <a:schemeClr val="bg1"/>
                 </a:solidFill>
-                <a:cs typeface="Courier New" panose="02070309020205020404" pitchFamily="49" charset="0"/>
-              </a:rPr>
-              <a:t>Word-break</a:t>
-            </a:r>
-            <a:endParaRPr lang="en-US" sz="2600" dirty="0">
+                <a:latin typeface="+mj-lt"/>
+                <a:cs typeface="Courier New" panose="02070309020205020404" pitchFamily="49" charset="0"/>
+              </a:rPr>
+              <a:t>s</a:t>
+            </a:r>
+            <a:r>
+              <a:rPr lang="en-US" sz="3000" dirty="0" smtClean="0">
+                <a:solidFill>
+                  <a:schemeClr val="bg1"/>
+                </a:solidFill>
+                <a:latin typeface="+mj-lt"/>
+                <a:cs typeface="Courier New" panose="02070309020205020404" pitchFamily="49" charset="0"/>
+              </a:rPr>
+              <a:t>cale</a:t>
+            </a:r>
+            <a:endParaRPr lang="en-US" sz="3000" dirty="0" smtClean="0">
               <a:solidFill>
                 <a:schemeClr val="bg1"/>
               </a:solidFill>
+              <a:latin typeface="+mj-lt"/>
               <a:cs typeface="Courier New" panose="02070309020205020404" pitchFamily="49" charset="0"/>
             </a:endParaRPr>
           </a:p>
           <a:p>
-            <a:pPr marL="0" indent="0">
-              <a:buNone/>
-            </a:pPr>
-            <a:r>
-              <a:rPr lang="en-US" sz="1500" dirty="0">
-                <a:solidFill>
-                  <a:schemeClr val="accent3"/>
-                </a:solidFill>
-                <a:latin typeface="Courier New" panose="02070309020205020404" pitchFamily="49" charset="0"/>
-                <a:cs typeface="Courier New" panose="02070309020205020404" pitchFamily="49" charset="0"/>
-              </a:rPr>
-              <a:t>.text2 {</a:t>
-            </a:r>
-          </a:p>
-          <a:p>
-            <a:pPr marL="0" indent="0">
-              <a:buNone/>
-            </a:pPr>
-            <a:r>
-              <a:rPr lang="en-US" sz="1500" dirty="0">
-                <a:solidFill>
-                  <a:schemeClr val="accent3"/>
-                </a:solidFill>
-                <a:latin typeface="Courier New" panose="02070309020205020404" pitchFamily="49" charset="0"/>
-                <a:cs typeface="Courier New" panose="02070309020205020404" pitchFamily="49" charset="0"/>
-              </a:rPr>
-              <a:t>	width: 100px;</a:t>
-            </a:r>
-          </a:p>
-          <a:p>
-            <a:pPr marL="0" indent="0">
-              <a:buNone/>
-            </a:pPr>
-            <a:r>
-              <a:rPr lang="en-US" sz="1500" dirty="0">
-                <a:solidFill>
-                  <a:schemeClr val="accent3"/>
-                </a:solidFill>
-                <a:latin typeface="Courier New" panose="02070309020205020404" pitchFamily="49" charset="0"/>
-                <a:cs typeface="Courier New" panose="02070309020205020404" pitchFamily="49" charset="0"/>
-              </a:rPr>
-              <a:t>	border: 1px solid #ccc;</a:t>
-            </a:r>
-          </a:p>
-          <a:p>
-            <a:pPr marL="0" indent="0">
-              <a:buNone/>
-            </a:pPr>
-            <a:r>
-              <a:rPr lang="en-US" sz="1500" dirty="0">
-                <a:solidFill>
-                  <a:schemeClr val="accent3"/>
-                </a:solidFill>
-                <a:latin typeface="Courier New" panose="02070309020205020404" pitchFamily="49" charset="0"/>
-                <a:cs typeface="Courier New" panose="02070309020205020404" pitchFamily="49" charset="0"/>
-              </a:rPr>
-              <a:t>	word-break: break-all;</a:t>
-            </a:r>
-          </a:p>
-          <a:p>
-            <a:pPr marL="0" indent="0">
-              <a:buNone/>
-            </a:pPr>
-            <a:r>
-              <a:rPr lang="en-US" sz="1500" dirty="0">
-                <a:solidFill>
-                  <a:schemeClr val="accent3"/>
-                </a:solidFill>
-                <a:latin typeface="Courier New" panose="02070309020205020404" pitchFamily="49" charset="0"/>
-                <a:cs typeface="Courier New" panose="02070309020205020404" pitchFamily="49" charset="0"/>
-              </a:rPr>
-              <a:t>}</a:t>
-            </a:r>
+            <a:pPr>
+              <a:buFont typeface="Wingdings" panose="05000000000000000000" pitchFamily="2" charset="2"/>
+              <a:buChar char="§"/>
+            </a:pPr>
+            <a:r>
+              <a:rPr lang="en-US" sz="3000" dirty="0" smtClean="0">
+                <a:solidFill>
+                  <a:schemeClr val="bg1"/>
+                </a:solidFill>
+                <a:latin typeface="+mj-lt"/>
+                <a:cs typeface="Courier New" panose="02070309020205020404" pitchFamily="49" charset="0"/>
+              </a:rPr>
+              <a:t>skew</a:t>
+            </a:r>
+          </a:p>
+          <a:p>
+            <a:pPr>
+              <a:buFont typeface="Wingdings" panose="05000000000000000000" pitchFamily="2" charset="2"/>
+              <a:buChar char="§"/>
+            </a:pPr>
+            <a:r>
+              <a:rPr lang="en-US" sz="3000" dirty="0">
+                <a:solidFill>
+                  <a:schemeClr val="bg1"/>
+                </a:solidFill>
+                <a:latin typeface="+mj-lt"/>
+                <a:cs typeface="Courier New" panose="02070309020205020404" pitchFamily="49" charset="0"/>
+              </a:rPr>
+              <a:t>m</a:t>
+            </a:r>
+            <a:r>
+              <a:rPr lang="en-US" sz="3000" dirty="0" smtClean="0">
+                <a:solidFill>
+                  <a:schemeClr val="bg1"/>
+                </a:solidFill>
+                <a:latin typeface="+mj-lt"/>
+                <a:cs typeface="Courier New" panose="02070309020205020404" pitchFamily="49" charset="0"/>
+              </a:rPr>
+              <a:t>atrix</a:t>
+            </a:r>
+            <a:endParaRPr lang="en-US" sz="3000" dirty="0" smtClean="0">
+              <a:solidFill>
+                <a:schemeClr val="bg1"/>
+              </a:solidFill>
+              <a:latin typeface="+mj-lt"/>
+              <a:cs typeface="Courier New" panose="02070309020205020404" pitchFamily="49" charset="0"/>
+            </a:endParaRPr>
+          </a:p>
+          <a:p>
+            <a:pPr>
+              <a:buFont typeface="Wingdings" panose="05000000000000000000" pitchFamily="2" charset="2"/>
+              <a:buChar char="§"/>
+            </a:pPr>
+            <a:r>
+              <a:rPr lang="en-US" sz="3000" dirty="0" smtClean="0">
+                <a:solidFill>
+                  <a:schemeClr val="bg1"/>
+                </a:solidFill>
+                <a:latin typeface="+mj-lt"/>
+                <a:cs typeface="Courier New" panose="02070309020205020404" pitchFamily="49" charset="0"/>
+              </a:rPr>
+              <a:t>rotate</a:t>
+            </a:r>
+            <a:endParaRPr lang="en-US" sz="3000" dirty="0">
+              <a:solidFill>
+                <a:schemeClr val="bg1"/>
+              </a:solidFill>
+              <a:latin typeface="+mj-lt"/>
+              <a:cs typeface="Courier New" panose="02070309020205020404" pitchFamily="49" charset="0"/>
+            </a:endParaRPr>
           </a:p>
         </p:txBody>
       </p:sp>
     </p:spTree>
     <p:extLst>
       <p:ext uri="{BB962C8B-B14F-4D97-AF65-F5344CB8AC3E}">
-        <p14:creationId xmlns:p14="http://schemas.microsoft.com/office/powerpoint/2010/main" val="560896804"/>
+        <p14:creationId xmlns:p14="http://schemas.microsoft.com/office/powerpoint/2010/main" val="2564643324"/>
       </p:ext>
     </p:extLst>
   </p:cSld>
@@ -5730,7 +5438,7 @@
                   <a:schemeClr val="accent6"/>
                 </a:solidFill>
               </a:rPr>
-              <a:t>2D Transforms</a:t>
+              <a:t>3D Transforms</a:t>
             </a:r>
             <a:endParaRPr lang="bg-BG" dirty="0">
               <a:solidFill>
@@ -5769,7 +5477,87 @@
                 <a:latin typeface="+mj-lt"/>
                 <a:cs typeface="Courier New" panose="02070309020205020404" pitchFamily="49" charset="0"/>
               </a:rPr>
-              <a:t>Translate</a:t>
+              <a:t>translate3d(</a:t>
+            </a:r>
+            <a:r>
+              <a:rPr lang="en-US" sz="3000" dirty="0" err="1" smtClean="0">
+                <a:solidFill>
+                  <a:schemeClr val="bg1"/>
+                </a:solidFill>
+                <a:latin typeface="+mj-lt"/>
+                <a:cs typeface="Courier New" panose="02070309020205020404" pitchFamily="49" charset="0"/>
+              </a:rPr>
+              <a:t>x,y,z</a:t>
+            </a:r>
+            <a:r>
+              <a:rPr lang="en-US" sz="3000" dirty="0" smtClean="0">
+                <a:solidFill>
+                  <a:schemeClr val="bg1"/>
+                </a:solidFill>
+                <a:latin typeface="+mj-lt"/>
+                <a:cs typeface="Courier New" panose="02070309020205020404" pitchFamily="49" charset="0"/>
+              </a:rPr>
+              <a:t>), </a:t>
+            </a:r>
+            <a:r>
+              <a:rPr lang="en-US" sz="3000" dirty="0" err="1" smtClean="0">
+                <a:solidFill>
+                  <a:schemeClr val="bg1"/>
+                </a:solidFill>
+                <a:latin typeface="+mj-lt"/>
+                <a:cs typeface="Courier New" panose="02070309020205020404" pitchFamily="49" charset="0"/>
+              </a:rPr>
+              <a:t>translateX</a:t>
+            </a:r>
+            <a:r>
+              <a:rPr lang="en-US" sz="3000" dirty="0" smtClean="0">
+                <a:solidFill>
+                  <a:schemeClr val="bg1"/>
+                </a:solidFill>
+                <a:latin typeface="+mj-lt"/>
+                <a:cs typeface="Courier New" panose="02070309020205020404" pitchFamily="49" charset="0"/>
+              </a:rPr>
+              <a:t>(x), </a:t>
+            </a:r>
+            <a:r>
+              <a:rPr lang="en-US" sz="3000" dirty="0" err="1" smtClean="0">
+                <a:solidFill>
+                  <a:schemeClr val="bg1"/>
+                </a:solidFill>
+                <a:latin typeface="+mj-lt"/>
+                <a:cs typeface="Courier New" panose="02070309020205020404" pitchFamily="49" charset="0"/>
+              </a:rPr>
+              <a:t>translateY</a:t>
+            </a:r>
+            <a:r>
+              <a:rPr lang="en-US" sz="3000" dirty="0" smtClean="0">
+                <a:solidFill>
+                  <a:schemeClr val="bg1"/>
+                </a:solidFill>
+                <a:latin typeface="+mj-lt"/>
+                <a:cs typeface="Courier New" panose="02070309020205020404" pitchFamily="49" charset="0"/>
+              </a:rPr>
+              <a:t>(y), </a:t>
+            </a:r>
+            <a:r>
+              <a:rPr lang="en-US" sz="3000" dirty="0" err="1" smtClean="0">
+                <a:solidFill>
+                  <a:schemeClr val="bg1"/>
+                </a:solidFill>
+                <a:latin typeface="+mj-lt"/>
+                <a:cs typeface="Courier New" panose="02070309020205020404" pitchFamily="49" charset="0"/>
+              </a:rPr>
+              <a:t>translateZ</a:t>
+            </a:r>
+            <a:r>
+              <a:rPr lang="en-US" sz="3000" dirty="0" smtClean="0">
+                <a:solidFill>
+                  <a:schemeClr val="bg1"/>
+                </a:solidFill>
+                <a:latin typeface="+mj-lt"/>
+                <a:cs typeface="Courier New" panose="02070309020205020404" pitchFamily="49" charset="0"/>
+              </a:rPr>
+              <a:t>(z)</a:t>
             </a:r>
           </a:p>
           <a:p>
@@ -5778,6 +5566,96 @@
               <a:buChar char="§"/>
             </a:pPr>
             <a:r>
+              <a:rPr lang="en-US" sz="3000" dirty="0">
+                <a:solidFill>
+                  <a:schemeClr val="bg1"/>
+                </a:solidFill>
+                <a:latin typeface="+mj-lt"/>
+                <a:cs typeface="Courier New" panose="02070309020205020404" pitchFamily="49" charset="0"/>
+              </a:rPr>
+              <a:t>scale3d(</a:t>
+            </a:r>
+            <a:r>
+              <a:rPr lang="en-US" sz="3000" dirty="0" err="1">
+                <a:solidFill>
+                  <a:schemeClr val="bg1"/>
+                </a:solidFill>
+                <a:latin typeface="+mj-lt"/>
+                <a:cs typeface="Courier New" panose="02070309020205020404" pitchFamily="49" charset="0"/>
+              </a:rPr>
+              <a:t>x,y,z</a:t>
+            </a:r>
+            <a:r>
+              <a:rPr lang="en-US" sz="3000" dirty="0">
+                <a:solidFill>
+                  <a:schemeClr val="bg1"/>
+                </a:solidFill>
+                <a:latin typeface="+mj-lt"/>
+                <a:cs typeface="Courier New" panose="02070309020205020404" pitchFamily="49" charset="0"/>
+              </a:rPr>
+              <a:t>), </a:t>
+            </a:r>
+            <a:r>
+              <a:rPr lang="en-US" sz="3000" dirty="0" err="1">
+                <a:solidFill>
+                  <a:schemeClr val="bg1"/>
+                </a:solidFill>
+                <a:latin typeface="+mj-lt"/>
+                <a:cs typeface="Courier New" panose="02070309020205020404" pitchFamily="49" charset="0"/>
+              </a:rPr>
+              <a:t>scaleX</a:t>
+            </a:r>
+            <a:r>
+              <a:rPr lang="en-US" sz="3000" dirty="0">
+                <a:solidFill>
+                  <a:schemeClr val="bg1"/>
+                </a:solidFill>
+                <a:latin typeface="+mj-lt"/>
+                <a:cs typeface="Courier New" panose="02070309020205020404" pitchFamily="49" charset="0"/>
+              </a:rPr>
+              <a:t>(x), </a:t>
+            </a:r>
+            <a:r>
+              <a:rPr lang="en-US" sz="3000" dirty="0" err="1">
+                <a:solidFill>
+                  <a:schemeClr val="bg1"/>
+                </a:solidFill>
+                <a:latin typeface="+mj-lt"/>
+                <a:cs typeface="Courier New" panose="02070309020205020404" pitchFamily="49" charset="0"/>
+              </a:rPr>
+              <a:t>scaleY</a:t>
+            </a:r>
+            <a:r>
+              <a:rPr lang="en-US" sz="3000" dirty="0">
+                <a:solidFill>
+                  <a:schemeClr val="bg1"/>
+                </a:solidFill>
+                <a:latin typeface="+mj-lt"/>
+                <a:cs typeface="Courier New" panose="02070309020205020404" pitchFamily="49" charset="0"/>
+              </a:rPr>
+              <a:t>(y), </a:t>
+            </a:r>
+            <a:r>
+              <a:rPr lang="en-US" sz="3000" dirty="0" err="1">
+                <a:solidFill>
+                  <a:schemeClr val="bg1"/>
+                </a:solidFill>
+                <a:latin typeface="+mj-lt"/>
+                <a:cs typeface="Courier New" panose="02070309020205020404" pitchFamily="49" charset="0"/>
+              </a:rPr>
+              <a:t>scaleZ</a:t>
+            </a:r>
+            <a:r>
+              <a:rPr lang="en-US" sz="3000" dirty="0">
+                <a:solidFill>
+                  <a:schemeClr val="bg1"/>
+                </a:solidFill>
+                <a:latin typeface="+mj-lt"/>
+                <a:cs typeface="Courier New" panose="02070309020205020404" pitchFamily="49" charset="0"/>
+              </a:rPr>
+              <a:t>(z</a:t>
+            </a:r>
+            <a:r>
               <a:rPr lang="en-US" sz="3000" dirty="0" smtClean="0">
                 <a:solidFill>
                   <a:schemeClr val="bg1"/>
@@ -5785,7 +5663,7 @@
                 <a:latin typeface="+mj-lt"/>
                 <a:cs typeface="Courier New" panose="02070309020205020404" pitchFamily="49" charset="0"/>
               </a:rPr>
-              <a:t>Scale</a:t>
+              <a:t>)</a:t>
             </a:r>
           </a:p>
           <a:p>
@@ -5794,61 +5672,102 @@
               <a:buChar char="§"/>
             </a:pPr>
             <a:r>
-              <a:rPr lang="en-US" sz="3000" dirty="0" smtClean="0">
+              <a:rPr lang="en-US" sz="3000" dirty="0">
                 <a:solidFill>
                   <a:schemeClr val="bg1"/>
                 </a:solidFill>
                 <a:latin typeface="+mj-lt"/>
                 <a:cs typeface="Courier New" panose="02070309020205020404" pitchFamily="49" charset="0"/>
               </a:rPr>
-              <a:t>skew</a:t>
-            </a:r>
-          </a:p>
-          <a:p>
-            <a:pPr>
-              <a:buFont typeface="Wingdings" panose="05000000000000000000" pitchFamily="2" charset="2"/>
-              <a:buChar char="§"/>
-            </a:pPr>
-            <a:r>
-              <a:rPr lang="en-US" sz="3000" dirty="0" smtClean="0">
+              <a:t>rotate3d(</a:t>
+            </a:r>
+            <a:r>
+              <a:rPr lang="en-US" sz="3000" dirty="0" err="1">
                 <a:solidFill>
                   <a:schemeClr val="bg1"/>
                 </a:solidFill>
                 <a:latin typeface="+mj-lt"/>
                 <a:cs typeface="Courier New" panose="02070309020205020404" pitchFamily="49" charset="0"/>
               </a:rPr>
-              <a:t>Matrix</a:t>
-            </a:r>
-          </a:p>
-          <a:p>
-            <a:pPr>
-              <a:buFont typeface="Wingdings" panose="05000000000000000000" pitchFamily="2" charset="2"/>
-              <a:buChar char="§"/>
-            </a:pPr>
-            <a:r>
-              <a:rPr lang="en-US" sz="3000" dirty="0" smtClean="0">
+              <a:t>x,y,z,angle</a:t>
+            </a:r>
+            <a:r>
+              <a:rPr lang="en-US" sz="3000" dirty="0">
                 <a:solidFill>
                   <a:schemeClr val="bg1"/>
                 </a:solidFill>
                 <a:latin typeface="+mj-lt"/>
                 <a:cs typeface="Courier New" panose="02070309020205020404" pitchFamily="49" charset="0"/>
               </a:rPr>
-              <a:t>rotate</a:t>
-            </a:r>
-            <a:endParaRPr lang="en-US" sz="3000" dirty="0">
-              <a:solidFill>
-                <a:schemeClr val="bg1"/>
-              </a:solidFill>
-              <a:latin typeface="+mj-lt"/>
-              <a:cs typeface="Courier New" panose="02070309020205020404" pitchFamily="49" charset="0"/>
-            </a:endParaRPr>
+              <a:t>), </a:t>
+            </a:r>
+            <a:r>
+              <a:rPr lang="en-US" sz="3000" dirty="0" err="1">
+                <a:solidFill>
+                  <a:schemeClr val="bg1"/>
+                </a:solidFill>
+                <a:latin typeface="+mj-lt"/>
+                <a:cs typeface="Courier New" panose="02070309020205020404" pitchFamily="49" charset="0"/>
+              </a:rPr>
+              <a:t>rotateX</a:t>
+            </a:r>
+            <a:r>
+              <a:rPr lang="en-US" sz="3000" dirty="0">
+                <a:solidFill>
+                  <a:schemeClr val="bg1"/>
+                </a:solidFill>
+                <a:latin typeface="+mj-lt"/>
+                <a:cs typeface="Courier New" panose="02070309020205020404" pitchFamily="49" charset="0"/>
+              </a:rPr>
+              <a:t>(angle), </a:t>
+            </a:r>
+            <a:r>
+              <a:rPr lang="en-US" sz="3000" dirty="0" err="1">
+                <a:solidFill>
+                  <a:schemeClr val="bg1"/>
+                </a:solidFill>
+                <a:latin typeface="+mj-lt"/>
+                <a:cs typeface="Courier New" panose="02070309020205020404" pitchFamily="49" charset="0"/>
+              </a:rPr>
+              <a:t>rotateY</a:t>
+            </a:r>
+            <a:r>
+              <a:rPr lang="en-US" sz="3000" dirty="0">
+                <a:solidFill>
+                  <a:schemeClr val="bg1"/>
+                </a:solidFill>
+                <a:latin typeface="+mj-lt"/>
+                <a:cs typeface="Courier New" panose="02070309020205020404" pitchFamily="49" charset="0"/>
+              </a:rPr>
+              <a:t>(angle), </a:t>
+            </a:r>
+            <a:r>
+              <a:rPr lang="en-US" sz="3000" dirty="0" err="1">
+                <a:solidFill>
+                  <a:schemeClr val="bg1"/>
+                </a:solidFill>
+                <a:latin typeface="+mj-lt"/>
+                <a:cs typeface="Courier New" panose="02070309020205020404" pitchFamily="49" charset="0"/>
+              </a:rPr>
+              <a:t>rotateZ</a:t>
+            </a:r>
+            <a:r>
+              <a:rPr lang="en-US" sz="3000" dirty="0">
+                <a:solidFill>
+                  <a:schemeClr val="bg1"/>
+                </a:solidFill>
+                <a:latin typeface="+mj-lt"/>
+                <a:cs typeface="Courier New" panose="02070309020205020404" pitchFamily="49" charset="0"/>
+              </a:rPr>
+              <a:t>(angle)</a:t>
+            </a:r>
           </a:p>
         </p:txBody>
       </p:sp>
     </p:spTree>
     <p:extLst>
       <p:ext uri="{BB962C8B-B14F-4D97-AF65-F5344CB8AC3E}">
-        <p14:creationId xmlns:p14="http://schemas.microsoft.com/office/powerpoint/2010/main" val="2564643324"/>
+        <p14:creationId xmlns:p14="http://schemas.microsoft.com/office/powerpoint/2010/main" val="2356260878"/>
       </p:ext>
     </p:extLst>
   </p:cSld>
@@ -5927,7 +5846,7 @@
                   <a:schemeClr val="accent6"/>
                 </a:solidFill>
               </a:rPr>
-              <a:t>3D Transforms</a:t>
+              <a:t>Transitions</a:t>
             </a:r>
             <a:endParaRPr lang="bg-BG" dirty="0">
               <a:solidFill>
@@ -5959,94 +5878,12 @@
               <a:buChar char="§"/>
             </a:pPr>
             <a:r>
-              <a:rPr lang="en-US" sz="3000" dirty="0" smtClean="0">
+              <a:rPr lang="en-US" sz="2800" dirty="0">
                 <a:solidFill>
                   <a:schemeClr val="bg1"/>
                 </a:solidFill>
-                <a:latin typeface="+mj-lt"/>
-                <a:cs typeface="Courier New" panose="02070309020205020404" pitchFamily="49" charset="0"/>
-              </a:rPr>
-              <a:t>translate3d(</a:t>
-            </a:r>
-            <a:r>
-              <a:rPr lang="en-US" sz="3000" dirty="0" err="1" smtClean="0">
-                <a:solidFill>
-                  <a:schemeClr val="bg1"/>
-                </a:solidFill>
-                <a:latin typeface="+mj-lt"/>
-                <a:cs typeface="Courier New" panose="02070309020205020404" pitchFamily="49" charset="0"/>
-              </a:rPr>
-              <a:t>x,y,z</a:t>
-            </a:r>
-            <a:r>
-              <a:rPr lang="en-US" sz="3000" dirty="0" smtClean="0">
-                <a:solidFill>
-                  <a:schemeClr val="bg1"/>
-                </a:solidFill>
-                <a:latin typeface="+mj-lt"/>
-                <a:cs typeface="Courier New" panose="02070309020205020404" pitchFamily="49" charset="0"/>
-              </a:rPr>
-              <a:t>), </a:t>
-            </a:r>
-            <a:r>
-              <a:rPr lang="en-US" sz="3000" dirty="0" err="1" smtClean="0">
-                <a:solidFill>
-                  <a:schemeClr val="bg1"/>
-                </a:solidFill>
-                <a:latin typeface="+mj-lt"/>
-                <a:cs typeface="Courier New" panose="02070309020205020404" pitchFamily="49" charset="0"/>
-              </a:rPr>
-              <a:t>translateX</a:t>
-            </a:r>
-            <a:r>
-              <a:rPr lang="en-US" sz="3000" dirty="0" smtClean="0">
-                <a:solidFill>
-                  <a:schemeClr val="bg1"/>
-                </a:solidFill>
-                <a:latin typeface="+mj-lt"/>
-                <a:cs typeface="Courier New" panose="02070309020205020404" pitchFamily="49" charset="0"/>
-              </a:rPr>
-              <a:t>(x), </a:t>
-            </a:r>
-            <a:r>
-              <a:rPr lang="en-US" sz="3000" dirty="0" err="1" smtClean="0">
-                <a:solidFill>
-                  <a:schemeClr val="bg1"/>
-                </a:solidFill>
-                <a:latin typeface="+mj-lt"/>
-                <a:cs typeface="Courier New" panose="02070309020205020404" pitchFamily="49" charset="0"/>
-              </a:rPr>
-              <a:t>translateY</a:t>
-            </a:r>
-            <a:r>
-              <a:rPr lang="en-US" sz="3000" dirty="0" smtClean="0">
-                <a:solidFill>
-                  <a:schemeClr val="bg1"/>
-                </a:solidFill>
-                <a:latin typeface="+mj-lt"/>
-                <a:cs typeface="Courier New" panose="02070309020205020404" pitchFamily="49" charset="0"/>
-              </a:rPr>
-              <a:t>(y), </a:t>
-            </a:r>
-            <a:r>
-              <a:rPr lang="en-US" sz="3000" dirty="0" err="1" smtClean="0">
-                <a:solidFill>
-                  <a:schemeClr val="bg1"/>
-                </a:solidFill>
-                <a:latin typeface="+mj-lt"/>
-                <a:cs typeface="Courier New" panose="02070309020205020404" pitchFamily="49" charset="0"/>
-              </a:rPr>
-              <a:t>translateZ</a:t>
-            </a:r>
-            <a:r>
-              <a:rPr lang="en-US" sz="3000" dirty="0" smtClean="0">
-                <a:solidFill>
-                  <a:schemeClr val="bg1"/>
-                </a:solidFill>
-                <a:latin typeface="+mj-lt"/>
-                <a:cs typeface="Courier New" panose="02070309020205020404" pitchFamily="49" charset="0"/>
-              </a:rPr>
-              <a:t>(z)</a:t>
+              </a:rPr>
+              <a:t>transition</a:t>
             </a:r>
           </a:p>
           <a:p>
@@ -6055,104 +5892,12 @@
               <a:buChar char="§"/>
             </a:pPr>
             <a:r>
-              <a:rPr lang="en-US" sz="3000" dirty="0">
+              <a:rPr lang="en-US" sz="2800" dirty="0">
                 <a:solidFill>
                   <a:schemeClr val="bg1"/>
                 </a:solidFill>
-                <a:latin typeface="+mj-lt"/>
-                <a:cs typeface="Courier New" panose="02070309020205020404" pitchFamily="49" charset="0"/>
-              </a:rPr>
-              <a:t>scale3d(</a:t>
-            </a:r>
-            <a:r>
-              <a:rPr lang="en-US" sz="3000" dirty="0" err="1">
-                <a:solidFill>
-                  <a:schemeClr val="bg1"/>
-                </a:solidFill>
-                <a:latin typeface="+mj-lt"/>
-                <a:cs typeface="Courier New" panose="02070309020205020404" pitchFamily="49" charset="0"/>
-              </a:rPr>
-              <a:t>x,y,z</a:t>
-            </a:r>
-            <a:r>
-              <a:rPr lang="en-US" sz="3000" dirty="0">
-                <a:solidFill>
-                  <a:schemeClr val="bg1"/>
-                </a:solidFill>
-                <a:latin typeface="+mj-lt"/>
-                <a:cs typeface="Courier New" panose="02070309020205020404" pitchFamily="49" charset="0"/>
-              </a:rPr>
-              <a:t>), </a:t>
-            </a:r>
-            <a:r>
-              <a:rPr lang="en-US" sz="3000" dirty="0" err="1">
-                <a:solidFill>
-                  <a:schemeClr val="bg1"/>
-                </a:solidFill>
-                <a:latin typeface="+mj-lt"/>
-                <a:cs typeface="Courier New" panose="02070309020205020404" pitchFamily="49" charset="0"/>
-              </a:rPr>
-              <a:t>scaleX</a:t>
-            </a:r>
-            <a:r>
-              <a:rPr lang="en-US" sz="3000" dirty="0">
-                <a:solidFill>
-                  <a:schemeClr val="bg1"/>
-                </a:solidFill>
-                <a:latin typeface="+mj-lt"/>
-                <a:cs typeface="Courier New" panose="02070309020205020404" pitchFamily="49" charset="0"/>
-              </a:rPr>
-              <a:t>(x), </a:t>
-            </a:r>
-            <a:r>
-              <a:rPr lang="en-US" sz="3000" dirty="0" err="1">
-                <a:solidFill>
-                  <a:schemeClr val="bg1"/>
-                </a:solidFill>
-                <a:latin typeface="+mj-lt"/>
-                <a:cs typeface="Courier New" panose="02070309020205020404" pitchFamily="49" charset="0"/>
-              </a:rPr>
-              <a:t>scaleY</a:t>
-            </a:r>
-            <a:r>
-              <a:rPr lang="en-US" sz="3000" dirty="0">
-                <a:solidFill>
-                  <a:schemeClr val="bg1"/>
-                </a:solidFill>
-                <a:latin typeface="+mj-lt"/>
-                <a:cs typeface="Courier New" panose="02070309020205020404" pitchFamily="49" charset="0"/>
-              </a:rPr>
-              <a:t>(y), </a:t>
-            </a:r>
-            <a:r>
-              <a:rPr lang="en-US" sz="3000" dirty="0" err="1">
-                <a:solidFill>
-                  <a:schemeClr val="bg1"/>
-                </a:solidFill>
-                <a:latin typeface="+mj-lt"/>
-                <a:cs typeface="Courier New" panose="02070309020205020404" pitchFamily="49" charset="0"/>
-              </a:rPr>
-              <a:t>scaleZ</a:t>
-            </a:r>
-            <a:r>
-              <a:rPr lang="en-US" sz="3000" dirty="0">
-                <a:solidFill>
-                  <a:schemeClr val="bg1"/>
-                </a:solidFill>
-                <a:latin typeface="+mj-lt"/>
-                <a:cs typeface="Courier New" panose="02070309020205020404" pitchFamily="49" charset="0"/>
-              </a:rPr>
-              <a:t>(z</a:t>
-            </a:r>
-            <a:r>
-              <a:rPr lang="en-US" sz="3000" dirty="0" smtClean="0">
-                <a:solidFill>
-                  <a:schemeClr val="bg1"/>
-                </a:solidFill>
-                <a:latin typeface="+mj-lt"/>
-                <a:cs typeface="Courier New" panose="02070309020205020404" pitchFamily="49" charset="0"/>
-              </a:rPr>
-              <a:t>)</a:t>
+              </a:rPr>
+              <a:t>transition-delay</a:t>
             </a:r>
           </a:p>
           <a:p>
@@ -6161,102 +5906,55 @@
               <a:buChar char="§"/>
             </a:pPr>
             <a:r>
-              <a:rPr lang="en-US" sz="3000" dirty="0">
+              <a:rPr lang="en-US" sz="2800" dirty="0">
                 <a:solidFill>
                   <a:schemeClr val="bg1"/>
                 </a:solidFill>
-                <a:latin typeface="+mj-lt"/>
-                <a:cs typeface="Courier New" panose="02070309020205020404" pitchFamily="49" charset="0"/>
-              </a:rPr>
-              <a:t>rotate3d(</a:t>
-            </a:r>
-            <a:r>
-              <a:rPr lang="en-US" sz="3000" dirty="0" err="1">
+              </a:rPr>
+              <a:t>transition-duration</a:t>
+            </a:r>
+          </a:p>
+          <a:p>
+            <a:pPr>
+              <a:buFont typeface="Wingdings" panose="05000000000000000000" pitchFamily="2" charset="2"/>
+              <a:buChar char="§"/>
+            </a:pPr>
+            <a:r>
+              <a:rPr lang="en-US" sz="2800" dirty="0">
                 <a:solidFill>
                   <a:schemeClr val="bg1"/>
                 </a:solidFill>
-                <a:latin typeface="+mj-lt"/>
-                <a:cs typeface="Courier New" panose="02070309020205020404" pitchFamily="49" charset="0"/>
-              </a:rPr>
-              <a:t>x,y,z,angle</a:t>
-            </a:r>
-            <a:r>
-              <a:rPr lang="en-US" sz="3000" dirty="0">
+              </a:rPr>
+              <a:t>transition-property</a:t>
+            </a:r>
+          </a:p>
+          <a:p>
+            <a:pPr>
+              <a:buFont typeface="Wingdings" panose="05000000000000000000" pitchFamily="2" charset="2"/>
+              <a:buChar char="§"/>
+            </a:pPr>
+            <a:r>
+              <a:rPr lang="en-US" sz="2800" dirty="0">
                 <a:solidFill>
                   <a:schemeClr val="bg1"/>
                 </a:solidFill>
-                <a:latin typeface="+mj-lt"/>
-                <a:cs typeface="Courier New" panose="02070309020205020404" pitchFamily="49" charset="0"/>
-              </a:rPr>
-              <a:t>), </a:t>
-            </a:r>
-            <a:r>
-              <a:rPr lang="en-US" sz="3000" dirty="0" err="1">
-                <a:solidFill>
-                  <a:schemeClr val="bg1"/>
-                </a:solidFill>
-                <a:latin typeface="+mj-lt"/>
-                <a:cs typeface="Courier New" panose="02070309020205020404" pitchFamily="49" charset="0"/>
-              </a:rPr>
-              <a:t>rotateX</a:t>
-            </a:r>
-            <a:r>
-              <a:rPr lang="en-US" sz="3000" dirty="0">
-                <a:solidFill>
-                  <a:schemeClr val="bg1"/>
-                </a:solidFill>
-                <a:latin typeface="+mj-lt"/>
-                <a:cs typeface="Courier New" panose="02070309020205020404" pitchFamily="49" charset="0"/>
-              </a:rPr>
-              <a:t>(angle), </a:t>
-            </a:r>
-            <a:r>
-              <a:rPr lang="en-US" sz="3000" dirty="0" err="1">
-                <a:solidFill>
-                  <a:schemeClr val="bg1"/>
-                </a:solidFill>
-                <a:latin typeface="+mj-lt"/>
-                <a:cs typeface="Courier New" panose="02070309020205020404" pitchFamily="49" charset="0"/>
-              </a:rPr>
-              <a:t>rotateY</a:t>
-            </a:r>
-            <a:r>
-              <a:rPr lang="en-US" sz="3000" dirty="0">
-                <a:solidFill>
-                  <a:schemeClr val="bg1"/>
-                </a:solidFill>
-                <a:latin typeface="+mj-lt"/>
-                <a:cs typeface="Courier New" panose="02070309020205020404" pitchFamily="49" charset="0"/>
-              </a:rPr>
-              <a:t>(angle), </a:t>
-            </a:r>
-            <a:r>
-              <a:rPr lang="en-US" sz="3000" dirty="0" err="1">
-                <a:solidFill>
-                  <a:schemeClr val="bg1"/>
-                </a:solidFill>
-                <a:latin typeface="+mj-lt"/>
-                <a:cs typeface="Courier New" panose="02070309020205020404" pitchFamily="49" charset="0"/>
-              </a:rPr>
-              <a:t>rotateZ</a:t>
-            </a:r>
-            <a:r>
-              <a:rPr lang="en-US" sz="3000" dirty="0">
-                <a:solidFill>
-                  <a:schemeClr val="bg1"/>
-                </a:solidFill>
-                <a:latin typeface="+mj-lt"/>
-                <a:cs typeface="Courier New" panose="02070309020205020404" pitchFamily="49" charset="0"/>
-              </a:rPr>
-              <a:t>(angle)</a:t>
-            </a:r>
+              </a:rPr>
+              <a:t>transition-timing-function</a:t>
+            </a:r>
+            <a:endParaRPr lang="en-US" sz="3000" dirty="0">
+              <a:solidFill>
+                <a:schemeClr val="bg1"/>
+              </a:solidFill>
+              <a:latin typeface="+mj-lt"/>
+              <a:cs typeface="Courier New" panose="02070309020205020404" pitchFamily="49" charset="0"/>
+            </a:endParaRPr>
           </a:p>
         </p:txBody>
       </p:sp>
     </p:spTree>
     <p:extLst>
       <p:ext uri="{BB962C8B-B14F-4D97-AF65-F5344CB8AC3E}">
-        <p14:creationId xmlns:p14="http://schemas.microsoft.com/office/powerpoint/2010/main" val="2356260878"/>
+        <p14:creationId xmlns:p14="http://schemas.microsoft.com/office/powerpoint/2010/main" val="3201297621"/>
       </p:ext>
     </p:extLst>
   </p:cSld>
@@ -6335,7 +6033,7 @@
                   <a:schemeClr val="accent6"/>
                 </a:solidFill>
               </a:rPr>
-              <a:t>Transitions</a:t>
+              <a:t>Animations</a:t>
             </a:r>
             <a:endParaRPr lang="bg-BG" dirty="0">
               <a:solidFill>
@@ -6367,13 +6065,32 @@
               <a:buChar char="§"/>
             </a:pPr>
             <a:r>
-              <a:rPr lang="en-US" sz="2800" dirty="0">
+              <a:rPr lang="en-US" sz="3000" dirty="0" smtClean="0">
                 <a:solidFill>
                   <a:schemeClr val="bg1"/>
                 </a:solidFill>
-              </a:rPr>
-              <a:t>transition</a:t>
-            </a:r>
+                <a:latin typeface="+mj-lt"/>
+                <a:cs typeface="Courier New" panose="02070309020205020404" pitchFamily="49" charset="0"/>
+              </a:rPr>
+              <a:t>@</a:t>
+            </a:r>
+            <a:r>
+              <a:rPr lang="en-US" sz="3000" dirty="0" err="1" smtClean="0">
+                <a:solidFill>
+                  <a:schemeClr val="bg1"/>
+                </a:solidFill>
+                <a:latin typeface="+mj-lt"/>
+                <a:cs typeface="Courier New" panose="02070309020205020404" pitchFamily="49" charset="0"/>
+              </a:rPr>
+              <a:t>keyframes</a:t>
+            </a:r>
+            <a:endParaRPr lang="en-US" sz="3000" dirty="0" smtClean="0">
+              <a:solidFill>
+                <a:schemeClr val="bg1"/>
+              </a:solidFill>
+              <a:latin typeface="+mj-lt"/>
+              <a:cs typeface="Courier New" panose="02070309020205020404" pitchFamily="49" charset="0"/>
+            </a:endParaRPr>
           </a:p>
           <a:p>
             <a:pPr>
@@ -6381,12 +6098,14 @@
               <a:buChar char="§"/>
             </a:pPr>
             <a:r>
-              <a:rPr lang="en-US" sz="2800" dirty="0">
+              <a:rPr lang="en-US" sz="3000" dirty="0" smtClean="0">
                 <a:solidFill>
                   <a:schemeClr val="bg1"/>
                 </a:solidFill>
-              </a:rPr>
-              <a:t>transition-delay</a:t>
+                <a:latin typeface="+mj-lt"/>
+                <a:cs typeface="Courier New" panose="02070309020205020404" pitchFamily="49" charset="0"/>
+              </a:rPr>
+              <a:t>Animation</a:t>
             </a:r>
           </a:p>
           <a:p>
@@ -6395,12 +6114,12 @@
               <a:buChar char="§"/>
             </a:pPr>
             <a:r>
-              <a:rPr lang="en-US" sz="2800" dirty="0">
+              <a:rPr lang="en-US" sz="2800" dirty="0" smtClean="0">
                 <a:solidFill>
                   <a:schemeClr val="bg1"/>
                 </a:solidFill>
               </a:rPr>
-              <a:t>transition-duration</a:t>
+              <a:t>animation-name</a:t>
             </a:r>
           </a:p>
           <a:p>
@@ -6409,12 +6128,12 @@
               <a:buChar char="§"/>
             </a:pPr>
             <a:r>
-              <a:rPr lang="en-US" sz="2800" dirty="0">
+              <a:rPr lang="en-US" sz="2800" dirty="0" smtClean="0">
                 <a:solidFill>
                   <a:schemeClr val="bg1"/>
                 </a:solidFill>
               </a:rPr>
-              <a:t>transition-property</a:t>
+              <a:t>animation-duration</a:t>
             </a:r>
           </a:p>
           <a:p>
@@ -6423,12 +6142,40 @@
               <a:buChar char="§"/>
             </a:pPr>
             <a:r>
+              <a:rPr lang="en-US" sz="2800" dirty="0" smtClean="0">
+                <a:solidFill>
+                  <a:schemeClr val="bg1"/>
+                </a:solidFill>
+              </a:rPr>
+              <a:t>animation-iteration-count</a:t>
+            </a:r>
+          </a:p>
+          <a:p>
+            <a:pPr>
+              <a:buFont typeface="Wingdings" panose="05000000000000000000" pitchFamily="2" charset="2"/>
+              <a:buChar char="§"/>
+            </a:pPr>
+            <a:r>
+              <a:rPr lang="en-US" sz="2800" dirty="0" smtClean="0">
+                <a:solidFill>
+                  <a:schemeClr val="bg1"/>
+                </a:solidFill>
+              </a:rPr>
+              <a:t>animation-delay</a:t>
+            </a:r>
+          </a:p>
+          <a:p>
+            <a:pPr>
+              <a:buFont typeface="Wingdings" panose="05000000000000000000" pitchFamily="2" charset="2"/>
+              <a:buChar char="§"/>
+            </a:pPr>
+            <a:r>
               <a:rPr lang="en-US" sz="2800" dirty="0">
                 <a:solidFill>
                   <a:schemeClr val="bg1"/>
                 </a:solidFill>
               </a:rPr>
-              <a:t>transition-timing-function</a:t>
+              <a:t>animation-direction</a:t>
             </a:r>
             <a:endParaRPr lang="en-US" sz="3000" dirty="0">
               <a:solidFill>
@@ -6443,7 +6190,7 @@
     </p:spTree>
     <p:extLst>
       <p:ext uri="{BB962C8B-B14F-4D97-AF65-F5344CB8AC3E}">
-        <p14:creationId xmlns:p14="http://schemas.microsoft.com/office/powerpoint/2010/main" val="3201297621"/>
+        <p14:creationId xmlns:p14="http://schemas.microsoft.com/office/powerpoint/2010/main" val="2867660261"/>
       </p:ext>
     </p:extLst>
   </p:cSld>
@@ -6522,7 +6269,7 @@
                   <a:schemeClr val="accent6"/>
                 </a:solidFill>
               </a:rPr>
-              <a:t>Animations</a:t>
+              <a:t>Multiple columns</a:t>
             </a:r>
             <a:endParaRPr lang="bg-BG" dirty="0">
               <a:solidFill>
@@ -6561,25 +6308,8 @@
                 <a:latin typeface="+mj-lt"/>
                 <a:cs typeface="Courier New" panose="02070309020205020404" pitchFamily="49" charset="0"/>
               </a:rPr>
-              <a:t>@</a:t>
-            </a:r>
-            <a:r>
-              <a:rPr lang="en-US" sz="3000" dirty="0" err="1" smtClean="0">
-                <a:solidFill>
-                  <a:schemeClr val="bg1"/>
-                </a:solidFill>
-                <a:latin typeface="+mj-lt"/>
-                <a:cs typeface="Courier New" panose="02070309020205020404" pitchFamily="49" charset="0"/>
-              </a:rPr>
-              <a:t>keyframes</a:t>
-            </a:r>
-            <a:endParaRPr lang="en-US" sz="3000" dirty="0" smtClean="0">
-              <a:solidFill>
-                <a:schemeClr val="bg1"/>
-              </a:solidFill>
-              <a:latin typeface="+mj-lt"/>
-              <a:cs typeface="Courier New" panose="02070309020205020404" pitchFamily="49" charset="0"/>
-            </a:endParaRPr>
+              <a:t>column-count</a:t>
+            </a:r>
           </a:p>
           <a:p>
             <a:pPr>
@@ -6587,14 +6317,14 @@
               <a:buChar char="§"/>
             </a:pPr>
             <a:r>
-              <a:rPr lang="en-US" sz="3000" dirty="0" smtClean="0">
+              <a:rPr lang="en-US" sz="3000" dirty="0">
                 <a:solidFill>
                   <a:schemeClr val="bg1"/>
                 </a:solidFill>
                 <a:latin typeface="+mj-lt"/>
                 <a:cs typeface="Courier New" panose="02070309020205020404" pitchFamily="49" charset="0"/>
               </a:rPr>
-              <a:t>Animation</a:t>
+              <a:t>column-gap</a:t>
             </a:r>
           </a:p>
           <a:p>
@@ -6603,12 +6333,14 @@
               <a:buChar char="§"/>
             </a:pPr>
             <a:r>
-              <a:rPr lang="en-US" sz="2800" dirty="0" smtClean="0">
+              <a:rPr lang="en-US" sz="3000" dirty="0">
                 <a:solidFill>
                   <a:schemeClr val="bg1"/>
                 </a:solidFill>
-              </a:rPr>
-              <a:t>animation-name</a:t>
+                <a:latin typeface="+mj-lt"/>
+                <a:cs typeface="Courier New" panose="02070309020205020404" pitchFamily="49" charset="0"/>
+              </a:rPr>
+              <a:t>column-rule-style</a:t>
             </a:r>
           </a:p>
           <a:p>
@@ -6617,12 +6349,14 @@
               <a:buChar char="§"/>
             </a:pPr>
             <a:r>
-              <a:rPr lang="en-US" sz="2800" dirty="0" smtClean="0">
+              <a:rPr lang="en-US" sz="3000" dirty="0">
                 <a:solidFill>
                   <a:schemeClr val="bg1"/>
                 </a:solidFill>
-              </a:rPr>
-              <a:t>animation-duration</a:t>
+                <a:latin typeface="+mj-lt"/>
+                <a:cs typeface="Courier New" panose="02070309020205020404" pitchFamily="49" charset="0"/>
+              </a:rPr>
+              <a:t>column-rule-width</a:t>
             </a:r>
           </a:p>
           <a:p>
@@ -6631,12 +6365,14 @@
               <a:buChar char="§"/>
             </a:pPr>
             <a:r>
-              <a:rPr lang="en-US" sz="2800" dirty="0" smtClean="0">
+              <a:rPr lang="en-US" sz="3000" dirty="0">
                 <a:solidFill>
                   <a:schemeClr val="bg1"/>
                 </a:solidFill>
-              </a:rPr>
-              <a:t>animation-iteration-count</a:t>
+                <a:latin typeface="+mj-lt"/>
+                <a:cs typeface="Courier New" panose="02070309020205020404" pitchFamily="49" charset="0"/>
+              </a:rPr>
+              <a:t>column-rule-color</a:t>
             </a:r>
           </a:p>
           <a:p>
@@ -6645,12 +6381,14 @@
               <a:buChar char="§"/>
             </a:pPr>
             <a:r>
-              <a:rPr lang="en-US" sz="2800" dirty="0" smtClean="0">
+              <a:rPr lang="en-US" sz="3000" dirty="0">
                 <a:solidFill>
                   <a:schemeClr val="bg1"/>
                 </a:solidFill>
-              </a:rPr>
-              <a:t>animation-delay</a:t>
+                <a:latin typeface="+mj-lt"/>
+                <a:cs typeface="Courier New" panose="02070309020205020404" pitchFamily="49" charset="0"/>
+              </a:rPr>
+              <a:t>column-rule</a:t>
             </a:r>
           </a:p>
           <a:p>
@@ -6659,19 +6397,334 @@
               <a:buChar char="§"/>
             </a:pPr>
             <a:r>
-              <a:rPr lang="en-US" sz="2800" dirty="0">
+              <a:rPr lang="en-US" sz="3000" dirty="0">
                 <a:solidFill>
                   <a:schemeClr val="bg1"/>
                 </a:solidFill>
-              </a:rPr>
-              <a:t>animation-direction</a:t>
-            </a:r>
-            <a:endParaRPr lang="en-US" sz="3000" dirty="0">
+                <a:latin typeface="+mj-lt"/>
+                <a:cs typeface="Courier New" panose="02070309020205020404" pitchFamily="49" charset="0"/>
+              </a:rPr>
+              <a:t>column-span</a:t>
+            </a:r>
+          </a:p>
+          <a:p>
+            <a:pPr>
+              <a:buFont typeface="Wingdings" panose="05000000000000000000" pitchFamily="2" charset="2"/>
+              <a:buChar char="§"/>
+            </a:pPr>
+            <a:r>
+              <a:rPr lang="en-US" sz="3000" dirty="0">
+                <a:solidFill>
+                  <a:schemeClr val="bg1"/>
+                </a:solidFill>
+                <a:latin typeface="+mj-lt"/>
+                <a:cs typeface="Courier New" panose="02070309020205020404" pitchFamily="49" charset="0"/>
+              </a:rPr>
+              <a:t>column-width</a:t>
+            </a:r>
+          </a:p>
+        </p:txBody>
+      </p:sp>
+      <p:sp>
+        <p:nvSpPr>
+          <p:cNvPr id="3" name="Rectangle 1"/>
+          <p:cNvSpPr>
+            <a:spLocks noChangeArrowheads="1"/>
+          </p:cNvSpPr>
+          <p:nvPr/>
+        </p:nvSpPr>
+        <p:spPr bwMode="auto">
+          <a:xfrm>
+            <a:off x="0" y="0"/>
+            <a:ext cx="9144000" cy="0"/>
+          </a:xfrm>
+          <a:prstGeom prst="rect">
+            <a:avLst/>
+          </a:prstGeom>
+          <a:solidFill>
+            <a:srgbClr val="F1F1F1"/>
+          </a:solidFill>
+          <a:ln>
+            <a:noFill/>
+          </a:ln>
+          <a:effectLst/>
+          <a:extLst>
+            <a:ext uri="{91240B29-F687-4F45-9708-019B960494DF}">
+              <a14:hiddenLine xmlns:a14="http://schemas.microsoft.com/office/drawing/2010/main" w="9525">
+                <a:solidFill>
+                  <a:schemeClr val="tx1"/>
+                </a:solidFill>
+                <a:miter lim="800000"/>
+                <a:headEnd/>
+                <a:tailEnd/>
+              </a14:hiddenLine>
+            </a:ext>
+            <a:ext uri="{AF507438-7753-43E0-B8FC-AC1667EBCBE1}">
+              <a14:hiddenEffects xmlns:a14="http://schemas.microsoft.com/office/drawing/2010/main">
+                <a:effectLst>
+                  <a:outerShdw dist="35921" dir="2700000" algn="ctr" rotWithShape="0">
+                    <a:schemeClr val="bg2"/>
+                  </a:outerShdw>
+                </a:effectLst>
+              </a14:hiddenEffects>
+            </a:ext>
+          </a:extLst>
+        </p:spPr>
+        <p:txBody>
+          <a:bodyPr vert="horz" wrap="none" lIns="91440" tIns="0" rIns="91440" bIns="88872" numCol="1" anchor="ctr" anchorCtr="0" compatLnSpc="1">
+            <a:prstTxWarp prst="textNoShape">
+              <a:avLst/>
+            </a:prstTxWarp>
+            <a:spAutoFit/>
+          </a:bodyPr>
+          <a:lstStyle/>
+          <a:p>
+            <a:pPr marL="0" marR="0" lvl="0" indent="0" algn="l" defTabSz="914400" rtl="0" eaLnBrk="0" fontAlgn="base" latinLnBrk="0" hangingPunct="0">
+              <a:lnSpc>
+                <a:spcPct val="100000"/>
+              </a:lnSpc>
+              <a:spcBef>
+                <a:spcPct val="0"/>
+              </a:spcBef>
+              <a:spcAft>
+                <a:spcPct val="0"/>
+              </a:spcAft>
+              <a:buClrTx/>
+              <a:buSzTx/>
+              <a:buFontTx/>
+              <a:buNone/>
+              <a:tabLst/>
+            </a:pPr>
+            <a:endParaRPr kumimoji="0" lang="en-US" altLang="en-US" sz="1800" b="0" i="0" u="none" strike="noStrike" cap="none" normalizeH="0" baseline="0" smtClean="0">
+              <a:ln>
+                <a:noFill/>
+              </a:ln>
               <a:solidFill>
-                <a:schemeClr val="bg1"/>
+                <a:schemeClr val="tx1"/>
               </a:solidFill>
-              <a:latin typeface="+mj-lt"/>
-              <a:cs typeface="Courier New" panose="02070309020205020404" pitchFamily="49" charset="0"/>
+              <a:effectLst/>
+              <a:latin typeface="Arial" panose="020B0604020202020204" pitchFamily="34" charset="0"/>
+            </a:endParaRPr>
+          </a:p>
+          <a:p>
+            <a:pPr marL="0" marR="0" lvl="0" indent="0" algn="l" defTabSz="914400" rtl="0" eaLnBrk="0" fontAlgn="base" latinLnBrk="0" hangingPunct="0">
+              <a:lnSpc>
+                <a:spcPct val="100000"/>
+              </a:lnSpc>
+              <a:spcBef>
+                <a:spcPct val="0"/>
+              </a:spcBef>
+              <a:spcAft>
+                <a:spcPct val="0"/>
+              </a:spcAft>
+              <a:buClrTx/>
+              <a:buSzTx/>
+              <a:buFontTx/>
+              <a:buChar char="•"/>
+              <a:tabLst/>
+            </a:pPr>
+            <a:r>
+              <a:rPr kumimoji="0" lang="en-US" altLang="en-US" sz="1100" b="0" i="0" u="none" strike="noStrike" cap="none" normalizeH="0" baseline="0" smtClean="0">
+                <a:ln>
+                  <a:noFill/>
+                </a:ln>
+                <a:solidFill>
+                  <a:srgbClr val="DC143C"/>
+                </a:solidFill>
+                <a:effectLst/>
+                <a:latin typeface="Menlo"/>
+              </a:rPr>
+              <a:t>column-count</a:t>
+            </a:r>
+            <a:endParaRPr kumimoji="0" lang="en-US" altLang="en-US" sz="1100" b="0" i="0" u="none" strike="noStrike" cap="none" normalizeH="0" baseline="0" smtClean="0">
+              <a:ln>
+                <a:noFill/>
+              </a:ln>
+              <a:solidFill>
+                <a:srgbClr val="333333"/>
+              </a:solidFill>
+              <a:effectLst/>
+              <a:latin typeface="Verdana" panose="020B0604030504040204" pitchFamily="34" charset="0"/>
+            </a:endParaRPr>
+          </a:p>
+          <a:p>
+            <a:pPr marL="0" marR="0" lvl="0" indent="0" algn="l" defTabSz="914400" rtl="0" eaLnBrk="0" fontAlgn="base" latinLnBrk="0" hangingPunct="0">
+              <a:lnSpc>
+                <a:spcPct val="100000"/>
+              </a:lnSpc>
+              <a:spcBef>
+                <a:spcPct val="0"/>
+              </a:spcBef>
+              <a:spcAft>
+                <a:spcPct val="0"/>
+              </a:spcAft>
+              <a:buClrTx/>
+              <a:buSzTx/>
+              <a:buFontTx/>
+              <a:buNone/>
+              <a:tabLst/>
+            </a:pPr>
+            <a:endParaRPr kumimoji="0" lang="en-US" altLang="en-US" sz="1800" b="0" i="0" u="none" strike="noStrike" cap="none" normalizeH="0" baseline="0" smtClean="0">
+              <a:ln>
+                <a:noFill/>
+              </a:ln>
+              <a:solidFill>
+                <a:schemeClr val="tx1"/>
+              </a:solidFill>
+              <a:effectLst/>
+              <a:latin typeface="Arial" panose="020B0604020202020204" pitchFamily="34" charset="0"/>
+            </a:endParaRPr>
+          </a:p>
+        </p:txBody>
+      </p:sp>
+      <p:sp>
+        <p:nvSpPr>
+          <p:cNvPr id="5" name="Rectangle 3"/>
+          <p:cNvSpPr>
+            <a:spLocks noChangeArrowheads="1"/>
+          </p:cNvSpPr>
+          <p:nvPr/>
+        </p:nvSpPr>
+        <p:spPr bwMode="auto">
+          <a:xfrm>
+            <a:off x="152400" y="152400"/>
+            <a:ext cx="9144000" cy="0"/>
+          </a:xfrm>
+          <a:prstGeom prst="rect">
+            <a:avLst/>
+          </a:prstGeom>
+          <a:solidFill>
+            <a:srgbClr val="F1F1F1"/>
+          </a:solidFill>
+          <a:ln>
+            <a:noFill/>
+          </a:ln>
+          <a:effectLst/>
+          <a:extLst>
+            <a:ext uri="{91240B29-F687-4F45-9708-019B960494DF}">
+              <a14:hiddenLine xmlns:a14="http://schemas.microsoft.com/office/drawing/2010/main" w="9525">
+                <a:solidFill>
+                  <a:schemeClr val="tx1"/>
+                </a:solidFill>
+                <a:miter lim="800000"/>
+                <a:headEnd/>
+                <a:tailEnd/>
+              </a14:hiddenLine>
+            </a:ext>
+            <a:ext uri="{AF507438-7753-43E0-B8FC-AC1667EBCBE1}">
+              <a14:hiddenEffects xmlns:a14="http://schemas.microsoft.com/office/drawing/2010/main">
+                <a:effectLst>
+                  <a:outerShdw dist="35921" dir="2700000" algn="ctr" rotWithShape="0">
+                    <a:schemeClr val="bg2"/>
+                  </a:outerShdw>
+                </a:effectLst>
+              </a14:hiddenEffects>
+            </a:ext>
+          </a:extLst>
+        </p:spPr>
+        <p:txBody>
+          <a:bodyPr vert="horz" wrap="none" lIns="91440" tIns="0" rIns="91440" bIns="88872" numCol="1" anchor="ctr" anchorCtr="0" compatLnSpc="1">
+            <a:prstTxWarp prst="textNoShape">
+              <a:avLst/>
+            </a:prstTxWarp>
+            <a:spAutoFit/>
+          </a:bodyPr>
+          <a:lstStyle/>
+          <a:p>
+            <a:pPr marL="0" marR="0" lvl="0" indent="0" algn="l" defTabSz="914400" rtl="0" eaLnBrk="0" fontAlgn="base" latinLnBrk="0" hangingPunct="0">
+              <a:lnSpc>
+                <a:spcPct val="100000"/>
+              </a:lnSpc>
+              <a:spcBef>
+                <a:spcPct val="0"/>
+              </a:spcBef>
+              <a:spcAft>
+                <a:spcPct val="0"/>
+              </a:spcAft>
+              <a:buClrTx/>
+              <a:buSzTx/>
+              <a:buFontTx/>
+              <a:buNone/>
+              <a:tabLst/>
+            </a:pPr>
+            <a:endParaRPr kumimoji="0" lang="en-US" altLang="en-US" sz="1800" b="0" i="0" u="none" strike="noStrike" cap="none" normalizeH="0" baseline="0" smtClean="0">
+              <a:ln>
+                <a:noFill/>
+              </a:ln>
+              <a:solidFill>
+                <a:schemeClr val="tx1"/>
+              </a:solidFill>
+              <a:effectLst/>
+              <a:latin typeface="Arial" panose="020B0604020202020204" pitchFamily="34" charset="0"/>
+            </a:endParaRPr>
+          </a:p>
+          <a:p>
+            <a:pPr marL="0" marR="0" lvl="0" indent="0" algn="l" defTabSz="914400" rtl="0" eaLnBrk="0" fontAlgn="base" latinLnBrk="0" hangingPunct="0">
+              <a:lnSpc>
+                <a:spcPct val="100000"/>
+              </a:lnSpc>
+              <a:spcBef>
+                <a:spcPct val="0"/>
+              </a:spcBef>
+              <a:spcAft>
+                <a:spcPct val="0"/>
+              </a:spcAft>
+              <a:buClrTx/>
+              <a:buSzTx/>
+              <a:buFontTx/>
+              <a:buChar char="•"/>
+              <a:tabLst/>
+            </a:pPr>
+            <a:r>
+              <a:rPr kumimoji="0" lang="en-US" altLang="en-US" sz="1100" b="0" i="0" u="none" strike="noStrike" cap="none" normalizeH="0" baseline="0" smtClean="0">
+                <a:ln>
+                  <a:noFill/>
+                </a:ln>
+                <a:solidFill>
+                  <a:srgbClr val="DC143C"/>
+                </a:solidFill>
+                <a:effectLst/>
+                <a:latin typeface="Menlo"/>
+              </a:rPr>
+              <a:t>column-count</a:t>
+            </a:r>
+            <a:endParaRPr kumimoji="0" lang="en-US" altLang="en-US" sz="1100" b="0" i="0" u="none" strike="noStrike" cap="none" normalizeH="0" baseline="0" smtClean="0">
+              <a:ln>
+                <a:noFill/>
+              </a:ln>
+              <a:solidFill>
+                <a:srgbClr val="333333"/>
+              </a:solidFill>
+              <a:effectLst/>
+              <a:latin typeface="Verdana" panose="020B0604030504040204" pitchFamily="34" charset="0"/>
+            </a:endParaRPr>
+          </a:p>
+          <a:p>
+            <a:pPr marL="0" marR="0" lvl="0" indent="0" algn="l" defTabSz="914400" rtl="0" eaLnBrk="0" fontAlgn="base" latinLnBrk="0" hangingPunct="0">
+              <a:lnSpc>
+                <a:spcPct val="100000"/>
+              </a:lnSpc>
+              <a:spcBef>
+                <a:spcPct val="0"/>
+              </a:spcBef>
+              <a:spcAft>
+                <a:spcPct val="0"/>
+              </a:spcAft>
+              <a:buClrTx/>
+              <a:buSzTx/>
+              <a:buFontTx/>
+              <a:buNone/>
+              <a:tabLst/>
+            </a:pPr>
+            <a:endParaRPr kumimoji="0" lang="en-US" altLang="en-US" sz="1800" b="0" i="0" u="none" strike="noStrike" cap="none" normalizeH="0" baseline="0" smtClean="0">
+              <a:ln>
+                <a:noFill/>
+              </a:ln>
+              <a:solidFill>
+                <a:schemeClr val="tx1"/>
+              </a:solidFill>
+              <a:effectLst/>
+              <a:latin typeface="Arial" panose="020B0604020202020204" pitchFamily="34" charset="0"/>
             </a:endParaRPr>
           </a:p>
         </p:txBody>
@@ -6679,7 +6732,7 @@
     </p:spTree>
     <p:extLst>
       <p:ext uri="{BB962C8B-B14F-4D97-AF65-F5344CB8AC3E}">
-        <p14:creationId xmlns:p14="http://schemas.microsoft.com/office/powerpoint/2010/main" val="2867660261"/>
+        <p14:creationId xmlns:p14="http://schemas.microsoft.com/office/powerpoint/2010/main" val="3488039917"/>
       </p:ext>
     </p:extLst>
   </p:cSld>
@@ -6725,8 +6778,45 @@
         </p:nvSpPr>
         <p:spPr>
           <a:xfrm>
-            <a:off x="457200" y="685800"/>
-            <a:ext cx="8610600" cy="1143000"/>
+            <a:off x="838200" y="685800"/>
+            <a:ext cx="8229600" cy="1143000"/>
+          </a:xfrm>
+        </p:spPr>
+        <p:txBody>
+          <a:bodyPr/>
+          <a:lstStyle/>
+          <a:p>
+            <a:pPr algn="l"/>
+            <a:r>
+              <a:rPr lang="bg-BG" dirty="0" smtClean="0">
+                <a:solidFill>
+                  <a:schemeClr val="accent6"/>
+                </a:solidFill>
+              </a:rPr>
+              <a:t>Въпроси</a:t>
+            </a:r>
+            <a:endParaRPr lang="bg-BG" dirty="0">
+              <a:solidFill>
+                <a:schemeClr val="accent6"/>
+              </a:solidFill>
+            </a:endParaRPr>
+          </a:p>
+        </p:txBody>
+      </p:sp>
+      <p:sp>
+        <p:nvSpPr>
+          <p:cNvPr id="3" name="Content Placeholder 2"/>
+          <p:cNvSpPr>
+            <a:spLocks noGrp="1"/>
+          </p:cNvSpPr>
+          <p:nvPr>
+            <p:ph idx="1"/>
+          </p:nvPr>
+        </p:nvSpPr>
+        <p:spPr>
+          <a:xfrm>
+            <a:off x="762000" y="1676400"/>
+            <a:ext cx="7620000" cy="4525963"/>
           </a:xfrm>
         </p:spPr>
         <p:txBody>
@@ -6735,493 +6825,104 @@
           </a:bodyPr>
           <a:lstStyle/>
           <a:p>
-            <a:pPr algn="l"/>
-            <a:r>
-              <a:rPr lang="en-US" dirty="0" smtClean="0">
-                <a:solidFill>
-                  <a:schemeClr val="accent6"/>
-                </a:solidFill>
-              </a:rPr>
-              <a:t>CSS3</a:t>
-            </a:r>
-            <a:r>
-              <a:rPr lang="bg-BG" dirty="0" smtClean="0">
-                <a:solidFill>
-                  <a:schemeClr val="accent6"/>
-                </a:solidFill>
-              </a:rPr>
-              <a:t> – </a:t>
-            </a:r>
-            <a:r>
-              <a:rPr lang="en-US" dirty="0" smtClean="0">
-                <a:solidFill>
-                  <a:schemeClr val="accent6"/>
-                </a:solidFill>
-              </a:rPr>
-              <a:t>Multiple columns</a:t>
-            </a:r>
-            <a:endParaRPr lang="bg-BG" dirty="0">
-              <a:solidFill>
-                <a:schemeClr val="accent6"/>
-              </a:solidFill>
-            </a:endParaRPr>
-          </a:p>
-        </p:txBody>
-      </p:sp>
-      <p:sp>
-        <p:nvSpPr>
-          <p:cNvPr id="6" name="Content Placeholder 5"/>
-          <p:cNvSpPr>
-            <a:spLocks noGrp="1"/>
-          </p:cNvSpPr>
-          <p:nvPr>
-            <p:ph idx="1"/>
-          </p:nvPr>
-        </p:nvSpPr>
-        <p:spPr/>
-        <p:txBody>
-          <a:bodyPr>
-            <a:normAutofit/>
-          </a:bodyPr>
-          <a:lstStyle/>
-          <a:p>
             <a:pPr>
               <a:buFont typeface="Wingdings" panose="05000000000000000000" pitchFamily="2" charset="2"/>
               <a:buChar char="§"/>
             </a:pPr>
-            <a:r>
-              <a:rPr lang="en-US" sz="3000" dirty="0" smtClean="0">
-                <a:solidFill>
-                  <a:schemeClr val="bg1"/>
-                </a:solidFill>
-                <a:latin typeface="+mj-lt"/>
-                <a:cs typeface="Courier New" panose="02070309020205020404" pitchFamily="49" charset="0"/>
-              </a:rPr>
-              <a:t>column-count</a:t>
-            </a:r>
+            <a:endParaRPr lang="en-US" dirty="0">
+              <a:solidFill>
+                <a:schemeClr val="bg1">
+                  <a:lumMod val="95000"/>
+                </a:schemeClr>
+              </a:solidFill>
+            </a:endParaRPr>
           </a:p>
           <a:p>
             <a:pPr>
               <a:buFont typeface="Wingdings" panose="05000000000000000000" pitchFamily="2" charset="2"/>
               <a:buChar char="§"/>
             </a:pPr>
-            <a:r>
-              <a:rPr lang="en-US" sz="3000" dirty="0">
-                <a:solidFill>
-                  <a:schemeClr val="bg1"/>
-                </a:solidFill>
-                <a:latin typeface="+mj-lt"/>
-                <a:cs typeface="Courier New" panose="02070309020205020404" pitchFamily="49" charset="0"/>
-              </a:rPr>
-              <a:t>column-gap</a:t>
-            </a:r>
+            <a:endParaRPr lang="en-US" dirty="0">
+              <a:solidFill>
+                <a:schemeClr val="bg1">
+                  <a:lumMod val="95000"/>
+                </a:schemeClr>
+              </a:solidFill>
+            </a:endParaRPr>
           </a:p>
           <a:p>
             <a:pPr>
               <a:buFont typeface="Wingdings" panose="05000000000000000000" pitchFamily="2" charset="2"/>
               <a:buChar char="§"/>
             </a:pPr>
-            <a:r>
-              <a:rPr lang="en-US" sz="3000" dirty="0">
-                <a:solidFill>
-                  <a:schemeClr val="bg1"/>
-                </a:solidFill>
-                <a:latin typeface="+mj-lt"/>
-                <a:cs typeface="Courier New" panose="02070309020205020404" pitchFamily="49" charset="0"/>
-              </a:rPr>
-              <a:t>column-rule-style</a:t>
-            </a:r>
+            <a:endParaRPr lang="en-US" dirty="0">
+              <a:solidFill>
+                <a:schemeClr val="bg1">
+                  <a:lumMod val="95000"/>
+                </a:schemeClr>
+              </a:solidFill>
+            </a:endParaRPr>
           </a:p>
           <a:p>
             <a:pPr>
               <a:buFont typeface="Wingdings" panose="05000000000000000000" pitchFamily="2" charset="2"/>
               <a:buChar char="§"/>
             </a:pPr>
-            <a:r>
-              <a:rPr lang="en-US" sz="3000" dirty="0">
-                <a:solidFill>
-                  <a:schemeClr val="bg1"/>
-                </a:solidFill>
-                <a:latin typeface="+mj-lt"/>
-                <a:cs typeface="Courier New" panose="02070309020205020404" pitchFamily="49" charset="0"/>
-              </a:rPr>
-              <a:t>column-rule-width</a:t>
-            </a:r>
-          </a:p>
-          <a:p>
-            <a:pPr>
-              <a:buFont typeface="Wingdings" panose="05000000000000000000" pitchFamily="2" charset="2"/>
-              <a:buChar char="§"/>
-            </a:pPr>
-            <a:r>
-              <a:rPr lang="en-US" sz="3000" dirty="0">
-                <a:solidFill>
-                  <a:schemeClr val="bg1"/>
-                </a:solidFill>
-                <a:latin typeface="+mj-lt"/>
-                <a:cs typeface="Courier New" panose="02070309020205020404" pitchFamily="49" charset="0"/>
-              </a:rPr>
-              <a:t>column-rule-color</a:t>
-            </a:r>
-          </a:p>
-          <a:p>
-            <a:pPr>
-              <a:buFont typeface="Wingdings" panose="05000000000000000000" pitchFamily="2" charset="2"/>
-              <a:buChar char="§"/>
-            </a:pPr>
-            <a:r>
-              <a:rPr lang="en-US" sz="3000" dirty="0">
-                <a:solidFill>
-                  <a:schemeClr val="bg1"/>
-                </a:solidFill>
-                <a:latin typeface="+mj-lt"/>
-                <a:cs typeface="Courier New" panose="02070309020205020404" pitchFamily="49" charset="0"/>
-              </a:rPr>
-              <a:t>column-rule</a:t>
-            </a:r>
-          </a:p>
-          <a:p>
-            <a:pPr>
-              <a:buFont typeface="Wingdings" panose="05000000000000000000" pitchFamily="2" charset="2"/>
-              <a:buChar char="§"/>
-            </a:pPr>
-            <a:r>
-              <a:rPr lang="en-US" sz="3000" dirty="0">
-                <a:solidFill>
-                  <a:schemeClr val="bg1"/>
-                </a:solidFill>
-                <a:latin typeface="+mj-lt"/>
-                <a:cs typeface="Courier New" panose="02070309020205020404" pitchFamily="49" charset="0"/>
-              </a:rPr>
-              <a:t>column-span</a:t>
-            </a:r>
-          </a:p>
-          <a:p>
-            <a:pPr>
-              <a:buFont typeface="Wingdings" panose="05000000000000000000" pitchFamily="2" charset="2"/>
-              <a:buChar char="§"/>
-            </a:pPr>
-            <a:r>
-              <a:rPr lang="en-US" sz="3000" dirty="0">
-                <a:solidFill>
-                  <a:schemeClr val="bg1"/>
-                </a:solidFill>
-                <a:latin typeface="+mj-lt"/>
-                <a:cs typeface="Courier New" panose="02070309020205020404" pitchFamily="49" charset="0"/>
-              </a:rPr>
-              <a:t>column-width</a:t>
-            </a:r>
+            <a:endParaRPr lang="en-US" dirty="0">
+              <a:solidFill>
+                <a:schemeClr val="bg1">
+                  <a:lumMod val="95000"/>
+                </a:schemeClr>
+              </a:solidFill>
+            </a:endParaRPr>
           </a:p>
         </p:txBody>
       </p:sp>
-      <p:sp>
-        <p:nvSpPr>
-          <p:cNvPr id="3" name="Rectangle 1"/>
-          <p:cNvSpPr>
-            <a:spLocks noChangeArrowheads="1"/>
-          </p:cNvSpPr>
+      <p:pic>
+        <p:nvPicPr>
+          <p:cNvPr id="1027" name="Picture 3" descr="C:\Users\Lazar\Desktop\01-red-question-mark1.jpg"/>
+          <p:cNvPicPr>
+            <a:picLocks noChangeAspect="1" noChangeArrowheads="1"/>
+          </p:cNvPicPr>
           <p:nvPr/>
-        </p:nvSpPr>
+        </p:nvPicPr>
+        <p:blipFill>
+          <a:blip r:embed="rId2" cstate="print">
+            <a:extLst>
+              <a:ext uri="{28A0092B-C50C-407E-A947-70E740481C1C}">
+                <a14:useLocalDpi xmlns:a14="http://schemas.microsoft.com/office/drawing/2010/main" val="0"/>
+              </a:ext>
+            </a:extLst>
+          </a:blip>
+          <a:srcRect/>
+          <a:stretch>
+            <a:fillRect/>
+          </a:stretch>
+        </p:blipFill>
         <p:spPr bwMode="auto">
           <a:xfrm>
-            <a:off x="0" y="0"/>
-            <a:ext cx="9144000" cy="0"/>
+            <a:off x="3505200" y="2057400"/>
+            <a:ext cx="2419082" cy="2419082"/>
           </a:xfrm>
           <a:prstGeom prst="rect">
             <a:avLst/>
           </a:prstGeom>
-          <a:solidFill>
-            <a:srgbClr val="F1F1F1"/>
-          </a:solidFill>
-          <a:ln>
-            <a:noFill/>
-          </a:ln>
-          <a:effectLst/>
+          <a:noFill/>
           <a:extLst>
-            <a:ext uri="{91240B29-F687-4F45-9708-019B960494DF}">
-              <a14:hiddenLine xmlns:a14="http://schemas.microsoft.com/office/drawing/2010/main" w="9525">
-                <a:solidFill>
-                  <a:schemeClr val="tx1"/>
-                </a:solidFill>
-                <a:miter lim="800000"/>
-                <a:headEnd/>
-                <a:tailEnd/>
-              </a14:hiddenLine>
-            </a:ext>
-            <a:ext uri="{AF507438-7753-43E0-B8FC-AC1667EBCBE1}">
-              <a14:hiddenEffects xmlns:a14="http://schemas.microsoft.com/office/drawing/2010/main">
-                <a:effectLst>
-                  <a:outerShdw dist="35921" dir="2700000" algn="ctr" rotWithShape="0">
-                    <a:schemeClr val="bg2"/>
-                  </a:outerShdw>
-                </a:effectLst>
-              </a14:hiddenEffects>
+            <a:ext uri="{909E8E84-426E-40DD-AFC4-6F175D3DCCD1}">
+              <a14:hiddenFill xmlns:a14="http://schemas.microsoft.com/office/drawing/2010/main">
+                <a:solidFill>
+                  <a:srgbClr val="FFFFFF"/>
+                </a:solidFill>
+              </a14:hiddenFill>
             </a:ext>
           </a:extLst>
         </p:spPr>
-        <p:txBody>
-          <a:bodyPr vert="horz" wrap="none" lIns="91440" tIns="0" rIns="91440" bIns="88872" numCol="1" anchor="ctr" anchorCtr="0" compatLnSpc="1">
-            <a:prstTxWarp prst="textNoShape">
-              <a:avLst/>
-            </a:prstTxWarp>
-            <a:spAutoFit/>
-          </a:bodyPr>
-          <a:lstStyle/>
-          <a:p>
-            <a:pPr marL="0" marR="0" lvl="0" indent="0" algn="l" defTabSz="914400" rtl="0" eaLnBrk="0" fontAlgn="base" latinLnBrk="0" hangingPunct="0">
-              <a:lnSpc>
-                <a:spcPct val="100000"/>
-              </a:lnSpc>
-              <a:spcBef>
-                <a:spcPct val="0"/>
-              </a:spcBef>
-              <a:spcAft>
-                <a:spcPct val="0"/>
-              </a:spcAft>
-              <a:buClrTx/>
-              <a:buSzTx/>
-              <a:buFontTx/>
-              <a:buNone/>
-              <a:tabLst/>
-            </a:pPr>
-            <a:endParaRPr kumimoji="0" lang="en-US" altLang="en-US" sz="1800" b="0" i="0" u="none" strike="noStrike" cap="none" normalizeH="0" baseline="0" smtClean="0">
-              <a:ln>
-                <a:noFill/>
-              </a:ln>
-              <a:solidFill>
-                <a:schemeClr val="tx1"/>
-              </a:solidFill>
-              <a:effectLst/>
-              <a:latin typeface="Arial" panose="020B0604020202020204" pitchFamily="34" charset="0"/>
-            </a:endParaRPr>
-          </a:p>
-          <a:p>
-            <a:pPr marL="0" marR="0" lvl="0" indent="0" algn="l" defTabSz="914400" rtl="0" eaLnBrk="0" fontAlgn="base" latinLnBrk="0" hangingPunct="0">
-              <a:lnSpc>
-                <a:spcPct val="100000"/>
-              </a:lnSpc>
-              <a:spcBef>
-                <a:spcPct val="0"/>
-              </a:spcBef>
-              <a:spcAft>
-                <a:spcPct val="0"/>
-              </a:spcAft>
-              <a:buClrTx/>
-              <a:buSzTx/>
-              <a:buFontTx/>
-              <a:buChar char="•"/>
-              <a:tabLst/>
-            </a:pPr>
-            <a:r>
-              <a:rPr kumimoji="0" lang="en-US" altLang="en-US" sz="1100" b="0" i="0" u="none" strike="noStrike" cap="none" normalizeH="0" baseline="0" smtClean="0">
-                <a:ln>
-                  <a:noFill/>
-                </a:ln>
-                <a:solidFill>
-                  <a:srgbClr val="DC143C"/>
-                </a:solidFill>
-                <a:effectLst/>
-                <a:latin typeface="Menlo"/>
-              </a:rPr>
-              <a:t>column-count</a:t>
-            </a:r>
-            <a:endParaRPr kumimoji="0" lang="en-US" altLang="en-US" sz="1100" b="0" i="0" u="none" strike="noStrike" cap="none" normalizeH="0" baseline="0" smtClean="0">
-              <a:ln>
-                <a:noFill/>
-              </a:ln>
-              <a:solidFill>
-                <a:srgbClr val="333333"/>
-              </a:solidFill>
-              <a:effectLst/>
-              <a:latin typeface="Verdana" panose="020B0604030504040204" pitchFamily="34" charset="0"/>
-            </a:endParaRPr>
-          </a:p>
-          <a:p>
-            <a:pPr marL="0" marR="0" lvl="0" indent="0" algn="l" defTabSz="914400" rtl="0" eaLnBrk="0" fontAlgn="base" latinLnBrk="0" hangingPunct="0">
-              <a:lnSpc>
-                <a:spcPct val="100000"/>
-              </a:lnSpc>
-              <a:spcBef>
-                <a:spcPct val="0"/>
-              </a:spcBef>
-              <a:spcAft>
-                <a:spcPct val="0"/>
-              </a:spcAft>
-              <a:buClrTx/>
-              <a:buSzTx/>
-              <a:buFontTx/>
-              <a:buNone/>
-              <a:tabLst/>
-            </a:pPr>
-            <a:endParaRPr kumimoji="0" lang="en-US" altLang="en-US" sz="1800" b="0" i="0" u="none" strike="noStrike" cap="none" normalizeH="0" baseline="0" smtClean="0">
-              <a:ln>
-                <a:noFill/>
-              </a:ln>
-              <a:solidFill>
-                <a:schemeClr val="tx1"/>
-              </a:solidFill>
-              <a:effectLst/>
-              <a:latin typeface="Arial" panose="020B0604020202020204" pitchFamily="34" charset="0"/>
-            </a:endParaRPr>
-          </a:p>
-        </p:txBody>
-      </p:sp>
-      <p:sp>
-        <p:nvSpPr>
-          <p:cNvPr id="5" name="Rectangle 3"/>
-          <p:cNvSpPr>
-            <a:spLocks noChangeArrowheads="1"/>
-          </p:cNvSpPr>
-          <p:nvPr/>
-        </p:nvSpPr>
-        <p:spPr bwMode="auto">
-          <a:xfrm>
-            <a:off x="152400" y="152400"/>
-            <a:ext cx="9144000" cy="0"/>
-          </a:xfrm>
-          <a:prstGeom prst="rect">
-            <a:avLst/>
-          </a:prstGeom>
-          <a:solidFill>
-            <a:srgbClr val="F1F1F1"/>
-          </a:solidFill>
-          <a:ln>
-            <a:noFill/>
-          </a:ln>
-          <a:effectLst/>
-          <a:extLst>
-            <a:ext uri="{91240B29-F687-4F45-9708-019B960494DF}">
-              <a14:hiddenLine xmlns:a14="http://schemas.microsoft.com/office/drawing/2010/main" w="9525">
-                <a:solidFill>
-                  <a:schemeClr val="tx1"/>
-                </a:solidFill>
-                <a:miter lim="800000"/>
-                <a:headEnd/>
-                <a:tailEnd/>
-              </a14:hiddenLine>
-            </a:ext>
-            <a:ext uri="{AF507438-7753-43E0-B8FC-AC1667EBCBE1}">
-              <a14:hiddenEffects xmlns:a14="http://schemas.microsoft.com/office/drawing/2010/main">
-                <a:effectLst>
-                  <a:outerShdw dist="35921" dir="2700000" algn="ctr" rotWithShape="0">
-                    <a:schemeClr val="bg2"/>
-                  </a:outerShdw>
-                </a:effectLst>
-              </a14:hiddenEffects>
-            </a:ext>
-          </a:extLst>
-        </p:spPr>
-        <p:txBody>
-          <a:bodyPr vert="horz" wrap="none" lIns="91440" tIns="0" rIns="91440" bIns="88872" numCol="1" anchor="ctr" anchorCtr="0" compatLnSpc="1">
-            <a:prstTxWarp prst="textNoShape">
-              <a:avLst/>
-            </a:prstTxWarp>
-            <a:spAutoFit/>
-          </a:bodyPr>
-          <a:lstStyle/>
-          <a:p>
-            <a:pPr marL="0" marR="0" lvl="0" indent="0" algn="l" defTabSz="914400" rtl="0" eaLnBrk="0" fontAlgn="base" latinLnBrk="0" hangingPunct="0">
-              <a:lnSpc>
-                <a:spcPct val="100000"/>
-              </a:lnSpc>
-              <a:spcBef>
-                <a:spcPct val="0"/>
-              </a:spcBef>
-              <a:spcAft>
-                <a:spcPct val="0"/>
-              </a:spcAft>
-              <a:buClrTx/>
-              <a:buSzTx/>
-              <a:buFontTx/>
-              <a:buNone/>
-              <a:tabLst/>
-            </a:pPr>
-            <a:endParaRPr kumimoji="0" lang="en-US" altLang="en-US" sz="1800" b="0" i="0" u="none" strike="noStrike" cap="none" normalizeH="0" baseline="0" smtClean="0">
-              <a:ln>
-                <a:noFill/>
-              </a:ln>
-              <a:solidFill>
-                <a:schemeClr val="tx1"/>
-              </a:solidFill>
-              <a:effectLst/>
-              <a:latin typeface="Arial" panose="020B0604020202020204" pitchFamily="34" charset="0"/>
-            </a:endParaRPr>
-          </a:p>
-          <a:p>
-            <a:pPr marL="0" marR="0" lvl="0" indent="0" algn="l" defTabSz="914400" rtl="0" eaLnBrk="0" fontAlgn="base" latinLnBrk="0" hangingPunct="0">
-              <a:lnSpc>
-                <a:spcPct val="100000"/>
-              </a:lnSpc>
-              <a:spcBef>
-                <a:spcPct val="0"/>
-              </a:spcBef>
-              <a:spcAft>
-                <a:spcPct val="0"/>
-              </a:spcAft>
-              <a:buClrTx/>
-              <a:buSzTx/>
-              <a:buFontTx/>
-              <a:buChar char="•"/>
-              <a:tabLst/>
-            </a:pPr>
-            <a:r>
-              <a:rPr kumimoji="0" lang="en-US" altLang="en-US" sz="1100" b="0" i="0" u="none" strike="noStrike" cap="none" normalizeH="0" baseline="0" smtClean="0">
-                <a:ln>
-                  <a:noFill/>
-                </a:ln>
-                <a:solidFill>
-                  <a:srgbClr val="DC143C"/>
-                </a:solidFill>
-                <a:effectLst/>
-                <a:latin typeface="Menlo"/>
-              </a:rPr>
-              <a:t>column-count</a:t>
-            </a:r>
-            <a:endParaRPr kumimoji="0" lang="en-US" altLang="en-US" sz="1100" b="0" i="0" u="none" strike="noStrike" cap="none" normalizeH="0" baseline="0" smtClean="0">
-              <a:ln>
-                <a:noFill/>
-              </a:ln>
-              <a:solidFill>
-                <a:srgbClr val="333333"/>
-              </a:solidFill>
-              <a:effectLst/>
-              <a:latin typeface="Verdana" panose="020B0604030504040204" pitchFamily="34" charset="0"/>
-            </a:endParaRPr>
-          </a:p>
-          <a:p>
-            <a:pPr marL="0" marR="0" lvl="0" indent="0" algn="l" defTabSz="914400" rtl="0" eaLnBrk="0" fontAlgn="base" latinLnBrk="0" hangingPunct="0">
-              <a:lnSpc>
-                <a:spcPct val="100000"/>
-              </a:lnSpc>
-              <a:spcBef>
-                <a:spcPct val="0"/>
-              </a:spcBef>
-              <a:spcAft>
-                <a:spcPct val="0"/>
-              </a:spcAft>
-              <a:buClrTx/>
-              <a:buSzTx/>
-              <a:buFontTx/>
-              <a:buNone/>
-              <a:tabLst/>
-            </a:pPr>
-            <a:endParaRPr kumimoji="0" lang="en-US" altLang="en-US" sz="1800" b="0" i="0" u="none" strike="noStrike" cap="none" normalizeH="0" baseline="0" smtClean="0">
-              <a:ln>
-                <a:noFill/>
-              </a:ln>
-              <a:solidFill>
-                <a:schemeClr val="tx1"/>
-              </a:solidFill>
-              <a:effectLst/>
-              <a:latin typeface="Arial" panose="020B0604020202020204" pitchFamily="34" charset="0"/>
-            </a:endParaRPr>
-          </a:p>
-        </p:txBody>
-      </p:sp>
+      </p:pic>
     </p:spTree>
     <p:extLst>
       <p:ext uri="{BB962C8B-B14F-4D97-AF65-F5344CB8AC3E}">
-        <p14:creationId xmlns:p14="http://schemas.microsoft.com/office/powerpoint/2010/main" val="3488039917"/>
+        <p14:creationId xmlns:p14="http://schemas.microsoft.com/office/powerpoint/2010/main" val="1088608090"/>
       </p:ext>
     </p:extLst>
   </p:cSld>
@@ -7331,8 +7032,8 @@
         </p:nvSpPr>
         <p:spPr>
           <a:xfrm>
-            <a:off x="2875494" y="1676401"/>
-            <a:ext cx="6192306" cy="4524315"/>
+            <a:off x="2951694" y="1524000"/>
+            <a:ext cx="6192306" cy="3539430"/>
           </a:xfrm>
           <a:prstGeom prst="rect">
             <a:avLst/>
@@ -7369,9 +7070,39 @@
                   <a:schemeClr val="bg1"/>
                 </a:solidFill>
               </a:rPr>
-              <a:t>Последен стандарт за стилизиране</a:t>
-            </a:r>
-            <a:endParaRPr lang="en-US" sz="3200" dirty="0" smtClean="0">
+              <a:t>Последен стандарт за </a:t>
+            </a:r>
+            <a:r>
+              <a:rPr lang="bg-BG" sz="3200" dirty="0" smtClean="0">
+                <a:solidFill>
+                  <a:schemeClr val="bg1"/>
+                </a:solidFill>
+              </a:rPr>
+              <a:t>стилизиране</a:t>
+            </a:r>
+          </a:p>
+          <a:p>
+            <a:pPr marL="457200" indent="-457200">
+              <a:buFont typeface="Wingdings" panose="05000000000000000000" pitchFamily="2" charset="2"/>
+              <a:buChar char="§"/>
+            </a:pPr>
+            <a:r>
+              <a:rPr lang="bg-BG" sz="3200" dirty="0" smtClean="0">
+                <a:solidFill>
+                  <a:schemeClr val="bg1"/>
+                </a:solidFill>
+              </a:rPr>
+              <a:t>Напълно съвместим с предишните версии на </a:t>
+            </a:r>
+            <a:r>
+              <a:rPr lang="en-US" sz="3200" dirty="0" smtClean="0">
+                <a:solidFill>
+                  <a:schemeClr val="bg1"/>
+                </a:solidFill>
+              </a:rPr>
+              <a:t>CSS</a:t>
+            </a:r>
+            <a:endParaRPr lang="bg-BG" sz="3200" dirty="0" smtClean="0">
               <a:solidFill>
                 <a:schemeClr val="bg1"/>
               </a:solidFill>
@@ -7388,60 +7119,13 @@
                   <a:schemeClr val="bg1"/>
                 </a:solidFill>
               </a:rPr>
-              <a:t>Разделен е на няколко документа, наричани модули</a:t>
-            </a:r>
-          </a:p>
-          <a:p>
-            <a:pPr marL="457200" indent="-457200">
-              <a:buFont typeface="Wingdings" panose="05000000000000000000" pitchFamily="2" charset="2"/>
-              <a:buChar char="§"/>
-            </a:pPr>
-            <a:r>
-              <a:rPr lang="bg-BG" sz="3200" dirty="0" smtClean="0">
-                <a:solidFill>
-                  <a:schemeClr val="bg1"/>
-                </a:solidFill>
-              </a:rPr>
-              <a:t>Напълно съвместим с предишните версии на </a:t>
-            </a:r>
-            <a:r>
-              <a:rPr lang="en-US" sz="3200" dirty="0" smtClean="0">
-                <a:solidFill>
-                  <a:schemeClr val="bg1"/>
-                </a:solidFill>
-              </a:rPr>
-              <a:t>CSS</a:t>
-            </a:r>
-          </a:p>
-          <a:p>
-            <a:pPr marL="457200" indent="-457200">
-              <a:buFont typeface="Wingdings" panose="05000000000000000000" pitchFamily="2" charset="2"/>
-              <a:buChar char="§"/>
-            </a:pPr>
-            <a:r>
-              <a:rPr lang="bg-BG" sz="3200" dirty="0" smtClean="0">
-                <a:solidFill>
-                  <a:schemeClr val="bg1"/>
-                </a:solidFill>
-              </a:rPr>
-              <a:t>Повечето му модули са по препоръка на </a:t>
-            </a:r>
-            <a:r>
-              <a:rPr lang="en-US" sz="3200" dirty="0" smtClean="0">
-                <a:solidFill>
-                  <a:schemeClr val="bg1"/>
-                </a:solidFill>
-              </a:rPr>
-              <a:t>W3 </a:t>
-            </a:r>
-            <a:r>
-              <a:rPr lang="bg-BG" sz="3200" dirty="0" smtClean="0">
-                <a:solidFill>
-                  <a:schemeClr val="bg1"/>
-                </a:solidFill>
-              </a:rPr>
-              <a:t>консорциума</a:t>
-            </a:r>
+              <a:t>Не се поддържа от стари версии на браузъри</a:t>
+            </a:r>
+            <a:endParaRPr lang="bg-BG" sz="3200" dirty="0" smtClean="0">
+              <a:solidFill>
+                <a:schemeClr val="bg1"/>
+              </a:solidFill>
+            </a:endParaRPr>
           </a:p>
         </p:txBody>
       </p:sp>
@@ -7509,196 +7193,6 @@
                   <a:schemeClr val="accent6"/>
                 </a:solidFill>
               </a:rPr>
-              <a:t>Въпроси</a:t>
-            </a:r>
-            <a:endParaRPr lang="bg-BG" dirty="0">
-              <a:solidFill>
-                <a:schemeClr val="accent6"/>
-              </a:solidFill>
-            </a:endParaRPr>
-          </a:p>
-        </p:txBody>
-      </p:sp>
-      <p:sp>
-        <p:nvSpPr>
-          <p:cNvPr id="3" name="Content Placeholder 2"/>
-          <p:cNvSpPr>
-            <a:spLocks noGrp="1"/>
-          </p:cNvSpPr>
-          <p:nvPr>
-            <p:ph idx="1"/>
-          </p:nvPr>
-        </p:nvSpPr>
-        <p:spPr>
-          <a:xfrm>
-            <a:off x="762000" y="1676400"/>
-            <a:ext cx="7620000" cy="4525963"/>
-          </a:xfrm>
-        </p:spPr>
-        <p:txBody>
-          <a:bodyPr>
-            <a:normAutofit/>
-          </a:bodyPr>
-          <a:lstStyle/>
-          <a:p>
-            <a:pPr>
-              <a:buFont typeface="Wingdings" panose="05000000000000000000" pitchFamily="2" charset="2"/>
-              <a:buChar char="§"/>
-            </a:pPr>
-            <a:endParaRPr lang="en-US" dirty="0">
-              <a:solidFill>
-                <a:schemeClr val="bg1">
-                  <a:lumMod val="95000"/>
-                </a:schemeClr>
-              </a:solidFill>
-            </a:endParaRPr>
-          </a:p>
-          <a:p>
-            <a:pPr>
-              <a:buFont typeface="Wingdings" panose="05000000000000000000" pitchFamily="2" charset="2"/>
-              <a:buChar char="§"/>
-            </a:pPr>
-            <a:endParaRPr lang="en-US" dirty="0">
-              <a:solidFill>
-                <a:schemeClr val="bg1">
-                  <a:lumMod val="95000"/>
-                </a:schemeClr>
-              </a:solidFill>
-            </a:endParaRPr>
-          </a:p>
-          <a:p>
-            <a:pPr>
-              <a:buFont typeface="Wingdings" panose="05000000000000000000" pitchFamily="2" charset="2"/>
-              <a:buChar char="§"/>
-            </a:pPr>
-            <a:endParaRPr lang="en-US" dirty="0">
-              <a:solidFill>
-                <a:schemeClr val="bg1">
-                  <a:lumMod val="95000"/>
-                </a:schemeClr>
-              </a:solidFill>
-            </a:endParaRPr>
-          </a:p>
-          <a:p>
-            <a:pPr>
-              <a:buFont typeface="Wingdings" panose="05000000000000000000" pitchFamily="2" charset="2"/>
-              <a:buChar char="§"/>
-            </a:pPr>
-            <a:endParaRPr lang="en-US" dirty="0">
-              <a:solidFill>
-                <a:schemeClr val="bg1">
-                  <a:lumMod val="95000"/>
-                </a:schemeClr>
-              </a:solidFill>
-            </a:endParaRPr>
-          </a:p>
-        </p:txBody>
-      </p:sp>
-      <p:pic>
-        <p:nvPicPr>
-          <p:cNvPr id="1027" name="Picture 3" descr="C:\Users\Lazar\Desktop\01-red-question-mark1.jpg"/>
-          <p:cNvPicPr>
-            <a:picLocks noChangeAspect="1" noChangeArrowheads="1"/>
-          </p:cNvPicPr>
-          <p:nvPr/>
-        </p:nvPicPr>
-        <p:blipFill>
-          <a:blip r:embed="rId2" cstate="print">
-            <a:extLst>
-              <a:ext uri="{28A0092B-C50C-407E-A947-70E740481C1C}">
-                <a14:useLocalDpi xmlns:a14="http://schemas.microsoft.com/office/drawing/2010/main" val="0"/>
-              </a:ext>
-            </a:extLst>
-          </a:blip>
-          <a:srcRect/>
-          <a:stretch>
-            <a:fillRect/>
-          </a:stretch>
-        </p:blipFill>
-        <p:spPr bwMode="auto">
-          <a:xfrm>
-            <a:off x="3505200" y="2057400"/>
-            <a:ext cx="2419082" cy="2419082"/>
-          </a:xfrm>
-          <a:prstGeom prst="rect">
-            <a:avLst/>
-          </a:prstGeom>
-          <a:noFill/>
-          <a:extLst>
-            <a:ext uri="{909E8E84-426E-40DD-AFC4-6F175D3DCCD1}">
-              <a14:hiddenFill xmlns:a14="http://schemas.microsoft.com/office/drawing/2010/main">
-                <a:solidFill>
-                  <a:srgbClr val="FFFFFF"/>
-                </a:solidFill>
-              </a14:hiddenFill>
-            </a:ext>
-          </a:extLst>
-        </p:spPr>
-      </p:pic>
-    </p:spTree>
-    <p:extLst>
-      <p:ext uri="{BB962C8B-B14F-4D97-AF65-F5344CB8AC3E}">
-        <p14:creationId xmlns:p14="http://schemas.microsoft.com/office/powerpoint/2010/main" val="1088608090"/>
-      </p:ext>
-    </p:extLst>
-  </p:cSld>
-  <p:clrMapOvr>
-    <a:masterClrMapping/>
-  </p:clrMapOvr>
-  <p:timing>
-    <p:tnLst>
-      <p:par>
-        <p:cTn id="1" dur="indefinite" restart="never" nodeType="tmRoot"/>
-      </p:par>
-    </p:tnLst>
-  </p:timing>
-</p:sld>
-</file>
-
-<file path=ppt/slides/slide21.xml><?xml version="1.0" encoding="utf-8"?>
-<p:sld xmlns:a="http://schemas.openxmlformats.org/drawingml/2006/main" xmlns:r="http://schemas.openxmlformats.org/officeDocument/2006/relationships" xmlns:p="http://schemas.openxmlformats.org/presentationml/2006/main">
-  <p:cSld>
-    <p:spTree>
-      <p:nvGrpSpPr>
-        <p:cNvPr id="1" name=""/>
-        <p:cNvGrpSpPr/>
-        <p:nvPr/>
-      </p:nvGrpSpPr>
-      <p:grpSpPr>
-        <a:xfrm>
-          <a:off x="0" y="0"/>
-          <a:ext cx="0" cy="0"/>
-          <a:chOff x="0" y="0"/>
-          <a:chExt cx="0" cy="0"/>
-        </a:xfrm>
-      </p:grpSpPr>
-      <p:sp>
-        <p:nvSpPr>
-          <p:cNvPr id="2" name="Title 1"/>
-          <p:cNvSpPr>
-            <a:spLocks noGrp="1"/>
-          </p:cNvSpPr>
-          <p:nvPr>
-            <p:ph type="title"/>
-          </p:nvPr>
-        </p:nvSpPr>
-        <p:spPr>
-          <a:xfrm>
-            <a:off x="838200" y="685800"/>
-            <a:ext cx="8229600" cy="1143000"/>
-          </a:xfrm>
-        </p:spPr>
-        <p:txBody>
-          <a:bodyPr/>
-          <a:lstStyle/>
-          <a:p>
-            <a:pPr algn="l"/>
-            <a:r>
-              <a:rPr lang="bg-BG" dirty="0" smtClean="0">
-                <a:solidFill>
-                  <a:schemeClr val="accent6"/>
-                </a:solidFill>
-              </a:rPr>
               <a:t>Задачи за домашна работа</a:t>
             </a:r>
             <a:endParaRPr lang="bg-BG" dirty="0">
@@ -7727,7 +7221,7 @@
         </p:spPr>
         <p:txBody>
           <a:bodyPr>
-            <a:normAutofit fontScale="85000" lnSpcReduction="20000"/>
+            <a:normAutofit fontScale="85000" lnSpcReduction="10000"/>
           </a:bodyPr>
           <a:lstStyle/>
           <a:p>
@@ -8308,69 +7802,25 @@
                   </a:schemeClr>
                 </a:solidFill>
               </a:rPr>
-              <a:t>и ми пращате линк.</a:t>
-            </a:r>
-          </a:p>
-          <a:p>
-            <a:pPr marL="0" indent="0">
-              <a:buNone/>
-            </a:pPr>
-            <a:r>
-              <a:rPr lang="bg-BG" sz="2000" dirty="0">
+              <a:t>и ми пращате линк</a:t>
+            </a:r>
+            <a:r>
+              <a:rPr lang="bg-BG" sz="2000" dirty="0" smtClean="0">
                 <a:solidFill>
                   <a:schemeClr val="bg1">
                     <a:lumMod val="95000"/>
                   </a:schemeClr>
                 </a:solidFill>
               </a:rPr>
-              <a:t>Крайният срок за предаване на задачите е </a:t>
-            </a:r>
-            <a:r>
-              <a:rPr lang="bg-BG" sz="2000" b="1" u="sng" dirty="0" smtClean="0">
-                <a:solidFill>
-                  <a:schemeClr val="bg1">
-                    <a:lumMod val="95000"/>
-                  </a:schemeClr>
-                </a:solidFill>
-              </a:rPr>
-              <a:t>02.08.2015</a:t>
-            </a:r>
-            <a:r>
-              <a:rPr lang="bg-BG" sz="2000" b="1" u="sng" dirty="0">
-                <a:solidFill>
-                  <a:schemeClr val="bg1">
-                    <a:lumMod val="95000"/>
-                  </a:schemeClr>
-                </a:solidFill>
-              </a:rPr>
-              <a:t>, 23:59 </a:t>
-            </a:r>
-            <a:r>
-              <a:rPr lang="bg-BG" sz="2000" b="1" u="sng" dirty="0">
-                <a:solidFill>
-                  <a:schemeClr val="bg1">
-                    <a:lumMod val="95000"/>
-                  </a:schemeClr>
-                </a:solidFill>
-                <a:sym typeface="Wingdings" panose="05000000000000000000" pitchFamily="2" charset="2"/>
-              </a:rPr>
-              <a:t></a:t>
-            </a:r>
-          </a:p>
-          <a:p>
-            <a:pPr marL="0" indent="0">
-              <a:buNone/>
-            </a:pPr>
-            <a:r>
-              <a:rPr lang="bg-BG" sz="2000" dirty="0">
-                <a:solidFill>
-                  <a:schemeClr val="bg1">
-                    <a:lumMod val="95000"/>
-                  </a:schemeClr>
-                </a:solidFill>
-              </a:rPr>
-              <a:t>Задачи, пратени след срока, няма да бъдат оценявани.</a:t>
-            </a:r>
+              <a:t>.</a:t>
+            </a:r>
+            <a:endParaRPr lang="bg-BG" sz="2000" dirty="0">
+              <a:solidFill>
+                <a:schemeClr val="bg1">
+                  <a:lumMod val="95000"/>
+                </a:schemeClr>
+              </a:solidFill>
+            </a:endParaRPr>
           </a:p>
         </p:txBody>
       </p:sp>
@@ -8442,6 +7892,14 @@
               </a:rPr>
               <a:t>CSS3</a:t>
             </a:r>
+            <a:r>
+              <a:rPr lang="bg-BG" dirty="0" smtClean="0">
+                <a:solidFill>
+                  <a:schemeClr val="accent6"/>
+                </a:solidFill>
+              </a:rPr>
+              <a:t> – какво ново?</a:t>
+            </a:r>
             <a:endParaRPr lang="bg-BG" dirty="0">
               <a:solidFill>
                 <a:schemeClr val="accent6"/>
@@ -8450,90 +7908,159 @@
           </a:p>
         </p:txBody>
       </p:sp>
-      <p:pic>
-        <p:nvPicPr>
-          <p:cNvPr id="4" name="Content Placeholder 3"/>
-          <p:cNvPicPr>
-            <a:picLocks noGrp="1" noChangeAspect="1"/>
-          </p:cNvPicPr>
+      <p:sp>
+        <p:nvSpPr>
+          <p:cNvPr id="6" name="Content Placeholder 5"/>
+          <p:cNvSpPr>
+            <a:spLocks noGrp="1"/>
+          </p:cNvSpPr>
           <p:nvPr>
             <p:ph idx="1"/>
           </p:nvPr>
-        </p:nvPicPr>
-        <p:blipFill>
-          <a:blip r:embed="rId2">
-            <a:extLst>
-              <a:ext uri="{28A0092B-C50C-407E-A947-70E740481C1C}">
-                <a14:useLocalDpi xmlns:a14="http://schemas.microsoft.com/office/drawing/2010/main" val="0"/>
-              </a:ext>
-            </a:extLst>
-          </a:blip>
-          <a:stretch>
-            <a:fillRect/>
-          </a:stretch>
-        </p:blipFill>
-        <p:spPr>
-          <a:xfrm>
-            <a:off x="457200" y="1676401"/>
-            <a:ext cx="2397902" cy="2057400"/>
-          </a:xfrm>
-        </p:spPr>
-      </p:pic>
-      <p:sp>
-        <p:nvSpPr>
-          <p:cNvPr id="5" name="TextBox 4"/>
-          <p:cNvSpPr txBox="1"/>
-          <p:nvPr/>
         </p:nvSpPr>
-        <p:spPr>
-          <a:xfrm>
-            <a:off x="2875494" y="1676401"/>
-            <a:ext cx="6192306" cy="2554545"/>
-          </a:xfrm>
-          <a:prstGeom prst="rect">
-            <a:avLst/>
-          </a:prstGeom>
-          <a:noFill/>
-        </p:spPr>
+        <p:spPr/>
         <p:txBody>
-          <a:bodyPr wrap="square" rtlCol="0">
-            <a:spAutoFit/>
+          <a:bodyPr>
+            <a:normAutofit fontScale="92500" lnSpcReduction="20000"/>
           </a:bodyPr>
           <a:lstStyle/>
           <a:p>
-            <a:pPr marL="457200" indent="-457200">
-              <a:buFont typeface="Wingdings" panose="05000000000000000000" pitchFamily="2" charset="2"/>
-              <a:buChar char="§"/>
-            </a:pPr>
-            <a:r>
-              <a:rPr lang="bg-BG" sz="3200" dirty="0" smtClean="0">
+            <a:pPr>
+              <a:buFontTx/>
+              <a:buChar char="-"/>
+            </a:pPr>
+            <a:r>
+              <a:rPr lang="bg-BG" dirty="0" smtClean="0">
                 <a:solidFill>
                   <a:schemeClr val="bg1"/>
                 </a:solidFill>
               </a:rPr>
-              <a:t>Все още не е одобрен като спецификация</a:t>
-            </a:r>
-          </a:p>
-          <a:p>
-            <a:pPr marL="457200" indent="-457200">
-              <a:buFont typeface="Wingdings" panose="05000000000000000000" pitchFamily="2" charset="2"/>
-              <a:buChar char="§"/>
-            </a:pPr>
-            <a:r>
-              <a:rPr lang="bg-BG" sz="3200" dirty="0" smtClean="0">
+              <a:t>Селектори</a:t>
+            </a:r>
+          </a:p>
+          <a:p>
+            <a:pPr>
+              <a:buFontTx/>
+              <a:buChar char="-"/>
+            </a:pPr>
+            <a:r>
+              <a:rPr lang="en-US" dirty="0" smtClean="0">
                 <a:solidFill>
                   <a:schemeClr val="bg1"/>
                 </a:solidFill>
               </a:rPr>
-              <a:t>Най-ранните планове за въвеждането му като стандарт са от 1999г.</a:t>
-            </a:r>
+              <a:t>Box model</a:t>
+            </a:r>
+          </a:p>
+          <a:p>
+            <a:pPr>
+              <a:buFontTx/>
+              <a:buChar char="-"/>
+            </a:pPr>
+            <a:r>
+              <a:rPr lang="en-US" dirty="0" smtClean="0">
+                <a:solidFill>
+                  <a:schemeClr val="bg1"/>
+                </a:solidFill>
+              </a:rPr>
+              <a:t>Backgrounds &amp; Borders</a:t>
+            </a:r>
+          </a:p>
+          <a:p>
+            <a:pPr>
+              <a:buFontTx/>
+              <a:buChar char="-"/>
+            </a:pPr>
+            <a:r>
+              <a:rPr lang="en-US" dirty="0" smtClean="0">
+                <a:solidFill>
+                  <a:schemeClr val="bg1"/>
+                </a:solidFill>
+              </a:rPr>
+              <a:t>Image values &amp; replaced content</a:t>
+            </a:r>
+          </a:p>
+          <a:p>
+            <a:pPr>
+              <a:buFontTx/>
+              <a:buChar char="-"/>
+            </a:pPr>
+            <a:r>
+              <a:rPr lang="en-US" dirty="0" smtClean="0">
+                <a:solidFill>
+                  <a:schemeClr val="bg1"/>
+                </a:solidFill>
+              </a:rPr>
+              <a:t>Text effects</a:t>
+            </a:r>
+          </a:p>
+          <a:p>
+            <a:pPr>
+              <a:buFontTx/>
+              <a:buChar char="-"/>
+            </a:pPr>
+            <a:r>
+              <a:rPr lang="en-US" dirty="0" smtClean="0">
+                <a:solidFill>
+                  <a:schemeClr val="bg1"/>
+                </a:solidFill>
+              </a:rPr>
+              <a:t>2D/3D Transformations</a:t>
+            </a:r>
+          </a:p>
+          <a:p>
+            <a:pPr>
+              <a:buFontTx/>
+              <a:buChar char="-"/>
+            </a:pPr>
+            <a:r>
+              <a:rPr lang="en-US" dirty="0" smtClean="0">
+                <a:solidFill>
+                  <a:schemeClr val="bg1"/>
+                </a:solidFill>
+              </a:rPr>
+              <a:t>Animations</a:t>
+            </a:r>
+          </a:p>
+          <a:p>
+            <a:pPr>
+              <a:buFontTx/>
+              <a:buChar char="-"/>
+            </a:pPr>
+            <a:r>
+              <a:rPr lang="en-US" dirty="0" smtClean="0">
+                <a:solidFill>
+                  <a:schemeClr val="bg1"/>
+                </a:solidFill>
+              </a:rPr>
+              <a:t>Multiple Column Layout</a:t>
+            </a:r>
+          </a:p>
+          <a:p>
+            <a:pPr>
+              <a:buFontTx/>
+              <a:buChar char="-"/>
+            </a:pPr>
+            <a:r>
+              <a:rPr lang="en-US" dirty="0" smtClean="0">
+                <a:solidFill>
+                  <a:schemeClr val="bg1"/>
+                </a:solidFill>
+              </a:rPr>
+              <a:t>User Interface</a:t>
+            </a:r>
+            <a:endParaRPr lang="en-US" dirty="0">
+              <a:solidFill>
+                <a:schemeClr val="bg1"/>
+              </a:solidFill>
+            </a:endParaRPr>
           </a:p>
         </p:txBody>
       </p:sp>
     </p:spTree>
     <p:extLst>
       <p:ext uri="{BB962C8B-B14F-4D97-AF65-F5344CB8AC3E}">
-        <p14:creationId xmlns:p14="http://schemas.microsoft.com/office/powerpoint/2010/main" val="949183720"/>
+        <p14:creationId xmlns:p14="http://schemas.microsoft.com/office/powerpoint/2010/main" val="3143749317"/>
       </p:ext>
     </p:extLst>
   </p:cSld>
@@ -8604,7 +8131,15 @@
                   <a:schemeClr val="accent6"/>
                 </a:solidFill>
               </a:rPr>
-              <a:t> – какво ново?</a:t>
+              <a:t> – </a:t>
+            </a:r>
+            <a:r>
+              <a:rPr lang="en-US" dirty="0" smtClean="0">
+                <a:solidFill>
+                  <a:schemeClr val="accent6"/>
+                </a:solidFill>
+              </a:rPr>
+              <a:t>border-images</a:t>
             </a:r>
             <a:endParaRPr lang="bg-BG" dirty="0">
               <a:solidFill>
@@ -8627,138 +8162,331 @@
         <p:spPr/>
         <p:txBody>
           <a:bodyPr>
-            <a:normAutofit fontScale="92500" lnSpcReduction="20000"/>
+            <a:normAutofit/>
           </a:bodyPr>
           <a:lstStyle/>
           <a:p>
-            <a:pPr>
-              <a:buFontTx/>
-              <a:buChar char="-"/>
-            </a:pPr>
-            <a:r>
-              <a:rPr lang="bg-BG" dirty="0" smtClean="0">
+            <a:pPr marL="0" indent="0">
+              <a:buNone/>
+            </a:pPr>
+            <a:r>
+              <a:rPr lang="bg-BG" sz="3000" dirty="0" smtClean="0">
                 <a:solidFill>
                   <a:schemeClr val="bg1"/>
                 </a:solidFill>
-              </a:rPr>
-              <a:t>Селектори</a:t>
-            </a:r>
-          </a:p>
-          <a:p>
-            <a:pPr>
-              <a:buFontTx/>
-              <a:buChar char="-"/>
-            </a:pPr>
-            <a:r>
-              <a:rPr lang="en-US" dirty="0" smtClean="0">
-                <a:solidFill>
-                  <a:schemeClr val="bg1"/>
-                </a:solidFill>
-              </a:rPr>
-              <a:t>Box model</a:t>
-            </a:r>
-          </a:p>
-          <a:p>
-            <a:pPr>
-              <a:buFontTx/>
-              <a:buChar char="-"/>
-            </a:pPr>
-            <a:r>
-              <a:rPr lang="en-US" dirty="0" smtClean="0">
-                <a:solidFill>
-                  <a:schemeClr val="bg1"/>
-                </a:solidFill>
-              </a:rPr>
-              <a:t>Backgrounds &amp; Borders</a:t>
-            </a:r>
-          </a:p>
-          <a:p>
-            <a:pPr>
-              <a:buFontTx/>
-              <a:buChar char="-"/>
-            </a:pPr>
-            <a:r>
-              <a:rPr lang="en-US" dirty="0" smtClean="0">
-                <a:solidFill>
-                  <a:schemeClr val="bg1"/>
-                </a:solidFill>
-              </a:rPr>
-              <a:t>Image values &amp; replaced content</a:t>
-            </a:r>
-          </a:p>
-          <a:p>
-            <a:pPr>
-              <a:buFontTx/>
-              <a:buChar char="-"/>
-            </a:pPr>
-            <a:r>
-              <a:rPr lang="en-US" dirty="0" smtClean="0">
-                <a:solidFill>
-                  <a:schemeClr val="bg1"/>
-                </a:solidFill>
-              </a:rPr>
-              <a:t>Text effects</a:t>
-            </a:r>
-          </a:p>
-          <a:p>
-            <a:pPr>
-              <a:buFontTx/>
-              <a:buChar char="-"/>
-            </a:pPr>
-            <a:r>
-              <a:rPr lang="en-US" dirty="0" smtClean="0">
-                <a:solidFill>
-                  <a:schemeClr val="bg1"/>
-                </a:solidFill>
-              </a:rPr>
-              <a:t>2D/3D Transformations</a:t>
-            </a:r>
-          </a:p>
-          <a:p>
-            <a:pPr>
-              <a:buFontTx/>
-              <a:buChar char="-"/>
-            </a:pPr>
-            <a:r>
-              <a:rPr lang="en-US" dirty="0" smtClean="0">
-                <a:solidFill>
-                  <a:schemeClr val="bg1"/>
-                </a:solidFill>
-              </a:rPr>
-              <a:t>Animations</a:t>
-            </a:r>
-          </a:p>
-          <a:p>
-            <a:pPr>
-              <a:buFontTx/>
-              <a:buChar char="-"/>
-            </a:pPr>
-            <a:r>
-              <a:rPr lang="en-US" dirty="0" smtClean="0">
-                <a:solidFill>
-                  <a:schemeClr val="bg1"/>
-                </a:solidFill>
-              </a:rPr>
-              <a:t>Multiple Column Layout</a:t>
-            </a:r>
-          </a:p>
-          <a:p>
-            <a:pPr>
-              <a:buFontTx/>
-              <a:buChar char="-"/>
-            </a:pPr>
-            <a:r>
-              <a:rPr lang="en-US" dirty="0" smtClean="0">
-                <a:solidFill>
-                  <a:schemeClr val="bg1"/>
-                </a:solidFill>
-              </a:rPr>
-              <a:t>User Interface</a:t>
-            </a:r>
-            <a:endParaRPr lang="en-US" dirty="0">
+                <a:latin typeface="+mj-lt"/>
+                <a:cs typeface="Courier New" panose="02070309020205020404" pitchFamily="49" charset="0"/>
+              </a:rPr>
+              <a:t>Използва се за поставяне на картинка като бордър около даден елемент</a:t>
+            </a:r>
+          </a:p>
+          <a:p>
+            <a:pPr marL="0" indent="0">
+              <a:buNone/>
+            </a:pPr>
+            <a:r>
+              <a:rPr lang="en-US" sz="1500" dirty="0" smtClean="0">
+                <a:solidFill>
+                  <a:schemeClr val="accent3"/>
+                </a:solidFill>
+                <a:latin typeface="Courier New" panose="02070309020205020404" pitchFamily="49" charset="0"/>
+                <a:cs typeface="Courier New" panose="02070309020205020404" pitchFamily="49" charset="0"/>
+              </a:rPr>
+              <a:t>.</a:t>
+            </a:r>
+            <a:r>
+              <a:rPr lang="en-US" sz="1500" dirty="0">
+                <a:solidFill>
+                  <a:schemeClr val="accent3"/>
+                </a:solidFill>
+                <a:latin typeface="Courier New" panose="02070309020205020404" pitchFamily="49" charset="0"/>
+                <a:cs typeface="Courier New" panose="02070309020205020404" pitchFamily="49" charset="0"/>
+              </a:rPr>
+              <a:t>border-</a:t>
+            </a:r>
+            <a:r>
+              <a:rPr lang="en-US" sz="1500" dirty="0" err="1">
+                <a:solidFill>
+                  <a:schemeClr val="accent3"/>
+                </a:solidFill>
+                <a:latin typeface="Courier New" panose="02070309020205020404" pitchFamily="49" charset="0"/>
+                <a:cs typeface="Courier New" panose="02070309020205020404" pitchFamily="49" charset="0"/>
+              </a:rPr>
+              <a:t>img</a:t>
+            </a:r>
+            <a:r>
+              <a:rPr lang="en-US" sz="1500" dirty="0">
+                <a:solidFill>
+                  <a:schemeClr val="accent3"/>
+                </a:solidFill>
+                <a:latin typeface="Courier New" panose="02070309020205020404" pitchFamily="49" charset="0"/>
+                <a:cs typeface="Courier New" panose="02070309020205020404" pitchFamily="49" charset="0"/>
+              </a:rPr>
+              <a:t> {</a:t>
+            </a:r>
+          </a:p>
+          <a:p>
+            <a:pPr marL="0" indent="0">
+              <a:buNone/>
+            </a:pPr>
+            <a:r>
+              <a:rPr lang="en-US" sz="1500" dirty="0">
+                <a:solidFill>
+                  <a:schemeClr val="accent3"/>
+                </a:solidFill>
+                <a:latin typeface="Courier New" panose="02070309020205020404" pitchFamily="49" charset="0"/>
+                <a:cs typeface="Courier New" panose="02070309020205020404" pitchFamily="49" charset="0"/>
+              </a:rPr>
+              <a:t> </a:t>
+            </a:r>
+            <a:r>
+              <a:rPr lang="en-US" sz="1500" dirty="0" smtClean="0">
+                <a:solidFill>
+                  <a:schemeClr val="accent3"/>
+                </a:solidFill>
+                <a:latin typeface="Courier New" panose="02070309020205020404" pitchFamily="49" charset="0"/>
+                <a:cs typeface="Courier New" panose="02070309020205020404" pitchFamily="49" charset="0"/>
+              </a:rPr>
+              <a:t>   width</a:t>
+            </a:r>
+            <a:r>
+              <a:rPr lang="en-US" sz="1500" dirty="0">
+                <a:solidFill>
+                  <a:schemeClr val="accent3"/>
+                </a:solidFill>
+                <a:latin typeface="Courier New" panose="02070309020205020404" pitchFamily="49" charset="0"/>
+                <a:cs typeface="Courier New" panose="02070309020205020404" pitchFamily="49" charset="0"/>
+              </a:rPr>
+              <a:t>: 200px;</a:t>
+            </a:r>
+          </a:p>
+          <a:p>
+            <a:pPr marL="0" indent="0">
+              <a:buNone/>
+            </a:pPr>
+            <a:r>
+              <a:rPr lang="en-US" sz="1500" dirty="0" smtClean="0">
+                <a:solidFill>
+                  <a:schemeClr val="accent3"/>
+                </a:solidFill>
+                <a:latin typeface="Courier New" panose="02070309020205020404" pitchFamily="49" charset="0"/>
+                <a:cs typeface="Courier New" panose="02070309020205020404" pitchFamily="49" charset="0"/>
+              </a:rPr>
+              <a:t>    height</a:t>
+            </a:r>
+            <a:r>
+              <a:rPr lang="en-US" sz="1500" dirty="0">
+                <a:solidFill>
+                  <a:schemeClr val="accent3"/>
+                </a:solidFill>
+                <a:latin typeface="Courier New" panose="02070309020205020404" pitchFamily="49" charset="0"/>
+                <a:cs typeface="Courier New" panose="02070309020205020404" pitchFamily="49" charset="0"/>
+              </a:rPr>
+              <a:t>: 200px;</a:t>
+            </a:r>
+          </a:p>
+          <a:p>
+            <a:pPr marL="0" indent="0">
+              <a:buNone/>
+            </a:pPr>
+            <a:r>
+              <a:rPr lang="en-US" sz="1500" dirty="0" smtClean="0">
+                <a:solidFill>
+                  <a:schemeClr val="accent3"/>
+                </a:solidFill>
+                <a:latin typeface="Courier New" panose="02070309020205020404" pitchFamily="49" charset="0"/>
+                <a:cs typeface="Courier New" panose="02070309020205020404" pitchFamily="49" charset="0"/>
+              </a:rPr>
+              <a:t>    -</a:t>
+            </a:r>
+            <a:r>
+              <a:rPr lang="en-US" sz="1500" dirty="0" err="1">
+                <a:solidFill>
+                  <a:schemeClr val="accent3"/>
+                </a:solidFill>
+                <a:latin typeface="Courier New" panose="02070309020205020404" pitchFamily="49" charset="0"/>
+                <a:cs typeface="Courier New" panose="02070309020205020404" pitchFamily="49" charset="0"/>
+              </a:rPr>
+              <a:t>webkit</a:t>
+            </a:r>
+            <a:r>
+              <a:rPr lang="en-US" sz="1500" dirty="0">
+                <a:solidFill>
+                  <a:schemeClr val="accent3"/>
+                </a:solidFill>
+                <a:latin typeface="Courier New" panose="02070309020205020404" pitchFamily="49" charset="0"/>
+                <a:cs typeface="Courier New" panose="02070309020205020404" pitchFamily="49" charset="0"/>
+              </a:rPr>
+              <a:t>-border-image: </a:t>
+            </a:r>
+            <a:r>
+              <a:rPr lang="en-US" sz="1500" dirty="0" err="1">
+                <a:solidFill>
+                  <a:schemeClr val="accent3"/>
+                </a:solidFill>
+                <a:latin typeface="Courier New" panose="02070309020205020404" pitchFamily="49" charset="0"/>
+                <a:cs typeface="Courier New" panose="02070309020205020404" pitchFamily="49" charset="0"/>
+              </a:rPr>
+              <a:t>url</a:t>
+            </a:r>
+            <a:r>
+              <a:rPr lang="en-US" sz="1500" dirty="0">
+                <a:solidFill>
+                  <a:schemeClr val="accent3"/>
+                </a:solidFill>
+                <a:latin typeface="Courier New" panose="02070309020205020404" pitchFamily="49" charset="0"/>
+                <a:cs typeface="Courier New" panose="02070309020205020404" pitchFamily="49" charset="0"/>
+              </a:rPr>
+              <a:t>('Dot.png') 1 stretch; /* Safari 3.1-5 */</a:t>
+            </a:r>
+          </a:p>
+          <a:p>
+            <a:pPr marL="0" indent="0">
+              <a:buNone/>
+            </a:pPr>
+            <a:r>
+              <a:rPr lang="en-US" sz="1500" dirty="0">
+                <a:solidFill>
+                  <a:schemeClr val="accent3"/>
+                </a:solidFill>
+                <a:latin typeface="Courier New" panose="02070309020205020404" pitchFamily="49" charset="0"/>
+                <a:cs typeface="Courier New" panose="02070309020205020404" pitchFamily="49" charset="0"/>
+              </a:rPr>
+              <a:t>    -o-border-image: </a:t>
+            </a:r>
+            <a:r>
+              <a:rPr lang="en-US" sz="1500" dirty="0" err="1">
+                <a:solidFill>
+                  <a:schemeClr val="accent3"/>
+                </a:solidFill>
+                <a:latin typeface="Courier New" panose="02070309020205020404" pitchFamily="49" charset="0"/>
+                <a:cs typeface="Courier New" panose="02070309020205020404" pitchFamily="49" charset="0"/>
+              </a:rPr>
+              <a:t>url</a:t>
+            </a:r>
+            <a:r>
+              <a:rPr lang="en-US" sz="1500" dirty="0">
+                <a:solidFill>
+                  <a:schemeClr val="accent3"/>
+                </a:solidFill>
+                <a:latin typeface="Courier New" panose="02070309020205020404" pitchFamily="49" charset="0"/>
+                <a:cs typeface="Courier New" panose="02070309020205020404" pitchFamily="49" charset="0"/>
+              </a:rPr>
+              <a:t>('Dot.png') 1 stretch; /* Opera 11-12.1 */</a:t>
+            </a:r>
+          </a:p>
+          <a:p>
+            <a:pPr marL="0" indent="0">
+              <a:buNone/>
+            </a:pPr>
+            <a:r>
+              <a:rPr lang="en-US" sz="1500" dirty="0">
+                <a:solidFill>
+                  <a:schemeClr val="accent3"/>
+                </a:solidFill>
+                <a:latin typeface="Courier New" panose="02070309020205020404" pitchFamily="49" charset="0"/>
+                <a:cs typeface="Courier New" panose="02070309020205020404" pitchFamily="49" charset="0"/>
+              </a:rPr>
+              <a:t>    border-image: </a:t>
+            </a:r>
+            <a:r>
+              <a:rPr lang="en-US" sz="1500" dirty="0" err="1">
+                <a:solidFill>
+                  <a:schemeClr val="accent3"/>
+                </a:solidFill>
+                <a:latin typeface="Courier New" panose="02070309020205020404" pitchFamily="49" charset="0"/>
+                <a:cs typeface="Courier New" panose="02070309020205020404" pitchFamily="49" charset="0"/>
+              </a:rPr>
+              <a:t>url</a:t>
+            </a:r>
+            <a:r>
+              <a:rPr lang="en-US" sz="1500" dirty="0">
+                <a:solidFill>
+                  <a:schemeClr val="accent3"/>
+                </a:solidFill>
+                <a:latin typeface="Courier New" panose="02070309020205020404" pitchFamily="49" charset="0"/>
+                <a:cs typeface="Courier New" panose="02070309020205020404" pitchFamily="49" charset="0"/>
+              </a:rPr>
+              <a:t>('Dot.png') 1 stretch;</a:t>
+            </a:r>
+          </a:p>
+          <a:p>
+            <a:pPr marL="0" indent="0">
+              <a:buNone/>
+            </a:pPr>
+            <a:r>
+              <a:rPr lang="en-US" sz="1500" dirty="0" smtClean="0">
+                <a:solidFill>
+                  <a:schemeClr val="accent3"/>
+                </a:solidFill>
+                <a:latin typeface="Courier New" panose="02070309020205020404" pitchFamily="49" charset="0"/>
+                <a:cs typeface="Courier New" panose="02070309020205020404" pitchFamily="49" charset="0"/>
+              </a:rPr>
+              <a:t>}</a:t>
+            </a:r>
+          </a:p>
+          <a:p>
+            <a:pPr marL="0" indent="0">
+              <a:buNone/>
+            </a:pPr>
+            <a:endParaRPr lang="en-US" sz="1500" dirty="0">
               <a:solidFill>
                 <a:schemeClr val="bg1"/>
               </a:solidFill>
+              <a:latin typeface="Courier New" panose="02070309020205020404" pitchFamily="49" charset="0"/>
+              <a:cs typeface="Courier New" panose="02070309020205020404" pitchFamily="49" charset="0"/>
+            </a:endParaRPr>
+          </a:p>
+          <a:p>
+            <a:pPr>
+              <a:buAutoNum type="arabicPeriod"/>
+            </a:pPr>
+            <a:r>
+              <a:rPr lang="bg-BG" sz="2000" dirty="0" smtClean="0">
+                <a:solidFill>
+                  <a:schemeClr val="bg1"/>
+                </a:solidFill>
+                <a:latin typeface="+mj-lt"/>
+                <a:cs typeface="Courier New" panose="02070309020205020404" pitchFamily="49" charset="0"/>
+              </a:rPr>
+              <a:t>Коя картинка ще се използва за бордър</a:t>
+            </a:r>
+          </a:p>
+          <a:p>
+            <a:pPr>
+              <a:buAutoNum type="arabicPeriod"/>
+            </a:pPr>
+            <a:r>
+              <a:rPr lang="bg-BG" sz="2000" dirty="0" smtClean="0">
+                <a:solidFill>
+                  <a:schemeClr val="bg1"/>
+                </a:solidFill>
+                <a:latin typeface="+mj-lt"/>
+                <a:cs typeface="Courier New" panose="02070309020205020404" pitchFamily="49" charset="0"/>
+              </a:rPr>
+              <a:t>Къде точно да се отреже картинката</a:t>
+            </a:r>
+          </a:p>
+          <a:p>
+            <a:pPr>
+              <a:buAutoNum type="arabicPeriod"/>
+            </a:pPr>
+            <a:r>
+              <a:rPr lang="bg-BG" sz="2000" dirty="0" smtClean="0">
+                <a:solidFill>
+                  <a:schemeClr val="bg1"/>
+                </a:solidFill>
+                <a:latin typeface="+mj-lt"/>
+                <a:cs typeface="Courier New" panose="02070309020205020404" pitchFamily="49" charset="0"/>
+              </a:rPr>
+              <a:t>Дали вътрешните части ще бъдат повтаряни или разпънати</a:t>
+            </a:r>
+            <a:endParaRPr lang="en-US" sz="2000" dirty="0">
+              <a:solidFill>
+                <a:schemeClr val="bg1"/>
+              </a:solidFill>
+              <a:latin typeface="+mj-lt"/>
+              <a:cs typeface="Courier New" panose="02070309020205020404" pitchFamily="49" charset="0"/>
             </a:endParaRPr>
           </a:p>
         </p:txBody>
@@ -8766,7 +8494,7 @@
     </p:spTree>
     <p:extLst>
       <p:ext uri="{BB962C8B-B14F-4D97-AF65-F5344CB8AC3E}">
-        <p14:creationId xmlns:p14="http://schemas.microsoft.com/office/powerpoint/2010/main" val="3143749317"/>
+        <p14:creationId xmlns:p14="http://schemas.microsoft.com/office/powerpoint/2010/main" val="2054683930"/>
       </p:ext>
     </p:extLst>
   </p:cSld>
@@ -8845,7 +8573,7 @@
                   <a:schemeClr val="accent6"/>
                 </a:solidFill>
               </a:rPr>
-              <a:t>border-images</a:t>
+              <a:t>rounder corners</a:t>
             </a:r>
             <a:endParaRPr lang="bg-BG" dirty="0">
               <a:solidFill>
@@ -8868,7 +8596,7 @@
         <p:spPr/>
         <p:txBody>
           <a:bodyPr>
-            <a:normAutofit/>
+            <a:normAutofit lnSpcReduction="10000"/>
           </a:bodyPr>
           <a:lstStyle/>
           <a:p>
@@ -8883,311 +8611,9 @@
                 <a:latin typeface="+mj-lt"/>
                 <a:cs typeface="Courier New" panose="02070309020205020404" pitchFamily="49" charset="0"/>
               </a:rPr>
-              <a:t>Използва се за поставяне на картинка като бордър около даден елемент</a:t>
-            </a:r>
-          </a:p>
-          <a:p>
-            <a:pPr marL="0" indent="0">
-              <a:buNone/>
-            </a:pPr>
-            <a:r>
-              <a:rPr lang="en-US" sz="1500" dirty="0" smtClean="0">
-                <a:solidFill>
-                  <a:schemeClr val="accent3"/>
-                </a:solidFill>
-                <a:latin typeface="Courier New" panose="02070309020205020404" pitchFamily="49" charset="0"/>
-                <a:cs typeface="Courier New" panose="02070309020205020404" pitchFamily="49" charset="0"/>
-              </a:rPr>
-              <a:t>.</a:t>
-            </a:r>
-            <a:r>
-              <a:rPr lang="en-US" sz="1500" dirty="0">
-                <a:solidFill>
-                  <a:schemeClr val="accent3"/>
-                </a:solidFill>
-                <a:latin typeface="Courier New" panose="02070309020205020404" pitchFamily="49" charset="0"/>
-                <a:cs typeface="Courier New" panose="02070309020205020404" pitchFamily="49" charset="0"/>
-              </a:rPr>
-              <a:t>border-</a:t>
-            </a:r>
-            <a:r>
-              <a:rPr lang="en-US" sz="1500" dirty="0" err="1">
-                <a:solidFill>
-                  <a:schemeClr val="accent3"/>
-                </a:solidFill>
-                <a:latin typeface="Courier New" panose="02070309020205020404" pitchFamily="49" charset="0"/>
-                <a:cs typeface="Courier New" panose="02070309020205020404" pitchFamily="49" charset="0"/>
-              </a:rPr>
-              <a:t>img</a:t>
-            </a:r>
-            <a:r>
-              <a:rPr lang="en-US" sz="1500" dirty="0">
-                <a:solidFill>
-                  <a:schemeClr val="accent3"/>
-                </a:solidFill>
-                <a:latin typeface="Courier New" panose="02070309020205020404" pitchFamily="49" charset="0"/>
-                <a:cs typeface="Courier New" panose="02070309020205020404" pitchFamily="49" charset="0"/>
-              </a:rPr>
-              <a:t> {</a:t>
-            </a:r>
-          </a:p>
-          <a:p>
-            <a:pPr marL="0" indent="0">
-              <a:buNone/>
-            </a:pPr>
-            <a:r>
-              <a:rPr lang="en-US" sz="1500" dirty="0">
-                <a:solidFill>
-                  <a:schemeClr val="accent3"/>
-                </a:solidFill>
-                <a:latin typeface="Courier New" panose="02070309020205020404" pitchFamily="49" charset="0"/>
-                <a:cs typeface="Courier New" panose="02070309020205020404" pitchFamily="49" charset="0"/>
-              </a:rPr>
-              <a:t> </a:t>
-            </a:r>
-            <a:r>
-              <a:rPr lang="en-US" sz="1500" dirty="0" smtClean="0">
-                <a:solidFill>
-                  <a:schemeClr val="accent3"/>
-                </a:solidFill>
-                <a:latin typeface="Courier New" panose="02070309020205020404" pitchFamily="49" charset="0"/>
-                <a:cs typeface="Courier New" panose="02070309020205020404" pitchFamily="49" charset="0"/>
-              </a:rPr>
-              <a:t>   width</a:t>
-            </a:r>
-            <a:r>
-              <a:rPr lang="en-US" sz="1500" dirty="0">
-                <a:solidFill>
-                  <a:schemeClr val="accent3"/>
-                </a:solidFill>
-                <a:latin typeface="Courier New" panose="02070309020205020404" pitchFamily="49" charset="0"/>
-                <a:cs typeface="Courier New" panose="02070309020205020404" pitchFamily="49" charset="0"/>
-              </a:rPr>
-              <a:t>: 200px;</a:t>
-            </a:r>
-          </a:p>
-          <a:p>
-            <a:pPr marL="0" indent="0">
-              <a:buNone/>
-            </a:pPr>
-            <a:r>
-              <a:rPr lang="en-US" sz="1500" dirty="0" smtClean="0">
-                <a:solidFill>
-                  <a:schemeClr val="accent3"/>
-                </a:solidFill>
-                <a:latin typeface="Courier New" panose="02070309020205020404" pitchFamily="49" charset="0"/>
-                <a:cs typeface="Courier New" panose="02070309020205020404" pitchFamily="49" charset="0"/>
-              </a:rPr>
-              <a:t>    height</a:t>
-            </a:r>
-            <a:r>
-              <a:rPr lang="en-US" sz="1500" dirty="0">
-                <a:solidFill>
-                  <a:schemeClr val="accent3"/>
-                </a:solidFill>
-                <a:latin typeface="Courier New" panose="02070309020205020404" pitchFamily="49" charset="0"/>
-                <a:cs typeface="Courier New" panose="02070309020205020404" pitchFamily="49" charset="0"/>
-              </a:rPr>
-              <a:t>: 200px;</a:t>
-            </a:r>
-          </a:p>
-          <a:p>
-            <a:pPr marL="0" indent="0">
-              <a:buNone/>
-            </a:pPr>
-            <a:r>
-              <a:rPr lang="en-US" sz="1500" dirty="0" smtClean="0">
-                <a:solidFill>
-                  <a:schemeClr val="accent3"/>
-                </a:solidFill>
-                <a:latin typeface="Courier New" panose="02070309020205020404" pitchFamily="49" charset="0"/>
-                <a:cs typeface="Courier New" panose="02070309020205020404" pitchFamily="49" charset="0"/>
-              </a:rPr>
-              <a:t>    -</a:t>
-            </a:r>
-            <a:r>
-              <a:rPr lang="en-US" sz="1500" dirty="0" err="1">
-                <a:solidFill>
-                  <a:schemeClr val="accent3"/>
-                </a:solidFill>
-                <a:latin typeface="Courier New" panose="02070309020205020404" pitchFamily="49" charset="0"/>
-                <a:cs typeface="Courier New" panose="02070309020205020404" pitchFamily="49" charset="0"/>
-              </a:rPr>
-              <a:t>webkit</a:t>
-            </a:r>
-            <a:r>
-              <a:rPr lang="en-US" sz="1500" dirty="0">
-                <a:solidFill>
-                  <a:schemeClr val="accent3"/>
-                </a:solidFill>
-                <a:latin typeface="Courier New" panose="02070309020205020404" pitchFamily="49" charset="0"/>
-                <a:cs typeface="Courier New" panose="02070309020205020404" pitchFamily="49" charset="0"/>
-              </a:rPr>
-              <a:t>-border-image: </a:t>
-            </a:r>
-            <a:r>
-              <a:rPr lang="en-US" sz="1500" dirty="0" err="1">
-                <a:solidFill>
-                  <a:schemeClr val="accent3"/>
-                </a:solidFill>
-                <a:latin typeface="Courier New" panose="02070309020205020404" pitchFamily="49" charset="0"/>
-                <a:cs typeface="Courier New" panose="02070309020205020404" pitchFamily="49" charset="0"/>
-              </a:rPr>
-              <a:t>url</a:t>
-            </a:r>
-            <a:r>
-              <a:rPr lang="en-US" sz="1500" dirty="0">
-                <a:solidFill>
-                  <a:schemeClr val="accent3"/>
-                </a:solidFill>
-                <a:latin typeface="Courier New" panose="02070309020205020404" pitchFamily="49" charset="0"/>
-                <a:cs typeface="Courier New" panose="02070309020205020404" pitchFamily="49" charset="0"/>
-              </a:rPr>
-              <a:t>('Dot.png') 1 stretch; /* Safari 3.1-5 */</a:t>
-            </a:r>
-          </a:p>
-          <a:p>
-            <a:pPr marL="0" indent="0">
-              <a:buNone/>
-            </a:pPr>
-            <a:r>
-              <a:rPr lang="en-US" sz="1500" dirty="0">
-                <a:solidFill>
-                  <a:schemeClr val="accent3"/>
-                </a:solidFill>
-                <a:latin typeface="Courier New" panose="02070309020205020404" pitchFamily="49" charset="0"/>
-                <a:cs typeface="Courier New" panose="02070309020205020404" pitchFamily="49" charset="0"/>
-              </a:rPr>
-              <a:t>    -o-border-image: </a:t>
-            </a:r>
-            <a:r>
-              <a:rPr lang="en-US" sz="1500" dirty="0" err="1">
-                <a:solidFill>
-                  <a:schemeClr val="accent3"/>
-                </a:solidFill>
-                <a:latin typeface="Courier New" panose="02070309020205020404" pitchFamily="49" charset="0"/>
-                <a:cs typeface="Courier New" panose="02070309020205020404" pitchFamily="49" charset="0"/>
-              </a:rPr>
-              <a:t>url</a:t>
-            </a:r>
-            <a:r>
-              <a:rPr lang="en-US" sz="1500" dirty="0">
-                <a:solidFill>
-                  <a:schemeClr val="accent3"/>
-                </a:solidFill>
-                <a:latin typeface="Courier New" panose="02070309020205020404" pitchFamily="49" charset="0"/>
-                <a:cs typeface="Courier New" panose="02070309020205020404" pitchFamily="49" charset="0"/>
-              </a:rPr>
-              <a:t>('Dot.png') 1 stretch; /* Opera 11-12.1 */</a:t>
-            </a:r>
-          </a:p>
-          <a:p>
-            <a:pPr marL="0" indent="0">
-              <a:buNone/>
-            </a:pPr>
-            <a:r>
-              <a:rPr lang="en-US" sz="1500" dirty="0">
-                <a:solidFill>
-                  <a:schemeClr val="accent3"/>
-                </a:solidFill>
-                <a:latin typeface="Courier New" panose="02070309020205020404" pitchFamily="49" charset="0"/>
-                <a:cs typeface="Courier New" panose="02070309020205020404" pitchFamily="49" charset="0"/>
-              </a:rPr>
-              <a:t>    border-image: </a:t>
-            </a:r>
-            <a:r>
-              <a:rPr lang="en-US" sz="1500" dirty="0" err="1">
-                <a:solidFill>
-                  <a:schemeClr val="accent3"/>
-                </a:solidFill>
-                <a:latin typeface="Courier New" panose="02070309020205020404" pitchFamily="49" charset="0"/>
-                <a:cs typeface="Courier New" panose="02070309020205020404" pitchFamily="49" charset="0"/>
-              </a:rPr>
-              <a:t>url</a:t>
-            </a:r>
-            <a:r>
-              <a:rPr lang="en-US" sz="1500" dirty="0">
-                <a:solidFill>
-                  <a:schemeClr val="accent3"/>
-                </a:solidFill>
-                <a:latin typeface="Courier New" panose="02070309020205020404" pitchFamily="49" charset="0"/>
-                <a:cs typeface="Courier New" panose="02070309020205020404" pitchFamily="49" charset="0"/>
-              </a:rPr>
-              <a:t>('Dot.png') 1 stretch;</a:t>
-            </a:r>
-          </a:p>
-          <a:p>
-            <a:pPr marL="0" indent="0">
-              <a:buNone/>
-            </a:pPr>
-            <a:r>
-              <a:rPr lang="en-US" sz="1500" dirty="0" smtClean="0">
-                <a:solidFill>
-                  <a:schemeClr val="accent3"/>
-                </a:solidFill>
-                <a:latin typeface="Courier New" panose="02070309020205020404" pitchFamily="49" charset="0"/>
-                <a:cs typeface="Courier New" panose="02070309020205020404" pitchFamily="49" charset="0"/>
-              </a:rPr>
-              <a:t>}</a:t>
-            </a:r>
-          </a:p>
-          <a:p>
-            <a:pPr marL="0" indent="0">
-              <a:buNone/>
-            </a:pPr>
-            <a:endParaRPr lang="en-US" sz="1500" dirty="0">
-              <a:solidFill>
-                <a:schemeClr val="bg1"/>
-              </a:solidFill>
-              <a:latin typeface="Courier New" panose="02070309020205020404" pitchFamily="49" charset="0"/>
-              <a:cs typeface="Courier New" panose="02070309020205020404" pitchFamily="49" charset="0"/>
-            </a:endParaRPr>
-          </a:p>
-          <a:p>
-            <a:pPr>
-              <a:buAutoNum type="arabicPeriod"/>
-            </a:pPr>
-            <a:r>
-              <a:rPr lang="bg-BG" sz="2000" dirty="0" smtClean="0">
-                <a:solidFill>
-                  <a:schemeClr val="bg1"/>
-                </a:solidFill>
-                <a:latin typeface="+mj-lt"/>
-                <a:cs typeface="Courier New" panose="02070309020205020404" pitchFamily="49" charset="0"/>
-              </a:rPr>
-              <a:t>Коя картинка ще се използва за бордър</a:t>
-            </a:r>
-          </a:p>
-          <a:p>
-            <a:pPr>
-              <a:buAutoNum type="arabicPeriod"/>
-            </a:pPr>
-            <a:r>
-              <a:rPr lang="bg-BG" sz="2000" dirty="0" smtClean="0">
-                <a:solidFill>
-                  <a:schemeClr val="bg1"/>
-                </a:solidFill>
-                <a:latin typeface="+mj-lt"/>
-                <a:cs typeface="Courier New" panose="02070309020205020404" pitchFamily="49" charset="0"/>
-              </a:rPr>
-              <a:t>Къде точно да се отреже картинката</a:t>
-            </a:r>
-          </a:p>
-          <a:p>
-            <a:pPr>
-              <a:buAutoNum type="arabicPeriod"/>
-            </a:pPr>
-            <a:r>
-              <a:rPr lang="bg-BG" sz="2000" dirty="0" smtClean="0">
-                <a:solidFill>
-                  <a:schemeClr val="bg1"/>
-                </a:solidFill>
-                <a:latin typeface="+mj-lt"/>
-                <a:cs typeface="Courier New" panose="02070309020205020404" pitchFamily="49" charset="0"/>
-              </a:rPr>
-              <a:t>Дали вътрешните части ще бъдат повтаряни или разпънати</a:t>
-            </a:r>
-            <a:endParaRPr lang="en-US" sz="2000" dirty="0">
+              <a:t>Използва се за заобляне ъглите на бордъра на даден елемент</a:t>
+            </a:r>
+            <a:endParaRPr lang="en-US" sz="3000" dirty="0" smtClean="0">
               <a:solidFill>
                 <a:schemeClr val="bg1"/>
               </a:solidFill>
@@ -9195,12 +8621,214 @@
               <a:cs typeface="Courier New" panose="02070309020205020404" pitchFamily="49" charset="0"/>
             </a:endParaRPr>
           </a:p>
+          <a:p>
+            <a:pPr marL="0" indent="0">
+              <a:buNone/>
+            </a:pPr>
+            <a:r>
+              <a:rPr lang="en-US" sz="1500" dirty="0" smtClean="0">
+                <a:solidFill>
+                  <a:schemeClr val="accent3"/>
+                </a:solidFill>
+                <a:latin typeface="Courier New" panose="02070309020205020404" pitchFamily="49" charset="0"/>
+                <a:cs typeface="Courier New" panose="02070309020205020404" pitchFamily="49" charset="0"/>
+              </a:rPr>
+              <a:t>.</a:t>
+            </a:r>
+            <a:r>
+              <a:rPr lang="en-US" sz="1500" dirty="0">
+                <a:solidFill>
+                  <a:schemeClr val="accent3"/>
+                </a:solidFill>
+                <a:latin typeface="Courier New" panose="02070309020205020404" pitchFamily="49" charset="0"/>
+                <a:cs typeface="Courier New" panose="02070309020205020404" pitchFamily="49" charset="0"/>
+              </a:rPr>
+              <a:t>rounded-corners {</a:t>
+            </a:r>
+          </a:p>
+          <a:p>
+            <a:pPr marL="0" indent="0">
+              <a:buNone/>
+            </a:pPr>
+            <a:r>
+              <a:rPr lang="en-US" sz="1500" dirty="0">
+                <a:solidFill>
+                  <a:schemeClr val="accent3"/>
+                </a:solidFill>
+                <a:latin typeface="Courier New" panose="02070309020205020404" pitchFamily="49" charset="0"/>
+                <a:cs typeface="Courier New" panose="02070309020205020404" pitchFamily="49" charset="0"/>
+              </a:rPr>
+              <a:t>	width: 200px;</a:t>
+            </a:r>
+          </a:p>
+          <a:p>
+            <a:pPr marL="0" indent="0">
+              <a:buNone/>
+            </a:pPr>
+            <a:r>
+              <a:rPr lang="en-US" sz="1500" dirty="0">
+                <a:solidFill>
+                  <a:schemeClr val="accent3"/>
+                </a:solidFill>
+                <a:latin typeface="Courier New" panose="02070309020205020404" pitchFamily="49" charset="0"/>
+                <a:cs typeface="Courier New" panose="02070309020205020404" pitchFamily="49" charset="0"/>
+              </a:rPr>
+              <a:t>	height: 200px;</a:t>
+            </a:r>
+          </a:p>
+          <a:p>
+            <a:pPr marL="0" indent="0">
+              <a:buNone/>
+            </a:pPr>
+            <a:r>
+              <a:rPr lang="en-US" sz="1500" dirty="0">
+                <a:solidFill>
+                  <a:schemeClr val="accent3"/>
+                </a:solidFill>
+                <a:latin typeface="Courier New" panose="02070309020205020404" pitchFamily="49" charset="0"/>
+                <a:cs typeface="Courier New" panose="02070309020205020404" pitchFamily="49" charset="0"/>
+              </a:rPr>
+              <a:t>	border-radius: 20px;</a:t>
+            </a:r>
+          </a:p>
+          <a:p>
+            <a:pPr marL="0" indent="0">
+              <a:buNone/>
+            </a:pPr>
+            <a:r>
+              <a:rPr lang="en-US" sz="1500" dirty="0">
+                <a:solidFill>
+                  <a:schemeClr val="accent3"/>
+                </a:solidFill>
+                <a:latin typeface="Courier New" panose="02070309020205020404" pitchFamily="49" charset="0"/>
+                <a:cs typeface="Courier New" panose="02070309020205020404" pitchFamily="49" charset="0"/>
+              </a:rPr>
+              <a:t>	background: green;</a:t>
+            </a:r>
+          </a:p>
+          <a:p>
+            <a:pPr marL="0" indent="0">
+              <a:buNone/>
+            </a:pPr>
+            <a:r>
+              <a:rPr lang="en-US" sz="1500" dirty="0" smtClean="0">
+                <a:solidFill>
+                  <a:schemeClr val="accent3"/>
+                </a:solidFill>
+                <a:latin typeface="Courier New" panose="02070309020205020404" pitchFamily="49" charset="0"/>
+                <a:cs typeface="Courier New" panose="02070309020205020404" pitchFamily="49" charset="0"/>
+              </a:rPr>
+              <a:t>}</a:t>
+            </a:r>
+          </a:p>
+          <a:p>
+            <a:pPr marL="0" indent="0">
+              <a:buNone/>
+            </a:pPr>
+            <a:endParaRPr lang="en-US" sz="1500" dirty="0">
+              <a:solidFill>
+                <a:schemeClr val="accent3"/>
+              </a:solidFill>
+              <a:latin typeface="Courier New" panose="02070309020205020404" pitchFamily="49" charset="0"/>
+              <a:cs typeface="Courier New" panose="02070309020205020404" pitchFamily="49" charset="0"/>
+            </a:endParaRPr>
+          </a:p>
+          <a:p>
+            <a:pPr marL="0" indent="0">
+              <a:buNone/>
+            </a:pPr>
+            <a:r>
+              <a:rPr lang="en-US" sz="1500" dirty="0">
+                <a:solidFill>
+                  <a:schemeClr val="accent3"/>
+                </a:solidFill>
+                <a:latin typeface="Courier New" panose="02070309020205020404" pitchFamily="49" charset="0"/>
+                <a:cs typeface="Courier New" panose="02070309020205020404" pitchFamily="49" charset="0"/>
+              </a:rPr>
+              <a:t>.rounded-corners2 {</a:t>
+            </a:r>
+          </a:p>
+          <a:p>
+            <a:pPr marL="0" indent="0">
+              <a:buNone/>
+            </a:pPr>
+            <a:r>
+              <a:rPr lang="en-US" sz="1500" dirty="0">
+                <a:solidFill>
+                  <a:schemeClr val="accent3"/>
+                </a:solidFill>
+                <a:latin typeface="Courier New" panose="02070309020205020404" pitchFamily="49" charset="0"/>
+                <a:cs typeface="Courier New" panose="02070309020205020404" pitchFamily="49" charset="0"/>
+              </a:rPr>
+              <a:t>	background: 200px;</a:t>
+            </a:r>
+          </a:p>
+          <a:p>
+            <a:pPr marL="0" indent="0">
+              <a:buNone/>
+            </a:pPr>
+            <a:r>
+              <a:rPr lang="en-US" sz="1500" dirty="0">
+                <a:solidFill>
+                  <a:schemeClr val="accent3"/>
+                </a:solidFill>
+                <a:latin typeface="Courier New" panose="02070309020205020404" pitchFamily="49" charset="0"/>
+                <a:cs typeface="Courier New" panose="02070309020205020404" pitchFamily="49" charset="0"/>
+              </a:rPr>
+              <a:t>	height: 200px;</a:t>
+            </a:r>
+          </a:p>
+          <a:p>
+            <a:pPr marL="0" indent="0">
+              <a:buNone/>
+            </a:pPr>
+            <a:r>
+              <a:rPr lang="en-US" sz="1500" dirty="0">
+                <a:solidFill>
+                  <a:schemeClr val="accent3"/>
+                </a:solidFill>
+                <a:latin typeface="Courier New" panose="02070309020205020404" pitchFamily="49" charset="0"/>
+                <a:cs typeface="Courier New" panose="02070309020205020404" pitchFamily="49" charset="0"/>
+              </a:rPr>
+              <a:t>	background: orange;</a:t>
+            </a:r>
+          </a:p>
+          <a:p>
+            <a:pPr marL="0" indent="0">
+              <a:buNone/>
+            </a:pPr>
+            <a:r>
+              <a:rPr lang="en-US" sz="1500" dirty="0">
+                <a:solidFill>
+                  <a:schemeClr val="accent3"/>
+                </a:solidFill>
+                <a:latin typeface="Courier New" panose="02070309020205020404" pitchFamily="49" charset="0"/>
+                <a:cs typeface="Courier New" panose="02070309020205020404" pitchFamily="49" charset="0"/>
+              </a:rPr>
+              <a:t>	border-radius: 15px 50px 30px;</a:t>
+            </a:r>
+          </a:p>
+          <a:p>
+            <a:pPr marL="0" indent="0">
+              <a:buNone/>
+            </a:pPr>
+            <a:r>
+              <a:rPr lang="en-US" sz="1500" dirty="0">
+                <a:solidFill>
+                  <a:schemeClr val="accent3"/>
+                </a:solidFill>
+                <a:latin typeface="Courier New" panose="02070309020205020404" pitchFamily="49" charset="0"/>
+                <a:cs typeface="Courier New" panose="02070309020205020404" pitchFamily="49" charset="0"/>
+              </a:rPr>
+              <a:t>}</a:t>
+            </a:r>
+          </a:p>
         </p:txBody>
       </p:sp>
     </p:spTree>
     <p:extLst>
       <p:ext uri="{BB962C8B-B14F-4D97-AF65-F5344CB8AC3E}">
-        <p14:creationId xmlns:p14="http://schemas.microsoft.com/office/powerpoint/2010/main" val="2054683930"/>
+        <p14:creationId xmlns:p14="http://schemas.microsoft.com/office/powerpoint/2010/main" val="1698179220"/>
       </p:ext>
     </p:extLst>
   </p:cSld>
@@ -9279,7 +8907,7 @@
                   <a:schemeClr val="accent6"/>
                 </a:solidFill>
               </a:rPr>
-              <a:t>rounder corners</a:t>
+              <a:t>background-size</a:t>
             </a:r>
             <a:endParaRPr lang="bg-BG" dirty="0">
               <a:solidFill>
@@ -9302,7 +8930,7 @@
         <p:spPr/>
         <p:txBody>
           <a:bodyPr>
-            <a:normAutofit lnSpcReduction="10000"/>
+            <a:normAutofit/>
           </a:bodyPr>
           <a:lstStyle/>
           <a:p>
@@ -9317,7 +8945,7 @@
                 <a:latin typeface="+mj-lt"/>
                 <a:cs typeface="Courier New" panose="02070309020205020404" pitchFamily="49" charset="0"/>
               </a:rPr>
-              <a:t>Използва се за заобляне ъглите на бордъра на даден елемент</a:t>
+              <a:t>Използва се в случаи, в които искаме да дефинираме каква част от размерите на даден елемент ще бъде заета от неговия фон.</a:t>
             </a:r>
             <a:endParaRPr lang="en-US" sz="3000" dirty="0" smtClean="0">
               <a:solidFill>
@@ -9342,6 +8970,26 @@
               <a:t>.</a:t>
             </a:r>
             <a:r>
+              <a:rPr lang="en-US" sz="1500" dirty="0" smtClean="0">
+                <a:solidFill>
+                  <a:schemeClr val="accent3"/>
+                </a:solidFill>
+                <a:latin typeface="Courier New" panose="02070309020205020404" pitchFamily="49" charset="0"/>
+                <a:cs typeface="Courier New" panose="02070309020205020404" pitchFamily="49" charset="0"/>
+              </a:rPr>
+              <a:t>container</a:t>
+            </a:r>
+            <a:r>
+              <a:rPr lang="en-US" sz="1500" dirty="0" smtClean="0">
+                <a:solidFill>
+                  <a:schemeClr val="accent3"/>
+                </a:solidFill>
+                <a:latin typeface="Courier New" panose="02070309020205020404" pitchFamily="49" charset="0"/>
+                <a:cs typeface="Courier New" panose="02070309020205020404" pitchFamily="49" charset="0"/>
+              </a:rPr>
+              <a:t> </a:t>
+            </a:r>
+            <a:r>
               <a:rPr lang="en-US" sz="1500" dirty="0">
                 <a:solidFill>
                   <a:schemeClr val="accent3"/>
@@ -9349,7 +8997,7 @@
                 <a:latin typeface="Courier New" panose="02070309020205020404" pitchFamily="49" charset="0"/>
                 <a:cs typeface="Courier New" panose="02070309020205020404" pitchFamily="49" charset="0"/>
               </a:rPr>
-              <a:t>rounded-corners {</a:t>
+              <a:t>{</a:t>
             </a:r>
           </a:p>
           <a:p>
@@ -9364,13 +9012,18 @@
                 <a:latin typeface="Courier New" panose="02070309020205020404" pitchFamily="49" charset="0"/>
                 <a:cs typeface="Courier New" panose="02070309020205020404" pitchFamily="49" charset="0"/>
               </a:rPr>
-              <a:t>	width: 200px;</a:t>
-            </a:r>
-          </a:p>
-          <a:p>
-            <a:pPr marL="0" indent="0">
-              <a:buNone/>
-            </a:pPr>
+              <a:t>	</a:t>
+            </a:r>
+            <a:r>
+              <a:rPr lang="en-US" sz="1500" dirty="0" smtClean="0">
+                <a:solidFill>
+                  <a:schemeClr val="accent3"/>
+                </a:solidFill>
+                <a:latin typeface="Courier New" panose="02070309020205020404" pitchFamily="49" charset="0"/>
+                <a:cs typeface="Courier New" panose="02070309020205020404" pitchFamily="49" charset="0"/>
+              </a:rPr>
+              <a:t>background</a:t>
+            </a:r>
             <a:r>
               <a:rPr lang="en-US" sz="1500" dirty="0">
                 <a:solidFill>
@@ -9379,13 +9032,28 @@
                 <a:latin typeface="Courier New" panose="02070309020205020404" pitchFamily="49" charset="0"/>
                 <a:cs typeface="Courier New" panose="02070309020205020404" pitchFamily="49" charset="0"/>
               </a:rPr>
-              <a:t>	height: 200px;</a:t>
-            </a:r>
-          </a:p>
-          <a:p>
-            <a:pPr marL="0" indent="0">
-              <a:buNone/>
-            </a:pPr>
+              <a:t>: </a:t>
+            </a:r>
+            <a:r>
+              <a:rPr lang="en-US" sz="1500" dirty="0" err="1" smtClean="0">
+                <a:solidFill>
+                  <a:schemeClr val="accent3"/>
+                </a:solidFill>
+                <a:latin typeface="Courier New" panose="02070309020205020404" pitchFamily="49" charset="0"/>
+                <a:cs typeface="Courier New" panose="02070309020205020404" pitchFamily="49" charset="0"/>
+              </a:rPr>
+              <a:t>url</a:t>
+            </a:r>
+            <a:r>
+              <a:rPr lang="en-US" sz="1500" dirty="0" smtClean="0">
+                <a:solidFill>
+                  <a:schemeClr val="accent3"/>
+                </a:solidFill>
+                <a:latin typeface="Courier New" panose="02070309020205020404" pitchFamily="49" charset="0"/>
+                <a:cs typeface="Courier New" panose="02070309020205020404" pitchFamily="49" charset="0"/>
+              </a:rPr>
+              <a:t>(some_img.gif</a:t>
+            </a:r>
             <a:r>
               <a:rPr lang="en-US" sz="1500" dirty="0">
                 <a:solidFill>
@@ -9394,7 +9062,7 @@
                 <a:latin typeface="Courier New" panose="02070309020205020404" pitchFamily="49" charset="0"/>
                 <a:cs typeface="Courier New" panose="02070309020205020404" pitchFamily="49" charset="0"/>
               </a:rPr>
-              <a:t>	border-radius: 20px;</a:t>
+              <a:t>);</a:t>
             </a:r>
           </a:p>
           <a:p>
@@ -9409,13 +9077,8 @@
                 <a:latin typeface="Courier New" panose="02070309020205020404" pitchFamily="49" charset="0"/>
                 <a:cs typeface="Courier New" panose="02070309020205020404" pitchFamily="49" charset="0"/>
               </a:rPr>
-              <a:t>	background: green;</a:t>
-            </a:r>
-          </a:p>
-          <a:p>
-            <a:pPr marL="0" indent="0">
-              <a:buNone/>
-            </a:pPr>
+              <a:t>    </a:t>
+            </a:r>
             <a:r>
               <a:rPr lang="en-US" sz="1500" dirty="0" smtClean="0">
                 <a:solidFill>
@@ -9424,14 +9087,79 @@
                 <a:latin typeface="Courier New" panose="02070309020205020404" pitchFamily="49" charset="0"/>
                 <a:cs typeface="Courier New" panose="02070309020205020404" pitchFamily="49" charset="0"/>
               </a:rPr>
+              <a:t>	background-size</a:t>
+            </a:r>
+            <a:r>
+              <a:rPr lang="en-US" sz="1500" dirty="0">
+                <a:solidFill>
+                  <a:schemeClr val="accent3"/>
+                </a:solidFill>
+                <a:latin typeface="Courier New" panose="02070309020205020404" pitchFamily="49" charset="0"/>
+                <a:cs typeface="Courier New" panose="02070309020205020404" pitchFamily="49" charset="0"/>
+              </a:rPr>
+              <a:t>: 100px 80px;</a:t>
+            </a:r>
+          </a:p>
+          <a:p>
+            <a:pPr marL="0" indent="0">
+              <a:buNone/>
+            </a:pPr>
+            <a:r>
+              <a:rPr lang="en-US" sz="1500" dirty="0">
+                <a:solidFill>
+                  <a:schemeClr val="accent3"/>
+                </a:solidFill>
+                <a:latin typeface="Courier New" panose="02070309020205020404" pitchFamily="49" charset="0"/>
+                <a:cs typeface="Courier New" panose="02070309020205020404" pitchFamily="49" charset="0"/>
+              </a:rPr>
+              <a:t>    </a:t>
+            </a:r>
+            <a:r>
+              <a:rPr lang="en-US" sz="1500" dirty="0" smtClean="0">
+                <a:solidFill>
+                  <a:schemeClr val="accent3"/>
+                </a:solidFill>
+                <a:latin typeface="Courier New" panose="02070309020205020404" pitchFamily="49" charset="0"/>
+                <a:cs typeface="Courier New" panose="02070309020205020404" pitchFamily="49" charset="0"/>
+              </a:rPr>
+              <a:t>	background-repeat</a:t>
+            </a:r>
+            <a:r>
+              <a:rPr lang="en-US" sz="1500" dirty="0">
+                <a:solidFill>
+                  <a:schemeClr val="accent3"/>
+                </a:solidFill>
+                <a:latin typeface="Courier New" panose="02070309020205020404" pitchFamily="49" charset="0"/>
+                <a:cs typeface="Courier New" panose="02070309020205020404" pitchFamily="49" charset="0"/>
+              </a:rPr>
+              <a:t>: no-repeat</a:t>
+            </a:r>
+            <a:r>
+              <a:rPr lang="en-US" sz="1500" dirty="0" smtClean="0">
+                <a:solidFill>
+                  <a:schemeClr val="accent3"/>
+                </a:solidFill>
+                <a:latin typeface="Courier New" panose="02070309020205020404" pitchFamily="49" charset="0"/>
+                <a:cs typeface="Courier New" panose="02070309020205020404" pitchFamily="49" charset="0"/>
+              </a:rPr>
+              <a:t>;</a:t>
+            </a:r>
+          </a:p>
+          <a:p>
+            <a:pPr marL="0" indent="0">
+              <a:buNone/>
+            </a:pPr>
+            <a:r>
+              <a:rPr lang="en-US" sz="1500" dirty="0" smtClean="0">
+                <a:solidFill>
+                  <a:schemeClr val="accent3"/>
+                </a:solidFill>
+                <a:latin typeface="Courier New" panose="02070309020205020404" pitchFamily="49" charset="0"/>
+                <a:cs typeface="Courier New" panose="02070309020205020404" pitchFamily="49" charset="0"/>
+              </a:rPr>
               <a:t>}</a:t>
             </a:r>
-          </a:p>
-          <a:p>
-            <a:pPr marL="0" indent="0">
-              <a:buNone/>
-            </a:pPr>
-            <a:endParaRPr lang="en-US" sz="1500" dirty="0">
+            <a:endParaRPr lang="en-US" sz="1500" dirty="0" smtClean="0">
               <a:solidFill>
                 <a:schemeClr val="accent3"/>
               </a:solidFill>
@@ -9439,102 +9167,12 @@
               <a:cs typeface="Courier New" panose="02070309020205020404" pitchFamily="49" charset="0"/>
             </a:endParaRPr>
           </a:p>
-          <a:p>
-            <a:pPr marL="0" indent="0">
-              <a:buNone/>
-            </a:pPr>
-            <a:r>
-              <a:rPr lang="en-US" sz="1500" dirty="0">
-                <a:solidFill>
-                  <a:schemeClr val="accent3"/>
-                </a:solidFill>
-                <a:latin typeface="Courier New" panose="02070309020205020404" pitchFamily="49" charset="0"/>
-                <a:cs typeface="Courier New" panose="02070309020205020404" pitchFamily="49" charset="0"/>
-              </a:rPr>
-              <a:t>.rounded-corners2 {</a:t>
-            </a:r>
-          </a:p>
-          <a:p>
-            <a:pPr marL="0" indent="0">
-              <a:buNone/>
-            </a:pPr>
-            <a:r>
-              <a:rPr lang="en-US" sz="1500" dirty="0">
-                <a:solidFill>
-                  <a:schemeClr val="accent3"/>
-                </a:solidFill>
-                <a:latin typeface="Courier New" panose="02070309020205020404" pitchFamily="49" charset="0"/>
-                <a:cs typeface="Courier New" panose="02070309020205020404" pitchFamily="49" charset="0"/>
-              </a:rPr>
-              <a:t>	background: 200px;</a:t>
-            </a:r>
-          </a:p>
-          <a:p>
-            <a:pPr marL="0" indent="0">
-              <a:buNone/>
-            </a:pPr>
-            <a:r>
-              <a:rPr lang="en-US" sz="1500" dirty="0">
-                <a:solidFill>
-                  <a:schemeClr val="accent3"/>
-                </a:solidFill>
-                <a:latin typeface="Courier New" panose="02070309020205020404" pitchFamily="49" charset="0"/>
-                <a:cs typeface="Courier New" panose="02070309020205020404" pitchFamily="49" charset="0"/>
-              </a:rPr>
-              <a:t>	height: 200px;</a:t>
-            </a:r>
-          </a:p>
-          <a:p>
-            <a:pPr marL="0" indent="0">
-              <a:buNone/>
-            </a:pPr>
-            <a:r>
-              <a:rPr lang="en-US" sz="1500" dirty="0">
-                <a:solidFill>
-                  <a:schemeClr val="accent3"/>
-                </a:solidFill>
-                <a:latin typeface="Courier New" panose="02070309020205020404" pitchFamily="49" charset="0"/>
-                <a:cs typeface="Courier New" panose="02070309020205020404" pitchFamily="49" charset="0"/>
-              </a:rPr>
-              <a:t>	background: orange;</a:t>
-            </a:r>
-          </a:p>
-          <a:p>
-            <a:pPr marL="0" indent="0">
-              <a:buNone/>
-            </a:pPr>
-            <a:r>
-              <a:rPr lang="en-US" sz="1500" dirty="0">
-                <a:solidFill>
-                  <a:schemeClr val="accent3"/>
-                </a:solidFill>
-                <a:latin typeface="Courier New" panose="02070309020205020404" pitchFamily="49" charset="0"/>
-                <a:cs typeface="Courier New" panose="02070309020205020404" pitchFamily="49" charset="0"/>
-              </a:rPr>
-              <a:t>	border-radius: 15px 50px 30px;</a:t>
-            </a:r>
-          </a:p>
-          <a:p>
-            <a:pPr marL="0" indent="0">
-              <a:buNone/>
-            </a:pPr>
-            <a:r>
-              <a:rPr lang="en-US" sz="1500" dirty="0">
-                <a:solidFill>
-                  <a:schemeClr val="accent3"/>
-                </a:solidFill>
-                <a:latin typeface="Courier New" panose="02070309020205020404" pitchFamily="49" charset="0"/>
-                <a:cs typeface="Courier New" panose="02070309020205020404" pitchFamily="49" charset="0"/>
-              </a:rPr>
-              <a:t>}</a:t>
-            </a:r>
-          </a:p>
         </p:txBody>
       </p:sp>
     </p:spTree>
     <p:extLst>
       <p:ext uri="{BB962C8B-B14F-4D97-AF65-F5344CB8AC3E}">
-        <p14:creationId xmlns:p14="http://schemas.microsoft.com/office/powerpoint/2010/main" val="1698179220"/>
+        <p14:creationId xmlns:p14="http://schemas.microsoft.com/office/powerpoint/2010/main" val="1673202746"/>
       </p:ext>
     </p:extLst>
   </p:cSld>
@@ -9613,7 +9251,7 @@
                   <a:schemeClr val="accent6"/>
                 </a:solidFill>
               </a:rPr>
-              <a:t>background-size</a:t>
+              <a:t>multiple backgrounds</a:t>
             </a:r>
             <a:endParaRPr lang="bg-BG" dirty="0">
               <a:solidFill>
@@ -9636,7 +9274,7 @@
         <p:spPr/>
         <p:txBody>
           <a:bodyPr>
-            <a:normAutofit fontScale="92500" lnSpcReduction="10000"/>
+            <a:normAutofit/>
           </a:bodyPr>
           <a:lstStyle/>
           <a:p>
@@ -9651,7 +9289,17 @@
                 <a:latin typeface="+mj-lt"/>
                 <a:cs typeface="Courier New" panose="02070309020205020404" pitchFamily="49" charset="0"/>
               </a:rPr>
-              <a:t>Използва се в случаи, в които искаме да дефинираме каква част от размерите на даден елемент ще бъде заета от неговия фон.</a:t>
+              <a:t>Свойство, което ни позволява да дефинираме две картинки като фон за един и същ елемент</a:t>
+            </a:r>
+            <a:r>
+              <a:rPr lang="bg-BG" sz="3000" dirty="0" smtClean="0">
+                <a:solidFill>
+                  <a:schemeClr val="bg1"/>
+                </a:solidFill>
+                <a:latin typeface="+mj-lt"/>
+                <a:cs typeface="Courier New" panose="02070309020205020404" pitchFamily="49" charset="0"/>
+              </a:rPr>
+              <a:t>.</a:t>
             </a:r>
             <a:endParaRPr lang="en-US" sz="3000" dirty="0" smtClean="0">
               <a:solidFill>
@@ -9683,7 +9331,7 @@
                 <a:latin typeface="Courier New" panose="02070309020205020404" pitchFamily="49" charset="0"/>
                 <a:cs typeface="Courier New" panose="02070309020205020404" pitchFamily="49" charset="0"/>
               </a:rPr>
-              <a:t>rounded-corners {</a:t>
+              <a:t>multiple-background {</a:t>
             </a:r>
           </a:p>
           <a:p>
@@ -9698,7 +9346,7 @@
                 <a:latin typeface="Courier New" panose="02070309020205020404" pitchFamily="49" charset="0"/>
                 <a:cs typeface="Courier New" panose="02070309020205020404" pitchFamily="49" charset="0"/>
               </a:rPr>
-              <a:t>	width: 200px;</a:t>
+              <a:t>	width: 1000px;</a:t>
             </a:r>
           </a:p>
           <a:p>
@@ -9713,7 +9361,7 @@
                 <a:latin typeface="Courier New" panose="02070309020205020404" pitchFamily="49" charset="0"/>
                 <a:cs typeface="Courier New" panose="02070309020205020404" pitchFamily="49" charset="0"/>
               </a:rPr>
-              <a:t>	height: 200px;</a:t>
+              <a:t>	height: 1000px;</a:t>
             </a:r>
           </a:p>
           <a:p>
@@ -9728,13 +9376,18 @@
                 <a:latin typeface="Courier New" panose="02070309020205020404" pitchFamily="49" charset="0"/>
                 <a:cs typeface="Courier New" panose="02070309020205020404" pitchFamily="49" charset="0"/>
               </a:rPr>
-              <a:t>	border-radius: 20px;</a:t>
-            </a:r>
-          </a:p>
-          <a:p>
-            <a:pPr marL="0" indent="0">
-              <a:buNone/>
-            </a:pPr>
+              <a:t>	background: </a:t>
+            </a:r>
+            <a:r>
+              <a:rPr lang="en-US" sz="1500" dirty="0" err="1">
+                <a:solidFill>
+                  <a:schemeClr val="accent3"/>
+                </a:solidFill>
+                <a:latin typeface="Courier New" panose="02070309020205020404" pitchFamily="49" charset="0"/>
+                <a:cs typeface="Courier New" panose="02070309020205020404" pitchFamily="49" charset="0"/>
+              </a:rPr>
+              <a:t>url</a:t>
+            </a:r>
             <a:r>
               <a:rPr lang="en-US" sz="1500" dirty="0">
                 <a:solidFill>
@@ -9743,7 +9396,47 @@
                 <a:latin typeface="Courier New" panose="02070309020205020404" pitchFamily="49" charset="0"/>
                 <a:cs typeface="Courier New" panose="02070309020205020404" pitchFamily="49" charset="0"/>
               </a:rPr>
-              <a:t>	background: green;</a:t>
+              <a:t>('img.jpg') no-repeat top left, </a:t>
+            </a:r>
+            <a:r>
+              <a:rPr lang="en-US" sz="1500" dirty="0" err="1">
+                <a:solidFill>
+                  <a:schemeClr val="accent3"/>
+                </a:solidFill>
+                <a:latin typeface="Courier New" panose="02070309020205020404" pitchFamily="49" charset="0"/>
+                <a:cs typeface="Courier New" panose="02070309020205020404" pitchFamily="49" charset="0"/>
+              </a:rPr>
+              <a:t>url</a:t>
+            </a:r>
+            <a:r>
+              <a:rPr lang="en-US" sz="1500" dirty="0">
+                <a:solidFill>
+                  <a:schemeClr val="accent3"/>
+                </a:solidFill>
+                <a:latin typeface="Courier New" panose="02070309020205020404" pitchFamily="49" charset="0"/>
+                <a:cs typeface="Courier New" panose="02070309020205020404" pitchFamily="49" charset="0"/>
+              </a:rPr>
+              <a:t>('img2.jpg') </a:t>
+            </a:r>
+            <a:r>
+              <a:rPr lang="en-US" sz="1500" dirty="0" smtClean="0">
+                <a:solidFill>
+                  <a:schemeClr val="accent3"/>
+                </a:solidFill>
+                <a:latin typeface="Courier New" panose="02070309020205020404" pitchFamily="49" charset="0"/>
+                <a:cs typeface="Courier New" panose="02070309020205020404" pitchFamily="49" charset="0"/>
+              </a:rPr>
+              <a:t>	no-repeat </a:t>
+            </a:r>
+            <a:r>
+              <a:rPr lang="en-US" sz="1500" dirty="0">
+                <a:solidFill>
+                  <a:schemeClr val="accent3"/>
+                </a:solidFill>
+                <a:latin typeface="Courier New" panose="02070309020205020404" pitchFamily="49" charset="0"/>
+                <a:cs typeface="Courier New" panose="02070309020205020404" pitchFamily="49" charset="0"/>
+              </a:rPr>
+              <a:t>bottom right;</a:t>
             </a:r>
           </a:p>
           <a:p>
@@ -9773,102 +9466,42 @@
               <a:cs typeface="Courier New" panose="02070309020205020404" pitchFamily="49" charset="0"/>
             </a:endParaRPr>
           </a:p>
-          <a:p>
-            <a:pPr marL="0" indent="0">
-              <a:buNone/>
-            </a:pPr>
-            <a:r>
-              <a:rPr lang="en-US" sz="1500" dirty="0">
-                <a:solidFill>
-                  <a:schemeClr val="accent3"/>
-                </a:solidFill>
-                <a:latin typeface="Courier New" panose="02070309020205020404" pitchFamily="49" charset="0"/>
-                <a:cs typeface="Courier New" panose="02070309020205020404" pitchFamily="49" charset="0"/>
-              </a:rPr>
-              <a:t>.rounded-corners2 {</a:t>
-            </a:r>
-          </a:p>
-          <a:p>
-            <a:pPr marL="0" indent="0">
-              <a:buNone/>
-            </a:pPr>
-            <a:r>
-              <a:rPr lang="en-US" sz="1500" dirty="0">
-                <a:solidFill>
-                  <a:schemeClr val="accent3"/>
-                </a:solidFill>
-                <a:latin typeface="Courier New" panose="02070309020205020404" pitchFamily="49" charset="0"/>
-                <a:cs typeface="Courier New" panose="02070309020205020404" pitchFamily="49" charset="0"/>
-              </a:rPr>
-              <a:t>	background: 200px;</a:t>
-            </a:r>
-          </a:p>
-          <a:p>
-            <a:pPr marL="0" indent="0">
-              <a:buNone/>
-            </a:pPr>
-            <a:r>
-              <a:rPr lang="en-US" sz="1500" dirty="0">
-                <a:solidFill>
-                  <a:schemeClr val="accent3"/>
-                </a:solidFill>
-                <a:latin typeface="Courier New" panose="02070309020205020404" pitchFamily="49" charset="0"/>
-                <a:cs typeface="Courier New" panose="02070309020205020404" pitchFamily="49" charset="0"/>
-              </a:rPr>
-              <a:t>	height: 200px;</a:t>
-            </a:r>
-          </a:p>
-          <a:p>
-            <a:pPr marL="0" indent="0">
-              <a:buNone/>
-            </a:pPr>
-            <a:r>
-              <a:rPr lang="en-US" sz="1500" dirty="0">
-                <a:solidFill>
-                  <a:schemeClr val="accent3"/>
-                </a:solidFill>
-                <a:latin typeface="Courier New" panose="02070309020205020404" pitchFamily="49" charset="0"/>
-                <a:cs typeface="Courier New" panose="02070309020205020404" pitchFamily="49" charset="0"/>
-              </a:rPr>
-              <a:t>	background: orange;</a:t>
-            </a:r>
-          </a:p>
-          <a:p>
-            <a:pPr marL="0" indent="0">
-              <a:buNone/>
-            </a:pPr>
-            <a:r>
-              <a:rPr lang="en-US" sz="1500" dirty="0">
-                <a:solidFill>
-                  <a:schemeClr val="accent3"/>
-                </a:solidFill>
-                <a:latin typeface="Courier New" panose="02070309020205020404" pitchFamily="49" charset="0"/>
-                <a:cs typeface="Courier New" panose="02070309020205020404" pitchFamily="49" charset="0"/>
-              </a:rPr>
-              <a:t>	border-radius: 15px 50px 30px;</a:t>
-            </a:r>
-          </a:p>
-          <a:p>
-            <a:pPr marL="0" indent="0">
-              <a:buNone/>
-            </a:pPr>
-            <a:r>
-              <a:rPr lang="en-US" sz="1500" dirty="0">
-                <a:solidFill>
-                  <a:schemeClr val="accent3"/>
-                </a:solidFill>
-                <a:latin typeface="Courier New" panose="02070309020205020404" pitchFamily="49" charset="0"/>
-                <a:cs typeface="Courier New" panose="02070309020205020404" pitchFamily="49" charset="0"/>
-              </a:rPr>
-              <a:t>}</a:t>
-            </a:r>
-          </a:p>
         </p:txBody>
       </p:sp>
+      <p:pic>
+        <p:nvPicPr>
+          <p:cNvPr id="3" name="Picture 2"/>
+          <p:cNvPicPr>
+            <a:picLocks noChangeAspect="1"/>
+          </p:cNvPicPr>
+          <p:nvPr/>
+        </p:nvPicPr>
+        <p:blipFill>
+          <a:blip r:embed="rId2">
+            <a:extLst>
+              <a:ext uri="{28A0092B-C50C-407E-A947-70E740481C1C}">
+                <a14:useLocalDpi xmlns:a14="http://schemas.microsoft.com/office/drawing/2010/main" val="0"/>
+              </a:ext>
+            </a:extLst>
+          </a:blip>
+          <a:stretch>
+            <a:fillRect/>
+          </a:stretch>
+        </p:blipFill>
+        <p:spPr>
+          <a:xfrm>
+            <a:off x="1066800" y="4419600"/>
+            <a:ext cx="6934200" cy="1828800"/>
+          </a:xfrm>
+          <a:prstGeom prst="rect">
+            <a:avLst/>
+          </a:prstGeom>
+        </p:spPr>
+      </p:pic>
     </p:spTree>
     <p:extLst>
       <p:ext uri="{BB962C8B-B14F-4D97-AF65-F5344CB8AC3E}">
-        <p14:creationId xmlns:p14="http://schemas.microsoft.com/office/powerpoint/2010/main" val="1673202746"/>
+        <p14:creationId xmlns:p14="http://schemas.microsoft.com/office/powerpoint/2010/main" val="747265384"/>
       </p:ext>
     </p:extLst>
   </p:cSld>
@@ -9947,7 +9580,7 @@
                   <a:schemeClr val="accent6"/>
                 </a:solidFill>
               </a:rPr>
-              <a:t>multiple backgrounds</a:t>
+              <a:t>colors &amp; opacity</a:t>
             </a:r>
             <a:endParaRPr lang="bg-BG" dirty="0">
               <a:solidFill>
@@ -9978,40 +9611,145 @@
               <a:buNone/>
             </a:pPr>
             <a:r>
-              <a:rPr lang="bg-BG" sz="3000" dirty="0" smtClean="0">
+              <a:rPr lang="en-US" sz="3000" dirty="0" smtClean="0">
                 <a:solidFill>
                   <a:schemeClr val="bg1"/>
                 </a:solidFill>
                 <a:latin typeface="+mj-lt"/>
                 <a:cs typeface="Courier New" panose="02070309020205020404" pitchFamily="49" charset="0"/>
               </a:rPr>
-              <a:t>Свойство, което ни позволява да дефинираме две картинки като фон за един и същ елемент. Декларацията на фона става по абсолютно идентичен начин, както при обикновена </a:t>
-            </a:r>
-            <a:r>
-              <a:rPr lang="en-US" sz="3000" dirty="0" smtClean="0">
-                <a:solidFill>
-                  <a:schemeClr val="bg1"/>
-                </a:solidFill>
-                <a:latin typeface="+mj-lt"/>
-                <a:cs typeface="Courier New" panose="02070309020205020404" pitchFamily="49" charset="0"/>
-              </a:rPr>
-              <a:t>CSS </a:t>
-            </a:r>
-            <a:r>
-              <a:rPr lang="bg-BG" sz="3000" dirty="0" smtClean="0">
-                <a:solidFill>
-                  <a:schemeClr val="bg1"/>
-                </a:solidFill>
-                <a:latin typeface="+mj-lt"/>
-                <a:cs typeface="Courier New" panose="02070309020205020404" pitchFamily="49" charset="0"/>
-              </a:rPr>
-              <a:t>декларация.</a:t>
-            </a:r>
-            <a:endParaRPr lang="en-US" sz="3000" dirty="0" smtClean="0">
+              <a:t>RGBA colors</a:t>
+            </a:r>
+          </a:p>
+          <a:p>
+            <a:pPr marL="0" indent="0">
+              <a:buNone/>
+            </a:pPr>
+            <a:r>
+              <a:rPr lang="en-US" sz="1500" dirty="0" smtClean="0">
+                <a:solidFill>
+                  <a:schemeClr val="accent3"/>
+                </a:solidFill>
+                <a:latin typeface="Courier New" panose="02070309020205020404" pitchFamily="49" charset="0"/>
+                <a:cs typeface="Courier New" panose="02070309020205020404" pitchFamily="49" charset="0"/>
+              </a:rPr>
+              <a:t>.</a:t>
+            </a:r>
+            <a:r>
+              <a:rPr lang="en-US" sz="1500" dirty="0" err="1">
+                <a:solidFill>
+                  <a:schemeClr val="accent3"/>
+                </a:solidFill>
+                <a:latin typeface="Courier New" panose="02070309020205020404" pitchFamily="49" charset="0"/>
+                <a:cs typeface="Courier New" panose="02070309020205020404" pitchFamily="49" charset="0"/>
+              </a:rPr>
+              <a:t>rgba</a:t>
+            </a:r>
+            <a:r>
+              <a:rPr lang="en-US" sz="1500" dirty="0">
+                <a:solidFill>
+                  <a:schemeClr val="accent3"/>
+                </a:solidFill>
+                <a:latin typeface="Courier New" panose="02070309020205020404" pitchFamily="49" charset="0"/>
+                <a:cs typeface="Courier New" panose="02070309020205020404" pitchFamily="49" charset="0"/>
+              </a:rPr>
+              <a:t> {</a:t>
+            </a:r>
+          </a:p>
+          <a:p>
+            <a:pPr marL="0" indent="0">
+              <a:buNone/>
+            </a:pPr>
+            <a:r>
+              <a:rPr lang="en-US" sz="1500" dirty="0">
+                <a:solidFill>
+                  <a:schemeClr val="accent3"/>
+                </a:solidFill>
+                <a:latin typeface="Courier New" panose="02070309020205020404" pitchFamily="49" charset="0"/>
+                <a:cs typeface="Courier New" panose="02070309020205020404" pitchFamily="49" charset="0"/>
+              </a:rPr>
+              <a:t>	width: 200px;</a:t>
+            </a:r>
+          </a:p>
+          <a:p>
+            <a:pPr marL="0" indent="0">
+              <a:buNone/>
+            </a:pPr>
+            <a:r>
+              <a:rPr lang="en-US" sz="1500" dirty="0">
+                <a:solidFill>
+                  <a:schemeClr val="accent3"/>
+                </a:solidFill>
+                <a:latin typeface="Courier New" panose="02070309020205020404" pitchFamily="49" charset="0"/>
+                <a:cs typeface="Courier New" panose="02070309020205020404" pitchFamily="49" charset="0"/>
+              </a:rPr>
+              <a:t>	height: 200px;</a:t>
+            </a:r>
+          </a:p>
+          <a:p>
+            <a:pPr marL="0" indent="0">
+              <a:buNone/>
+            </a:pPr>
+            <a:r>
+              <a:rPr lang="en-US" sz="1500" dirty="0">
+                <a:solidFill>
+                  <a:schemeClr val="accent3"/>
+                </a:solidFill>
+                <a:latin typeface="Courier New" panose="02070309020205020404" pitchFamily="49" charset="0"/>
+                <a:cs typeface="Courier New" panose="02070309020205020404" pitchFamily="49" charset="0"/>
+              </a:rPr>
+              <a:t>	</a:t>
+            </a:r>
+            <a:r>
+              <a:rPr lang="en-US" sz="1500" u="sng" dirty="0">
+                <a:solidFill>
+                  <a:schemeClr val="accent3"/>
+                </a:solidFill>
+                <a:latin typeface="Courier New" panose="02070309020205020404" pitchFamily="49" charset="0"/>
+                <a:cs typeface="Courier New" panose="02070309020205020404" pitchFamily="49" charset="0"/>
+              </a:rPr>
+              <a:t>background: </a:t>
+            </a:r>
+            <a:r>
+              <a:rPr lang="en-US" sz="1500" u="sng" dirty="0" err="1">
+                <a:solidFill>
+                  <a:schemeClr val="accent3"/>
+                </a:solidFill>
+                <a:latin typeface="Courier New" panose="02070309020205020404" pitchFamily="49" charset="0"/>
+                <a:cs typeface="Courier New" panose="02070309020205020404" pitchFamily="49" charset="0"/>
+              </a:rPr>
+              <a:t>rgba</a:t>
+            </a:r>
+            <a:r>
+              <a:rPr lang="en-US" sz="1500" u="sng" dirty="0">
+                <a:solidFill>
+                  <a:schemeClr val="accent3"/>
+                </a:solidFill>
+                <a:latin typeface="Courier New" panose="02070309020205020404" pitchFamily="49" charset="0"/>
+                <a:cs typeface="Courier New" panose="02070309020205020404" pitchFamily="49" charset="0"/>
+              </a:rPr>
+              <a:t>(255, 0, 0, 0.1);</a:t>
+            </a:r>
+          </a:p>
+          <a:p>
+            <a:pPr marL="0" indent="0">
+              <a:buNone/>
+            </a:pPr>
+            <a:r>
+              <a:rPr lang="en-US" sz="1500" dirty="0">
+                <a:solidFill>
+                  <a:schemeClr val="accent3"/>
+                </a:solidFill>
+                <a:latin typeface="Courier New" panose="02070309020205020404" pitchFamily="49" charset="0"/>
+                <a:cs typeface="Courier New" panose="02070309020205020404" pitchFamily="49" charset="0"/>
+              </a:rPr>
+              <a:t>}</a:t>
+            </a:r>
+            <a:endParaRPr lang="en-US" sz="1500" dirty="0" smtClean="0">
               <a:solidFill>
-                <a:schemeClr val="bg1"/>
+                <a:schemeClr val="accent3"/>
               </a:solidFill>
-              <a:latin typeface="+mj-lt"/>
+              <a:latin typeface="Courier New" panose="02070309020205020404" pitchFamily="49" charset="0"/>
               <a:cs typeface="Courier New" panose="02070309020205020404" pitchFamily="49" charset="0"/>
             </a:endParaRPr>
           </a:p>
@@ -10020,6 +9758,76 @@
               <a:buNone/>
             </a:pPr>
             <a:r>
+              <a:rPr lang="en-US" sz="3000" dirty="0" smtClean="0">
+                <a:solidFill>
+                  <a:schemeClr val="bg1"/>
+                </a:solidFill>
+                <a:latin typeface="+mj-lt"/>
+                <a:cs typeface="Courier New" panose="02070309020205020404" pitchFamily="49" charset="0"/>
+              </a:rPr>
+              <a:t>Opacity</a:t>
+            </a:r>
+          </a:p>
+          <a:p>
+            <a:pPr marL="0" indent="0">
+              <a:buNone/>
+            </a:pPr>
+            <a:r>
+              <a:rPr lang="en-US" sz="1500" dirty="0">
+                <a:solidFill>
+                  <a:schemeClr val="accent3"/>
+                </a:solidFill>
+                <a:latin typeface="Courier New" panose="02070309020205020404" pitchFamily="49" charset="0"/>
+                <a:cs typeface="Courier New" panose="02070309020205020404" pitchFamily="49" charset="0"/>
+              </a:rPr>
+              <a:t>.opacity {</a:t>
+            </a:r>
+          </a:p>
+          <a:p>
+            <a:pPr marL="0" indent="0">
+              <a:buNone/>
+            </a:pPr>
+            <a:r>
+              <a:rPr lang="en-US" sz="1500" dirty="0">
+                <a:solidFill>
+                  <a:schemeClr val="accent3"/>
+                </a:solidFill>
+                <a:latin typeface="Courier New" panose="02070309020205020404" pitchFamily="49" charset="0"/>
+                <a:cs typeface="Courier New" panose="02070309020205020404" pitchFamily="49" charset="0"/>
+              </a:rPr>
+              <a:t>	width: 200px;</a:t>
+            </a:r>
+          </a:p>
+          <a:p>
+            <a:pPr marL="0" indent="0">
+              <a:buNone/>
+            </a:pPr>
+            <a:r>
+              <a:rPr lang="en-US" sz="1500" dirty="0">
+                <a:solidFill>
+                  <a:schemeClr val="accent3"/>
+                </a:solidFill>
+                <a:latin typeface="Courier New" panose="02070309020205020404" pitchFamily="49" charset="0"/>
+                <a:cs typeface="Courier New" panose="02070309020205020404" pitchFamily="49" charset="0"/>
+              </a:rPr>
+              <a:t>	height: 200px;</a:t>
+            </a:r>
+          </a:p>
+          <a:p>
+            <a:pPr marL="0" indent="0">
+              <a:buNone/>
+            </a:pPr>
+            <a:r>
+              <a:rPr lang="en-US" sz="1500" dirty="0">
+                <a:solidFill>
+                  <a:schemeClr val="accent3"/>
+                </a:solidFill>
+                <a:latin typeface="Courier New" panose="02070309020205020404" pitchFamily="49" charset="0"/>
+                <a:cs typeface="Courier New" panose="02070309020205020404" pitchFamily="49" charset="0"/>
+              </a:rPr>
+              <a:t>	background: </a:t>
+            </a:r>
+            <a:r>
               <a:rPr lang="en-US" sz="1500" dirty="0" smtClean="0">
                 <a:solidFill>
                   <a:schemeClr val="accent3"/>
@@ -10027,8 +9835,20 @@
                 <a:latin typeface="Courier New" panose="02070309020205020404" pitchFamily="49" charset="0"/>
                 <a:cs typeface="Courier New" panose="02070309020205020404" pitchFamily="49" charset="0"/>
               </a:rPr>
-              <a:t>.</a:t>
-            </a:r>
+              <a:t>#0f0;</a:t>
+            </a:r>
+            <a:endParaRPr lang="en-US" sz="1500" dirty="0">
+              <a:solidFill>
+                <a:schemeClr val="accent3"/>
+              </a:solidFill>
+              <a:latin typeface="Courier New" panose="02070309020205020404" pitchFamily="49" charset="0"/>
+              <a:cs typeface="Courier New" panose="02070309020205020404" pitchFamily="49" charset="0"/>
+            </a:endParaRPr>
+          </a:p>
+          <a:p>
+            <a:pPr marL="0" indent="0">
+              <a:buNone/>
+            </a:pPr>
             <a:r>
               <a:rPr lang="en-US" sz="1500" dirty="0">
                 <a:solidFill>
@@ -10037,93 +9857,35 @@
                 <a:latin typeface="Courier New" panose="02070309020205020404" pitchFamily="49" charset="0"/>
                 <a:cs typeface="Courier New" panose="02070309020205020404" pitchFamily="49" charset="0"/>
               </a:rPr>
-              <a:t>multiple-background {</a:t>
-            </a:r>
-          </a:p>
-          <a:p>
-            <a:pPr marL="0" indent="0">
-              <a:buNone/>
-            </a:pPr>
-            <a:r>
-              <a:rPr lang="en-US" sz="1500" dirty="0">
-                <a:solidFill>
-                  <a:schemeClr val="accent3"/>
-                </a:solidFill>
-                <a:latin typeface="Courier New" panose="02070309020205020404" pitchFamily="49" charset="0"/>
-                <a:cs typeface="Courier New" panose="02070309020205020404" pitchFamily="49" charset="0"/>
-              </a:rPr>
-              <a:t>	width: 1000px;</a:t>
-            </a:r>
-          </a:p>
-          <a:p>
-            <a:pPr marL="0" indent="0">
-              <a:buNone/>
-            </a:pPr>
-            <a:r>
-              <a:rPr lang="en-US" sz="1500" dirty="0">
-                <a:solidFill>
-                  <a:schemeClr val="accent3"/>
-                </a:solidFill>
-                <a:latin typeface="Courier New" panose="02070309020205020404" pitchFamily="49" charset="0"/>
-                <a:cs typeface="Courier New" panose="02070309020205020404" pitchFamily="49" charset="0"/>
-              </a:rPr>
-              <a:t>	height: 1000px;</a:t>
-            </a:r>
-          </a:p>
-          <a:p>
-            <a:pPr marL="0" indent="0">
-              <a:buNone/>
-            </a:pPr>
-            <a:r>
-              <a:rPr lang="en-US" sz="1500" dirty="0">
-                <a:solidFill>
-                  <a:schemeClr val="accent3"/>
-                </a:solidFill>
-                <a:latin typeface="Courier New" panose="02070309020205020404" pitchFamily="49" charset="0"/>
-                <a:cs typeface="Courier New" panose="02070309020205020404" pitchFamily="49" charset="0"/>
-              </a:rPr>
-              <a:t>	background: </a:t>
-            </a:r>
-            <a:r>
-              <a:rPr lang="en-US" sz="1500" dirty="0" err="1">
-                <a:solidFill>
-                  <a:schemeClr val="accent3"/>
-                </a:solidFill>
-                <a:latin typeface="Courier New" panose="02070309020205020404" pitchFamily="49" charset="0"/>
-                <a:cs typeface="Courier New" panose="02070309020205020404" pitchFamily="49" charset="0"/>
-              </a:rPr>
-              <a:t>url</a:t>
-            </a:r>
-            <a:r>
-              <a:rPr lang="en-US" sz="1500" dirty="0">
-                <a:solidFill>
-                  <a:schemeClr val="accent3"/>
-                </a:solidFill>
-                <a:latin typeface="Courier New" panose="02070309020205020404" pitchFamily="49" charset="0"/>
-                <a:cs typeface="Courier New" panose="02070309020205020404" pitchFamily="49" charset="0"/>
-              </a:rPr>
-              <a:t>('img.jpg') no-repeat top left, </a:t>
-            </a:r>
-            <a:r>
-              <a:rPr lang="en-US" sz="1500" dirty="0" err="1">
-                <a:solidFill>
-                  <a:schemeClr val="accent3"/>
-                </a:solidFill>
-                <a:latin typeface="Courier New" panose="02070309020205020404" pitchFamily="49" charset="0"/>
-                <a:cs typeface="Courier New" panose="02070309020205020404" pitchFamily="49" charset="0"/>
-              </a:rPr>
-              <a:t>url</a:t>
-            </a:r>
-            <a:r>
-              <a:rPr lang="en-US" sz="1500" dirty="0">
-                <a:solidFill>
-                  <a:schemeClr val="accent3"/>
-                </a:solidFill>
-                <a:latin typeface="Courier New" panose="02070309020205020404" pitchFamily="49" charset="0"/>
-                <a:cs typeface="Courier New" panose="02070309020205020404" pitchFamily="49" charset="0"/>
-              </a:rPr>
-              <a:t>('img2.jpg') no-repeat bottom right;</a:t>
-            </a:r>
+              <a:t>	</a:t>
+            </a:r>
+            <a:r>
+              <a:rPr lang="en-US" sz="1500" u="sng" dirty="0">
+                <a:solidFill>
+                  <a:schemeClr val="accent3"/>
+                </a:solidFill>
+                <a:latin typeface="Courier New" panose="02070309020205020404" pitchFamily="49" charset="0"/>
+                <a:cs typeface="Courier New" panose="02070309020205020404" pitchFamily="49" charset="0"/>
+              </a:rPr>
+              <a:t>opacity: </a:t>
+            </a:r>
+            <a:r>
+              <a:rPr lang="en-US" sz="1500" u="sng" dirty="0" smtClean="0">
+                <a:solidFill>
+                  <a:schemeClr val="accent3"/>
+                </a:solidFill>
+                <a:latin typeface="Courier New" panose="02070309020205020404" pitchFamily="49" charset="0"/>
+                <a:cs typeface="Courier New" panose="02070309020205020404" pitchFamily="49" charset="0"/>
+              </a:rPr>
+              <a:t>0.5;</a:t>
+            </a:r>
+            <a:endParaRPr lang="en-US" sz="1500" u="sng" dirty="0">
+              <a:solidFill>
+                <a:schemeClr val="accent3"/>
+              </a:solidFill>
+              <a:latin typeface="Courier New" panose="02070309020205020404" pitchFamily="49" charset="0"/>
+              <a:cs typeface="Courier New" panose="02070309020205020404" pitchFamily="49" charset="0"/>
+            </a:endParaRPr>
           </a:p>
           <a:p>
             <a:pPr marL="0" indent="0">
@@ -10145,7 +9907,7 @@
     </p:spTree>
     <p:extLst>
       <p:ext uri="{BB962C8B-B14F-4D97-AF65-F5344CB8AC3E}">
-        <p14:creationId xmlns:p14="http://schemas.microsoft.com/office/powerpoint/2010/main" val="747265384"/>
+        <p14:creationId xmlns:p14="http://schemas.microsoft.com/office/powerpoint/2010/main" val="724440330"/>
       </p:ext>
     </p:extLst>
   </p:cSld>
@@ -10224,7 +9986,7 @@
                   <a:schemeClr val="accent6"/>
                 </a:solidFill>
               </a:rPr>
-              <a:t>colors &amp; opacity</a:t>
+              <a:t>gradients</a:t>
             </a:r>
             <a:endParaRPr lang="bg-BG" dirty="0">
               <a:solidFill>
@@ -10247,7 +10009,7 @@
         <p:spPr/>
         <p:txBody>
           <a:bodyPr>
-            <a:normAutofit/>
+            <a:normAutofit lnSpcReduction="10000"/>
           </a:bodyPr>
           <a:lstStyle/>
           <a:p>
@@ -10255,20 +10017,90 @@
               <a:buNone/>
             </a:pPr>
             <a:r>
-              <a:rPr lang="en-US" sz="3000" dirty="0" smtClean="0">
+              <a:rPr lang="bg-BG" sz="2000" dirty="0" smtClean="0">
                 <a:solidFill>
                   <a:schemeClr val="bg1"/>
                 </a:solidFill>
                 <a:latin typeface="+mj-lt"/>
                 <a:cs typeface="Courier New" panose="02070309020205020404" pitchFamily="49" charset="0"/>
               </a:rPr>
-              <a:t>RGBA colors</a:t>
-            </a:r>
-          </a:p>
-          <a:p>
-            <a:pPr marL="0" indent="0">
-              <a:buNone/>
-            </a:pPr>
+              <a:t>Синтаксис:</a:t>
+            </a:r>
+          </a:p>
+          <a:p>
+            <a:pPr marL="0" indent="0">
+              <a:buNone/>
+            </a:pPr>
+            <a:r>
+              <a:rPr lang="en-US" sz="1500" dirty="0">
+                <a:solidFill>
+                  <a:schemeClr val="accent3"/>
+                </a:solidFill>
+                <a:latin typeface="Courier New" panose="02070309020205020404" pitchFamily="49" charset="0"/>
+                <a:cs typeface="Courier New" panose="02070309020205020404" pitchFamily="49" charset="0"/>
+              </a:rPr>
+              <a:t>background: linear-gradient(</a:t>
+            </a:r>
+            <a:r>
+              <a:rPr lang="en-US" sz="1500" i="1" dirty="0">
+                <a:solidFill>
+                  <a:schemeClr val="accent3"/>
+                </a:solidFill>
+                <a:latin typeface="Courier New" panose="02070309020205020404" pitchFamily="49" charset="0"/>
+                <a:cs typeface="Courier New" panose="02070309020205020404" pitchFamily="49" charset="0"/>
+              </a:rPr>
+              <a:t>direction</a:t>
+            </a:r>
+            <a:r>
+              <a:rPr lang="en-US" sz="1500" dirty="0">
+                <a:solidFill>
+                  <a:schemeClr val="accent3"/>
+                </a:solidFill>
+                <a:latin typeface="Courier New" panose="02070309020205020404" pitchFamily="49" charset="0"/>
+                <a:cs typeface="Courier New" panose="02070309020205020404" pitchFamily="49" charset="0"/>
+              </a:rPr>
+              <a:t>, </a:t>
+            </a:r>
+            <a:r>
+              <a:rPr lang="en-US" sz="1500" i="1" dirty="0">
+                <a:solidFill>
+                  <a:schemeClr val="accent3"/>
+                </a:solidFill>
+                <a:latin typeface="Courier New" panose="02070309020205020404" pitchFamily="49" charset="0"/>
+                <a:cs typeface="Courier New" panose="02070309020205020404" pitchFamily="49" charset="0"/>
+              </a:rPr>
+              <a:t>color-stop1</a:t>
+            </a:r>
+            <a:r>
+              <a:rPr lang="en-US" sz="1500" dirty="0">
+                <a:solidFill>
+                  <a:schemeClr val="accent3"/>
+                </a:solidFill>
+                <a:latin typeface="Courier New" panose="02070309020205020404" pitchFamily="49" charset="0"/>
+                <a:cs typeface="Courier New" panose="02070309020205020404" pitchFamily="49" charset="0"/>
+              </a:rPr>
+              <a:t>, </a:t>
+            </a:r>
+            <a:r>
+              <a:rPr lang="en-US" sz="1500" i="1" dirty="0">
+                <a:solidFill>
+                  <a:schemeClr val="accent3"/>
+                </a:solidFill>
+                <a:latin typeface="Courier New" panose="02070309020205020404" pitchFamily="49" charset="0"/>
+                <a:cs typeface="Courier New" panose="02070309020205020404" pitchFamily="49" charset="0"/>
+              </a:rPr>
+              <a:t>color-stop2, </a:t>
+            </a:r>
+            <a:r>
+              <a:rPr lang="en-US" sz="1500" i="1" dirty="0" smtClean="0">
+                <a:solidFill>
+                  <a:schemeClr val="accent3"/>
+                </a:solidFill>
+                <a:latin typeface="Courier New" panose="02070309020205020404" pitchFamily="49" charset="0"/>
+                <a:cs typeface="Courier New" panose="02070309020205020404" pitchFamily="49" charset="0"/>
+              </a:rPr>
+              <a:t>...</a:t>
+            </a:r>
             <a:r>
               <a:rPr lang="en-US" sz="1500" dirty="0" smtClean="0">
                 <a:solidFill>
@@ -10277,110 +10109,145 @@
                 <a:latin typeface="Courier New" panose="02070309020205020404" pitchFamily="49" charset="0"/>
                 <a:cs typeface="Courier New" panose="02070309020205020404" pitchFamily="49" charset="0"/>
               </a:rPr>
-              <a:t>.</a:t>
-            </a:r>
-            <a:r>
-              <a:rPr lang="en-US" sz="1500" dirty="0" err="1">
-                <a:solidFill>
-                  <a:schemeClr val="accent3"/>
-                </a:solidFill>
-                <a:latin typeface="Courier New" panose="02070309020205020404" pitchFamily="49" charset="0"/>
-                <a:cs typeface="Courier New" panose="02070309020205020404" pitchFamily="49" charset="0"/>
-              </a:rPr>
-              <a:t>rgba</a:t>
-            </a:r>
-            <a:r>
-              <a:rPr lang="en-US" sz="1500" dirty="0">
-                <a:solidFill>
-                  <a:schemeClr val="accent3"/>
-                </a:solidFill>
-                <a:latin typeface="Courier New" panose="02070309020205020404" pitchFamily="49" charset="0"/>
-                <a:cs typeface="Courier New" panose="02070309020205020404" pitchFamily="49" charset="0"/>
-              </a:rPr>
-              <a:t> {</a:t>
-            </a:r>
-          </a:p>
-          <a:p>
-            <a:pPr marL="0" indent="0">
-              <a:buNone/>
-            </a:pPr>
-            <a:r>
-              <a:rPr lang="en-US" sz="1500" dirty="0">
-                <a:solidFill>
-                  <a:schemeClr val="accent3"/>
-                </a:solidFill>
-                <a:latin typeface="Courier New" panose="02070309020205020404" pitchFamily="49" charset="0"/>
-                <a:cs typeface="Courier New" panose="02070309020205020404" pitchFamily="49" charset="0"/>
-              </a:rPr>
-              <a:t>	width: 200px;</a:t>
-            </a:r>
-          </a:p>
-          <a:p>
-            <a:pPr marL="0" indent="0">
-              <a:buNone/>
-            </a:pPr>
-            <a:r>
-              <a:rPr lang="en-US" sz="1500" dirty="0">
-                <a:solidFill>
-                  <a:schemeClr val="accent3"/>
-                </a:solidFill>
-                <a:latin typeface="Courier New" panose="02070309020205020404" pitchFamily="49" charset="0"/>
-                <a:cs typeface="Courier New" panose="02070309020205020404" pitchFamily="49" charset="0"/>
-              </a:rPr>
-              <a:t>	height: 200px;</a:t>
-            </a:r>
-          </a:p>
-          <a:p>
-            <a:pPr marL="0" indent="0">
-              <a:buNone/>
-            </a:pPr>
-            <a:r>
-              <a:rPr lang="en-US" sz="1500" dirty="0">
-                <a:solidFill>
-                  <a:schemeClr val="accent3"/>
-                </a:solidFill>
-                <a:latin typeface="Courier New" panose="02070309020205020404" pitchFamily="49" charset="0"/>
-                <a:cs typeface="Courier New" panose="02070309020205020404" pitchFamily="49" charset="0"/>
-              </a:rPr>
-              <a:t>	</a:t>
-            </a:r>
-            <a:r>
-              <a:rPr lang="en-US" sz="1500" u="sng" dirty="0">
-                <a:solidFill>
-                  <a:schemeClr val="accent3"/>
-                </a:solidFill>
-                <a:latin typeface="Courier New" panose="02070309020205020404" pitchFamily="49" charset="0"/>
-                <a:cs typeface="Courier New" panose="02070309020205020404" pitchFamily="49" charset="0"/>
-              </a:rPr>
-              <a:t>background: </a:t>
-            </a:r>
-            <a:r>
-              <a:rPr lang="en-US" sz="1500" u="sng" dirty="0" err="1">
-                <a:solidFill>
-                  <a:schemeClr val="accent3"/>
-                </a:solidFill>
-                <a:latin typeface="Courier New" panose="02070309020205020404" pitchFamily="49" charset="0"/>
-                <a:cs typeface="Courier New" panose="02070309020205020404" pitchFamily="49" charset="0"/>
-              </a:rPr>
-              <a:t>rgba</a:t>
-            </a:r>
-            <a:r>
-              <a:rPr lang="en-US" sz="1500" u="sng" dirty="0">
-                <a:solidFill>
-                  <a:schemeClr val="accent3"/>
-                </a:solidFill>
-                <a:latin typeface="Courier New" panose="02070309020205020404" pitchFamily="49" charset="0"/>
-                <a:cs typeface="Courier New" panose="02070309020205020404" pitchFamily="49" charset="0"/>
-              </a:rPr>
-              <a:t>(255, 0, 0, 0.1);</a:t>
-            </a:r>
-          </a:p>
-          <a:p>
-            <a:pPr marL="0" indent="0">
-              <a:buNone/>
-            </a:pPr>
-            <a:r>
-              <a:rPr lang="en-US" sz="1500" dirty="0">
+              <a:t>);</a:t>
+            </a:r>
+          </a:p>
+          <a:p>
+            <a:pPr marL="0" indent="0">
+              <a:buNone/>
+            </a:pPr>
+            <a:r>
+              <a:rPr lang="en-US" sz="2000" dirty="0" smtClean="0">
+                <a:solidFill>
+                  <a:schemeClr val="bg1"/>
+                </a:solidFill>
+                <a:latin typeface="+mj-lt"/>
+                <a:cs typeface="Courier New" panose="02070309020205020404" pitchFamily="49" charset="0"/>
+              </a:rPr>
+              <a:t>Top to bottom(default):</a:t>
+            </a:r>
+          </a:p>
+          <a:p>
+            <a:pPr marL="0" indent="0">
+              <a:buNone/>
+            </a:pPr>
+            <a:r>
+              <a:rPr lang="en-US" sz="1500" dirty="0" smtClean="0">
+                <a:solidFill>
+                  <a:schemeClr val="accent3"/>
+                </a:solidFill>
+                <a:latin typeface="Courier New" panose="02070309020205020404" pitchFamily="49" charset="0"/>
+                <a:cs typeface="Courier New" panose="02070309020205020404" pitchFamily="49" charset="0"/>
+              </a:rPr>
+              <a:t>.gradient1 {</a:t>
+            </a:r>
+          </a:p>
+          <a:p>
+            <a:pPr marL="0" indent="0">
+              <a:buNone/>
+            </a:pPr>
+            <a:r>
+              <a:rPr lang="en-US" sz="1500" dirty="0" smtClean="0">
+                <a:solidFill>
+                  <a:schemeClr val="accent3"/>
+                </a:solidFill>
+                <a:latin typeface="Courier New" panose="02070309020205020404" pitchFamily="49" charset="0"/>
+                <a:cs typeface="Courier New" panose="02070309020205020404" pitchFamily="49" charset="0"/>
+              </a:rPr>
+              <a:t>	background: -</a:t>
+            </a:r>
+            <a:r>
+              <a:rPr lang="en-US" sz="1500" dirty="0" err="1" smtClean="0">
+                <a:solidFill>
+                  <a:schemeClr val="accent3"/>
+                </a:solidFill>
+                <a:latin typeface="Courier New" panose="02070309020205020404" pitchFamily="49" charset="0"/>
+                <a:cs typeface="Courier New" panose="02070309020205020404" pitchFamily="49" charset="0"/>
+              </a:rPr>
+              <a:t>webkit</a:t>
+            </a:r>
+            <a:r>
+              <a:rPr lang="en-US" sz="1500" dirty="0" smtClean="0">
+                <a:solidFill>
+                  <a:schemeClr val="accent3"/>
+                </a:solidFill>
+                <a:latin typeface="Courier New" panose="02070309020205020404" pitchFamily="49" charset="0"/>
+                <a:cs typeface="Courier New" panose="02070309020205020404" pitchFamily="49" charset="0"/>
+              </a:rPr>
+              <a:t>-linear-gradient(yellow, green);</a:t>
+            </a:r>
+          </a:p>
+          <a:p>
+            <a:pPr marL="0" indent="0">
+              <a:buNone/>
+            </a:pPr>
+            <a:r>
+              <a:rPr lang="en-US" sz="1500" dirty="0" smtClean="0">
+                <a:solidFill>
+                  <a:schemeClr val="accent3"/>
+                </a:solidFill>
+                <a:latin typeface="Courier New" panose="02070309020205020404" pitchFamily="49" charset="0"/>
+                <a:cs typeface="Courier New" panose="02070309020205020404" pitchFamily="49" charset="0"/>
+              </a:rPr>
+              <a:t>	background: -o-linear-gradient(yellow, green);</a:t>
+            </a:r>
+          </a:p>
+          <a:p>
+            <a:pPr marL="0" indent="0">
+              <a:buNone/>
+            </a:pPr>
+            <a:r>
+              <a:rPr lang="en-US" sz="1500" dirty="0" smtClean="0">
+                <a:solidFill>
+                  <a:schemeClr val="accent3"/>
+                </a:solidFill>
+                <a:latin typeface="Courier New" panose="02070309020205020404" pitchFamily="49" charset="0"/>
+                <a:cs typeface="Courier New" panose="02070309020205020404" pitchFamily="49" charset="0"/>
+              </a:rPr>
+              <a:t>	background: -</a:t>
+            </a:r>
+            <a:r>
+              <a:rPr lang="en-US" sz="1500" dirty="0" err="1" smtClean="0">
+                <a:solidFill>
+                  <a:schemeClr val="accent3"/>
+                </a:solidFill>
+                <a:latin typeface="Courier New" panose="02070309020205020404" pitchFamily="49" charset="0"/>
+                <a:cs typeface="Courier New" panose="02070309020205020404" pitchFamily="49" charset="0"/>
+              </a:rPr>
+              <a:t>moz</a:t>
+            </a:r>
+            <a:r>
+              <a:rPr lang="en-US" sz="1500" dirty="0" smtClean="0">
+                <a:solidFill>
+                  <a:schemeClr val="accent3"/>
+                </a:solidFill>
+                <a:latin typeface="Courier New" panose="02070309020205020404" pitchFamily="49" charset="0"/>
+                <a:cs typeface="Courier New" panose="02070309020205020404" pitchFamily="49" charset="0"/>
+              </a:rPr>
+              <a:t>-linear-gradient(yellow, green);</a:t>
+            </a:r>
+          </a:p>
+          <a:p>
+            <a:pPr marL="0" indent="0">
+              <a:buNone/>
+            </a:pPr>
+            <a:r>
+              <a:rPr lang="en-US" sz="1500" dirty="0" smtClean="0">
+                <a:solidFill>
+                  <a:schemeClr val="accent3"/>
+                </a:solidFill>
+                <a:latin typeface="Courier New" panose="02070309020205020404" pitchFamily="49" charset="0"/>
+                <a:cs typeface="Courier New" panose="02070309020205020404" pitchFamily="49" charset="0"/>
+              </a:rPr>
+              <a:t>	background: linear-gradient(yellow, green);</a:t>
+            </a:r>
+          </a:p>
+          <a:p>
+            <a:pPr marL="0" indent="0">
+              <a:buNone/>
+            </a:pPr>
+            <a:r>
+              <a:rPr lang="en-US" sz="1500" dirty="0" smtClean="0">
                 <a:solidFill>
                   <a:schemeClr val="accent3"/>
                 </a:solidFill>
@@ -10389,11 +10256,33 @@
               </a:rPr>
               <a:t>}</a:t>
             </a:r>
-            <a:endParaRPr lang="en-US" sz="1500" dirty="0" smtClean="0">
+          </a:p>
+          <a:p>
+            <a:pPr marL="0" indent="0">
+              <a:buNone/>
+            </a:pPr>
+            <a:r>
+              <a:rPr lang="en-US" sz="2000" dirty="0">
+                <a:solidFill>
+                  <a:schemeClr val="bg1"/>
+                </a:solidFill>
+                <a:cs typeface="Courier New" panose="02070309020205020404" pitchFamily="49" charset="0"/>
+              </a:rPr>
+              <a:t>L</a:t>
+            </a:r>
+            <a:r>
+              <a:rPr lang="en-US" sz="2000" dirty="0" smtClean="0">
+                <a:solidFill>
+                  <a:schemeClr val="bg1"/>
+                </a:solidFill>
+                <a:cs typeface="Courier New" panose="02070309020205020404" pitchFamily="49" charset="0"/>
+              </a:rPr>
+              <a:t>eft to right:</a:t>
+            </a:r>
+            <a:endParaRPr lang="en-US" sz="2000" dirty="0">
               <a:solidFill>
-                <a:schemeClr val="accent3"/>
+                <a:schemeClr val="bg1"/>
               </a:solidFill>
-              <a:latin typeface="Courier New" panose="02070309020205020404" pitchFamily="49" charset="0"/>
               <a:cs typeface="Courier New" panose="02070309020205020404" pitchFamily="49" charset="0"/>
             </a:endParaRPr>
           </a:p>
@@ -10402,21 +10291,6 @@
               <a:buNone/>
             </a:pPr>
             <a:r>
-              <a:rPr lang="en-US" sz="3000" dirty="0" smtClean="0">
-                <a:solidFill>
-                  <a:schemeClr val="bg1"/>
-                </a:solidFill>
-                <a:latin typeface="+mj-lt"/>
-                <a:cs typeface="Courier New" panose="02070309020205020404" pitchFamily="49" charset="0"/>
-              </a:rPr>
-              <a:t>Opacity</a:t>
-            </a:r>
-          </a:p>
-          <a:p>
-            <a:pPr marL="0" indent="0">
-              <a:buNone/>
-            </a:pPr>
-            <a:r>
               <a:rPr lang="en-US" sz="1500" dirty="0">
                 <a:solidFill>
                   <a:schemeClr val="accent3"/>
@@ -10424,52 +10298,7 @@
                 <a:latin typeface="Courier New" panose="02070309020205020404" pitchFamily="49" charset="0"/>
                 <a:cs typeface="Courier New" panose="02070309020205020404" pitchFamily="49" charset="0"/>
               </a:rPr>
-              <a:t>.opacity {</a:t>
-            </a:r>
-          </a:p>
-          <a:p>
-            <a:pPr marL="0" indent="0">
-              <a:buNone/>
-            </a:pPr>
-            <a:r>
-              <a:rPr lang="en-US" sz="1500" dirty="0">
-                <a:solidFill>
-                  <a:schemeClr val="accent3"/>
-                </a:solidFill>
-                <a:latin typeface="Courier New" panose="02070309020205020404" pitchFamily="49" charset="0"/>
-                <a:cs typeface="Courier New" panose="02070309020205020404" pitchFamily="49" charset="0"/>
-              </a:rPr>
-              <a:t>	width: 200px;</a:t>
-            </a:r>
-          </a:p>
-          <a:p>
-            <a:pPr marL="0" indent="0">
-              <a:buNone/>
-            </a:pPr>
-            <a:r>
-              <a:rPr lang="en-US" sz="1500" dirty="0">
-                <a:solidFill>
-                  <a:schemeClr val="accent3"/>
-                </a:solidFill>
-                <a:latin typeface="Courier New" panose="02070309020205020404" pitchFamily="49" charset="0"/>
-                <a:cs typeface="Courier New" panose="02070309020205020404" pitchFamily="49" charset="0"/>
-              </a:rPr>
-              <a:t>	height: 200px;</a:t>
-            </a:r>
-          </a:p>
-          <a:p>
-            <a:pPr marL="0" indent="0">
-              <a:buNone/>
-            </a:pPr>
-            <a:r>
-              <a:rPr lang="en-US" sz="1500" dirty="0">
-                <a:solidFill>
-                  <a:schemeClr val="accent3"/>
-                </a:solidFill>
-                <a:latin typeface="Courier New" panose="02070309020205020404" pitchFamily="49" charset="0"/>
-                <a:cs typeface="Courier New" panose="02070309020205020404" pitchFamily="49" charset="0"/>
-              </a:rPr>
-              <a:t>	background: </a:t>
+              <a:t>.gradient2 </a:t>
             </a:r>
             <a:r>
               <a:rPr lang="en-US" sz="1500" dirty="0" smtClean="0">
@@ -10479,7 +10308,7 @@
                 <a:latin typeface="Courier New" panose="02070309020205020404" pitchFamily="49" charset="0"/>
                 <a:cs typeface="Courier New" panose="02070309020205020404" pitchFamily="49" charset="0"/>
               </a:rPr>
-              <a:t>#0f0;</a:t>
+              <a:t>{</a:t>
             </a:r>
             <a:endParaRPr lang="en-US" sz="1500" dirty="0">
               <a:solidFill>
@@ -10501,29 +10330,39 @@
                 <a:latin typeface="Courier New" panose="02070309020205020404" pitchFamily="49" charset="0"/>
                 <a:cs typeface="Courier New" panose="02070309020205020404" pitchFamily="49" charset="0"/>
               </a:rPr>
-              <a:t>	</a:t>
-            </a:r>
-            <a:r>
-              <a:rPr lang="en-US" sz="1500" u="sng" dirty="0">
-                <a:solidFill>
-                  <a:schemeClr val="accent3"/>
-                </a:solidFill>
-                <a:latin typeface="Courier New" panose="02070309020205020404" pitchFamily="49" charset="0"/>
-                <a:cs typeface="Courier New" panose="02070309020205020404" pitchFamily="49" charset="0"/>
-              </a:rPr>
-              <a:t>opacity: </a:t>
-            </a:r>
-            <a:r>
-              <a:rPr lang="en-US" sz="1500" u="sng" dirty="0" smtClean="0">
-                <a:solidFill>
-                  <a:schemeClr val="accent3"/>
-                </a:solidFill>
-                <a:latin typeface="Courier New" panose="02070309020205020404" pitchFamily="49" charset="0"/>
-                <a:cs typeface="Courier New" panose="02070309020205020404" pitchFamily="49" charset="0"/>
-              </a:rPr>
-              <a:t>0.5;</a:t>
-            </a:r>
-            <a:endParaRPr lang="en-US" sz="1500" u="sng" dirty="0">
+              <a:t>	background: -</a:t>
+            </a:r>
+            <a:r>
+              <a:rPr lang="en-US" sz="1500" dirty="0" err="1">
+                <a:solidFill>
+                  <a:schemeClr val="accent3"/>
+                </a:solidFill>
+                <a:latin typeface="Courier New" panose="02070309020205020404" pitchFamily="49" charset="0"/>
+                <a:cs typeface="Courier New" panose="02070309020205020404" pitchFamily="49" charset="0"/>
+              </a:rPr>
+              <a:t>webkit</a:t>
+            </a:r>
+            <a:r>
+              <a:rPr lang="en-US" sz="1500" dirty="0">
+                <a:solidFill>
+                  <a:schemeClr val="accent3"/>
+                </a:solidFill>
+                <a:latin typeface="Courier New" panose="02070309020205020404" pitchFamily="49" charset="0"/>
+                <a:cs typeface="Courier New" panose="02070309020205020404" pitchFamily="49" charset="0"/>
+              </a:rPr>
+              <a:t>-linear-gradient(left, yellow ,green</a:t>
+            </a:r>
+            <a:r>
+              <a:rPr lang="en-US" sz="1500" dirty="0" smtClean="0">
+                <a:solidFill>
+                  <a:schemeClr val="accent3"/>
+                </a:solidFill>
+                <a:latin typeface="Courier New" panose="02070309020205020404" pitchFamily="49" charset="0"/>
+                <a:cs typeface="Courier New" panose="02070309020205020404" pitchFamily="49" charset="0"/>
+              </a:rPr>
+              <a:t>);</a:t>
+            </a:r>
+            <a:endParaRPr lang="en-US" sz="1500" dirty="0">
               <a:solidFill>
                 <a:schemeClr val="accent3"/>
               </a:solidFill>
@@ -10543,6 +10382,122 @@
                 <a:latin typeface="Courier New" panose="02070309020205020404" pitchFamily="49" charset="0"/>
                 <a:cs typeface="Courier New" panose="02070309020205020404" pitchFamily="49" charset="0"/>
               </a:rPr>
+              <a:t>	background: -o-linear-gradient(right, yellow, green</a:t>
+            </a:r>
+            <a:r>
+              <a:rPr lang="en-US" sz="1500" dirty="0" smtClean="0">
+                <a:solidFill>
+                  <a:schemeClr val="accent3"/>
+                </a:solidFill>
+                <a:latin typeface="Courier New" panose="02070309020205020404" pitchFamily="49" charset="0"/>
+                <a:cs typeface="Courier New" panose="02070309020205020404" pitchFamily="49" charset="0"/>
+              </a:rPr>
+              <a:t>);</a:t>
+            </a:r>
+            <a:endParaRPr lang="en-US" sz="1500" dirty="0">
+              <a:solidFill>
+                <a:schemeClr val="accent3"/>
+              </a:solidFill>
+              <a:latin typeface="Courier New" panose="02070309020205020404" pitchFamily="49" charset="0"/>
+              <a:cs typeface="Courier New" panose="02070309020205020404" pitchFamily="49" charset="0"/>
+            </a:endParaRPr>
+          </a:p>
+          <a:p>
+            <a:pPr marL="0" indent="0">
+              <a:buNone/>
+            </a:pPr>
+            <a:r>
+              <a:rPr lang="en-US" sz="1500" dirty="0">
+                <a:solidFill>
+                  <a:schemeClr val="accent3"/>
+                </a:solidFill>
+                <a:latin typeface="Courier New" panose="02070309020205020404" pitchFamily="49" charset="0"/>
+                <a:cs typeface="Courier New" panose="02070309020205020404" pitchFamily="49" charset="0"/>
+              </a:rPr>
+              <a:t>	background: -</a:t>
+            </a:r>
+            <a:r>
+              <a:rPr lang="en-US" sz="1500" dirty="0" err="1">
+                <a:solidFill>
+                  <a:schemeClr val="accent3"/>
+                </a:solidFill>
+                <a:latin typeface="Courier New" panose="02070309020205020404" pitchFamily="49" charset="0"/>
+                <a:cs typeface="Courier New" panose="02070309020205020404" pitchFamily="49" charset="0"/>
+              </a:rPr>
+              <a:t>moz</a:t>
+            </a:r>
+            <a:r>
+              <a:rPr lang="en-US" sz="1500" dirty="0">
+                <a:solidFill>
+                  <a:schemeClr val="accent3"/>
+                </a:solidFill>
+                <a:latin typeface="Courier New" panose="02070309020205020404" pitchFamily="49" charset="0"/>
+                <a:cs typeface="Courier New" panose="02070309020205020404" pitchFamily="49" charset="0"/>
+              </a:rPr>
+              <a:t>-linear-gradient(right, yellow, green</a:t>
+            </a:r>
+            <a:r>
+              <a:rPr lang="en-US" sz="1500" dirty="0" smtClean="0">
+                <a:solidFill>
+                  <a:schemeClr val="accent3"/>
+                </a:solidFill>
+                <a:latin typeface="Courier New" panose="02070309020205020404" pitchFamily="49" charset="0"/>
+                <a:cs typeface="Courier New" panose="02070309020205020404" pitchFamily="49" charset="0"/>
+              </a:rPr>
+              <a:t>);</a:t>
+            </a:r>
+            <a:endParaRPr lang="en-US" sz="1500" dirty="0">
+              <a:solidFill>
+                <a:schemeClr val="accent3"/>
+              </a:solidFill>
+              <a:latin typeface="Courier New" panose="02070309020205020404" pitchFamily="49" charset="0"/>
+              <a:cs typeface="Courier New" panose="02070309020205020404" pitchFamily="49" charset="0"/>
+            </a:endParaRPr>
+          </a:p>
+          <a:p>
+            <a:pPr marL="0" indent="0">
+              <a:buNone/>
+            </a:pPr>
+            <a:r>
+              <a:rPr lang="en-US" sz="1500" dirty="0">
+                <a:solidFill>
+                  <a:schemeClr val="accent3"/>
+                </a:solidFill>
+                <a:latin typeface="Courier New" panose="02070309020205020404" pitchFamily="49" charset="0"/>
+                <a:cs typeface="Courier New" panose="02070309020205020404" pitchFamily="49" charset="0"/>
+              </a:rPr>
+              <a:t>	background: linear-gradient(to right, yellow ,green</a:t>
+            </a:r>
+            <a:r>
+              <a:rPr lang="en-US" sz="1500" dirty="0" smtClean="0">
+                <a:solidFill>
+                  <a:schemeClr val="accent3"/>
+                </a:solidFill>
+                <a:latin typeface="Courier New" panose="02070309020205020404" pitchFamily="49" charset="0"/>
+                <a:cs typeface="Courier New" panose="02070309020205020404" pitchFamily="49" charset="0"/>
+              </a:rPr>
+              <a:t>);</a:t>
+            </a:r>
+            <a:endParaRPr lang="en-US" sz="1500" dirty="0">
+              <a:solidFill>
+                <a:schemeClr val="accent3"/>
+              </a:solidFill>
+              <a:latin typeface="Courier New" panose="02070309020205020404" pitchFamily="49" charset="0"/>
+              <a:cs typeface="Courier New" panose="02070309020205020404" pitchFamily="49" charset="0"/>
+            </a:endParaRPr>
+          </a:p>
+          <a:p>
+            <a:pPr marL="0" indent="0">
+              <a:buNone/>
+            </a:pPr>
+            <a:r>
+              <a:rPr lang="en-US" sz="1500" dirty="0">
+                <a:solidFill>
+                  <a:schemeClr val="accent3"/>
+                </a:solidFill>
+                <a:latin typeface="Courier New" panose="02070309020205020404" pitchFamily="49" charset="0"/>
+                <a:cs typeface="Courier New" panose="02070309020205020404" pitchFamily="49" charset="0"/>
+              </a:rPr>
               <a:t>}</a:t>
             </a:r>
           </a:p>
@@ -10551,7 +10506,7 @@
     </p:spTree>
     <p:extLst>
       <p:ext uri="{BB962C8B-B14F-4D97-AF65-F5344CB8AC3E}">
-        <p14:creationId xmlns:p14="http://schemas.microsoft.com/office/powerpoint/2010/main" val="724440330"/>
+        <p14:creationId xmlns:p14="http://schemas.microsoft.com/office/powerpoint/2010/main" val="365007872"/>
       </p:ext>
     </p:extLst>
   </p:cSld>

--- a/05-CSS3/05-CSS3.pptx
+++ b/05-CSS3/05-CSS3.pptx
@@ -5,7 +5,7 @@
     <p:sldMasterId id="2147483648" r:id="rId1"/>
   </p:sldMasterIdLst>
   <p:notesMasterIdLst>
-    <p:notesMasterId r:id="rId22"/>
+    <p:notesMasterId r:id="rId24"/>
   </p:notesMasterIdLst>
   <p:sldIdLst>
     <p:sldId id="256" r:id="rId2"/>
@@ -21,13 +21,15 @@
     <p:sldId id="281" r:id="rId12"/>
     <p:sldId id="280" r:id="rId13"/>
     <p:sldId id="282" r:id="rId14"/>
-    <p:sldId id="283" r:id="rId15"/>
-    <p:sldId id="284" r:id="rId16"/>
-    <p:sldId id="285" r:id="rId17"/>
-    <p:sldId id="286" r:id="rId18"/>
-    <p:sldId id="287" r:id="rId19"/>
-    <p:sldId id="265" r:id="rId20"/>
-    <p:sldId id="269" r:id="rId21"/>
+    <p:sldId id="288" r:id="rId15"/>
+    <p:sldId id="283" r:id="rId16"/>
+    <p:sldId id="284" r:id="rId17"/>
+    <p:sldId id="285" r:id="rId18"/>
+    <p:sldId id="286" r:id="rId19"/>
+    <p:sldId id="287" r:id="rId20"/>
+    <p:sldId id="289" r:id="rId21"/>
+    <p:sldId id="265" r:id="rId22"/>
+    <p:sldId id="269" r:id="rId23"/>
   </p:sldIdLst>
   <p:sldSz cx="9144000" cy="6858000" type="screen4x3"/>
   <p:notesSz cx="6858000" cy="9144000"/>
@@ -239,7 +241,7 @@
           <a:p>
             <a:fld id="{2E054F57-E93D-4CC3-8A27-2F256E70BB98}" type="datetimeFigureOut">
               <a:rPr lang="en-US" smtClean="0"/>
-              <a:t>5/22/2016</a:t>
+              <a:t>6/13/2016</a:t>
             </a:fld>
             <a:endParaRPr lang="en-US"/>
           </a:p>
@@ -688,7 +690,7 @@
           <a:p>
             <a:fld id="{3EA744D9-3FBE-48D8-BF2A-85DF203E4D20}" type="datetimeFigureOut">
               <a:rPr lang="bg-BG" smtClean="0"/>
-              <a:t>22.5.2016 г.</a:t>
+              <a:t>13.6.2016 г.</a:t>
             </a:fld>
             <a:endParaRPr lang="bg-BG"/>
           </a:p>
@@ -858,7 +860,7 @@
           <a:p>
             <a:fld id="{3EA744D9-3FBE-48D8-BF2A-85DF203E4D20}" type="datetimeFigureOut">
               <a:rPr lang="bg-BG" smtClean="0"/>
-              <a:t>22.5.2016 г.</a:t>
+              <a:t>13.6.2016 г.</a:t>
             </a:fld>
             <a:endParaRPr lang="bg-BG"/>
           </a:p>
@@ -1038,7 +1040,7 @@
           <a:p>
             <a:fld id="{3EA744D9-3FBE-48D8-BF2A-85DF203E4D20}" type="datetimeFigureOut">
               <a:rPr lang="bg-BG" smtClean="0"/>
-              <a:t>22.5.2016 г.</a:t>
+              <a:t>13.6.2016 г.</a:t>
             </a:fld>
             <a:endParaRPr lang="bg-BG"/>
           </a:p>
@@ -1208,7 +1210,7 @@
           <a:p>
             <a:fld id="{3EA744D9-3FBE-48D8-BF2A-85DF203E4D20}" type="datetimeFigureOut">
               <a:rPr lang="bg-BG" smtClean="0"/>
-              <a:t>22.5.2016 г.</a:t>
+              <a:t>13.6.2016 г.</a:t>
             </a:fld>
             <a:endParaRPr lang="bg-BG"/>
           </a:p>
@@ -1454,7 +1456,7 @@
           <a:p>
             <a:fld id="{3EA744D9-3FBE-48D8-BF2A-85DF203E4D20}" type="datetimeFigureOut">
               <a:rPr lang="bg-BG" smtClean="0"/>
-              <a:t>22.5.2016 г.</a:t>
+              <a:t>13.6.2016 г.</a:t>
             </a:fld>
             <a:endParaRPr lang="bg-BG"/>
           </a:p>
@@ -1742,7 +1744,7 @@
           <a:p>
             <a:fld id="{3EA744D9-3FBE-48D8-BF2A-85DF203E4D20}" type="datetimeFigureOut">
               <a:rPr lang="bg-BG" smtClean="0"/>
-              <a:t>22.5.2016 г.</a:t>
+              <a:t>13.6.2016 г.</a:t>
             </a:fld>
             <a:endParaRPr lang="bg-BG"/>
           </a:p>
@@ -2164,7 +2166,7 @@
           <a:p>
             <a:fld id="{3EA744D9-3FBE-48D8-BF2A-85DF203E4D20}" type="datetimeFigureOut">
               <a:rPr lang="bg-BG" smtClean="0"/>
-              <a:t>22.5.2016 г.</a:t>
+              <a:t>13.6.2016 г.</a:t>
             </a:fld>
             <a:endParaRPr lang="bg-BG"/>
           </a:p>
@@ -2282,7 +2284,7 @@
           <a:p>
             <a:fld id="{3EA744D9-3FBE-48D8-BF2A-85DF203E4D20}" type="datetimeFigureOut">
               <a:rPr lang="bg-BG" smtClean="0"/>
-              <a:t>22.5.2016 г.</a:t>
+              <a:t>13.6.2016 г.</a:t>
             </a:fld>
             <a:endParaRPr lang="bg-BG"/>
           </a:p>
@@ -2377,7 +2379,7 @@
           <a:p>
             <a:fld id="{3EA744D9-3FBE-48D8-BF2A-85DF203E4D20}" type="datetimeFigureOut">
               <a:rPr lang="bg-BG" smtClean="0"/>
-              <a:t>22.5.2016 г.</a:t>
+              <a:t>13.6.2016 г.</a:t>
             </a:fld>
             <a:endParaRPr lang="bg-BG"/>
           </a:p>
@@ -2654,7 +2656,7 @@
           <a:p>
             <a:fld id="{3EA744D9-3FBE-48D8-BF2A-85DF203E4D20}" type="datetimeFigureOut">
               <a:rPr lang="bg-BG" smtClean="0"/>
-              <a:t>22.5.2016 г.</a:t>
+              <a:t>13.6.2016 г.</a:t>
             </a:fld>
             <a:endParaRPr lang="bg-BG"/>
           </a:p>
@@ -2907,7 +2909,7 @@
           <a:p>
             <a:fld id="{3EA744D9-3FBE-48D8-BF2A-85DF203E4D20}" type="datetimeFigureOut">
               <a:rPr lang="bg-BG" smtClean="0"/>
-              <a:t>22.5.2016 г.</a:t>
+              <a:t>13.6.2016 г.</a:t>
             </a:fld>
             <a:endParaRPr lang="bg-BG"/>
           </a:p>
@@ -3129,7 +3131,7 @@
           <a:p>
             <a:fld id="{3EA744D9-3FBE-48D8-BF2A-85DF203E4D20}" type="datetimeFigureOut">
               <a:rPr lang="bg-BG" smtClean="0"/>
-              <a:t>22.5.2016 г.</a:t>
+              <a:t>13.6.2016 г.</a:t>
             </a:fld>
             <a:endParaRPr lang="bg-BG"/>
           </a:p>
@@ -4867,7 +4869,7 @@
         <p:spPr/>
         <p:txBody>
           <a:bodyPr>
-            <a:normAutofit/>
+            <a:normAutofit lnSpcReduction="10000"/>
           </a:bodyPr>
           <a:lstStyle/>
           <a:p>
@@ -4897,7 +4899,7 @@
                 <a:latin typeface="Courier New" panose="02070309020205020404" pitchFamily="49" charset="0"/>
                 <a:cs typeface="Courier New" panose="02070309020205020404" pitchFamily="49" charset="0"/>
               </a:rPr>
-              <a:t>.text1 {</a:t>
+              <a:t>p.test1 {</a:t>
             </a:r>
           </a:p>
           <a:p>
@@ -4912,13 +4914,18 @@
                 <a:latin typeface="Courier New" panose="02070309020205020404" pitchFamily="49" charset="0"/>
                 <a:cs typeface="Courier New" panose="02070309020205020404" pitchFamily="49" charset="0"/>
               </a:rPr>
-              <a:t>	width: 100px;</a:t>
-            </a:r>
-          </a:p>
-          <a:p>
-            <a:pPr marL="0" indent="0">
-              <a:buNone/>
-            </a:pPr>
+              <a:t>    white-space: </a:t>
+            </a:r>
+            <a:r>
+              <a:rPr lang="en-US" sz="1500" dirty="0" err="1">
+                <a:solidFill>
+                  <a:schemeClr val="accent3"/>
+                </a:solidFill>
+                <a:latin typeface="Courier New" panose="02070309020205020404" pitchFamily="49" charset="0"/>
+                <a:cs typeface="Courier New" panose="02070309020205020404" pitchFamily="49" charset="0"/>
+              </a:rPr>
+              <a:t>nowrap</a:t>
+            </a:r>
             <a:r>
               <a:rPr lang="en-US" sz="1500" dirty="0">
                 <a:solidFill>
@@ -4927,7 +4934,7 @@
                 <a:latin typeface="Courier New" panose="02070309020205020404" pitchFamily="49" charset="0"/>
                 <a:cs typeface="Courier New" panose="02070309020205020404" pitchFamily="49" charset="0"/>
               </a:rPr>
-              <a:t>	border: 1px solid #ccc;</a:t>
+              <a:t>; </a:t>
             </a:r>
           </a:p>
           <a:p>
@@ -4942,18 +4949,13 @@
                 <a:latin typeface="Courier New" panose="02070309020205020404" pitchFamily="49" charset="0"/>
                 <a:cs typeface="Courier New" panose="02070309020205020404" pitchFamily="49" charset="0"/>
               </a:rPr>
-              <a:t>	white-space: </a:t>
-            </a:r>
-            <a:r>
-              <a:rPr lang="en-US" sz="1500" dirty="0" err="1">
-                <a:solidFill>
-                  <a:schemeClr val="accent3"/>
-                </a:solidFill>
-                <a:latin typeface="Courier New" panose="02070309020205020404" pitchFamily="49" charset="0"/>
-                <a:cs typeface="Courier New" panose="02070309020205020404" pitchFamily="49" charset="0"/>
-              </a:rPr>
-              <a:t>nowrap</a:t>
-            </a:r>
+              <a:t>    width: 200px; </a:t>
+            </a:r>
+          </a:p>
+          <a:p>
+            <a:pPr marL="0" indent="0">
+              <a:buNone/>
+            </a:pPr>
             <a:r>
               <a:rPr lang="en-US" sz="1500" dirty="0">
                 <a:solidFill>
@@ -4962,7 +4964,7 @@
                 <a:latin typeface="Courier New" panose="02070309020205020404" pitchFamily="49" charset="0"/>
                 <a:cs typeface="Courier New" panose="02070309020205020404" pitchFamily="49" charset="0"/>
               </a:rPr>
-              <a:t>;</a:t>
+              <a:t>    border: 1px solid #000000;</a:t>
             </a:r>
           </a:p>
           <a:p>
@@ -4977,7 +4979,7 @@
                 <a:latin typeface="Courier New" panose="02070309020205020404" pitchFamily="49" charset="0"/>
                 <a:cs typeface="Courier New" panose="02070309020205020404" pitchFamily="49" charset="0"/>
               </a:rPr>
-              <a:t>	text-overflow: ellipsis;</a:t>
+              <a:t>    overflow: hidden;</a:t>
             </a:r>
           </a:p>
           <a:p>
@@ -4992,15 +4994,15 @@
                 <a:latin typeface="Courier New" panose="02070309020205020404" pitchFamily="49" charset="0"/>
                 <a:cs typeface="Courier New" panose="02070309020205020404" pitchFamily="49" charset="0"/>
               </a:rPr>
-              <a:t>	overflow: hidden;</a:t>
-            </a:r>
-          </a:p>
-          <a:p>
-            <a:pPr marL="0" indent="0">
-              <a:buNone/>
-            </a:pPr>
-            <a:r>
-              <a:rPr lang="en-US" sz="1500" dirty="0" smtClean="0">
+              <a:t>    text-overflow: clip; </a:t>
+            </a:r>
+          </a:p>
+          <a:p>
+            <a:pPr marL="0" indent="0">
+              <a:buNone/>
+            </a:pPr>
+            <a:r>
+              <a:rPr lang="en-US" sz="1500" dirty="0">
                 <a:solidFill>
                   <a:schemeClr val="accent3"/>
                 </a:solidFill>
@@ -5011,23 +5013,14 @@
             </a:r>
           </a:p>
           <a:p>
-            <a:pPr>
-              <a:buFont typeface="Wingdings" panose="05000000000000000000" pitchFamily="2" charset="2"/>
-              <a:buChar char="§"/>
-            </a:pPr>
-            <a:r>
-              <a:rPr lang="en-US" sz="2600" dirty="0" smtClean="0">
-                <a:solidFill>
-                  <a:schemeClr val="bg1"/>
-                </a:solidFill>
-                <a:cs typeface="Courier New" panose="02070309020205020404" pitchFamily="49" charset="0"/>
-              </a:rPr>
-              <a:t>Word-break</a:t>
-            </a:r>
-            <a:endParaRPr lang="en-US" sz="2600" dirty="0">
+            <a:pPr marL="0" indent="0">
+              <a:buNone/>
+            </a:pPr>
+            <a:endParaRPr lang="en-US" sz="1500" dirty="0">
               <a:solidFill>
-                <a:schemeClr val="bg1"/>
+                <a:schemeClr val="accent3"/>
               </a:solidFill>
+              <a:latin typeface="Courier New" panose="02070309020205020404" pitchFamily="49" charset="0"/>
               <a:cs typeface="Courier New" panose="02070309020205020404" pitchFamily="49" charset="0"/>
             </a:endParaRPr>
           </a:p>
@@ -5043,7 +5036,7 @@
                 <a:latin typeface="Courier New" panose="02070309020205020404" pitchFamily="49" charset="0"/>
                 <a:cs typeface="Courier New" panose="02070309020205020404" pitchFamily="49" charset="0"/>
               </a:rPr>
-              <a:t>.text2 {</a:t>
+              <a:t>p.test2 {</a:t>
             </a:r>
           </a:p>
           <a:p>
@@ -5058,13 +5051,18 @@
                 <a:latin typeface="Courier New" panose="02070309020205020404" pitchFamily="49" charset="0"/>
                 <a:cs typeface="Courier New" panose="02070309020205020404" pitchFamily="49" charset="0"/>
               </a:rPr>
-              <a:t>	width: 100px;</a:t>
-            </a:r>
-          </a:p>
-          <a:p>
-            <a:pPr marL="0" indent="0">
-              <a:buNone/>
-            </a:pPr>
+              <a:t>    white-space: </a:t>
+            </a:r>
+            <a:r>
+              <a:rPr lang="en-US" sz="1500" dirty="0" err="1">
+                <a:solidFill>
+                  <a:schemeClr val="accent3"/>
+                </a:solidFill>
+                <a:latin typeface="Courier New" panose="02070309020205020404" pitchFamily="49" charset="0"/>
+                <a:cs typeface="Courier New" panose="02070309020205020404" pitchFamily="49" charset="0"/>
+              </a:rPr>
+              <a:t>nowrap</a:t>
+            </a:r>
             <a:r>
               <a:rPr lang="en-US" sz="1500" dirty="0">
                 <a:solidFill>
@@ -5073,7 +5071,7 @@
                 <a:latin typeface="Courier New" panose="02070309020205020404" pitchFamily="49" charset="0"/>
                 <a:cs typeface="Courier New" panose="02070309020205020404" pitchFamily="49" charset="0"/>
               </a:rPr>
-              <a:t>	border: 1px solid #ccc;</a:t>
+              <a:t>; </a:t>
             </a:r>
           </a:p>
           <a:p>
@@ -5088,7 +5086,7 @@
                 <a:latin typeface="Courier New" panose="02070309020205020404" pitchFamily="49" charset="0"/>
                 <a:cs typeface="Courier New" panose="02070309020205020404" pitchFamily="49" charset="0"/>
               </a:rPr>
-              <a:t>	word-break: break-all;</a:t>
+              <a:t>    width: 200px; </a:t>
             </a:r>
           </a:p>
           <a:p>
@@ -5097,6 +5095,51 @@
             </a:pPr>
             <a:r>
               <a:rPr lang="en-US" sz="1500" dirty="0">
+                <a:solidFill>
+                  <a:schemeClr val="accent3"/>
+                </a:solidFill>
+                <a:latin typeface="Courier New" panose="02070309020205020404" pitchFamily="49" charset="0"/>
+                <a:cs typeface="Courier New" panose="02070309020205020404" pitchFamily="49" charset="0"/>
+              </a:rPr>
+              <a:t>    border: 1px solid #000000;</a:t>
+            </a:r>
+          </a:p>
+          <a:p>
+            <a:pPr marL="0" indent="0">
+              <a:buNone/>
+            </a:pPr>
+            <a:r>
+              <a:rPr lang="en-US" sz="1500" dirty="0">
+                <a:solidFill>
+                  <a:schemeClr val="accent3"/>
+                </a:solidFill>
+                <a:latin typeface="Courier New" panose="02070309020205020404" pitchFamily="49" charset="0"/>
+                <a:cs typeface="Courier New" panose="02070309020205020404" pitchFamily="49" charset="0"/>
+              </a:rPr>
+              <a:t>    overflow: hidden;</a:t>
+            </a:r>
+          </a:p>
+          <a:p>
+            <a:pPr marL="0" indent="0">
+              <a:buNone/>
+            </a:pPr>
+            <a:r>
+              <a:rPr lang="en-US" sz="1500" dirty="0">
+                <a:solidFill>
+                  <a:schemeClr val="accent3"/>
+                </a:solidFill>
+                <a:latin typeface="Courier New" panose="02070309020205020404" pitchFamily="49" charset="0"/>
+                <a:cs typeface="Courier New" panose="02070309020205020404" pitchFamily="49" charset="0"/>
+              </a:rPr>
+              <a:t>    text-overflow: ellipsis; </a:t>
+            </a:r>
+          </a:p>
+          <a:p>
+            <a:pPr marL="0" indent="0">
+              <a:buNone/>
+            </a:pPr>
+            <a:r>
+              <a:rPr lang="en-US" sz="1500" dirty="0" smtClean="0">
                 <a:solidFill>
                   <a:schemeClr val="accent3"/>
                 </a:solidFill>
@@ -5190,7 +5233,7 @@
                   <a:schemeClr val="accent6"/>
                 </a:solidFill>
               </a:rPr>
-              <a:t>2D Transforms</a:t>
+              <a:t>text properties</a:t>
             </a:r>
             <a:endParaRPr lang="bg-BG" dirty="0">
               <a:solidFill>
@@ -5217,149 +5260,168 @@
           </a:bodyPr>
           <a:lstStyle/>
           <a:p>
-            <a:pPr>
-              <a:buFont typeface="Wingdings" panose="05000000000000000000" pitchFamily="2" charset="2"/>
-              <a:buChar char="§"/>
-            </a:pPr>
-            <a:r>
-              <a:rPr lang="en-US" sz="3000" dirty="0">
+            <a:pPr marL="0" indent="0">
+              <a:buNone/>
+            </a:pPr>
+            <a:r>
+              <a:rPr lang="en-US" sz="2600" dirty="0" smtClean="0">
                 <a:solidFill>
                   <a:schemeClr val="bg1"/>
                 </a:solidFill>
-                <a:latin typeface="+mj-lt"/>
-                <a:cs typeface="Courier New" panose="02070309020205020404" pitchFamily="49" charset="0"/>
-              </a:rPr>
-              <a:t>t</a:t>
-            </a:r>
-            <a:r>
-              <a:rPr lang="en-US" sz="3000" dirty="0" smtClean="0">
-                <a:solidFill>
-                  <a:schemeClr val="bg1"/>
-                </a:solidFill>
-                <a:latin typeface="+mj-lt"/>
-                <a:cs typeface="Courier New" panose="02070309020205020404" pitchFamily="49" charset="0"/>
-              </a:rPr>
-              <a:t>ranslate</a:t>
-            </a:r>
-            <a:endParaRPr lang="en-US" sz="3000" dirty="0" smtClean="0">
+                <a:cs typeface="Courier New" panose="02070309020205020404" pitchFamily="49" charset="0"/>
+              </a:rPr>
+              <a:t>Word-break</a:t>
+            </a:r>
+          </a:p>
+          <a:p>
+            <a:pPr marL="0" indent="0">
+              <a:buNone/>
+            </a:pPr>
+            <a:endParaRPr lang="en-US" sz="2600" dirty="0">
               <a:solidFill>
                 <a:schemeClr val="bg1"/>
               </a:solidFill>
-              <a:latin typeface="+mj-lt"/>
               <a:cs typeface="Courier New" panose="02070309020205020404" pitchFamily="49" charset="0"/>
             </a:endParaRPr>
           </a:p>
           <a:p>
-            <a:pPr>
-              <a:buFont typeface="Wingdings" panose="05000000000000000000" pitchFamily="2" charset="2"/>
-              <a:buChar char="§"/>
-            </a:pPr>
-            <a:r>
-              <a:rPr lang="en-US" sz="3000" dirty="0">
-                <a:solidFill>
-                  <a:schemeClr val="bg1"/>
-                </a:solidFill>
-                <a:latin typeface="+mj-lt"/>
-                <a:cs typeface="Courier New" panose="02070309020205020404" pitchFamily="49" charset="0"/>
-              </a:rPr>
-              <a:t>s</a:t>
-            </a:r>
-            <a:r>
-              <a:rPr lang="en-US" sz="3000" dirty="0" smtClean="0">
-                <a:solidFill>
-                  <a:schemeClr val="bg1"/>
-                </a:solidFill>
-                <a:latin typeface="+mj-lt"/>
-                <a:cs typeface="Courier New" panose="02070309020205020404" pitchFamily="49" charset="0"/>
-              </a:rPr>
-              <a:t>cale</a:t>
-            </a:r>
-            <a:endParaRPr lang="en-US" sz="3000" dirty="0" smtClean="0">
+            <a:pPr marL="0" indent="0">
+              <a:buNone/>
+            </a:pPr>
+            <a:r>
+              <a:rPr lang="en-US" sz="1500" dirty="0" err="1">
+                <a:solidFill>
+                  <a:schemeClr val="accent3"/>
+                </a:solidFill>
+                <a:latin typeface="Courier New" panose="02070309020205020404" pitchFamily="49" charset="0"/>
+                <a:cs typeface="Courier New" panose="02070309020205020404" pitchFamily="49" charset="0"/>
+              </a:rPr>
+              <a:t>p.test</a:t>
+            </a:r>
+            <a:r>
+              <a:rPr lang="en-US" sz="1500" dirty="0">
+                <a:solidFill>
+                  <a:schemeClr val="accent3"/>
+                </a:solidFill>
+                <a:latin typeface="Courier New" panose="02070309020205020404" pitchFamily="49" charset="0"/>
+                <a:cs typeface="Courier New" panose="02070309020205020404" pitchFamily="49" charset="0"/>
+              </a:rPr>
+              <a:t> {</a:t>
+            </a:r>
+          </a:p>
+          <a:p>
+            <a:pPr marL="0" indent="0">
+              <a:buNone/>
+            </a:pPr>
+            <a:r>
+              <a:rPr lang="en-US" sz="1500" dirty="0">
+                <a:solidFill>
+                  <a:schemeClr val="accent3"/>
+                </a:solidFill>
+                <a:latin typeface="Courier New" panose="02070309020205020404" pitchFamily="49" charset="0"/>
+                <a:cs typeface="Courier New" panose="02070309020205020404" pitchFamily="49" charset="0"/>
+              </a:rPr>
+              <a:t>    width: 11em;</a:t>
+            </a:r>
+          </a:p>
+          <a:p>
+            <a:pPr marL="0" indent="0">
+              <a:buNone/>
+            </a:pPr>
+            <a:r>
+              <a:rPr lang="en-US" sz="1500" dirty="0">
+                <a:solidFill>
+                  <a:schemeClr val="accent3"/>
+                </a:solidFill>
+                <a:latin typeface="Courier New" panose="02070309020205020404" pitchFamily="49" charset="0"/>
+                <a:cs typeface="Courier New" panose="02070309020205020404" pitchFamily="49" charset="0"/>
+              </a:rPr>
+              <a:t>    border: 1px solid #000000;</a:t>
+            </a:r>
+          </a:p>
+          <a:p>
+            <a:pPr marL="0" indent="0">
+              <a:buNone/>
+            </a:pPr>
+            <a:r>
+              <a:rPr lang="en-US" sz="1500" dirty="0">
+                <a:solidFill>
+                  <a:schemeClr val="accent3"/>
+                </a:solidFill>
+                <a:latin typeface="Courier New" panose="02070309020205020404" pitchFamily="49" charset="0"/>
+                <a:cs typeface="Courier New" panose="02070309020205020404" pitchFamily="49" charset="0"/>
+              </a:rPr>
+              <a:t>    word-wrap: break-word;</a:t>
+            </a:r>
+          </a:p>
+          <a:p>
+            <a:pPr marL="0" indent="0">
+              <a:buNone/>
+            </a:pPr>
+            <a:r>
+              <a:rPr lang="en-US" sz="1500" dirty="0" smtClean="0">
+                <a:solidFill>
+                  <a:schemeClr val="accent3"/>
+                </a:solidFill>
+                <a:latin typeface="Courier New" panose="02070309020205020404" pitchFamily="49" charset="0"/>
+                <a:cs typeface="Courier New" panose="02070309020205020404" pitchFamily="49" charset="0"/>
+              </a:rPr>
+              <a:t>}</a:t>
+            </a:r>
+          </a:p>
+          <a:p>
+            <a:pPr marL="0" indent="0">
+              <a:buNone/>
+            </a:pPr>
+            <a:endParaRPr lang="en-US" sz="1500" dirty="0">
               <a:solidFill>
-                <a:schemeClr val="bg1"/>
+                <a:schemeClr val="accent3"/>
               </a:solidFill>
-              <a:latin typeface="+mj-lt"/>
+              <a:latin typeface="Courier New" panose="02070309020205020404" pitchFamily="49" charset="0"/>
               <a:cs typeface="Courier New" panose="02070309020205020404" pitchFamily="49" charset="0"/>
             </a:endParaRPr>
           </a:p>
           <a:p>
-            <a:pPr>
-              <a:buFont typeface="Wingdings" panose="05000000000000000000" pitchFamily="2" charset="2"/>
-              <a:buChar char="§"/>
-            </a:pPr>
-            <a:r>
-              <a:rPr lang="en-US" sz="3000" dirty="0" smtClean="0">
-                <a:solidFill>
-                  <a:schemeClr val="bg1"/>
-                </a:solidFill>
-                <a:latin typeface="+mj-lt"/>
-                <a:cs typeface="Courier New" panose="02070309020205020404" pitchFamily="49" charset="0"/>
-              </a:rPr>
-              <a:t>skew</a:t>
-            </a:r>
-          </a:p>
-          <a:p>
-            <a:pPr>
-              <a:buFont typeface="Wingdings" panose="05000000000000000000" pitchFamily="2" charset="2"/>
-              <a:buChar char="§"/>
-            </a:pPr>
-            <a:r>
-              <a:rPr lang="en-US" sz="3000" dirty="0">
-                <a:solidFill>
-                  <a:schemeClr val="bg1"/>
-                </a:solidFill>
-                <a:latin typeface="+mj-lt"/>
-                <a:cs typeface="Courier New" panose="02070309020205020404" pitchFamily="49" charset="0"/>
-              </a:rPr>
-              <a:t>m</a:t>
-            </a:r>
-            <a:r>
-              <a:rPr lang="en-US" sz="3000" dirty="0" smtClean="0">
-                <a:solidFill>
-                  <a:schemeClr val="bg1"/>
-                </a:solidFill>
-                <a:latin typeface="+mj-lt"/>
-                <a:cs typeface="Courier New" panose="02070309020205020404" pitchFamily="49" charset="0"/>
-              </a:rPr>
-              <a:t>atrix</a:t>
-            </a:r>
-            <a:endParaRPr lang="en-US" sz="3000" dirty="0" smtClean="0">
-              <a:solidFill>
-                <a:schemeClr val="bg1"/>
-              </a:solidFill>
-              <a:latin typeface="+mj-lt"/>
-              <a:cs typeface="Courier New" panose="02070309020205020404" pitchFamily="49" charset="0"/>
-            </a:endParaRPr>
-          </a:p>
-          <a:p>
-            <a:pPr>
-              <a:buFont typeface="Wingdings" panose="05000000000000000000" pitchFamily="2" charset="2"/>
-              <a:buChar char="§"/>
-            </a:pPr>
-            <a:r>
-              <a:rPr lang="en-US" sz="3000" dirty="0" smtClean="0">
-                <a:solidFill>
-                  <a:schemeClr val="bg1"/>
-                </a:solidFill>
-                <a:latin typeface="+mj-lt"/>
-                <a:cs typeface="Courier New" panose="02070309020205020404" pitchFamily="49" charset="0"/>
-              </a:rPr>
-              <a:t>rotate</a:t>
-            </a:r>
-            <a:endParaRPr lang="en-US" sz="3000" dirty="0">
-              <a:solidFill>
-                <a:schemeClr val="bg1"/>
-              </a:solidFill>
-              <a:latin typeface="+mj-lt"/>
-              <a:cs typeface="Courier New" panose="02070309020205020404" pitchFamily="49" charset="0"/>
-            </a:endParaRPr>
+            <a:pPr marL="0" indent="0">
+              <a:buNone/>
+            </a:pPr>
+            <a:r>
+              <a:rPr lang="en-US" sz="1500" dirty="0">
+                <a:solidFill>
+                  <a:schemeClr val="accent3"/>
+                </a:solidFill>
+                <a:latin typeface="Courier New" panose="02070309020205020404" pitchFamily="49" charset="0"/>
+                <a:cs typeface="Courier New" panose="02070309020205020404" pitchFamily="49" charset="0"/>
+              </a:rPr>
+              <a:t>&lt;p class="test"&gt; This paragraph contains a very long word: </a:t>
+            </a:r>
+            <a:r>
+              <a:rPr lang="en-US" sz="1500" dirty="0" err="1">
+                <a:solidFill>
+                  <a:schemeClr val="accent3"/>
+                </a:solidFill>
+                <a:latin typeface="Courier New" panose="02070309020205020404" pitchFamily="49" charset="0"/>
+                <a:cs typeface="Courier New" panose="02070309020205020404" pitchFamily="49" charset="0"/>
+              </a:rPr>
+              <a:t>thisisaveryveryveryveryveryverylongword</a:t>
+            </a:r>
+            <a:r>
+              <a:rPr lang="en-US" sz="1500" dirty="0">
+                <a:solidFill>
+                  <a:schemeClr val="accent3"/>
+                </a:solidFill>
+                <a:latin typeface="Courier New" panose="02070309020205020404" pitchFamily="49" charset="0"/>
+                <a:cs typeface="Courier New" panose="02070309020205020404" pitchFamily="49" charset="0"/>
+              </a:rPr>
+              <a:t>. The long word will break and wrap to the next line.&lt;/p&gt;</a:t>
+            </a:r>
           </a:p>
         </p:txBody>
       </p:sp>
     </p:spTree>
     <p:extLst>
       <p:ext uri="{BB962C8B-B14F-4D97-AF65-F5344CB8AC3E}">
-        <p14:creationId xmlns:p14="http://schemas.microsoft.com/office/powerpoint/2010/main" val="2564643324"/>
+        <p14:creationId xmlns:p14="http://schemas.microsoft.com/office/powerpoint/2010/main" val="3176603733"/>
       </p:ext>
     </p:extLst>
   </p:cSld>
@@ -5438,7 +5500,7 @@
                   <a:schemeClr val="accent6"/>
                 </a:solidFill>
               </a:rPr>
-              <a:t>3D Transforms</a:t>
+              <a:t>2D Transforms</a:t>
             </a:r>
             <a:endParaRPr lang="bg-BG" dirty="0">
               <a:solidFill>
@@ -5470,6 +5532,16 @@
               <a:buChar char="§"/>
             </a:pPr>
             <a:r>
+              <a:rPr lang="en-US" sz="3000" dirty="0">
+                <a:solidFill>
+                  <a:schemeClr val="bg1"/>
+                </a:solidFill>
+                <a:latin typeface="+mj-lt"/>
+                <a:cs typeface="Courier New" panose="02070309020205020404" pitchFamily="49" charset="0"/>
+              </a:rPr>
+              <a:t>t</a:t>
+            </a:r>
+            <a:r>
               <a:rPr lang="en-US" sz="3000" dirty="0" smtClean="0">
                 <a:solidFill>
                   <a:schemeClr val="bg1"/>
@@ -5477,87 +5549,7 @@
                 <a:latin typeface="+mj-lt"/>
                 <a:cs typeface="Courier New" panose="02070309020205020404" pitchFamily="49" charset="0"/>
               </a:rPr>
-              <a:t>translate3d(</a:t>
-            </a:r>
-            <a:r>
-              <a:rPr lang="en-US" sz="3000" dirty="0" err="1" smtClean="0">
-                <a:solidFill>
-                  <a:schemeClr val="bg1"/>
-                </a:solidFill>
-                <a:latin typeface="+mj-lt"/>
-                <a:cs typeface="Courier New" panose="02070309020205020404" pitchFamily="49" charset="0"/>
-              </a:rPr>
-              <a:t>x,y,z</a:t>
-            </a:r>
-            <a:r>
-              <a:rPr lang="en-US" sz="3000" dirty="0" smtClean="0">
-                <a:solidFill>
-                  <a:schemeClr val="bg1"/>
-                </a:solidFill>
-                <a:latin typeface="+mj-lt"/>
-                <a:cs typeface="Courier New" panose="02070309020205020404" pitchFamily="49" charset="0"/>
-              </a:rPr>
-              <a:t>), </a:t>
-            </a:r>
-            <a:r>
-              <a:rPr lang="en-US" sz="3000" dirty="0" err="1" smtClean="0">
-                <a:solidFill>
-                  <a:schemeClr val="bg1"/>
-                </a:solidFill>
-                <a:latin typeface="+mj-lt"/>
-                <a:cs typeface="Courier New" panose="02070309020205020404" pitchFamily="49" charset="0"/>
-              </a:rPr>
-              <a:t>translateX</a:t>
-            </a:r>
-            <a:r>
-              <a:rPr lang="en-US" sz="3000" dirty="0" smtClean="0">
-                <a:solidFill>
-                  <a:schemeClr val="bg1"/>
-                </a:solidFill>
-                <a:latin typeface="+mj-lt"/>
-                <a:cs typeface="Courier New" panose="02070309020205020404" pitchFamily="49" charset="0"/>
-              </a:rPr>
-              <a:t>(x), </a:t>
-            </a:r>
-            <a:r>
-              <a:rPr lang="en-US" sz="3000" dirty="0" err="1" smtClean="0">
-                <a:solidFill>
-                  <a:schemeClr val="bg1"/>
-                </a:solidFill>
-                <a:latin typeface="+mj-lt"/>
-                <a:cs typeface="Courier New" panose="02070309020205020404" pitchFamily="49" charset="0"/>
-              </a:rPr>
-              <a:t>translateY</a:t>
-            </a:r>
-            <a:r>
-              <a:rPr lang="en-US" sz="3000" dirty="0" smtClean="0">
-                <a:solidFill>
-                  <a:schemeClr val="bg1"/>
-                </a:solidFill>
-                <a:latin typeface="+mj-lt"/>
-                <a:cs typeface="Courier New" panose="02070309020205020404" pitchFamily="49" charset="0"/>
-              </a:rPr>
-              <a:t>(y), </a:t>
-            </a:r>
-            <a:r>
-              <a:rPr lang="en-US" sz="3000" dirty="0" err="1" smtClean="0">
-                <a:solidFill>
-                  <a:schemeClr val="bg1"/>
-                </a:solidFill>
-                <a:latin typeface="+mj-lt"/>
-                <a:cs typeface="Courier New" panose="02070309020205020404" pitchFamily="49" charset="0"/>
-              </a:rPr>
-              <a:t>translateZ</a:t>
-            </a:r>
-            <a:r>
-              <a:rPr lang="en-US" sz="3000" dirty="0" smtClean="0">
-                <a:solidFill>
-                  <a:schemeClr val="bg1"/>
-                </a:solidFill>
-                <a:latin typeface="+mj-lt"/>
-                <a:cs typeface="Courier New" panose="02070309020205020404" pitchFamily="49" charset="0"/>
-              </a:rPr>
-              <a:t>(z)</a:t>
+              <a:t>ranslate</a:t>
             </a:r>
           </a:p>
           <a:p>
@@ -5573,97 +5565,17 @@
                 <a:latin typeface="+mj-lt"/>
                 <a:cs typeface="Courier New" panose="02070309020205020404" pitchFamily="49" charset="0"/>
               </a:rPr>
-              <a:t>scale3d(</a:t>
-            </a:r>
-            <a:r>
-              <a:rPr lang="en-US" sz="3000" dirty="0" err="1">
+              <a:t>s</a:t>
+            </a:r>
+            <a:r>
+              <a:rPr lang="en-US" sz="3000" dirty="0" smtClean="0">
                 <a:solidFill>
                   <a:schemeClr val="bg1"/>
                 </a:solidFill>
                 <a:latin typeface="+mj-lt"/>
                 <a:cs typeface="Courier New" panose="02070309020205020404" pitchFamily="49" charset="0"/>
               </a:rPr>
-              <a:t>x,y,z</a:t>
-            </a:r>
-            <a:r>
-              <a:rPr lang="en-US" sz="3000" dirty="0">
-                <a:solidFill>
-                  <a:schemeClr val="bg1"/>
-                </a:solidFill>
-                <a:latin typeface="+mj-lt"/>
-                <a:cs typeface="Courier New" panose="02070309020205020404" pitchFamily="49" charset="0"/>
-              </a:rPr>
-              <a:t>), </a:t>
-            </a:r>
-            <a:r>
-              <a:rPr lang="en-US" sz="3000" dirty="0" err="1">
-                <a:solidFill>
-                  <a:schemeClr val="bg1"/>
-                </a:solidFill>
-                <a:latin typeface="+mj-lt"/>
-                <a:cs typeface="Courier New" panose="02070309020205020404" pitchFamily="49" charset="0"/>
-              </a:rPr>
-              <a:t>scaleX</a:t>
-            </a:r>
-            <a:r>
-              <a:rPr lang="en-US" sz="3000" dirty="0">
-                <a:solidFill>
-                  <a:schemeClr val="bg1"/>
-                </a:solidFill>
-                <a:latin typeface="+mj-lt"/>
-                <a:cs typeface="Courier New" panose="02070309020205020404" pitchFamily="49" charset="0"/>
-              </a:rPr>
-              <a:t>(x), </a:t>
-            </a:r>
-            <a:r>
-              <a:rPr lang="en-US" sz="3000" dirty="0" err="1">
-                <a:solidFill>
-                  <a:schemeClr val="bg1"/>
-                </a:solidFill>
-                <a:latin typeface="+mj-lt"/>
-                <a:cs typeface="Courier New" panose="02070309020205020404" pitchFamily="49" charset="0"/>
-              </a:rPr>
-              <a:t>scaleY</a:t>
-            </a:r>
-            <a:r>
-              <a:rPr lang="en-US" sz="3000" dirty="0">
-                <a:solidFill>
-                  <a:schemeClr val="bg1"/>
-                </a:solidFill>
-                <a:latin typeface="+mj-lt"/>
-                <a:cs typeface="Courier New" panose="02070309020205020404" pitchFamily="49" charset="0"/>
-              </a:rPr>
-              <a:t>(y), </a:t>
-            </a:r>
-            <a:r>
-              <a:rPr lang="en-US" sz="3000" dirty="0" err="1">
-                <a:solidFill>
-                  <a:schemeClr val="bg1"/>
-                </a:solidFill>
-                <a:latin typeface="+mj-lt"/>
-                <a:cs typeface="Courier New" panose="02070309020205020404" pitchFamily="49" charset="0"/>
-              </a:rPr>
-              <a:t>scaleZ</a:t>
-            </a:r>
-            <a:r>
-              <a:rPr lang="en-US" sz="3000" dirty="0">
-                <a:solidFill>
-                  <a:schemeClr val="bg1"/>
-                </a:solidFill>
-                <a:latin typeface="+mj-lt"/>
-                <a:cs typeface="Courier New" panose="02070309020205020404" pitchFamily="49" charset="0"/>
-              </a:rPr>
-              <a:t>(z</a:t>
-            </a:r>
-            <a:r>
-              <a:rPr lang="en-US" sz="3000" dirty="0" smtClean="0">
-                <a:solidFill>
-                  <a:schemeClr val="bg1"/>
-                </a:solidFill>
-                <a:latin typeface="+mj-lt"/>
-                <a:cs typeface="Courier New" panose="02070309020205020404" pitchFamily="49" charset="0"/>
-              </a:rPr>
-              <a:t>)</a:t>
+              <a:t>cale</a:t>
             </a:r>
           </a:p>
           <a:p>
@@ -5672,6 +5584,22 @@
               <a:buChar char="§"/>
             </a:pPr>
             <a:r>
+              <a:rPr lang="en-US" sz="3000" dirty="0" smtClean="0">
+                <a:solidFill>
+                  <a:schemeClr val="bg1"/>
+                </a:solidFill>
+                <a:latin typeface="+mj-lt"/>
+                <a:cs typeface="Courier New" panose="02070309020205020404" pitchFamily="49" charset="0"/>
+              </a:rPr>
+              <a:t>skew</a:t>
+            </a:r>
+          </a:p>
+          <a:p>
+            <a:pPr>
+              <a:buFont typeface="Wingdings" panose="05000000000000000000" pitchFamily="2" charset="2"/>
+              <a:buChar char="§"/>
+            </a:pPr>
+            <a:r>
               <a:rPr lang="en-US" sz="3000" dirty="0">
                 <a:solidFill>
                   <a:schemeClr val="bg1"/>
@@ -5679,95 +5607,48 @@
                 <a:latin typeface="+mj-lt"/>
                 <a:cs typeface="Courier New" panose="02070309020205020404" pitchFamily="49" charset="0"/>
               </a:rPr>
-              <a:t>rotate3d(</a:t>
-            </a:r>
-            <a:r>
-              <a:rPr lang="en-US" sz="3000" dirty="0" err="1">
+              <a:t>m</a:t>
+            </a:r>
+            <a:r>
+              <a:rPr lang="en-US" sz="3000" dirty="0" smtClean="0">
                 <a:solidFill>
                   <a:schemeClr val="bg1"/>
                 </a:solidFill>
                 <a:latin typeface="+mj-lt"/>
                 <a:cs typeface="Courier New" panose="02070309020205020404" pitchFamily="49" charset="0"/>
               </a:rPr>
-              <a:t>x,y,z,angle</a:t>
-            </a:r>
-            <a:r>
-              <a:rPr lang="en-US" sz="3000" dirty="0">
+              <a:t>atrix</a:t>
+            </a:r>
+          </a:p>
+          <a:p>
+            <a:pPr>
+              <a:buFont typeface="Wingdings" panose="05000000000000000000" pitchFamily="2" charset="2"/>
+              <a:buChar char="§"/>
+            </a:pPr>
+            <a:r>
+              <a:rPr lang="en-US" sz="3000" dirty="0" smtClean="0">
                 <a:solidFill>
                   <a:schemeClr val="bg1"/>
                 </a:solidFill>
                 <a:latin typeface="+mj-lt"/>
                 <a:cs typeface="Courier New" panose="02070309020205020404" pitchFamily="49" charset="0"/>
               </a:rPr>
-              <a:t>), </a:t>
-            </a:r>
-            <a:r>
-              <a:rPr lang="en-US" sz="3000" dirty="0" err="1">
-                <a:solidFill>
-                  <a:schemeClr val="bg1"/>
-                </a:solidFill>
-                <a:latin typeface="+mj-lt"/>
-                <a:cs typeface="Courier New" panose="02070309020205020404" pitchFamily="49" charset="0"/>
-              </a:rPr>
-              <a:t>rotateX</a:t>
-            </a:r>
-            <a:r>
-              <a:rPr lang="en-US" sz="3000" dirty="0">
-                <a:solidFill>
-                  <a:schemeClr val="bg1"/>
-                </a:solidFill>
-                <a:latin typeface="+mj-lt"/>
-                <a:cs typeface="Courier New" panose="02070309020205020404" pitchFamily="49" charset="0"/>
-              </a:rPr>
-              <a:t>(angle), </a:t>
-            </a:r>
-            <a:r>
-              <a:rPr lang="en-US" sz="3000" dirty="0" err="1">
-                <a:solidFill>
-                  <a:schemeClr val="bg1"/>
-                </a:solidFill>
-                <a:latin typeface="+mj-lt"/>
-                <a:cs typeface="Courier New" panose="02070309020205020404" pitchFamily="49" charset="0"/>
-              </a:rPr>
-              <a:t>rotateY</a:t>
-            </a:r>
-            <a:r>
-              <a:rPr lang="en-US" sz="3000" dirty="0">
-                <a:solidFill>
-                  <a:schemeClr val="bg1"/>
-                </a:solidFill>
-                <a:latin typeface="+mj-lt"/>
-                <a:cs typeface="Courier New" panose="02070309020205020404" pitchFamily="49" charset="0"/>
-              </a:rPr>
-              <a:t>(angle), </a:t>
-            </a:r>
-            <a:r>
-              <a:rPr lang="en-US" sz="3000" dirty="0" err="1">
-                <a:solidFill>
-                  <a:schemeClr val="bg1"/>
-                </a:solidFill>
-                <a:latin typeface="+mj-lt"/>
-                <a:cs typeface="Courier New" panose="02070309020205020404" pitchFamily="49" charset="0"/>
-              </a:rPr>
-              <a:t>rotateZ</a:t>
-            </a:r>
-            <a:r>
-              <a:rPr lang="en-US" sz="3000" dirty="0">
-                <a:solidFill>
-                  <a:schemeClr val="bg1"/>
-                </a:solidFill>
-                <a:latin typeface="+mj-lt"/>
-                <a:cs typeface="Courier New" panose="02070309020205020404" pitchFamily="49" charset="0"/>
-              </a:rPr>
-              <a:t>(angle)</a:t>
-            </a:r>
+              <a:t>rotate</a:t>
+            </a:r>
+            <a:endParaRPr lang="en-US" sz="3000" dirty="0">
+              <a:solidFill>
+                <a:schemeClr val="bg1"/>
+              </a:solidFill>
+              <a:latin typeface="+mj-lt"/>
+              <a:cs typeface="Courier New" panose="02070309020205020404" pitchFamily="49" charset="0"/>
+            </a:endParaRPr>
           </a:p>
         </p:txBody>
       </p:sp>
     </p:spTree>
     <p:extLst>
       <p:ext uri="{BB962C8B-B14F-4D97-AF65-F5344CB8AC3E}">
-        <p14:creationId xmlns:p14="http://schemas.microsoft.com/office/powerpoint/2010/main" val="2356260878"/>
+        <p14:creationId xmlns:p14="http://schemas.microsoft.com/office/powerpoint/2010/main" val="2564643324"/>
       </p:ext>
     </p:extLst>
   </p:cSld>
@@ -5846,7 +5727,7 @@
                   <a:schemeClr val="accent6"/>
                 </a:solidFill>
               </a:rPr>
-              <a:t>Transitions</a:t>
+              <a:t>3D Transforms</a:t>
             </a:r>
             <a:endParaRPr lang="bg-BG" dirty="0">
               <a:solidFill>
@@ -5878,12 +5759,94 @@
               <a:buChar char="§"/>
             </a:pPr>
             <a:r>
-              <a:rPr lang="en-US" sz="2800" dirty="0">
+              <a:rPr lang="en-US" sz="3000" dirty="0" smtClean="0">
                 <a:solidFill>
                   <a:schemeClr val="bg1"/>
                 </a:solidFill>
-              </a:rPr>
-              <a:t>transition</a:t>
+                <a:latin typeface="+mj-lt"/>
+                <a:cs typeface="Courier New" panose="02070309020205020404" pitchFamily="49" charset="0"/>
+              </a:rPr>
+              <a:t>translate3d(</a:t>
+            </a:r>
+            <a:r>
+              <a:rPr lang="en-US" sz="3000" dirty="0" err="1" smtClean="0">
+                <a:solidFill>
+                  <a:schemeClr val="bg1"/>
+                </a:solidFill>
+                <a:latin typeface="+mj-lt"/>
+                <a:cs typeface="Courier New" panose="02070309020205020404" pitchFamily="49" charset="0"/>
+              </a:rPr>
+              <a:t>x,y,z</a:t>
+            </a:r>
+            <a:r>
+              <a:rPr lang="en-US" sz="3000" dirty="0" smtClean="0">
+                <a:solidFill>
+                  <a:schemeClr val="bg1"/>
+                </a:solidFill>
+                <a:latin typeface="+mj-lt"/>
+                <a:cs typeface="Courier New" panose="02070309020205020404" pitchFamily="49" charset="0"/>
+              </a:rPr>
+              <a:t>), </a:t>
+            </a:r>
+            <a:r>
+              <a:rPr lang="en-US" sz="3000" dirty="0" err="1" smtClean="0">
+                <a:solidFill>
+                  <a:schemeClr val="bg1"/>
+                </a:solidFill>
+                <a:latin typeface="+mj-lt"/>
+                <a:cs typeface="Courier New" panose="02070309020205020404" pitchFamily="49" charset="0"/>
+              </a:rPr>
+              <a:t>translateX</a:t>
+            </a:r>
+            <a:r>
+              <a:rPr lang="en-US" sz="3000" dirty="0" smtClean="0">
+                <a:solidFill>
+                  <a:schemeClr val="bg1"/>
+                </a:solidFill>
+                <a:latin typeface="+mj-lt"/>
+                <a:cs typeface="Courier New" panose="02070309020205020404" pitchFamily="49" charset="0"/>
+              </a:rPr>
+              <a:t>(x), </a:t>
+            </a:r>
+            <a:r>
+              <a:rPr lang="en-US" sz="3000" dirty="0" err="1" smtClean="0">
+                <a:solidFill>
+                  <a:schemeClr val="bg1"/>
+                </a:solidFill>
+                <a:latin typeface="+mj-lt"/>
+                <a:cs typeface="Courier New" panose="02070309020205020404" pitchFamily="49" charset="0"/>
+              </a:rPr>
+              <a:t>translateY</a:t>
+            </a:r>
+            <a:r>
+              <a:rPr lang="en-US" sz="3000" dirty="0" smtClean="0">
+                <a:solidFill>
+                  <a:schemeClr val="bg1"/>
+                </a:solidFill>
+                <a:latin typeface="+mj-lt"/>
+                <a:cs typeface="Courier New" panose="02070309020205020404" pitchFamily="49" charset="0"/>
+              </a:rPr>
+              <a:t>(y), </a:t>
+            </a:r>
+            <a:r>
+              <a:rPr lang="en-US" sz="3000" dirty="0" err="1" smtClean="0">
+                <a:solidFill>
+                  <a:schemeClr val="bg1"/>
+                </a:solidFill>
+                <a:latin typeface="+mj-lt"/>
+                <a:cs typeface="Courier New" panose="02070309020205020404" pitchFamily="49" charset="0"/>
+              </a:rPr>
+              <a:t>translateZ</a:t>
+            </a:r>
+            <a:r>
+              <a:rPr lang="en-US" sz="3000" dirty="0" smtClean="0">
+                <a:solidFill>
+                  <a:schemeClr val="bg1"/>
+                </a:solidFill>
+                <a:latin typeface="+mj-lt"/>
+                <a:cs typeface="Courier New" panose="02070309020205020404" pitchFamily="49" charset="0"/>
+              </a:rPr>
+              <a:t>(z)</a:t>
             </a:r>
           </a:p>
           <a:p>
@@ -5892,12 +5855,104 @@
               <a:buChar char="§"/>
             </a:pPr>
             <a:r>
-              <a:rPr lang="en-US" sz="2800" dirty="0">
+              <a:rPr lang="en-US" sz="3000" dirty="0">
                 <a:solidFill>
                   <a:schemeClr val="bg1"/>
                 </a:solidFill>
-              </a:rPr>
-              <a:t>transition-delay</a:t>
+                <a:latin typeface="+mj-lt"/>
+                <a:cs typeface="Courier New" panose="02070309020205020404" pitchFamily="49" charset="0"/>
+              </a:rPr>
+              <a:t>scale3d(</a:t>
+            </a:r>
+            <a:r>
+              <a:rPr lang="en-US" sz="3000" dirty="0" err="1">
+                <a:solidFill>
+                  <a:schemeClr val="bg1"/>
+                </a:solidFill>
+                <a:latin typeface="+mj-lt"/>
+                <a:cs typeface="Courier New" panose="02070309020205020404" pitchFamily="49" charset="0"/>
+              </a:rPr>
+              <a:t>x,y,z</a:t>
+            </a:r>
+            <a:r>
+              <a:rPr lang="en-US" sz="3000" dirty="0">
+                <a:solidFill>
+                  <a:schemeClr val="bg1"/>
+                </a:solidFill>
+                <a:latin typeface="+mj-lt"/>
+                <a:cs typeface="Courier New" panose="02070309020205020404" pitchFamily="49" charset="0"/>
+              </a:rPr>
+              <a:t>), </a:t>
+            </a:r>
+            <a:r>
+              <a:rPr lang="en-US" sz="3000" dirty="0" err="1">
+                <a:solidFill>
+                  <a:schemeClr val="bg1"/>
+                </a:solidFill>
+                <a:latin typeface="+mj-lt"/>
+                <a:cs typeface="Courier New" panose="02070309020205020404" pitchFamily="49" charset="0"/>
+              </a:rPr>
+              <a:t>scaleX</a:t>
+            </a:r>
+            <a:r>
+              <a:rPr lang="en-US" sz="3000" dirty="0">
+                <a:solidFill>
+                  <a:schemeClr val="bg1"/>
+                </a:solidFill>
+                <a:latin typeface="+mj-lt"/>
+                <a:cs typeface="Courier New" panose="02070309020205020404" pitchFamily="49" charset="0"/>
+              </a:rPr>
+              <a:t>(x), </a:t>
+            </a:r>
+            <a:r>
+              <a:rPr lang="en-US" sz="3000" dirty="0" err="1">
+                <a:solidFill>
+                  <a:schemeClr val="bg1"/>
+                </a:solidFill>
+                <a:latin typeface="+mj-lt"/>
+                <a:cs typeface="Courier New" panose="02070309020205020404" pitchFamily="49" charset="0"/>
+              </a:rPr>
+              <a:t>scaleY</a:t>
+            </a:r>
+            <a:r>
+              <a:rPr lang="en-US" sz="3000" dirty="0">
+                <a:solidFill>
+                  <a:schemeClr val="bg1"/>
+                </a:solidFill>
+                <a:latin typeface="+mj-lt"/>
+                <a:cs typeface="Courier New" panose="02070309020205020404" pitchFamily="49" charset="0"/>
+              </a:rPr>
+              <a:t>(y), </a:t>
+            </a:r>
+            <a:r>
+              <a:rPr lang="en-US" sz="3000" dirty="0" err="1">
+                <a:solidFill>
+                  <a:schemeClr val="bg1"/>
+                </a:solidFill>
+                <a:latin typeface="+mj-lt"/>
+                <a:cs typeface="Courier New" panose="02070309020205020404" pitchFamily="49" charset="0"/>
+              </a:rPr>
+              <a:t>scaleZ</a:t>
+            </a:r>
+            <a:r>
+              <a:rPr lang="en-US" sz="3000" dirty="0">
+                <a:solidFill>
+                  <a:schemeClr val="bg1"/>
+                </a:solidFill>
+                <a:latin typeface="+mj-lt"/>
+                <a:cs typeface="Courier New" panose="02070309020205020404" pitchFamily="49" charset="0"/>
+              </a:rPr>
+              <a:t>(z</a:t>
+            </a:r>
+            <a:r>
+              <a:rPr lang="en-US" sz="3000" dirty="0" smtClean="0">
+                <a:solidFill>
+                  <a:schemeClr val="bg1"/>
+                </a:solidFill>
+                <a:latin typeface="+mj-lt"/>
+                <a:cs typeface="Courier New" panose="02070309020205020404" pitchFamily="49" charset="0"/>
+              </a:rPr>
+              <a:t>)</a:t>
             </a:r>
           </a:p>
           <a:p>
@@ -5906,55 +5961,102 @@
               <a:buChar char="§"/>
             </a:pPr>
             <a:r>
-              <a:rPr lang="en-US" sz="2800" dirty="0">
+              <a:rPr lang="en-US" sz="3000" dirty="0">
                 <a:solidFill>
                   <a:schemeClr val="bg1"/>
                 </a:solidFill>
-              </a:rPr>
-              <a:t>transition-duration</a:t>
-            </a:r>
-          </a:p>
-          <a:p>
-            <a:pPr>
-              <a:buFont typeface="Wingdings" panose="05000000000000000000" pitchFamily="2" charset="2"/>
-              <a:buChar char="§"/>
-            </a:pPr>
-            <a:r>
-              <a:rPr lang="en-US" sz="2800" dirty="0">
+                <a:latin typeface="+mj-lt"/>
+                <a:cs typeface="Courier New" panose="02070309020205020404" pitchFamily="49" charset="0"/>
+              </a:rPr>
+              <a:t>rotate3d(</a:t>
+            </a:r>
+            <a:r>
+              <a:rPr lang="en-US" sz="3000" dirty="0" err="1">
                 <a:solidFill>
                   <a:schemeClr val="bg1"/>
                 </a:solidFill>
-              </a:rPr>
-              <a:t>transition-property</a:t>
-            </a:r>
-          </a:p>
-          <a:p>
-            <a:pPr>
-              <a:buFont typeface="Wingdings" panose="05000000000000000000" pitchFamily="2" charset="2"/>
-              <a:buChar char="§"/>
-            </a:pPr>
-            <a:r>
-              <a:rPr lang="en-US" sz="2800" dirty="0">
+                <a:latin typeface="+mj-lt"/>
+                <a:cs typeface="Courier New" panose="02070309020205020404" pitchFamily="49" charset="0"/>
+              </a:rPr>
+              <a:t>x,y,z,angle</a:t>
+            </a:r>
+            <a:r>
+              <a:rPr lang="en-US" sz="3000" dirty="0">
                 <a:solidFill>
                   <a:schemeClr val="bg1"/>
                 </a:solidFill>
-              </a:rPr>
-              <a:t>transition-timing-function</a:t>
-            </a:r>
-            <a:endParaRPr lang="en-US" sz="3000" dirty="0">
-              <a:solidFill>
-                <a:schemeClr val="bg1"/>
-              </a:solidFill>
-              <a:latin typeface="+mj-lt"/>
-              <a:cs typeface="Courier New" panose="02070309020205020404" pitchFamily="49" charset="0"/>
-            </a:endParaRPr>
+                <a:latin typeface="+mj-lt"/>
+                <a:cs typeface="Courier New" panose="02070309020205020404" pitchFamily="49" charset="0"/>
+              </a:rPr>
+              <a:t>), </a:t>
+            </a:r>
+            <a:r>
+              <a:rPr lang="en-US" sz="3000" dirty="0" err="1">
+                <a:solidFill>
+                  <a:schemeClr val="bg1"/>
+                </a:solidFill>
+                <a:latin typeface="+mj-lt"/>
+                <a:cs typeface="Courier New" panose="02070309020205020404" pitchFamily="49" charset="0"/>
+              </a:rPr>
+              <a:t>rotateX</a:t>
+            </a:r>
+            <a:r>
+              <a:rPr lang="en-US" sz="3000" dirty="0">
+                <a:solidFill>
+                  <a:schemeClr val="bg1"/>
+                </a:solidFill>
+                <a:latin typeface="+mj-lt"/>
+                <a:cs typeface="Courier New" panose="02070309020205020404" pitchFamily="49" charset="0"/>
+              </a:rPr>
+              <a:t>(angle), </a:t>
+            </a:r>
+            <a:r>
+              <a:rPr lang="en-US" sz="3000" dirty="0" err="1">
+                <a:solidFill>
+                  <a:schemeClr val="bg1"/>
+                </a:solidFill>
+                <a:latin typeface="+mj-lt"/>
+                <a:cs typeface="Courier New" panose="02070309020205020404" pitchFamily="49" charset="0"/>
+              </a:rPr>
+              <a:t>rotateY</a:t>
+            </a:r>
+            <a:r>
+              <a:rPr lang="en-US" sz="3000" dirty="0">
+                <a:solidFill>
+                  <a:schemeClr val="bg1"/>
+                </a:solidFill>
+                <a:latin typeface="+mj-lt"/>
+                <a:cs typeface="Courier New" panose="02070309020205020404" pitchFamily="49" charset="0"/>
+              </a:rPr>
+              <a:t>(angle), </a:t>
+            </a:r>
+            <a:r>
+              <a:rPr lang="en-US" sz="3000" dirty="0" err="1">
+                <a:solidFill>
+                  <a:schemeClr val="bg1"/>
+                </a:solidFill>
+                <a:latin typeface="+mj-lt"/>
+                <a:cs typeface="Courier New" panose="02070309020205020404" pitchFamily="49" charset="0"/>
+              </a:rPr>
+              <a:t>rotateZ</a:t>
+            </a:r>
+            <a:r>
+              <a:rPr lang="en-US" sz="3000" dirty="0">
+                <a:solidFill>
+                  <a:schemeClr val="bg1"/>
+                </a:solidFill>
+                <a:latin typeface="+mj-lt"/>
+                <a:cs typeface="Courier New" panose="02070309020205020404" pitchFamily="49" charset="0"/>
+              </a:rPr>
+              <a:t>(angle)</a:t>
+            </a:r>
           </a:p>
         </p:txBody>
       </p:sp>
     </p:spTree>
     <p:extLst>
       <p:ext uri="{BB962C8B-B14F-4D97-AF65-F5344CB8AC3E}">
-        <p14:creationId xmlns:p14="http://schemas.microsoft.com/office/powerpoint/2010/main" val="3201297621"/>
+        <p14:creationId xmlns:p14="http://schemas.microsoft.com/office/powerpoint/2010/main" val="2356260878"/>
       </p:ext>
     </p:extLst>
   </p:cSld>
@@ -6000,13 +6102,13 @@
         </p:nvSpPr>
         <p:spPr>
           <a:xfrm>
-            <a:off x="457200" y="685800"/>
+            <a:off x="443248" y="838200"/>
             <a:ext cx="8610600" cy="1143000"/>
           </a:xfrm>
         </p:spPr>
         <p:txBody>
           <a:bodyPr>
-            <a:normAutofit/>
+            <a:normAutofit fontScale="90000"/>
           </a:bodyPr>
           <a:lstStyle/>
           <a:p>
@@ -6033,7 +6135,38 @@
                   <a:schemeClr val="accent6"/>
                 </a:solidFill>
               </a:rPr>
-              <a:t>Animations</a:t>
+              <a:t>Transitions</a:t>
+            </a:r>
+            <a:br>
+              <a:rPr lang="en-US" dirty="0" smtClean="0">
+                <a:solidFill>
+                  <a:schemeClr val="accent6"/>
+                </a:solidFill>
+              </a:rPr>
+            </a:br>
+            <a:r>
+              <a:rPr lang="bg-BG" dirty="0" smtClean="0">
+                <a:solidFill>
+                  <a:schemeClr val="accent6"/>
+                </a:solidFill>
+              </a:rPr>
+              <a:t>Плавна промяна на стойността на </a:t>
+            </a:r>
+            <a:r>
+              <a:rPr lang="en-US" dirty="0" smtClean="0">
+                <a:solidFill>
+                  <a:schemeClr val="accent6"/>
+                </a:solidFill>
+              </a:rPr>
+              <a:t>CSS </a:t>
+            </a:r>
+            <a:r>
+              <a:rPr lang="bg-BG" dirty="0" smtClean="0">
+                <a:solidFill>
+                  <a:schemeClr val="accent6"/>
+                </a:solidFill>
+              </a:rPr>
+              <a:t>пропърти</a:t>
             </a:r>
             <a:endParaRPr lang="bg-BG" dirty="0">
               <a:solidFill>
@@ -6053,7 +6186,12 @@
             <p:ph idx="1"/>
           </p:nvPr>
         </p:nvSpPr>
-        <p:spPr/>
+        <p:spPr>
+          <a:xfrm>
+            <a:off x="443248" y="2357795"/>
+            <a:ext cx="8229600" cy="4525963"/>
+          </a:xfrm>
+        </p:spPr>
         <p:txBody>
           <a:bodyPr>
             <a:normAutofit/>
@@ -6065,32 +6203,13 @@
               <a:buChar char="§"/>
             </a:pPr>
             <a:r>
-              <a:rPr lang="en-US" sz="3000" dirty="0" smtClean="0">
+              <a:rPr lang="en-US" sz="2800" dirty="0">
                 <a:solidFill>
                   <a:schemeClr val="bg1"/>
                 </a:solidFill>
-                <a:latin typeface="+mj-lt"/>
-                <a:cs typeface="Courier New" panose="02070309020205020404" pitchFamily="49" charset="0"/>
-              </a:rPr>
-              <a:t>@</a:t>
-            </a:r>
-            <a:r>
-              <a:rPr lang="en-US" sz="3000" dirty="0" err="1" smtClean="0">
-                <a:solidFill>
-                  <a:schemeClr val="bg1"/>
-                </a:solidFill>
-                <a:latin typeface="+mj-lt"/>
-                <a:cs typeface="Courier New" panose="02070309020205020404" pitchFamily="49" charset="0"/>
-              </a:rPr>
-              <a:t>keyframes</a:t>
-            </a:r>
-            <a:endParaRPr lang="en-US" sz="3000" dirty="0" smtClean="0">
-              <a:solidFill>
-                <a:schemeClr val="bg1"/>
-              </a:solidFill>
-              <a:latin typeface="+mj-lt"/>
-              <a:cs typeface="Courier New" panose="02070309020205020404" pitchFamily="49" charset="0"/>
-            </a:endParaRPr>
+              </a:rPr>
+              <a:t>transition</a:t>
+            </a:r>
           </a:p>
           <a:p>
             <a:pPr>
@@ -6098,14 +6217,12 @@
               <a:buChar char="§"/>
             </a:pPr>
             <a:r>
-              <a:rPr lang="en-US" sz="3000" dirty="0" smtClean="0">
+              <a:rPr lang="en-US" sz="2800" dirty="0">
                 <a:solidFill>
                   <a:schemeClr val="bg1"/>
                 </a:solidFill>
-                <a:latin typeface="+mj-lt"/>
-                <a:cs typeface="Courier New" panose="02070309020205020404" pitchFamily="49" charset="0"/>
-              </a:rPr>
-              <a:t>Animation</a:t>
+              </a:rPr>
+              <a:t>transition-delay</a:t>
             </a:r>
           </a:p>
           <a:p>
@@ -6114,12 +6231,12 @@
               <a:buChar char="§"/>
             </a:pPr>
             <a:r>
-              <a:rPr lang="en-US" sz="2800" dirty="0" smtClean="0">
+              <a:rPr lang="en-US" sz="2800" dirty="0">
                 <a:solidFill>
                   <a:schemeClr val="bg1"/>
                 </a:solidFill>
               </a:rPr>
-              <a:t>animation-name</a:t>
+              <a:t>transition-duration</a:t>
             </a:r>
           </a:p>
           <a:p>
@@ -6128,12 +6245,12 @@
               <a:buChar char="§"/>
             </a:pPr>
             <a:r>
-              <a:rPr lang="en-US" sz="2800" dirty="0" smtClean="0">
+              <a:rPr lang="en-US" sz="2800" dirty="0">
                 <a:solidFill>
                   <a:schemeClr val="bg1"/>
                 </a:solidFill>
               </a:rPr>
-              <a:t>animation-duration</a:t>
+              <a:t>transition-property</a:t>
             </a:r>
           </a:p>
           <a:p>
@@ -6142,40 +6259,12 @@
               <a:buChar char="§"/>
             </a:pPr>
             <a:r>
-              <a:rPr lang="en-US" sz="2800" dirty="0" smtClean="0">
+              <a:rPr lang="en-US" sz="2800" dirty="0">
                 <a:solidFill>
                   <a:schemeClr val="bg1"/>
                 </a:solidFill>
               </a:rPr>
-              <a:t>animation-iteration-count</a:t>
-            </a:r>
-          </a:p>
-          <a:p>
-            <a:pPr>
-              <a:buFont typeface="Wingdings" panose="05000000000000000000" pitchFamily="2" charset="2"/>
-              <a:buChar char="§"/>
-            </a:pPr>
-            <a:r>
-              <a:rPr lang="en-US" sz="2800" dirty="0" smtClean="0">
-                <a:solidFill>
-                  <a:schemeClr val="bg1"/>
-                </a:solidFill>
-              </a:rPr>
-              <a:t>animation-delay</a:t>
-            </a:r>
-          </a:p>
-          <a:p>
-            <a:pPr>
-              <a:buFont typeface="Wingdings" panose="05000000000000000000" pitchFamily="2" charset="2"/>
-              <a:buChar char="§"/>
-            </a:pPr>
-            <a:r>
-              <a:rPr lang="en-US" sz="2800" dirty="0">
-                <a:solidFill>
-                  <a:schemeClr val="bg1"/>
-                </a:solidFill>
-              </a:rPr>
-              <a:t>animation-direction</a:t>
+              <a:t>transition-timing-function</a:t>
             </a:r>
             <a:endParaRPr lang="en-US" sz="3000" dirty="0">
               <a:solidFill>
@@ -6190,7 +6279,7 @@
     </p:spTree>
     <p:extLst>
       <p:ext uri="{BB962C8B-B14F-4D97-AF65-F5344CB8AC3E}">
-        <p14:creationId xmlns:p14="http://schemas.microsoft.com/office/powerpoint/2010/main" val="2867660261"/>
+        <p14:creationId xmlns:p14="http://schemas.microsoft.com/office/powerpoint/2010/main" val="3201297621"/>
       </p:ext>
     </p:extLst>
   </p:cSld>
@@ -6269,7 +6358,7 @@
                   <a:schemeClr val="accent6"/>
                 </a:solidFill>
               </a:rPr>
-              <a:t>Multiple columns</a:t>
+              <a:t>Animations</a:t>
             </a:r>
             <a:endParaRPr lang="bg-BG" dirty="0">
               <a:solidFill>
@@ -6308,8 +6397,25 @@
                 <a:latin typeface="+mj-lt"/>
                 <a:cs typeface="Courier New" panose="02070309020205020404" pitchFamily="49" charset="0"/>
               </a:rPr>
-              <a:t>column-count</a:t>
-            </a:r>
+              <a:t>@</a:t>
+            </a:r>
+            <a:r>
+              <a:rPr lang="en-US" sz="3000" dirty="0" err="1" smtClean="0">
+                <a:solidFill>
+                  <a:schemeClr val="bg1"/>
+                </a:solidFill>
+                <a:latin typeface="+mj-lt"/>
+                <a:cs typeface="Courier New" panose="02070309020205020404" pitchFamily="49" charset="0"/>
+              </a:rPr>
+              <a:t>keyframes</a:t>
+            </a:r>
+            <a:endParaRPr lang="en-US" sz="3000" dirty="0" smtClean="0">
+              <a:solidFill>
+                <a:schemeClr val="bg1"/>
+              </a:solidFill>
+              <a:latin typeface="+mj-lt"/>
+              <a:cs typeface="Courier New" panose="02070309020205020404" pitchFamily="49" charset="0"/>
+            </a:endParaRPr>
           </a:p>
           <a:p>
             <a:pPr>
@@ -6317,14 +6423,14 @@
               <a:buChar char="§"/>
             </a:pPr>
             <a:r>
-              <a:rPr lang="en-US" sz="3000" dirty="0">
+              <a:rPr lang="en-US" sz="3000" dirty="0" smtClean="0">
                 <a:solidFill>
                   <a:schemeClr val="bg1"/>
                 </a:solidFill>
                 <a:latin typeface="+mj-lt"/>
                 <a:cs typeface="Courier New" panose="02070309020205020404" pitchFamily="49" charset="0"/>
               </a:rPr>
-              <a:t>column-gap</a:t>
+              <a:t>Animation</a:t>
             </a:r>
           </a:p>
           <a:p>
@@ -6333,14 +6439,12 @@
               <a:buChar char="§"/>
             </a:pPr>
             <a:r>
-              <a:rPr lang="en-US" sz="3000" dirty="0">
+              <a:rPr lang="en-US" sz="2800" dirty="0" smtClean="0">
                 <a:solidFill>
                   <a:schemeClr val="bg1"/>
                 </a:solidFill>
-                <a:latin typeface="+mj-lt"/>
-                <a:cs typeface="Courier New" panose="02070309020205020404" pitchFamily="49" charset="0"/>
-              </a:rPr>
-              <a:t>column-rule-style</a:t>
+              </a:rPr>
+              <a:t>animation-name</a:t>
             </a:r>
           </a:p>
           <a:p>
@@ -6349,14 +6453,12 @@
               <a:buChar char="§"/>
             </a:pPr>
             <a:r>
-              <a:rPr lang="en-US" sz="3000" dirty="0">
+              <a:rPr lang="en-US" sz="2800" dirty="0" smtClean="0">
                 <a:solidFill>
                   <a:schemeClr val="bg1"/>
                 </a:solidFill>
-                <a:latin typeface="+mj-lt"/>
-                <a:cs typeface="Courier New" panose="02070309020205020404" pitchFamily="49" charset="0"/>
-              </a:rPr>
-              <a:t>column-rule-width</a:t>
+              </a:rPr>
+              <a:t>animation-duration</a:t>
             </a:r>
           </a:p>
           <a:p>
@@ -6365,14 +6467,12 @@
               <a:buChar char="§"/>
             </a:pPr>
             <a:r>
-              <a:rPr lang="en-US" sz="3000" dirty="0">
+              <a:rPr lang="en-US" sz="2800" dirty="0" smtClean="0">
                 <a:solidFill>
                   <a:schemeClr val="bg1"/>
                 </a:solidFill>
-                <a:latin typeface="+mj-lt"/>
-                <a:cs typeface="Courier New" panose="02070309020205020404" pitchFamily="49" charset="0"/>
-              </a:rPr>
-              <a:t>column-rule-color</a:t>
+              </a:rPr>
+              <a:t>animation-iteration-count</a:t>
             </a:r>
           </a:p>
           <a:p>
@@ -6381,14 +6481,12 @@
               <a:buChar char="§"/>
             </a:pPr>
             <a:r>
-              <a:rPr lang="en-US" sz="3000" dirty="0">
+              <a:rPr lang="en-US" sz="2800" dirty="0" smtClean="0">
                 <a:solidFill>
                   <a:schemeClr val="bg1"/>
                 </a:solidFill>
-                <a:latin typeface="+mj-lt"/>
-                <a:cs typeface="Courier New" panose="02070309020205020404" pitchFamily="49" charset="0"/>
-              </a:rPr>
-              <a:t>column-rule</a:t>
+              </a:rPr>
+              <a:t>animation-delay</a:t>
             </a:r>
           </a:p>
           <a:p>
@@ -6397,334 +6495,19 @@
               <a:buChar char="§"/>
             </a:pPr>
             <a:r>
-              <a:rPr lang="en-US" sz="3000" dirty="0">
+              <a:rPr lang="en-US" sz="2800" dirty="0">
                 <a:solidFill>
                   <a:schemeClr val="bg1"/>
                 </a:solidFill>
-                <a:latin typeface="+mj-lt"/>
-                <a:cs typeface="Courier New" panose="02070309020205020404" pitchFamily="49" charset="0"/>
-              </a:rPr>
-              <a:t>column-span</a:t>
-            </a:r>
-          </a:p>
-          <a:p>
-            <a:pPr>
-              <a:buFont typeface="Wingdings" panose="05000000000000000000" pitchFamily="2" charset="2"/>
-              <a:buChar char="§"/>
-            </a:pPr>
-            <a:r>
-              <a:rPr lang="en-US" sz="3000" dirty="0">
-                <a:solidFill>
-                  <a:schemeClr val="bg1"/>
-                </a:solidFill>
-                <a:latin typeface="+mj-lt"/>
-                <a:cs typeface="Courier New" panose="02070309020205020404" pitchFamily="49" charset="0"/>
-              </a:rPr>
-              <a:t>column-width</a:t>
-            </a:r>
-          </a:p>
-        </p:txBody>
-      </p:sp>
-      <p:sp>
-        <p:nvSpPr>
-          <p:cNvPr id="3" name="Rectangle 1"/>
-          <p:cNvSpPr>
-            <a:spLocks noChangeArrowheads="1"/>
-          </p:cNvSpPr>
-          <p:nvPr/>
-        </p:nvSpPr>
-        <p:spPr bwMode="auto">
-          <a:xfrm>
-            <a:off x="0" y="0"/>
-            <a:ext cx="9144000" cy="0"/>
-          </a:xfrm>
-          <a:prstGeom prst="rect">
-            <a:avLst/>
-          </a:prstGeom>
-          <a:solidFill>
-            <a:srgbClr val="F1F1F1"/>
-          </a:solidFill>
-          <a:ln>
-            <a:noFill/>
-          </a:ln>
-          <a:effectLst/>
-          <a:extLst>
-            <a:ext uri="{91240B29-F687-4F45-9708-019B960494DF}">
-              <a14:hiddenLine xmlns:a14="http://schemas.microsoft.com/office/drawing/2010/main" w="9525">
-                <a:solidFill>
-                  <a:schemeClr val="tx1"/>
-                </a:solidFill>
-                <a:miter lim="800000"/>
-                <a:headEnd/>
-                <a:tailEnd/>
-              </a14:hiddenLine>
-            </a:ext>
-            <a:ext uri="{AF507438-7753-43E0-B8FC-AC1667EBCBE1}">
-              <a14:hiddenEffects xmlns:a14="http://schemas.microsoft.com/office/drawing/2010/main">
-                <a:effectLst>
-                  <a:outerShdw dist="35921" dir="2700000" algn="ctr" rotWithShape="0">
-                    <a:schemeClr val="bg2"/>
-                  </a:outerShdw>
-                </a:effectLst>
-              </a14:hiddenEffects>
-            </a:ext>
-          </a:extLst>
-        </p:spPr>
-        <p:txBody>
-          <a:bodyPr vert="horz" wrap="none" lIns="91440" tIns="0" rIns="91440" bIns="88872" numCol="1" anchor="ctr" anchorCtr="0" compatLnSpc="1">
-            <a:prstTxWarp prst="textNoShape">
-              <a:avLst/>
-            </a:prstTxWarp>
-            <a:spAutoFit/>
-          </a:bodyPr>
-          <a:lstStyle/>
-          <a:p>
-            <a:pPr marL="0" marR="0" lvl="0" indent="0" algn="l" defTabSz="914400" rtl="0" eaLnBrk="0" fontAlgn="base" latinLnBrk="0" hangingPunct="0">
-              <a:lnSpc>
-                <a:spcPct val="100000"/>
-              </a:lnSpc>
-              <a:spcBef>
-                <a:spcPct val="0"/>
-              </a:spcBef>
-              <a:spcAft>
-                <a:spcPct val="0"/>
-              </a:spcAft>
-              <a:buClrTx/>
-              <a:buSzTx/>
-              <a:buFontTx/>
-              <a:buNone/>
-              <a:tabLst/>
-            </a:pPr>
-            <a:endParaRPr kumimoji="0" lang="en-US" altLang="en-US" sz="1800" b="0" i="0" u="none" strike="noStrike" cap="none" normalizeH="0" baseline="0" smtClean="0">
-              <a:ln>
-                <a:noFill/>
-              </a:ln>
+              </a:rPr>
+              <a:t>animation-direction</a:t>
+            </a:r>
+            <a:endParaRPr lang="en-US" sz="3000" dirty="0">
               <a:solidFill>
-                <a:schemeClr val="tx1"/>
+                <a:schemeClr val="bg1"/>
               </a:solidFill>
-              <a:effectLst/>
-              <a:latin typeface="Arial" panose="020B0604020202020204" pitchFamily="34" charset="0"/>
-            </a:endParaRPr>
-          </a:p>
-          <a:p>
-            <a:pPr marL="0" marR="0" lvl="0" indent="0" algn="l" defTabSz="914400" rtl="0" eaLnBrk="0" fontAlgn="base" latinLnBrk="0" hangingPunct="0">
-              <a:lnSpc>
-                <a:spcPct val="100000"/>
-              </a:lnSpc>
-              <a:spcBef>
-                <a:spcPct val="0"/>
-              </a:spcBef>
-              <a:spcAft>
-                <a:spcPct val="0"/>
-              </a:spcAft>
-              <a:buClrTx/>
-              <a:buSzTx/>
-              <a:buFontTx/>
-              <a:buChar char="•"/>
-              <a:tabLst/>
-            </a:pPr>
-            <a:r>
-              <a:rPr kumimoji="0" lang="en-US" altLang="en-US" sz="1100" b="0" i="0" u="none" strike="noStrike" cap="none" normalizeH="0" baseline="0" smtClean="0">
-                <a:ln>
-                  <a:noFill/>
-                </a:ln>
-                <a:solidFill>
-                  <a:srgbClr val="DC143C"/>
-                </a:solidFill>
-                <a:effectLst/>
-                <a:latin typeface="Menlo"/>
-              </a:rPr>
-              <a:t>column-count</a:t>
-            </a:r>
-            <a:endParaRPr kumimoji="0" lang="en-US" altLang="en-US" sz="1100" b="0" i="0" u="none" strike="noStrike" cap="none" normalizeH="0" baseline="0" smtClean="0">
-              <a:ln>
-                <a:noFill/>
-              </a:ln>
-              <a:solidFill>
-                <a:srgbClr val="333333"/>
-              </a:solidFill>
-              <a:effectLst/>
-              <a:latin typeface="Verdana" panose="020B0604030504040204" pitchFamily="34" charset="0"/>
-            </a:endParaRPr>
-          </a:p>
-          <a:p>
-            <a:pPr marL="0" marR="0" lvl="0" indent="0" algn="l" defTabSz="914400" rtl="0" eaLnBrk="0" fontAlgn="base" latinLnBrk="0" hangingPunct="0">
-              <a:lnSpc>
-                <a:spcPct val="100000"/>
-              </a:lnSpc>
-              <a:spcBef>
-                <a:spcPct val="0"/>
-              </a:spcBef>
-              <a:spcAft>
-                <a:spcPct val="0"/>
-              </a:spcAft>
-              <a:buClrTx/>
-              <a:buSzTx/>
-              <a:buFontTx/>
-              <a:buNone/>
-              <a:tabLst/>
-            </a:pPr>
-            <a:endParaRPr kumimoji="0" lang="en-US" altLang="en-US" sz="1800" b="0" i="0" u="none" strike="noStrike" cap="none" normalizeH="0" baseline="0" smtClean="0">
-              <a:ln>
-                <a:noFill/>
-              </a:ln>
-              <a:solidFill>
-                <a:schemeClr val="tx1"/>
-              </a:solidFill>
-              <a:effectLst/>
-              <a:latin typeface="Arial" panose="020B0604020202020204" pitchFamily="34" charset="0"/>
-            </a:endParaRPr>
-          </a:p>
-        </p:txBody>
-      </p:sp>
-      <p:sp>
-        <p:nvSpPr>
-          <p:cNvPr id="5" name="Rectangle 3"/>
-          <p:cNvSpPr>
-            <a:spLocks noChangeArrowheads="1"/>
-          </p:cNvSpPr>
-          <p:nvPr/>
-        </p:nvSpPr>
-        <p:spPr bwMode="auto">
-          <a:xfrm>
-            <a:off x="152400" y="152400"/>
-            <a:ext cx="9144000" cy="0"/>
-          </a:xfrm>
-          <a:prstGeom prst="rect">
-            <a:avLst/>
-          </a:prstGeom>
-          <a:solidFill>
-            <a:srgbClr val="F1F1F1"/>
-          </a:solidFill>
-          <a:ln>
-            <a:noFill/>
-          </a:ln>
-          <a:effectLst/>
-          <a:extLst>
-            <a:ext uri="{91240B29-F687-4F45-9708-019B960494DF}">
-              <a14:hiddenLine xmlns:a14="http://schemas.microsoft.com/office/drawing/2010/main" w="9525">
-                <a:solidFill>
-                  <a:schemeClr val="tx1"/>
-                </a:solidFill>
-                <a:miter lim="800000"/>
-                <a:headEnd/>
-                <a:tailEnd/>
-              </a14:hiddenLine>
-            </a:ext>
-            <a:ext uri="{AF507438-7753-43E0-B8FC-AC1667EBCBE1}">
-              <a14:hiddenEffects xmlns:a14="http://schemas.microsoft.com/office/drawing/2010/main">
-                <a:effectLst>
-                  <a:outerShdw dist="35921" dir="2700000" algn="ctr" rotWithShape="0">
-                    <a:schemeClr val="bg2"/>
-                  </a:outerShdw>
-                </a:effectLst>
-              </a14:hiddenEffects>
-            </a:ext>
-          </a:extLst>
-        </p:spPr>
-        <p:txBody>
-          <a:bodyPr vert="horz" wrap="none" lIns="91440" tIns="0" rIns="91440" bIns="88872" numCol="1" anchor="ctr" anchorCtr="0" compatLnSpc="1">
-            <a:prstTxWarp prst="textNoShape">
-              <a:avLst/>
-            </a:prstTxWarp>
-            <a:spAutoFit/>
-          </a:bodyPr>
-          <a:lstStyle/>
-          <a:p>
-            <a:pPr marL="0" marR="0" lvl="0" indent="0" algn="l" defTabSz="914400" rtl="0" eaLnBrk="0" fontAlgn="base" latinLnBrk="0" hangingPunct="0">
-              <a:lnSpc>
-                <a:spcPct val="100000"/>
-              </a:lnSpc>
-              <a:spcBef>
-                <a:spcPct val="0"/>
-              </a:spcBef>
-              <a:spcAft>
-                <a:spcPct val="0"/>
-              </a:spcAft>
-              <a:buClrTx/>
-              <a:buSzTx/>
-              <a:buFontTx/>
-              <a:buNone/>
-              <a:tabLst/>
-            </a:pPr>
-            <a:endParaRPr kumimoji="0" lang="en-US" altLang="en-US" sz="1800" b="0" i="0" u="none" strike="noStrike" cap="none" normalizeH="0" baseline="0" smtClean="0">
-              <a:ln>
-                <a:noFill/>
-              </a:ln>
-              <a:solidFill>
-                <a:schemeClr val="tx1"/>
-              </a:solidFill>
-              <a:effectLst/>
-              <a:latin typeface="Arial" panose="020B0604020202020204" pitchFamily="34" charset="0"/>
-            </a:endParaRPr>
-          </a:p>
-          <a:p>
-            <a:pPr marL="0" marR="0" lvl="0" indent="0" algn="l" defTabSz="914400" rtl="0" eaLnBrk="0" fontAlgn="base" latinLnBrk="0" hangingPunct="0">
-              <a:lnSpc>
-                <a:spcPct val="100000"/>
-              </a:lnSpc>
-              <a:spcBef>
-                <a:spcPct val="0"/>
-              </a:spcBef>
-              <a:spcAft>
-                <a:spcPct val="0"/>
-              </a:spcAft>
-              <a:buClrTx/>
-              <a:buSzTx/>
-              <a:buFontTx/>
-              <a:buChar char="•"/>
-              <a:tabLst/>
-            </a:pPr>
-            <a:r>
-              <a:rPr kumimoji="0" lang="en-US" altLang="en-US" sz="1100" b="0" i="0" u="none" strike="noStrike" cap="none" normalizeH="0" baseline="0" smtClean="0">
-                <a:ln>
-                  <a:noFill/>
-                </a:ln>
-                <a:solidFill>
-                  <a:srgbClr val="DC143C"/>
-                </a:solidFill>
-                <a:effectLst/>
-                <a:latin typeface="Menlo"/>
-              </a:rPr>
-              <a:t>column-count</a:t>
-            </a:r>
-            <a:endParaRPr kumimoji="0" lang="en-US" altLang="en-US" sz="1100" b="0" i="0" u="none" strike="noStrike" cap="none" normalizeH="0" baseline="0" smtClean="0">
-              <a:ln>
-                <a:noFill/>
-              </a:ln>
-              <a:solidFill>
-                <a:srgbClr val="333333"/>
-              </a:solidFill>
-              <a:effectLst/>
-              <a:latin typeface="Verdana" panose="020B0604030504040204" pitchFamily="34" charset="0"/>
-            </a:endParaRPr>
-          </a:p>
-          <a:p>
-            <a:pPr marL="0" marR="0" lvl="0" indent="0" algn="l" defTabSz="914400" rtl="0" eaLnBrk="0" fontAlgn="base" latinLnBrk="0" hangingPunct="0">
-              <a:lnSpc>
-                <a:spcPct val="100000"/>
-              </a:lnSpc>
-              <a:spcBef>
-                <a:spcPct val="0"/>
-              </a:spcBef>
-              <a:spcAft>
-                <a:spcPct val="0"/>
-              </a:spcAft>
-              <a:buClrTx/>
-              <a:buSzTx/>
-              <a:buFontTx/>
-              <a:buNone/>
-              <a:tabLst/>
-            </a:pPr>
-            <a:endParaRPr kumimoji="0" lang="en-US" altLang="en-US" sz="1800" b="0" i="0" u="none" strike="noStrike" cap="none" normalizeH="0" baseline="0" smtClean="0">
-              <a:ln>
-                <a:noFill/>
-              </a:ln>
-              <a:solidFill>
-                <a:schemeClr val="tx1"/>
-              </a:solidFill>
-              <a:effectLst/>
-              <a:latin typeface="Arial" panose="020B0604020202020204" pitchFamily="34" charset="0"/>
+              <a:latin typeface="+mj-lt"/>
+              <a:cs typeface="Courier New" panose="02070309020205020404" pitchFamily="49" charset="0"/>
             </a:endParaRPr>
           </a:p>
         </p:txBody>
@@ -6732,7 +6515,7 @@
     </p:spTree>
     <p:extLst>
       <p:ext uri="{BB962C8B-B14F-4D97-AF65-F5344CB8AC3E}">
-        <p14:creationId xmlns:p14="http://schemas.microsoft.com/office/powerpoint/2010/main" val="3488039917"/>
+        <p14:creationId xmlns:p14="http://schemas.microsoft.com/office/powerpoint/2010/main" val="2867660261"/>
       </p:ext>
     </p:extLst>
   </p:cSld>
@@ -6778,22 +6561,40 @@
         </p:nvSpPr>
         <p:spPr>
           <a:xfrm>
-            <a:off x="838200" y="685800"/>
-            <a:ext cx="8229600" cy="1143000"/>
+            <a:off x="457200" y="685800"/>
+            <a:ext cx="8610600" cy="1143000"/>
           </a:xfrm>
         </p:spPr>
         <p:txBody>
-          <a:bodyPr/>
+          <a:bodyPr>
+            <a:normAutofit/>
+          </a:bodyPr>
           <a:lstStyle/>
           <a:p>
             <a:pPr algn="l"/>
             <a:r>
+              <a:rPr lang="en-US" dirty="0" smtClean="0">
+                <a:solidFill>
+                  <a:schemeClr val="accent6"/>
+                </a:solidFill>
+              </a:rPr>
+              <a:t>CSS3</a:t>
+            </a:r>
+            <a:r>
               <a:rPr lang="bg-BG" dirty="0" smtClean="0">
                 <a:solidFill>
                   <a:schemeClr val="accent6"/>
                 </a:solidFill>
               </a:rPr>
-              <a:t>Въпроси</a:t>
+              <a:t> – </a:t>
+            </a:r>
+            <a:r>
+              <a:rPr lang="en-US" dirty="0" smtClean="0">
+                <a:solidFill>
+                  <a:schemeClr val="accent6"/>
+                </a:solidFill>
+              </a:rPr>
+              <a:t>Multiple columns</a:t>
             </a:r>
             <a:endParaRPr lang="bg-BG" dirty="0">
               <a:solidFill>
@@ -6805,7 +6606,7 @@
       </p:sp>
       <p:sp>
         <p:nvSpPr>
-          <p:cNvPr id="3" name="Content Placeholder 2"/>
+          <p:cNvPr id="6" name="Content Placeholder 5"/>
           <p:cNvSpPr>
             <a:spLocks noGrp="1"/>
           </p:cNvSpPr>
@@ -6813,12 +6614,7 @@
             <p:ph idx="1"/>
           </p:nvPr>
         </p:nvSpPr>
-        <p:spPr>
-          <a:xfrm>
-            <a:off x="762000" y="1676400"/>
-            <a:ext cx="7620000" cy="4525963"/>
-          </a:xfrm>
-        </p:spPr>
+        <p:spPr/>
         <p:txBody>
           <a:bodyPr>
             <a:normAutofit/>
@@ -6829,100 +6625,439 @@
               <a:buFont typeface="Wingdings" panose="05000000000000000000" pitchFamily="2" charset="2"/>
               <a:buChar char="§"/>
             </a:pPr>
-            <a:endParaRPr lang="en-US" dirty="0">
-              <a:solidFill>
-                <a:schemeClr val="bg1">
-                  <a:lumMod val="95000"/>
-                </a:schemeClr>
-              </a:solidFill>
-            </a:endParaRPr>
+            <a:r>
+              <a:rPr lang="en-US" sz="3000" dirty="0" smtClean="0">
+                <a:solidFill>
+                  <a:schemeClr val="bg1"/>
+                </a:solidFill>
+                <a:latin typeface="+mj-lt"/>
+                <a:cs typeface="Courier New" panose="02070309020205020404" pitchFamily="49" charset="0"/>
+              </a:rPr>
+              <a:t>column-count</a:t>
+            </a:r>
           </a:p>
           <a:p>
             <a:pPr>
               <a:buFont typeface="Wingdings" panose="05000000000000000000" pitchFamily="2" charset="2"/>
               <a:buChar char="§"/>
             </a:pPr>
-            <a:endParaRPr lang="en-US" dirty="0">
-              <a:solidFill>
-                <a:schemeClr val="bg1">
-                  <a:lumMod val="95000"/>
-                </a:schemeClr>
-              </a:solidFill>
-            </a:endParaRPr>
+            <a:r>
+              <a:rPr lang="en-US" sz="3000" dirty="0">
+                <a:solidFill>
+                  <a:schemeClr val="bg1"/>
+                </a:solidFill>
+                <a:latin typeface="+mj-lt"/>
+                <a:cs typeface="Courier New" panose="02070309020205020404" pitchFamily="49" charset="0"/>
+              </a:rPr>
+              <a:t>column-gap</a:t>
+            </a:r>
           </a:p>
           <a:p>
             <a:pPr>
               <a:buFont typeface="Wingdings" panose="05000000000000000000" pitchFamily="2" charset="2"/>
               <a:buChar char="§"/>
             </a:pPr>
-            <a:endParaRPr lang="en-US" dirty="0">
-              <a:solidFill>
-                <a:schemeClr val="bg1">
-                  <a:lumMod val="95000"/>
-                </a:schemeClr>
-              </a:solidFill>
-            </a:endParaRPr>
+            <a:r>
+              <a:rPr lang="en-US" sz="3000" dirty="0">
+                <a:solidFill>
+                  <a:schemeClr val="bg1"/>
+                </a:solidFill>
+                <a:latin typeface="+mj-lt"/>
+                <a:cs typeface="Courier New" panose="02070309020205020404" pitchFamily="49" charset="0"/>
+              </a:rPr>
+              <a:t>column-rule-style</a:t>
+            </a:r>
           </a:p>
           <a:p>
             <a:pPr>
               <a:buFont typeface="Wingdings" panose="05000000000000000000" pitchFamily="2" charset="2"/>
               <a:buChar char="§"/>
             </a:pPr>
-            <a:endParaRPr lang="en-US" dirty="0">
-              <a:solidFill>
-                <a:schemeClr val="bg1">
-                  <a:lumMod val="95000"/>
-                </a:schemeClr>
-              </a:solidFill>
-            </a:endParaRPr>
+            <a:r>
+              <a:rPr lang="en-US" sz="3000" dirty="0">
+                <a:solidFill>
+                  <a:schemeClr val="bg1"/>
+                </a:solidFill>
+                <a:latin typeface="+mj-lt"/>
+                <a:cs typeface="Courier New" panose="02070309020205020404" pitchFamily="49" charset="0"/>
+              </a:rPr>
+              <a:t>column-rule-width</a:t>
+            </a:r>
+          </a:p>
+          <a:p>
+            <a:pPr>
+              <a:buFont typeface="Wingdings" panose="05000000000000000000" pitchFamily="2" charset="2"/>
+              <a:buChar char="§"/>
+            </a:pPr>
+            <a:r>
+              <a:rPr lang="en-US" sz="3000" dirty="0">
+                <a:solidFill>
+                  <a:schemeClr val="bg1"/>
+                </a:solidFill>
+                <a:latin typeface="+mj-lt"/>
+                <a:cs typeface="Courier New" panose="02070309020205020404" pitchFamily="49" charset="0"/>
+              </a:rPr>
+              <a:t>column-rule-color</a:t>
+            </a:r>
+          </a:p>
+          <a:p>
+            <a:pPr>
+              <a:buFont typeface="Wingdings" panose="05000000000000000000" pitchFamily="2" charset="2"/>
+              <a:buChar char="§"/>
+            </a:pPr>
+            <a:r>
+              <a:rPr lang="en-US" sz="3000" dirty="0">
+                <a:solidFill>
+                  <a:schemeClr val="bg1"/>
+                </a:solidFill>
+                <a:latin typeface="+mj-lt"/>
+                <a:cs typeface="Courier New" panose="02070309020205020404" pitchFamily="49" charset="0"/>
+              </a:rPr>
+              <a:t>column-rule</a:t>
+            </a:r>
+          </a:p>
+          <a:p>
+            <a:pPr>
+              <a:buFont typeface="Wingdings" panose="05000000000000000000" pitchFamily="2" charset="2"/>
+              <a:buChar char="§"/>
+            </a:pPr>
+            <a:r>
+              <a:rPr lang="en-US" sz="3000" dirty="0">
+                <a:solidFill>
+                  <a:schemeClr val="bg1"/>
+                </a:solidFill>
+                <a:latin typeface="+mj-lt"/>
+                <a:cs typeface="Courier New" panose="02070309020205020404" pitchFamily="49" charset="0"/>
+              </a:rPr>
+              <a:t>column-span</a:t>
+            </a:r>
+          </a:p>
+          <a:p>
+            <a:pPr>
+              <a:buFont typeface="Wingdings" panose="05000000000000000000" pitchFamily="2" charset="2"/>
+              <a:buChar char="§"/>
+            </a:pPr>
+            <a:r>
+              <a:rPr lang="en-US" sz="3000" dirty="0">
+                <a:solidFill>
+                  <a:schemeClr val="bg1"/>
+                </a:solidFill>
+                <a:latin typeface="+mj-lt"/>
+                <a:cs typeface="Courier New" panose="02070309020205020404" pitchFamily="49" charset="0"/>
+              </a:rPr>
+              <a:t>column-width</a:t>
+            </a:r>
           </a:p>
         </p:txBody>
       </p:sp>
-      <p:pic>
-        <p:nvPicPr>
-          <p:cNvPr id="1027" name="Picture 3" descr="C:\Users\Lazar\Desktop\01-red-question-mark1.jpg"/>
-          <p:cNvPicPr>
-            <a:picLocks noChangeAspect="1" noChangeArrowheads="1"/>
-          </p:cNvPicPr>
+      <p:sp>
+        <p:nvSpPr>
+          <p:cNvPr id="3" name="Rectangle 1"/>
+          <p:cNvSpPr>
+            <a:spLocks noChangeArrowheads="1"/>
+          </p:cNvSpPr>
           <p:nvPr/>
-        </p:nvPicPr>
-        <p:blipFill>
-          <a:blip r:embed="rId2" cstate="print">
-            <a:extLst>
-              <a:ext uri="{28A0092B-C50C-407E-A947-70E740481C1C}">
-                <a14:useLocalDpi xmlns:a14="http://schemas.microsoft.com/office/drawing/2010/main" val="0"/>
-              </a:ext>
-            </a:extLst>
-          </a:blip>
-          <a:srcRect/>
-          <a:stretch>
-            <a:fillRect/>
-          </a:stretch>
-        </p:blipFill>
+        </p:nvSpPr>
         <p:spPr bwMode="auto">
           <a:xfrm>
-            <a:off x="3505200" y="2057400"/>
-            <a:ext cx="2419082" cy="2419082"/>
+            <a:off x="0" y="0"/>
+            <a:ext cx="9144000" cy="0"/>
           </a:xfrm>
           <a:prstGeom prst="rect">
             <a:avLst/>
           </a:prstGeom>
-          <a:noFill/>
+          <a:solidFill>
+            <a:srgbClr val="F1F1F1"/>
+          </a:solidFill>
+          <a:ln>
+            <a:noFill/>
+          </a:ln>
+          <a:effectLst/>
           <a:extLst>
-            <a:ext uri="{909E8E84-426E-40DD-AFC4-6F175D3DCCD1}">
-              <a14:hiddenFill xmlns:a14="http://schemas.microsoft.com/office/drawing/2010/main">
-                <a:solidFill>
-                  <a:srgbClr val="FFFFFF"/>
-                </a:solidFill>
-              </a14:hiddenFill>
+            <a:ext uri="{91240B29-F687-4F45-9708-019B960494DF}">
+              <a14:hiddenLine xmlns:a14="http://schemas.microsoft.com/office/drawing/2010/main" w="9525">
+                <a:solidFill>
+                  <a:schemeClr val="tx1"/>
+                </a:solidFill>
+                <a:miter lim="800000"/>
+                <a:headEnd/>
+                <a:tailEnd/>
+              </a14:hiddenLine>
+            </a:ext>
+            <a:ext uri="{AF507438-7753-43E0-B8FC-AC1667EBCBE1}">
+              <a14:hiddenEffects xmlns:a14="http://schemas.microsoft.com/office/drawing/2010/main">
+                <a:effectLst>
+                  <a:outerShdw dist="35921" dir="2700000" algn="ctr" rotWithShape="0">
+                    <a:schemeClr val="bg2"/>
+                  </a:outerShdw>
+                </a:effectLst>
+              </a14:hiddenEffects>
             </a:ext>
           </a:extLst>
         </p:spPr>
-      </p:pic>
+        <p:txBody>
+          <a:bodyPr vert="horz" wrap="none" lIns="91440" tIns="0" rIns="91440" bIns="88872" numCol="1" anchor="ctr" anchorCtr="0" compatLnSpc="1">
+            <a:prstTxWarp prst="textNoShape">
+              <a:avLst/>
+            </a:prstTxWarp>
+            <a:spAutoFit/>
+          </a:bodyPr>
+          <a:lstStyle/>
+          <a:p>
+            <a:pPr marL="0" marR="0" lvl="0" indent="0" algn="l" defTabSz="914400" rtl="0" eaLnBrk="0" fontAlgn="base" latinLnBrk="0" hangingPunct="0">
+              <a:lnSpc>
+                <a:spcPct val="100000"/>
+              </a:lnSpc>
+              <a:spcBef>
+                <a:spcPct val="0"/>
+              </a:spcBef>
+              <a:spcAft>
+                <a:spcPct val="0"/>
+              </a:spcAft>
+              <a:buClrTx/>
+              <a:buSzTx/>
+              <a:buFontTx/>
+              <a:buNone/>
+              <a:tabLst/>
+            </a:pPr>
+            <a:endParaRPr kumimoji="0" lang="en-US" altLang="en-US" sz="1800" b="0" i="0" u="none" strike="noStrike" cap="none" normalizeH="0" baseline="0" smtClean="0">
+              <a:ln>
+                <a:noFill/>
+              </a:ln>
+              <a:solidFill>
+                <a:schemeClr val="tx1"/>
+              </a:solidFill>
+              <a:effectLst/>
+              <a:latin typeface="Arial" panose="020B0604020202020204" pitchFamily="34" charset="0"/>
+            </a:endParaRPr>
+          </a:p>
+          <a:p>
+            <a:pPr marL="0" marR="0" lvl="0" indent="0" algn="l" defTabSz="914400" rtl="0" eaLnBrk="0" fontAlgn="base" latinLnBrk="0" hangingPunct="0">
+              <a:lnSpc>
+                <a:spcPct val="100000"/>
+              </a:lnSpc>
+              <a:spcBef>
+                <a:spcPct val="0"/>
+              </a:spcBef>
+              <a:spcAft>
+                <a:spcPct val="0"/>
+              </a:spcAft>
+              <a:buClrTx/>
+              <a:buSzTx/>
+              <a:buFontTx/>
+              <a:buChar char="•"/>
+              <a:tabLst/>
+            </a:pPr>
+            <a:r>
+              <a:rPr kumimoji="0" lang="en-US" altLang="en-US" sz="1100" b="0" i="0" u="none" strike="noStrike" cap="none" normalizeH="0" baseline="0" smtClean="0">
+                <a:ln>
+                  <a:noFill/>
+                </a:ln>
+                <a:solidFill>
+                  <a:srgbClr val="DC143C"/>
+                </a:solidFill>
+                <a:effectLst/>
+                <a:latin typeface="Menlo"/>
+              </a:rPr>
+              <a:t>column-count</a:t>
+            </a:r>
+            <a:endParaRPr kumimoji="0" lang="en-US" altLang="en-US" sz="1100" b="0" i="0" u="none" strike="noStrike" cap="none" normalizeH="0" baseline="0" smtClean="0">
+              <a:ln>
+                <a:noFill/>
+              </a:ln>
+              <a:solidFill>
+                <a:srgbClr val="333333"/>
+              </a:solidFill>
+              <a:effectLst/>
+              <a:latin typeface="Verdana" panose="020B0604030504040204" pitchFamily="34" charset="0"/>
+            </a:endParaRPr>
+          </a:p>
+          <a:p>
+            <a:pPr marL="0" marR="0" lvl="0" indent="0" algn="l" defTabSz="914400" rtl="0" eaLnBrk="0" fontAlgn="base" latinLnBrk="0" hangingPunct="0">
+              <a:lnSpc>
+                <a:spcPct val="100000"/>
+              </a:lnSpc>
+              <a:spcBef>
+                <a:spcPct val="0"/>
+              </a:spcBef>
+              <a:spcAft>
+                <a:spcPct val="0"/>
+              </a:spcAft>
+              <a:buClrTx/>
+              <a:buSzTx/>
+              <a:buFontTx/>
+              <a:buNone/>
+              <a:tabLst/>
+            </a:pPr>
+            <a:endParaRPr kumimoji="0" lang="en-US" altLang="en-US" sz="1800" b="0" i="0" u="none" strike="noStrike" cap="none" normalizeH="0" baseline="0" smtClean="0">
+              <a:ln>
+                <a:noFill/>
+              </a:ln>
+              <a:solidFill>
+                <a:schemeClr val="tx1"/>
+              </a:solidFill>
+              <a:effectLst/>
+              <a:latin typeface="Arial" panose="020B0604020202020204" pitchFamily="34" charset="0"/>
+            </a:endParaRPr>
+          </a:p>
+        </p:txBody>
+      </p:sp>
+      <p:sp>
+        <p:nvSpPr>
+          <p:cNvPr id="5" name="Rectangle 3"/>
+          <p:cNvSpPr>
+            <a:spLocks noChangeArrowheads="1"/>
+          </p:cNvSpPr>
+          <p:nvPr/>
+        </p:nvSpPr>
+        <p:spPr bwMode="auto">
+          <a:xfrm>
+            <a:off x="152400" y="152400"/>
+            <a:ext cx="9144000" cy="0"/>
+          </a:xfrm>
+          <a:prstGeom prst="rect">
+            <a:avLst/>
+          </a:prstGeom>
+          <a:solidFill>
+            <a:srgbClr val="F1F1F1"/>
+          </a:solidFill>
+          <a:ln>
+            <a:noFill/>
+          </a:ln>
+          <a:effectLst/>
+          <a:extLst>
+            <a:ext uri="{91240B29-F687-4F45-9708-019B960494DF}">
+              <a14:hiddenLine xmlns:a14="http://schemas.microsoft.com/office/drawing/2010/main" w="9525">
+                <a:solidFill>
+                  <a:schemeClr val="tx1"/>
+                </a:solidFill>
+                <a:miter lim="800000"/>
+                <a:headEnd/>
+                <a:tailEnd/>
+              </a14:hiddenLine>
+            </a:ext>
+            <a:ext uri="{AF507438-7753-43E0-B8FC-AC1667EBCBE1}">
+              <a14:hiddenEffects xmlns:a14="http://schemas.microsoft.com/office/drawing/2010/main">
+                <a:effectLst>
+                  <a:outerShdw dist="35921" dir="2700000" algn="ctr" rotWithShape="0">
+                    <a:schemeClr val="bg2"/>
+                  </a:outerShdw>
+                </a:effectLst>
+              </a14:hiddenEffects>
+            </a:ext>
+          </a:extLst>
+        </p:spPr>
+        <p:txBody>
+          <a:bodyPr vert="horz" wrap="none" lIns="91440" tIns="0" rIns="91440" bIns="88872" numCol="1" anchor="ctr" anchorCtr="0" compatLnSpc="1">
+            <a:prstTxWarp prst="textNoShape">
+              <a:avLst/>
+            </a:prstTxWarp>
+            <a:spAutoFit/>
+          </a:bodyPr>
+          <a:lstStyle/>
+          <a:p>
+            <a:pPr marL="0" marR="0" lvl="0" indent="0" algn="l" defTabSz="914400" rtl="0" eaLnBrk="0" fontAlgn="base" latinLnBrk="0" hangingPunct="0">
+              <a:lnSpc>
+                <a:spcPct val="100000"/>
+              </a:lnSpc>
+              <a:spcBef>
+                <a:spcPct val="0"/>
+              </a:spcBef>
+              <a:spcAft>
+                <a:spcPct val="0"/>
+              </a:spcAft>
+              <a:buClrTx/>
+              <a:buSzTx/>
+              <a:buFontTx/>
+              <a:buNone/>
+              <a:tabLst/>
+            </a:pPr>
+            <a:endParaRPr kumimoji="0" lang="en-US" altLang="en-US" sz="1800" b="0" i="0" u="none" strike="noStrike" cap="none" normalizeH="0" baseline="0" smtClean="0">
+              <a:ln>
+                <a:noFill/>
+              </a:ln>
+              <a:solidFill>
+                <a:schemeClr val="tx1"/>
+              </a:solidFill>
+              <a:effectLst/>
+              <a:latin typeface="Arial" panose="020B0604020202020204" pitchFamily="34" charset="0"/>
+            </a:endParaRPr>
+          </a:p>
+          <a:p>
+            <a:pPr marL="0" marR="0" lvl="0" indent="0" algn="l" defTabSz="914400" rtl="0" eaLnBrk="0" fontAlgn="base" latinLnBrk="0" hangingPunct="0">
+              <a:lnSpc>
+                <a:spcPct val="100000"/>
+              </a:lnSpc>
+              <a:spcBef>
+                <a:spcPct val="0"/>
+              </a:spcBef>
+              <a:spcAft>
+                <a:spcPct val="0"/>
+              </a:spcAft>
+              <a:buClrTx/>
+              <a:buSzTx/>
+              <a:buFontTx/>
+              <a:buChar char="•"/>
+              <a:tabLst/>
+            </a:pPr>
+            <a:r>
+              <a:rPr kumimoji="0" lang="en-US" altLang="en-US" sz="1100" b="0" i="0" u="none" strike="noStrike" cap="none" normalizeH="0" baseline="0" smtClean="0">
+                <a:ln>
+                  <a:noFill/>
+                </a:ln>
+                <a:solidFill>
+                  <a:srgbClr val="DC143C"/>
+                </a:solidFill>
+                <a:effectLst/>
+                <a:latin typeface="Menlo"/>
+              </a:rPr>
+              <a:t>column-count</a:t>
+            </a:r>
+            <a:endParaRPr kumimoji="0" lang="en-US" altLang="en-US" sz="1100" b="0" i="0" u="none" strike="noStrike" cap="none" normalizeH="0" baseline="0" smtClean="0">
+              <a:ln>
+                <a:noFill/>
+              </a:ln>
+              <a:solidFill>
+                <a:srgbClr val="333333"/>
+              </a:solidFill>
+              <a:effectLst/>
+              <a:latin typeface="Verdana" panose="020B0604030504040204" pitchFamily="34" charset="0"/>
+            </a:endParaRPr>
+          </a:p>
+          <a:p>
+            <a:pPr marL="0" marR="0" lvl="0" indent="0" algn="l" defTabSz="914400" rtl="0" eaLnBrk="0" fontAlgn="base" latinLnBrk="0" hangingPunct="0">
+              <a:lnSpc>
+                <a:spcPct val="100000"/>
+              </a:lnSpc>
+              <a:spcBef>
+                <a:spcPct val="0"/>
+              </a:spcBef>
+              <a:spcAft>
+                <a:spcPct val="0"/>
+              </a:spcAft>
+              <a:buClrTx/>
+              <a:buSzTx/>
+              <a:buFontTx/>
+              <a:buNone/>
+              <a:tabLst/>
+            </a:pPr>
+            <a:endParaRPr kumimoji="0" lang="en-US" altLang="en-US" sz="1800" b="0" i="0" u="none" strike="noStrike" cap="none" normalizeH="0" baseline="0" smtClean="0">
+              <a:ln>
+                <a:noFill/>
+              </a:ln>
+              <a:solidFill>
+                <a:schemeClr val="tx1"/>
+              </a:solidFill>
+              <a:effectLst/>
+              <a:latin typeface="Arial" panose="020B0604020202020204" pitchFamily="34" charset="0"/>
+            </a:endParaRPr>
+          </a:p>
+        </p:txBody>
+      </p:sp>
     </p:spTree>
     <p:extLst>
       <p:ext uri="{BB962C8B-B14F-4D97-AF65-F5344CB8AC3E}">
-        <p14:creationId xmlns:p14="http://schemas.microsoft.com/office/powerpoint/2010/main" val="1088608090"/>
+        <p14:creationId xmlns:p14="http://schemas.microsoft.com/office/powerpoint/2010/main" val="3488039917"/>
       </p:ext>
     </p:extLst>
   </p:cSld>
@@ -7070,15 +7205,7 @@
                   <a:schemeClr val="bg1"/>
                 </a:solidFill>
               </a:rPr>
-              <a:t>Последен стандарт за </a:t>
-            </a:r>
-            <a:r>
-              <a:rPr lang="bg-BG" sz="3200" dirty="0" smtClean="0">
-                <a:solidFill>
-                  <a:schemeClr val="bg1"/>
-                </a:solidFill>
-              </a:rPr>
-              <a:t>стилизиране</a:t>
+              <a:t>Последен стандарт за стилизиране</a:t>
             </a:r>
           </a:p>
           <a:p>
@@ -7121,11 +7248,6 @@
               </a:rPr>
               <a:t>Не се поддържа от стари версии на браузъри</a:t>
             </a:r>
-            <a:endParaRPr lang="bg-BG" sz="3200" dirty="0" smtClean="0">
-              <a:solidFill>
-                <a:schemeClr val="bg1"/>
-              </a:solidFill>
-            </a:endParaRPr>
           </a:p>
         </p:txBody>
       </p:sp>
@@ -7178,6 +7300,962 @@
         </p:nvSpPr>
         <p:spPr>
           <a:xfrm>
+            <a:off x="457200" y="685800"/>
+            <a:ext cx="8610600" cy="1143000"/>
+          </a:xfrm>
+        </p:spPr>
+        <p:txBody>
+          <a:bodyPr>
+            <a:normAutofit/>
+          </a:bodyPr>
+          <a:lstStyle/>
+          <a:p>
+            <a:pPr algn="l"/>
+            <a:r>
+              <a:rPr lang="en-US" dirty="0" smtClean="0">
+                <a:solidFill>
+                  <a:schemeClr val="accent6"/>
+                </a:solidFill>
+              </a:rPr>
+              <a:t>CSS3</a:t>
+            </a:r>
+            <a:r>
+              <a:rPr lang="bg-BG" dirty="0" smtClean="0">
+                <a:solidFill>
+                  <a:schemeClr val="accent6"/>
+                </a:solidFill>
+              </a:rPr>
+              <a:t> – </a:t>
+            </a:r>
+            <a:r>
+              <a:rPr lang="en-US" dirty="0" smtClean="0">
+                <a:solidFill>
+                  <a:schemeClr val="accent6"/>
+                </a:solidFill>
+              </a:rPr>
+              <a:t>Multiple columns</a:t>
+            </a:r>
+            <a:endParaRPr lang="bg-BG" dirty="0">
+              <a:solidFill>
+                <a:schemeClr val="accent6"/>
+              </a:solidFill>
+            </a:endParaRPr>
+          </a:p>
+        </p:txBody>
+      </p:sp>
+      <p:sp>
+        <p:nvSpPr>
+          <p:cNvPr id="6" name="Content Placeholder 5"/>
+          <p:cNvSpPr>
+            <a:spLocks noGrp="1"/>
+          </p:cNvSpPr>
+          <p:nvPr>
+            <p:ph idx="1"/>
+          </p:nvPr>
+        </p:nvSpPr>
+        <p:spPr/>
+        <p:txBody>
+          <a:bodyPr>
+            <a:normAutofit fontScale="77500" lnSpcReduction="20000"/>
+          </a:bodyPr>
+          <a:lstStyle/>
+          <a:p>
+            <a:pPr marL="0" indent="0">
+              <a:buNone/>
+            </a:pPr>
+            <a:r>
+              <a:rPr lang="en-US" sz="3000" dirty="0">
+                <a:solidFill>
+                  <a:srgbClr val="00B050"/>
+                </a:solidFill>
+                <a:latin typeface="+mj-lt"/>
+                <a:cs typeface="Courier New" panose="02070309020205020404" pitchFamily="49" charset="0"/>
+              </a:rPr>
+              <a:t>.newspaper {</a:t>
+            </a:r>
+          </a:p>
+          <a:p>
+            <a:pPr marL="0" indent="0">
+              <a:buNone/>
+            </a:pPr>
+            <a:r>
+              <a:rPr lang="en-US" sz="3000" dirty="0">
+                <a:solidFill>
+                  <a:srgbClr val="00B050"/>
+                </a:solidFill>
+                <a:latin typeface="+mj-lt"/>
+                <a:cs typeface="Courier New" panose="02070309020205020404" pitchFamily="49" charset="0"/>
+              </a:rPr>
+              <a:t>    -</a:t>
+            </a:r>
+            <a:r>
+              <a:rPr lang="en-US" sz="3000" dirty="0" err="1">
+                <a:solidFill>
+                  <a:srgbClr val="00B050"/>
+                </a:solidFill>
+                <a:latin typeface="+mj-lt"/>
+                <a:cs typeface="Courier New" panose="02070309020205020404" pitchFamily="49" charset="0"/>
+              </a:rPr>
+              <a:t>webkit</a:t>
+            </a:r>
+            <a:r>
+              <a:rPr lang="en-US" sz="3000" dirty="0">
+                <a:solidFill>
+                  <a:srgbClr val="00B050"/>
+                </a:solidFill>
+                <a:latin typeface="+mj-lt"/>
+                <a:cs typeface="Courier New" panose="02070309020205020404" pitchFamily="49" charset="0"/>
+              </a:rPr>
+              <a:t>-column-count: 3; /* Chrome, Safari, Opera */</a:t>
+            </a:r>
+          </a:p>
+          <a:p>
+            <a:pPr marL="0" indent="0">
+              <a:buNone/>
+            </a:pPr>
+            <a:r>
+              <a:rPr lang="en-US" sz="3000" dirty="0">
+                <a:solidFill>
+                  <a:srgbClr val="00B050"/>
+                </a:solidFill>
+                <a:latin typeface="+mj-lt"/>
+                <a:cs typeface="Courier New" panose="02070309020205020404" pitchFamily="49" charset="0"/>
+              </a:rPr>
+              <a:t>    -</a:t>
+            </a:r>
+            <a:r>
+              <a:rPr lang="en-US" sz="3000" dirty="0" err="1">
+                <a:solidFill>
+                  <a:srgbClr val="00B050"/>
+                </a:solidFill>
+                <a:latin typeface="+mj-lt"/>
+                <a:cs typeface="Courier New" panose="02070309020205020404" pitchFamily="49" charset="0"/>
+              </a:rPr>
+              <a:t>moz</a:t>
+            </a:r>
+            <a:r>
+              <a:rPr lang="en-US" sz="3000" dirty="0">
+                <a:solidFill>
+                  <a:srgbClr val="00B050"/>
+                </a:solidFill>
+                <a:latin typeface="+mj-lt"/>
+                <a:cs typeface="Courier New" panose="02070309020205020404" pitchFamily="49" charset="0"/>
+              </a:rPr>
+              <a:t>-column-count: 3; /* Firefox */</a:t>
+            </a:r>
+          </a:p>
+          <a:p>
+            <a:pPr marL="0" indent="0">
+              <a:buNone/>
+            </a:pPr>
+            <a:r>
+              <a:rPr lang="en-US" sz="3000" dirty="0">
+                <a:solidFill>
+                  <a:srgbClr val="00B050"/>
+                </a:solidFill>
+                <a:latin typeface="+mj-lt"/>
+                <a:cs typeface="Courier New" panose="02070309020205020404" pitchFamily="49" charset="0"/>
+              </a:rPr>
+              <a:t>    column-count: 3;</a:t>
+            </a:r>
+          </a:p>
+          <a:p>
+            <a:pPr marL="0" indent="0">
+              <a:buNone/>
+            </a:pPr>
+            <a:r>
+              <a:rPr lang="en-US" sz="3000" dirty="0">
+                <a:solidFill>
+                  <a:srgbClr val="00B050"/>
+                </a:solidFill>
+                <a:latin typeface="+mj-lt"/>
+                <a:cs typeface="Courier New" panose="02070309020205020404" pitchFamily="49" charset="0"/>
+              </a:rPr>
+              <a:t>    -</a:t>
+            </a:r>
+            <a:r>
+              <a:rPr lang="en-US" sz="3000" dirty="0" err="1">
+                <a:solidFill>
+                  <a:srgbClr val="00B050"/>
+                </a:solidFill>
+                <a:latin typeface="+mj-lt"/>
+                <a:cs typeface="Courier New" panose="02070309020205020404" pitchFamily="49" charset="0"/>
+              </a:rPr>
+              <a:t>webkit</a:t>
+            </a:r>
+            <a:r>
+              <a:rPr lang="en-US" sz="3000" dirty="0">
+                <a:solidFill>
+                  <a:srgbClr val="00B050"/>
+                </a:solidFill>
+                <a:latin typeface="+mj-lt"/>
+                <a:cs typeface="Courier New" panose="02070309020205020404" pitchFamily="49" charset="0"/>
+              </a:rPr>
+              <a:t>-column-gap: 40px; /* Chrome, Safari, Opera */</a:t>
+            </a:r>
+          </a:p>
+          <a:p>
+            <a:pPr marL="0" indent="0">
+              <a:buNone/>
+            </a:pPr>
+            <a:r>
+              <a:rPr lang="en-US" sz="3000" dirty="0">
+                <a:solidFill>
+                  <a:srgbClr val="00B050"/>
+                </a:solidFill>
+                <a:latin typeface="+mj-lt"/>
+                <a:cs typeface="Courier New" panose="02070309020205020404" pitchFamily="49" charset="0"/>
+              </a:rPr>
+              <a:t>    -</a:t>
+            </a:r>
+            <a:r>
+              <a:rPr lang="en-US" sz="3000" dirty="0" err="1">
+                <a:solidFill>
+                  <a:srgbClr val="00B050"/>
+                </a:solidFill>
+                <a:latin typeface="+mj-lt"/>
+                <a:cs typeface="Courier New" panose="02070309020205020404" pitchFamily="49" charset="0"/>
+              </a:rPr>
+              <a:t>moz</a:t>
+            </a:r>
+            <a:r>
+              <a:rPr lang="en-US" sz="3000" dirty="0">
+                <a:solidFill>
+                  <a:srgbClr val="00B050"/>
+                </a:solidFill>
+                <a:latin typeface="+mj-lt"/>
+                <a:cs typeface="Courier New" panose="02070309020205020404" pitchFamily="49" charset="0"/>
+              </a:rPr>
+              <a:t>-column-gap: 40px; /* Firefox */</a:t>
+            </a:r>
+          </a:p>
+          <a:p>
+            <a:pPr marL="0" indent="0">
+              <a:buNone/>
+            </a:pPr>
+            <a:r>
+              <a:rPr lang="en-US" sz="3000" dirty="0">
+                <a:solidFill>
+                  <a:srgbClr val="00B050"/>
+                </a:solidFill>
+                <a:latin typeface="+mj-lt"/>
+                <a:cs typeface="Courier New" panose="02070309020205020404" pitchFamily="49" charset="0"/>
+              </a:rPr>
+              <a:t>    column-gap: 40px;</a:t>
+            </a:r>
+          </a:p>
+          <a:p>
+            <a:pPr marL="0" indent="0">
+              <a:buNone/>
+            </a:pPr>
+            <a:r>
+              <a:rPr lang="en-US" sz="3000" dirty="0">
+                <a:solidFill>
+                  <a:srgbClr val="00B050"/>
+                </a:solidFill>
+                <a:latin typeface="+mj-lt"/>
+                <a:cs typeface="Courier New" panose="02070309020205020404" pitchFamily="49" charset="0"/>
+              </a:rPr>
+              <a:t>    -</a:t>
+            </a:r>
+            <a:r>
+              <a:rPr lang="en-US" sz="3000" dirty="0" err="1">
+                <a:solidFill>
+                  <a:srgbClr val="00B050"/>
+                </a:solidFill>
+                <a:latin typeface="+mj-lt"/>
+                <a:cs typeface="Courier New" panose="02070309020205020404" pitchFamily="49" charset="0"/>
+              </a:rPr>
+              <a:t>webkit</a:t>
+            </a:r>
+            <a:r>
+              <a:rPr lang="en-US" sz="3000" dirty="0">
+                <a:solidFill>
+                  <a:srgbClr val="00B050"/>
+                </a:solidFill>
+                <a:latin typeface="+mj-lt"/>
+                <a:cs typeface="Courier New" panose="02070309020205020404" pitchFamily="49" charset="0"/>
+              </a:rPr>
+              <a:t>-column-rule: 1px solid </a:t>
+            </a:r>
+            <a:r>
+              <a:rPr lang="en-US" sz="3000" dirty="0" err="1">
+                <a:solidFill>
+                  <a:srgbClr val="00B050"/>
+                </a:solidFill>
+                <a:latin typeface="+mj-lt"/>
+                <a:cs typeface="Courier New" panose="02070309020205020404" pitchFamily="49" charset="0"/>
+              </a:rPr>
+              <a:t>lightblue</a:t>
+            </a:r>
+            <a:r>
+              <a:rPr lang="en-US" sz="3000" dirty="0">
+                <a:solidFill>
+                  <a:srgbClr val="00B050"/>
+                </a:solidFill>
+                <a:latin typeface="+mj-lt"/>
+                <a:cs typeface="Courier New" panose="02070309020205020404" pitchFamily="49" charset="0"/>
+              </a:rPr>
+              <a:t>; /* Chrome, Safari, Opera */</a:t>
+            </a:r>
+          </a:p>
+          <a:p>
+            <a:pPr marL="0" indent="0">
+              <a:buNone/>
+            </a:pPr>
+            <a:r>
+              <a:rPr lang="en-US" sz="3000" dirty="0">
+                <a:solidFill>
+                  <a:srgbClr val="00B050"/>
+                </a:solidFill>
+                <a:latin typeface="+mj-lt"/>
+                <a:cs typeface="Courier New" panose="02070309020205020404" pitchFamily="49" charset="0"/>
+              </a:rPr>
+              <a:t>    -</a:t>
+            </a:r>
+            <a:r>
+              <a:rPr lang="en-US" sz="3000" dirty="0" err="1">
+                <a:solidFill>
+                  <a:srgbClr val="00B050"/>
+                </a:solidFill>
+                <a:latin typeface="+mj-lt"/>
+                <a:cs typeface="Courier New" panose="02070309020205020404" pitchFamily="49" charset="0"/>
+              </a:rPr>
+              <a:t>moz</a:t>
+            </a:r>
+            <a:r>
+              <a:rPr lang="en-US" sz="3000" dirty="0">
+                <a:solidFill>
+                  <a:srgbClr val="00B050"/>
+                </a:solidFill>
+                <a:latin typeface="+mj-lt"/>
+                <a:cs typeface="Courier New" panose="02070309020205020404" pitchFamily="49" charset="0"/>
+              </a:rPr>
+              <a:t>-column-rule: 1px solid </a:t>
+            </a:r>
+            <a:r>
+              <a:rPr lang="en-US" sz="3000" dirty="0" err="1">
+                <a:solidFill>
+                  <a:srgbClr val="00B050"/>
+                </a:solidFill>
+                <a:latin typeface="+mj-lt"/>
+                <a:cs typeface="Courier New" panose="02070309020205020404" pitchFamily="49" charset="0"/>
+              </a:rPr>
+              <a:t>lightblue</a:t>
+            </a:r>
+            <a:r>
+              <a:rPr lang="en-US" sz="3000" dirty="0">
+                <a:solidFill>
+                  <a:srgbClr val="00B050"/>
+                </a:solidFill>
+                <a:latin typeface="+mj-lt"/>
+                <a:cs typeface="Courier New" panose="02070309020205020404" pitchFamily="49" charset="0"/>
+              </a:rPr>
+              <a:t>; /* Firefox */</a:t>
+            </a:r>
+          </a:p>
+          <a:p>
+            <a:pPr marL="0" indent="0">
+              <a:buNone/>
+            </a:pPr>
+            <a:r>
+              <a:rPr lang="en-US" sz="3000" dirty="0">
+                <a:solidFill>
+                  <a:srgbClr val="00B050"/>
+                </a:solidFill>
+                <a:latin typeface="+mj-lt"/>
+                <a:cs typeface="Courier New" panose="02070309020205020404" pitchFamily="49" charset="0"/>
+              </a:rPr>
+              <a:t>    column-rule: 1px solid </a:t>
+            </a:r>
+            <a:r>
+              <a:rPr lang="en-US" sz="3000" dirty="0" err="1">
+                <a:solidFill>
+                  <a:srgbClr val="00B050"/>
+                </a:solidFill>
+                <a:latin typeface="+mj-lt"/>
+                <a:cs typeface="Courier New" panose="02070309020205020404" pitchFamily="49" charset="0"/>
+              </a:rPr>
+              <a:t>lightblue</a:t>
+            </a:r>
+            <a:r>
+              <a:rPr lang="en-US" sz="3000" dirty="0">
+                <a:solidFill>
+                  <a:srgbClr val="00B050"/>
+                </a:solidFill>
+                <a:latin typeface="+mj-lt"/>
+                <a:cs typeface="Courier New" panose="02070309020205020404" pitchFamily="49" charset="0"/>
+              </a:rPr>
+              <a:t>;</a:t>
+            </a:r>
+          </a:p>
+          <a:p>
+            <a:pPr marL="0" indent="0">
+              <a:buNone/>
+            </a:pPr>
+            <a:r>
+              <a:rPr lang="en-US" sz="3000" dirty="0">
+                <a:solidFill>
+                  <a:srgbClr val="00B050"/>
+                </a:solidFill>
+                <a:latin typeface="+mj-lt"/>
+                <a:cs typeface="Courier New" panose="02070309020205020404" pitchFamily="49" charset="0"/>
+              </a:rPr>
+              <a:t>}</a:t>
+            </a:r>
+            <a:endParaRPr lang="en-US" sz="3000" dirty="0">
+              <a:solidFill>
+                <a:srgbClr val="00B050"/>
+              </a:solidFill>
+              <a:latin typeface="+mj-lt"/>
+              <a:cs typeface="Courier New" panose="02070309020205020404" pitchFamily="49" charset="0"/>
+            </a:endParaRPr>
+          </a:p>
+        </p:txBody>
+      </p:sp>
+      <p:sp>
+        <p:nvSpPr>
+          <p:cNvPr id="3" name="Rectangle 1"/>
+          <p:cNvSpPr>
+            <a:spLocks noChangeArrowheads="1"/>
+          </p:cNvSpPr>
+          <p:nvPr/>
+        </p:nvSpPr>
+        <p:spPr bwMode="auto">
+          <a:xfrm>
+            <a:off x="0" y="0"/>
+            <a:ext cx="9144000" cy="0"/>
+          </a:xfrm>
+          <a:prstGeom prst="rect">
+            <a:avLst/>
+          </a:prstGeom>
+          <a:solidFill>
+            <a:srgbClr val="F1F1F1"/>
+          </a:solidFill>
+          <a:ln>
+            <a:noFill/>
+          </a:ln>
+          <a:effectLst/>
+          <a:extLst>
+            <a:ext uri="{91240B29-F687-4F45-9708-019B960494DF}">
+              <a14:hiddenLine xmlns:a14="http://schemas.microsoft.com/office/drawing/2010/main" w="9525">
+                <a:solidFill>
+                  <a:schemeClr val="tx1"/>
+                </a:solidFill>
+                <a:miter lim="800000"/>
+                <a:headEnd/>
+                <a:tailEnd/>
+              </a14:hiddenLine>
+            </a:ext>
+            <a:ext uri="{AF507438-7753-43E0-B8FC-AC1667EBCBE1}">
+              <a14:hiddenEffects xmlns:a14="http://schemas.microsoft.com/office/drawing/2010/main">
+                <a:effectLst>
+                  <a:outerShdw dist="35921" dir="2700000" algn="ctr" rotWithShape="0">
+                    <a:schemeClr val="bg2"/>
+                  </a:outerShdw>
+                </a:effectLst>
+              </a14:hiddenEffects>
+            </a:ext>
+          </a:extLst>
+        </p:spPr>
+        <p:txBody>
+          <a:bodyPr vert="horz" wrap="none" lIns="91440" tIns="0" rIns="91440" bIns="88872" numCol="1" anchor="ctr" anchorCtr="0" compatLnSpc="1">
+            <a:prstTxWarp prst="textNoShape">
+              <a:avLst/>
+            </a:prstTxWarp>
+            <a:spAutoFit/>
+          </a:bodyPr>
+          <a:lstStyle/>
+          <a:p>
+            <a:pPr marL="0" marR="0" lvl="0" indent="0" algn="l" defTabSz="914400" rtl="0" eaLnBrk="0" fontAlgn="base" latinLnBrk="0" hangingPunct="0">
+              <a:lnSpc>
+                <a:spcPct val="100000"/>
+              </a:lnSpc>
+              <a:spcBef>
+                <a:spcPct val="0"/>
+              </a:spcBef>
+              <a:spcAft>
+                <a:spcPct val="0"/>
+              </a:spcAft>
+              <a:buClrTx/>
+              <a:buSzTx/>
+              <a:buFontTx/>
+              <a:buNone/>
+              <a:tabLst/>
+            </a:pPr>
+            <a:endParaRPr kumimoji="0" lang="en-US" altLang="en-US" sz="1800" b="0" i="0" u="none" strike="noStrike" cap="none" normalizeH="0" baseline="0" smtClean="0">
+              <a:ln>
+                <a:noFill/>
+              </a:ln>
+              <a:solidFill>
+                <a:schemeClr val="tx1"/>
+              </a:solidFill>
+              <a:effectLst/>
+              <a:latin typeface="Arial" panose="020B0604020202020204" pitchFamily="34" charset="0"/>
+            </a:endParaRPr>
+          </a:p>
+          <a:p>
+            <a:pPr marL="0" marR="0" lvl="0" indent="0" algn="l" defTabSz="914400" rtl="0" eaLnBrk="0" fontAlgn="base" latinLnBrk="0" hangingPunct="0">
+              <a:lnSpc>
+                <a:spcPct val="100000"/>
+              </a:lnSpc>
+              <a:spcBef>
+                <a:spcPct val="0"/>
+              </a:spcBef>
+              <a:spcAft>
+                <a:spcPct val="0"/>
+              </a:spcAft>
+              <a:buClrTx/>
+              <a:buSzTx/>
+              <a:buFontTx/>
+              <a:buChar char="•"/>
+              <a:tabLst/>
+            </a:pPr>
+            <a:r>
+              <a:rPr kumimoji="0" lang="en-US" altLang="en-US" sz="1100" b="0" i="0" u="none" strike="noStrike" cap="none" normalizeH="0" baseline="0" smtClean="0">
+                <a:ln>
+                  <a:noFill/>
+                </a:ln>
+                <a:solidFill>
+                  <a:srgbClr val="DC143C"/>
+                </a:solidFill>
+                <a:effectLst/>
+                <a:latin typeface="Menlo"/>
+              </a:rPr>
+              <a:t>column-count</a:t>
+            </a:r>
+            <a:endParaRPr kumimoji="0" lang="en-US" altLang="en-US" sz="1100" b="0" i="0" u="none" strike="noStrike" cap="none" normalizeH="0" baseline="0" smtClean="0">
+              <a:ln>
+                <a:noFill/>
+              </a:ln>
+              <a:solidFill>
+                <a:srgbClr val="333333"/>
+              </a:solidFill>
+              <a:effectLst/>
+              <a:latin typeface="Verdana" panose="020B0604030504040204" pitchFamily="34" charset="0"/>
+            </a:endParaRPr>
+          </a:p>
+          <a:p>
+            <a:pPr marL="0" marR="0" lvl="0" indent="0" algn="l" defTabSz="914400" rtl="0" eaLnBrk="0" fontAlgn="base" latinLnBrk="0" hangingPunct="0">
+              <a:lnSpc>
+                <a:spcPct val="100000"/>
+              </a:lnSpc>
+              <a:spcBef>
+                <a:spcPct val="0"/>
+              </a:spcBef>
+              <a:spcAft>
+                <a:spcPct val="0"/>
+              </a:spcAft>
+              <a:buClrTx/>
+              <a:buSzTx/>
+              <a:buFontTx/>
+              <a:buNone/>
+              <a:tabLst/>
+            </a:pPr>
+            <a:endParaRPr kumimoji="0" lang="en-US" altLang="en-US" sz="1800" b="0" i="0" u="none" strike="noStrike" cap="none" normalizeH="0" baseline="0" smtClean="0">
+              <a:ln>
+                <a:noFill/>
+              </a:ln>
+              <a:solidFill>
+                <a:schemeClr val="tx1"/>
+              </a:solidFill>
+              <a:effectLst/>
+              <a:latin typeface="Arial" panose="020B0604020202020204" pitchFamily="34" charset="0"/>
+            </a:endParaRPr>
+          </a:p>
+        </p:txBody>
+      </p:sp>
+      <p:sp>
+        <p:nvSpPr>
+          <p:cNvPr id="5" name="Rectangle 3"/>
+          <p:cNvSpPr>
+            <a:spLocks noChangeArrowheads="1"/>
+          </p:cNvSpPr>
+          <p:nvPr/>
+        </p:nvSpPr>
+        <p:spPr bwMode="auto">
+          <a:xfrm>
+            <a:off x="152400" y="152400"/>
+            <a:ext cx="9144000" cy="0"/>
+          </a:xfrm>
+          <a:prstGeom prst="rect">
+            <a:avLst/>
+          </a:prstGeom>
+          <a:solidFill>
+            <a:srgbClr val="F1F1F1"/>
+          </a:solidFill>
+          <a:ln>
+            <a:noFill/>
+          </a:ln>
+          <a:effectLst/>
+          <a:extLst>
+            <a:ext uri="{91240B29-F687-4F45-9708-019B960494DF}">
+              <a14:hiddenLine xmlns:a14="http://schemas.microsoft.com/office/drawing/2010/main" w="9525">
+                <a:solidFill>
+                  <a:schemeClr val="tx1"/>
+                </a:solidFill>
+                <a:miter lim="800000"/>
+                <a:headEnd/>
+                <a:tailEnd/>
+              </a14:hiddenLine>
+            </a:ext>
+            <a:ext uri="{AF507438-7753-43E0-B8FC-AC1667EBCBE1}">
+              <a14:hiddenEffects xmlns:a14="http://schemas.microsoft.com/office/drawing/2010/main">
+                <a:effectLst>
+                  <a:outerShdw dist="35921" dir="2700000" algn="ctr" rotWithShape="0">
+                    <a:schemeClr val="bg2"/>
+                  </a:outerShdw>
+                </a:effectLst>
+              </a14:hiddenEffects>
+            </a:ext>
+          </a:extLst>
+        </p:spPr>
+        <p:txBody>
+          <a:bodyPr vert="horz" wrap="none" lIns="91440" tIns="0" rIns="91440" bIns="88872" numCol="1" anchor="ctr" anchorCtr="0" compatLnSpc="1">
+            <a:prstTxWarp prst="textNoShape">
+              <a:avLst/>
+            </a:prstTxWarp>
+            <a:spAutoFit/>
+          </a:bodyPr>
+          <a:lstStyle/>
+          <a:p>
+            <a:pPr marL="0" marR="0" lvl="0" indent="0" algn="l" defTabSz="914400" rtl="0" eaLnBrk="0" fontAlgn="base" latinLnBrk="0" hangingPunct="0">
+              <a:lnSpc>
+                <a:spcPct val="100000"/>
+              </a:lnSpc>
+              <a:spcBef>
+                <a:spcPct val="0"/>
+              </a:spcBef>
+              <a:spcAft>
+                <a:spcPct val="0"/>
+              </a:spcAft>
+              <a:buClrTx/>
+              <a:buSzTx/>
+              <a:buFontTx/>
+              <a:buNone/>
+              <a:tabLst/>
+            </a:pPr>
+            <a:endParaRPr kumimoji="0" lang="en-US" altLang="en-US" sz="1800" b="0" i="0" u="none" strike="noStrike" cap="none" normalizeH="0" baseline="0" smtClean="0">
+              <a:ln>
+                <a:noFill/>
+              </a:ln>
+              <a:solidFill>
+                <a:schemeClr val="tx1"/>
+              </a:solidFill>
+              <a:effectLst/>
+              <a:latin typeface="Arial" panose="020B0604020202020204" pitchFamily="34" charset="0"/>
+            </a:endParaRPr>
+          </a:p>
+          <a:p>
+            <a:pPr marL="0" marR="0" lvl="0" indent="0" algn="l" defTabSz="914400" rtl="0" eaLnBrk="0" fontAlgn="base" latinLnBrk="0" hangingPunct="0">
+              <a:lnSpc>
+                <a:spcPct val="100000"/>
+              </a:lnSpc>
+              <a:spcBef>
+                <a:spcPct val="0"/>
+              </a:spcBef>
+              <a:spcAft>
+                <a:spcPct val="0"/>
+              </a:spcAft>
+              <a:buClrTx/>
+              <a:buSzTx/>
+              <a:buFontTx/>
+              <a:buChar char="•"/>
+              <a:tabLst/>
+            </a:pPr>
+            <a:r>
+              <a:rPr kumimoji="0" lang="en-US" altLang="en-US" sz="1100" b="0" i="0" u="none" strike="noStrike" cap="none" normalizeH="0" baseline="0" smtClean="0">
+                <a:ln>
+                  <a:noFill/>
+                </a:ln>
+                <a:solidFill>
+                  <a:srgbClr val="DC143C"/>
+                </a:solidFill>
+                <a:effectLst/>
+                <a:latin typeface="Menlo"/>
+              </a:rPr>
+              <a:t>column-count</a:t>
+            </a:r>
+            <a:endParaRPr kumimoji="0" lang="en-US" altLang="en-US" sz="1100" b="0" i="0" u="none" strike="noStrike" cap="none" normalizeH="0" baseline="0" smtClean="0">
+              <a:ln>
+                <a:noFill/>
+              </a:ln>
+              <a:solidFill>
+                <a:srgbClr val="333333"/>
+              </a:solidFill>
+              <a:effectLst/>
+              <a:latin typeface="Verdana" panose="020B0604030504040204" pitchFamily="34" charset="0"/>
+            </a:endParaRPr>
+          </a:p>
+          <a:p>
+            <a:pPr marL="0" marR="0" lvl="0" indent="0" algn="l" defTabSz="914400" rtl="0" eaLnBrk="0" fontAlgn="base" latinLnBrk="0" hangingPunct="0">
+              <a:lnSpc>
+                <a:spcPct val="100000"/>
+              </a:lnSpc>
+              <a:spcBef>
+                <a:spcPct val="0"/>
+              </a:spcBef>
+              <a:spcAft>
+                <a:spcPct val="0"/>
+              </a:spcAft>
+              <a:buClrTx/>
+              <a:buSzTx/>
+              <a:buFontTx/>
+              <a:buNone/>
+              <a:tabLst/>
+            </a:pPr>
+            <a:endParaRPr kumimoji="0" lang="en-US" altLang="en-US" sz="1800" b="0" i="0" u="none" strike="noStrike" cap="none" normalizeH="0" baseline="0" smtClean="0">
+              <a:ln>
+                <a:noFill/>
+              </a:ln>
+              <a:solidFill>
+                <a:schemeClr val="tx1"/>
+              </a:solidFill>
+              <a:effectLst/>
+              <a:latin typeface="Arial" panose="020B0604020202020204" pitchFamily="34" charset="0"/>
+            </a:endParaRPr>
+          </a:p>
+        </p:txBody>
+      </p:sp>
+    </p:spTree>
+    <p:extLst>
+      <p:ext uri="{BB962C8B-B14F-4D97-AF65-F5344CB8AC3E}">
+        <p14:creationId xmlns:p14="http://schemas.microsoft.com/office/powerpoint/2010/main" val="4055646787"/>
+      </p:ext>
+    </p:extLst>
+  </p:cSld>
+  <p:clrMapOvr>
+    <a:masterClrMapping/>
+  </p:clrMapOvr>
+  <p:timing>
+    <p:tnLst>
+      <p:par>
+        <p:cTn id="1" dur="indefinite" restart="never" nodeType="tmRoot"/>
+      </p:par>
+    </p:tnLst>
+  </p:timing>
+</p:sld>
+</file>
+
+<file path=ppt/slides/slide21.xml><?xml version="1.0" encoding="utf-8"?>
+<p:sld xmlns:a="http://schemas.openxmlformats.org/drawingml/2006/main" xmlns:r="http://schemas.openxmlformats.org/officeDocument/2006/relationships" xmlns:p="http://schemas.openxmlformats.org/presentationml/2006/main">
+  <p:cSld>
+    <p:spTree>
+      <p:nvGrpSpPr>
+        <p:cNvPr id="1" name=""/>
+        <p:cNvGrpSpPr/>
+        <p:nvPr/>
+      </p:nvGrpSpPr>
+      <p:grpSpPr>
+        <a:xfrm>
+          <a:off x="0" y="0"/>
+          <a:ext cx="0" cy="0"/>
+          <a:chOff x="0" y="0"/>
+          <a:chExt cx="0" cy="0"/>
+        </a:xfrm>
+      </p:grpSpPr>
+      <p:sp>
+        <p:nvSpPr>
+          <p:cNvPr id="2" name="Title 1"/>
+          <p:cNvSpPr>
+            <a:spLocks noGrp="1"/>
+          </p:cNvSpPr>
+          <p:nvPr>
+            <p:ph type="title"/>
+          </p:nvPr>
+        </p:nvSpPr>
+        <p:spPr>
+          <a:xfrm>
+            <a:off x="838200" y="685800"/>
+            <a:ext cx="8229600" cy="1143000"/>
+          </a:xfrm>
+        </p:spPr>
+        <p:txBody>
+          <a:bodyPr/>
+          <a:lstStyle/>
+          <a:p>
+            <a:pPr algn="l"/>
+            <a:r>
+              <a:rPr lang="bg-BG" dirty="0" smtClean="0">
+                <a:solidFill>
+                  <a:schemeClr val="accent6"/>
+                </a:solidFill>
+              </a:rPr>
+              <a:t>Въпроси</a:t>
+            </a:r>
+            <a:endParaRPr lang="bg-BG" dirty="0">
+              <a:solidFill>
+                <a:schemeClr val="accent6"/>
+              </a:solidFill>
+            </a:endParaRPr>
+          </a:p>
+        </p:txBody>
+      </p:sp>
+      <p:sp>
+        <p:nvSpPr>
+          <p:cNvPr id="3" name="Content Placeholder 2"/>
+          <p:cNvSpPr>
+            <a:spLocks noGrp="1"/>
+          </p:cNvSpPr>
+          <p:nvPr>
+            <p:ph idx="1"/>
+          </p:nvPr>
+        </p:nvSpPr>
+        <p:spPr>
+          <a:xfrm>
+            <a:off x="762000" y="1676400"/>
+            <a:ext cx="7620000" cy="4525963"/>
+          </a:xfrm>
+        </p:spPr>
+        <p:txBody>
+          <a:bodyPr>
+            <a:normAutofit/>
+          </a:bodyPr>
+          <a:lstStyle/>
+          <a:p>
+            <a:pPr>
+              <a:buFont typeface="Wingdings" panose="05000000000000000000" pitchFamily="2" charset="2"/>
+              <a:buChar char="§"/>
+            </a:pPr>
+            <a:endParaRPr lang="en-US" dirty="0">
+              <a:solidFill>
+                <a:schemeClr val="bg1">
+                  <a:lumMod val="95000"/>
+                </a:schemeClr>
+              </a:solidFill>
+            </a:endParaRPr>
+          </a:p>
+          <a:p>
+            <a:pPr>
+              <a:buFont typeface="Wingdings" panose="05000000000000000000" pitchFamily="2" charset="2"/>
+              <a:buChar char="§"/>
+            </a:pPr>
+            <a:endParaRPr lang="en-US" dirty="0">
+              <a:solidFill>
+                <a:schemeClr val="bg1">
+                  <a:lumMod val="95000"/>
+                </a:schemeClr>
+              </a:solidFill>
+            </a:endParaRPr>
+          </a:p>
+          <a:p>
+            <a:pPr>
+              <a:buFont typeface="Wingdings" panose="05000000000000000000" pitchFamily="2" charset="2"/>
+              <a:buChar char="§"/>
+            </a:pPr>
+            <a:endParaRPr lang="en-US" dirty="0">
+              <a:solidFill>
+                <a:schemeClr val="bg1">
+                  <a:lumMod val="95000"/>
+                </a:schemeClr>
+              </a:solidFill>
+            </a:endParaRPr>
+          </a:p>
+          <a:p>
+            <a:pPr>
+              <a:buFont typeface="Wingdings" panose="05000000000000000000" pitchFamily="2" charset="2"/>
+              <a:buChar char="§"/>
+            </a:pPr>
+            <a:endParaRPr lang="en-US" dirty="0">
+              <a:solidFill>
+                <a:schemeClr val="bg1">
+                  <a:lumMod val="95000"/>
+                </a:schemeClr>
+              </a:solidFill>
+            </a:endParaRPr>
+          </a:p>
+        </p:txBody>
+      </p:sp>
+      <p:pic>
+        <p:nvPicPr>
+          <p:cNvPr id="1027" name="Picture 3" descr="C:\Users\Lazar\Desktop\01-red-question-mark1.jpg"/>
+          <p:cNvPicPr>
+            <a:picLocks noChangeAspect="1" noChangeArrowheads="1"/>
+          </p:cNvPicPr>
+          <p:nvPr/>
+        </p:nvPicPr>
+        <p:blipFill>
+          <a:blip r:embed="rId2" cstate="print">
+            <a:extLst>
+              <a:ext uri="{28A0092B-C50C-407E-A947-70E740481C1C}">
+                <a14:useLocalDpi xmlns:a14="http://schemas.microsoft.com/office/drawing/2010/main" val="0"/>
+              </a:ext>
+            </a:extLst>
+          </a:blip>
+          <a:srcRect/>
+          <a:stretch>
+            <a:fillRect/>
+          </a:stretch>
+        </p:blipFill>
+        <p:spPr bwMode="auto">
+          <a:xfrm>
+            <a:off x="3505200" y="2057400"/>
+            <a:ext cx="2419082" cy="2419082"/>
+          </a:xfrm>
+          <a:prstGeom prst="rect">
+            <a:avLst/>
+          </a:prstGeom>
+          <a:noFill/>
+          <a:extLst>
+            <a:ext uri="{909E8E84-426E-40DD-AFC4-6F175D3DCCD1}">
+              <a14:hiddenFill xmlns:a14="http://schemas.microsoft.com/office/drawing/2010/main">
+                <a:solidFill>
+                  <a:srgbClr val="FFFFFF"/>
+                </a:solidFill>
+              </a14:hiddenFill>
+            </a:ext>
+          </a:extLst>
+        </p:spPr>
+      </p:pic>
+    </p:spTree>
+    <p:extLst>
+      <p:ext uri="{BB962C8B-B14F-4D97-AF65-F5344CB8AC3E}">
+        <p14:creationId xmlns:p14="http://schemas.microsoft.com/office/powerpoint/2010/main" val="1088608090"/>
+      </p:ext>
+    </p:extLst>
+  </p:cSld>
+  <p:clrMapOvr>
+    <a:masterClrMapping/>
+  </p:clrMapOvr>
+  <p:timing>
+    <p:tnLst>
+      <p:par>
+        <p:cTn id="1" dur="indefinite" restart="never" nodeType="tmRoot"/>
+      </p:par>
+    </p:tnLst>
+  </p:timing>
+</p:sld>
+</file>
+
+<file path=ppt/slides/slide22.xml><?xml version="1.0" encoding="utf-8"?>
+<p:sld xmlns:a="http://schemas.openxmlformats.org/drawingml/2006/main" xmlns:r="http://schemas.openxmlformats.org/officeDocument/2006/relationships" xmlns:p="http://schemas.openxmlformats.org/presentationml/2006/main">
+  <p:cSld>
+    <p:spTree>
+      <p:nvGrpSpPr>
+        <p:cNvPr id="1" name=""/>
+        <p:cNvGrpSpPr/>
+        <p:nvPr/>
+      </p:nvGrpSpPr>
+      <p:grpSpPr>
+        <a:xfrm>
+          <a:off x="0" y="0"/>
+          <a:ext cx="0" cy="0"/>
+          <a:chOff x="0" y="0"/>
+          <a:chExt cx="0" cy="0"/>
+        </a:xfrm>
+      </p:grpSpPr>
+      <p:sp>
+        <p:nvSpPr>
+          <p:cNvPr id="2" name="Title 1"/>
+          <p:cNvSpPr>
+            <a:spLocks noGrp="1"/>
+          </p:cNvSpPr>
+          <p:nvPr>
+            <p:ph type="title"/>
+          </p:nvPr>
+        </p:nvSpPr>
+        <p:spPr>
+          <a:xfrm>
             <a:off x="838200" y="685800"/>
             <a:ext cx="8229600" cy="1143000"/>
           </a:xfrm>
@@ -7221,600 +8299,184 @@
         </p:spPr>
         <p:txBody>
           <a:bodyPr>
-            <a:normAutofit fontScale="85000" lnSpcReduction="10000"/>
+            <a:normAutofit/>
           </a:bodyPr>
           <a:lstStyle/>
           <a:p>
-            <a:pPr marL="457200" indent="-457200">
-              <a:buAutoNum type="arabicPeriod"/>
-            </a:pPr>
-            <a:r>
-              <a:rPr lang="bg-BG" sz="2000" dirty="0">
+            <a:pPr marL="0" indent="0">
+              <a:buNone/>
+            </a:pPr>
+            <a:r>
+              <a:rPr lang="bg-BG" sz="2000" dirty="0" smtClean="0">
                 <a:solidFill>
                   <a:schemeClr val="bg1">
                     <a:lumMod val="95000"/>
                   </a:schemeClr>
                 </a:solidFill>
               </a:rPr>
-              <a:t>Създайте страница, подобна на тази във файла </a:t>
-            </a:r>
-            <a:r>
-              <a:rPr lang="en-US" sz="2000" dirty="0">
+              <a:t>Използвайки </a:t>
+            </a:r>
+            <a:r>
+              <a:rPr lang="en-US" sz="2000" dirty="0" smtClean="0">
                 <a:solidFill>
                   <a:schemeClr val="bg1">
                     <a:lumMod val="95000"/>
                   </a:schemeClr>
                 </a:solidFill>
               </a:rPr>
-              <a:t>04-CSS-Tasks</a:t>
-            </a:r>
-            <a:r>
-              <a:rPr lang="bg-BG" sz="2000" dirty="0">
+              <a:t>CSS3</a:t>
+            </a:r>
+            <a:r>
+              <a:rPr lang="bg-BG" sz="2000" dirty="0" smtClean="0">
                 <a:solidFill>
                   <a:schemeClr val="bg1">
                     <a:lumMod val="95000"/>
                   </a:schemeClr>
                 </a:solidFill>
               </a:rPr>
-              <a:t>/</a:t>
-            </a:r>
-            <a:r>
-              <a:rPr lang="en-US" sz="2000" dirty="0">
+              <a:t>:</a:t>
+            </a:r>
+          </a:p>
+          <a:p>
+            <a:pPr marL="457200" indent="-457200">
+              <a:buAutoNum type="arabicPeriod"/>
+            </a:pPr>
+            <a:r>
+              <a:rPr lang="bg-BG" sz="2000" dirty="0" smtClean="0">
                 <a:solidFill>
                   <a:schemeClr val="bg1">
                     <a:lumMod val="95000"/>
                   </a:schemeClr>
                 </a:solidFill>
               </a:rPr>
-              <a:t>task</a:t>
-            </a:r>
-            <a:r>
-              <a:rPr lang="bg-BG" sz="2000" dirty="0">
+              <a:t>Направете форма, подобна на </a:t>
+            </a:r>
+            <a:r>
+              <a:rPr lang="en-US" sz="2000" dirty="0" smtClean="0">
                 <a:solidFill>
                   <a:schemeClr val="bg1">
                     <a:lumMod val="95000"/>
                   </a:schemeClr>
                 </a:solidFill>
               </a:rPr>
-              <a:t>2</a:t>
-            </a:r>
-            <a:r>
-              <a:rPr lang="en-US" sz="2000" dirty="0" smtClean="0">
+              <a:t>05-CSS3-Tasks/task1.png</a:t>
+            </a:r>
+          </a:p>
+          <a:p>
+            <a:pPr marL="457200" indent="-457200">
+              <a:buAutoNum type="arabicPeriod"/>
+            </a:pPr>
+            <a:r>
+              <a:rPr lang="bg-BG" sz="2000" dirty="0" smtClean="0">
                 <a:solidFill>
                   <a:schemeClr val="bg1">
                     <a:lumMod val="95000"/>
                   </a:schemeClr>
                 </a:solidFill>
               </a:rPr>
-              <a:t>.jpg</a:t>
-            </a:r>
-          </a:p>
-          <a:p>
-            <a:pPr marL="457200" indent="-457200">
-              <a:buAutoNum type="arabicPeriod"/>
-            </a:pPr>
-            <a:r>
-              <a:rPr lang="bg-BG" sz="2000" dirty="0" smtClean="0">
+              <a:t>Направете елементите, изобразени на </a:t>
+            </a:r>
+            <a:r>
+              <a:rPr lang="en-US" sz="2000" dirty="0" smtClean="0">
                 <a:solidFill>
                   <a:schemeClr val="bg1">
                     <a:lumMod val="95000"/>
                   </a:schemeClr>
                 </a:solidFill>
               </a:rPr>
-              <a:t>Създайте </a:t>
-            </a:r>
-            <a:r>
-              <a:rPr lang="bg-BG" sz="2000" dirty="0">
+              <a:t>05-CSS3-Tasks/task2.png</a:t>
+            </a:r>
+            <a:r>
+              <a:rPr lang="bg-BG" sz="2000" dirty="0" smtClean="0">
                 <a:solidFill>
                   <a:schemeClr val="bg1">
                     <a:lumMod val="95000"/>
                   </a:schemeClr>
                 </a:solidFill>
               </a:rPr>
-              <a:t>страница-</a:t>
-            </a:r>
-            <a:r>
-              <a:rPr lang="en-US" sz="2000" dirty="0">
+              <a:t>, като текстът в третия елемент, трябва да бъде от поне 20 думи.</a:t>
+            </a:r>
+          </a:p>
+          <a:p>
+            <a:pPr marL="457200" indent="-457200">
+              <a:buAutoNum type="arabicPeriod"/>
+            </a:pPr>
+            <a:r>
+              <a:rPr lang="bg-BG" sz="2000" dirty="0" smtClean="0">
                 <a:solidFill>
                   <a:schemeClr val="bg1">
                     <a:lumMod val="95000"/>
                   </a:schemeClr>
                 </a:solidFill>
               </a:rPr>
-              <a:t>reminder</a:t>
-            </a:r>
-            <a:r>
-              <a:rPr lang="bg-BG" sz="2000" dirty="0">
+              <a:t>Направете страница, подобна на </a:t>
+            </a:r>
+            <a:r>
+              <a:rPr lang="en-US" sz="2000" dirty="0" smtClean="0">
                 <a:solidFill>
                   <a:schemeClr val="bg1">
                     <a:lumMod val="95000"/>
                   </a:schemeClr>
                 </a:solidFill>
               </a:rPr>
-              <a:t>, подобна на тази във файла </a:t>
-            </a:r>
-            <a:r>
-              <a:rPr lang="en-US" sz="2000" dirty="0">
+              <a:t>CSS3-Tasks/task3.png</a:t>
+            </a:r>
+            <a:r>
+              <a:rPr lang="bg-BG" sz="2000" dirty="0" smtClean="0">
                 <a:solidFill>
                   <a:schemeClr val="bg1">
                     <a:lumMod val="95000"/>
                   </a:schemeClr>
                 </a:solidFill>
               </a:rPr>
-              <a:t>04-CSS-Tasks</a:t>
-            </a:r>
-            <a:r>
-              <a:rPr lang="bg-BG" sz="2000" dirty="0">
+              <a:t>, като упражните </a:t>
+            </a:r>
+            <a:r>
+              <a:rPr lang="en-US" sz="2000" dirty="0" smtClean="0">
                 <a:solidFill>
                   <a:schemeClr val="bg1">
                     <a:lumMod val="95000"/>
                   </a:schemeClr>
                 </a:solidFill>
               </a:rPr>
-              <a:t>/</a:t>
-            </a:r>
-            <a:r>
-              <a:rPr lang="en-US" sz="2000" dirty="0">
+              <a:t>column</a:t>
+            </a:r>
+            <a:r>
+              <a:rPr lang="bg-BG" sz="2000" dirty="0" smtClean="0">
                 <a:solidFill>
                   <a:schemeClr val="bg1">
                     <a:lumMod val="95000"/>
                   </a:schemeClr>
                 </a:solidFill>
               </a:rPr>
-              <a:t>task</a:t>
-            </a:r>
-            <a:r>
-              <a:rPr lang="bg-BG" sz="2000" dirty="0">
+              <a:t> свойствата.</a:t>
+            </a:r>
+          </a:p>
+          <a:p>
+            <a:pPr marL="457200" indent="-457200">
+              <a:buAutoNum type="arabicPeriod"/>
+            </a:pPr>
+            <a:r>
+              <a:rPr lang="bg-BG" sz="2000" dirty="0" smtClean="0">
                 <a:solidFill>
                   <a:schemeClr val="bg1">
                     <a:lumMod val="95000"/>
                   </a:schemeClr>
                 </a:solidFill>
               </a:rPr>
-              <a:t>4.</a:t>
-            </a:r>
-            <a:r>
-              <a:rPr lang="en-US" sz="2000" dirty="0" err="1">
+              <a:t>Направете страница, подобна на </a:t>
+            </a:r>
+            <a:r>
+              <a:rPr lang="en-US" sz="2000" dirty="0" smtClean="0">
                 <a:solidFill>
                   <a:schemeClr val="bg1">
                     <a:lumMod val="95000"/>
                   </a:schemeClr>
                 </a:solidFill>
               </a:rPr>
-              <a:t>png</a:t>
-            </a:r>
-            <a:r>
-              <a:rPr lang="bg-BG" sz="2000" dirty="0">
-                <a:solidFill>
-                  <a:schemeClr val="bg1">
-                    <a:lumMod val="95000"/>
-                  </a:schemeClr>
-                </a:solidFill>
-              </a:rPr>
-              <a:t>, като приложите наученото за </a:t>
-            </a:r>
-            <a:r>
-              <a:rPr lang="bg-BG" sz="2000" dirty="0" smtClean="0">
-                <a:solidFill>
-                  <a:schemeClr val="bg1">
-                    <a:lumMod val="95000"/>
-                  </a:schemeClr>
-                </a:solidFill>
-              </a:rPr>
-              <a:t>позициониране</a:t>
+              <a:t>CSS3-Tasks/task4.png</a:t>
             </a:r>
             <a:endParaRPr lang="en-US" sz="2000" dirty="0" smtClean="0">
-              <a:solidFill>
-                <a:schemeClr val="bg1">
-                  <a:lumMod val="95000"/>
-                </a:schemeClr>
-              </a:solidFill>
-            </a:endParaRPr>
-          </a:p>
-          <a:p>
-            <a:pPr marL="0" indent="0">
-              <a:buNone/>
-            </a:pPr>
-            <a:r>
-              <a:rPr lang="bg-BG" sz="2000" dirty="0" smtClean="0">
-                <a:solidFill>
-                  <a:schemeClr val="bg1">
-                    <a:lumMod val="95000"/>
-                  </a:schemeClr>
-                </a:solidFill>
-              </a:rPr>
-              <a:t>Използвайки </a:t>
-            </a:r>
-            <a:r>
-              <a:rPr lang="en-US" sz="2000" dirty="0" smtClean="0">
-                <a:solidFill>
-                  <a:schemeClr val="bg1">
-                    <a:lumMod val="95000"/>
-                  </a:schemeClr>
-                </a:solidFill>
-              </a:rPr>
-              <a:t>CSS3</a:t>
-            </a:r>
-            <a:r>
-              <a:rPr lang="bg-BG" sz="2000" dirty="0" smtClean="0">
-                <a:solidFill>
-                  <a:schemeClr val="bg1">
-                    <a:lumMod val="95000"/>
-                  </a:schemeClr>
-                </a:solidFill>
-              </a:rPr>
-              <a:t>:</a:t>
-            </a:r>
-          </a:p>
-          <a:p>
-            <a:pPr marL="457200" indent="-457200">
-              <a:buAutoNum type="arabicPeriod"/>
-            </a:pPr>
-            <a:r>
-              <a:rPr lang="bg-BG" sz="2000" dirty="0" smtClean="0">
-                <a:solidFill>
-                  <a:schemeClr val="bg1">
-                    <a:lumMod val="95000"/>
-                  </a:schemeClr>
-                </a:solidFill>
-              </a:rPr>
-              <a:t>Направете форма, подобна на </a:t>
-            </a:r>
-            <a:r>
-              <a:rPr lang="en-US" sz="2000" dirty="0" smtClean="0">
-                <a:solidFill>
-                  <a:schemeClr val="bg1">
-                    <a:lumMod val="95000"/>
-                  </a:schemeClr>
-                </a:solidFill>
-              </a:rPr>
-              <a:t>05-CSS3-Tasks/task1.png</a:t>
-            </a:r>
-          </a:p>
-          <a:p>
-            <a:pPr marL="457200" indent="-457200">
-              <a:buAutoNum type="arabicPeriod"/>
-            </a:pPr>
-            <a:r>
-              <a:rPr lang="bg-BG" sz="2000" dirty="0" smtClean="0">
-                <a:solidFill>
-                  <a:schemeClr val="bg1">
-                    <a:lumMod val="95000"/>
-                  </a:schemeClr>
-                </a:solidFill>
-              </a:rPr>
-              <a:t>Направете елементите, изобразени на </a:t>
-            </a:r>
-            <a:r>
-              <a:rPr lang="en-US" sz="2000" dirty="0" smtClean="0">
-                <a:solidFill>
-                  <a:schemeClr val="bg1">
-                    <a:lumMod val="95000"/>
-                  </a:schemeClr>
-                </a:solidFill>
-              </a:rPr>
-              <a:t>05-CSS3-Tasks/task2.png</a:t>
-            </a:r>
-            <a:r>
-              <a:rPr lang="bg-BG" sz="2000" dirty="0" smtClean="0">
-                <a:solidFill>
-                  <a:schemeClr val="bg1">
-                    <a:lumMod val="95000"/>
-                  </a:schemeClr>
-                </a:solidFill>
-              </a:rPr>
-              <a:t>, като текстът в третия елемент, трябва да бъде от поне 20 думи.</a:t>
-            </a:r>
-          </a:p>
-          <a:p>
-            <a:pPr marL="457200" indent="-457200">
-              <a:buAutoNum type="arabicPeriod"/>
-            </a:pPr>
-            <a:r>
-              <a:rPr lang="bg-BG" sz="2000" dirty="0" smtClean="0">
-                <a:solidFill>
-                  <a:schemeClr val="bg1">
-                    <a:lumMod val="95000"/>
-                  </a:schemeClr>
-                </a:solidFill>
-              </a:rPr>
-              <a:t>Направете страница, подобна на </a:t>
-            </a:r>
-            <a:r>
-              <a:rPr lang="en-US" sz="2000" dirty="0" smtClean="0">
-                <a:solidFill>
-                  <a:schemeClr val="bg1">
-                    <a:lumMod val="95000"/>
-                  </a:schemeClr>
-                </a:solidFill>
-              </a:rPr>
-              <a:t>CSS3-Tasks/task3.png</a:t>
-            </a:r>
-            <a:r>
-              <a:rPr lang="bg-BG" sz="2000" dirty="0" smtClean="0">
-                <a:solidFill>
-                  <a:schemeClr val="bg1">
-                    <a:lumMod val="95000"/>
-                  </a:schemeClr>
-                </a:solidFill>
-              </a:rPr>
-              <a:t>, като упражните </a:t>
-            </a:r>
-            <a:r>
-              <a:rPr lang="en-US" sz="2000" dirty="0" smtClean="0">
-                <a:solidFill>
-                  <a:schemeClr val="bg1">
-                    <a:lumMod val="95000"/>
-                  </a:schemeClr>
-                </a:solidFill>
-              </a:rPr>
-              <a:t>column</a:t>
-            </a:r>
-            <a:r>
-              <a:rPr lang="bg-BG" sz="2000" dirty="0" smtClean="0">
-                <a:solidFill>
-                  <a:schemeClr val="bg1">
-                    <a:lumMod val="95000"/>
-                  </a:schemeClr>
-                </a:solidFill>
-              </a:rPr>
-              <a:t> свойствата.</a:t>
-            </a:r>
-          </a:p>
-          <a:p>
-            <a:pPr marL="457200" indent="-457200">
-              <a:buAutoNum type="arabicPeriod"/>
-            </a:pPr>
-            <a:r>
-              <a:rPr lang="bg-BG" sz="2000" dirty="0" smtClean="0">
-                <a:solidFill>
-                  <a:schemeClr val="bg1">
-                    <a:lumMod val="95000"/>
-                  </a:schemeClr>
-                </a:solidFill>
-              </a:rPr>
-              <a:t>Направете страница, подобна на </a:t>
-            </a:r>
-            <a:r>
-              <a:rPr lang="en-US" sz="2000" dirty="0" smtClean="0">
-                <a:solidFill>
-                  <a:schemeClr val="bg1">
-                    <a:lumMod val="95000"/>
-                  </a:schemeClr>
-                </a:solidFill>
-              </a:rPr>
-              <a:t>CSS3-Tasks/task4.png</a:t>
-            </a:r>
-          </a:p>
-          <a:p>
-            <a:pPr marL="457200" indent="-457200">
-              <a:buAutoNum type="arabicPeriod"/>
-            </a:pPr>
-            <a:r>
-              <a:rPr lang="bg-BG" sz="2000" dirty="0" smtClean="0">
-                <a:solidFill>
-                  <a:schemeClr val="bg1">
-                    <a:lumMod val="95000"/>
-                  </a:schemeClr>
-                </a:solidFill>
-              </a:rPr>
-              <a:t>Направете елемент, който при </a:t>
-            </a:r>
-            <a:r>
-              <a:rPr lang="en-US" sz="2000" dirty="0" smtClean="0">
-                <a:solidFill>
-                  <a:schemeClr val="bg1">
-                    <a:lumMod val="95000"/>
-                  </a:schemeClr>
-                </a:solidFill>
-              </a:rPr>
-              <a:t>hover</a:t>
-            </a:r>
-            <a:r>
-              <a:rPr lang="bg-BG" sz="2000" dirty="0" smtClean="0">
-                <a:solidFill>
-                  <a:schemeClr val="bg1">
-                    <a:lumMod val="95000"/>
-                  </a:schemeClr>
-                </a:solidFill>
-              </a:rPr>
-              <a:t>, се завърта на 180 градуса и анимацията му трае 2 секунди</a:t>
-            </a:r>
-            <a:endParaRPr lang="en-US" sz="2000" dirty="0" smtClean="0">
-              <a:solidFill>
-                <a:schemeClr val="bg1">
-                  <a:lumMod val="95000"/>
-                </a:schemeClr>
-              </a:solidFill>
-            </a:endParaRPr>
-          </a:p>
-          <a:p>
-            <a:pPr marL="457200" indent="-457200">
-              <a:buAutoNum type="arabicPeriod"/>
-            </a:pPr>
-            <a:r>
-              <a:rPr lang="bg-BG" sz="2000" dirty="0" smtClean="0">
-                <a:solidFill>
-                  <a:schemeClr val="bg1">
-                    <a:lumMod val="95000"/>
-                  </a:schemeClr>
-                </a:solidFill>
-              </a:rPr>
-              <a:t>Направете син квадрат с размери 100</a:t>
-            </a:r>
-            <a:r>
-              <a:rPr lang="en-US" sz="2000" dirty="0" err="1" smtClean="0">
-                <a:solidFill>
-                  <a:schemeClr val="bg1">
-                    <a:lumMod val="95000"/>
-                  </a:schemeClr>
-                </a:solidFill>
-              </a:rPr>
-              <a:t>px</a:t>
-            </a:r>
-            <a:r>
-              <a:rPr lang="en-US" sz="2000" dirty="0" smtClean="0">
-                <a:solidFill>
-                  <a:schemeClr val="bg1">
-                    <a:lumMod val="95000"/>
-                  </a:schemeClr>
-                </a:solidFill>
-              </a:rPr>
-              <a:t>/100px</a:t>
-            </a:r>
-            <a:r>
-              <a:rPr lang="bg-BG" sz="2000" dirty="0" smtClean="0">
-                <a:solidFill>
-                  <a:schemeClr val="bg1">
-                    <a:lumMod val="95000"/>
-                  </a:schemeClr>
-                </a:solidFill>
-              </a:rPr>
-              <a:t>, който с движението си описва квадрат, обратно на часовниковата стрелка, неограничен брой пъти.</a:t>
-            </a:r>
-          </a:p>
-          <a:p>
-            <a:pPr marL="0" indent="0">
-              <a:buNone/>
-            </a:pPr>
-            <a:r>
-              <a:rPr lang="bg-BG" sz="2000" dirty="0" smtClean="0">
-                <a:solidFill>
-                  <a:schemeClr val="bg1">
-                    <a:lumMod val="95000"/>
-                  </a:schemeClr>
-                </a:solidFill>
-              </a:rPr>
-              <a:t>	*</a:t>
-            </a:r>
-            <a:r>
-              <a:rPr lang="en-US" sz="2000" dirty="0" smtClean="0">
-                <a:solidFill>
-                  <a:schemeClr val="bg1">
-                    <a:lumMod val="95000"/>
-                  </a:schemeClr>
-                </a:solidFill>
-              </a:rPr>
-              <a:t>hint: </a:t>
-            </a:r>
-            <a:r>
-              <a:rPr lang="bg-BG" sz="2000" dirty="0" smtClean="0">
-                <a:solidFill>
-                  <a:schemeClr val="bg1">
-                    <a:lumMod val="95000"/>
-                  </a:schemeClr>
-                </a:solidFill>
-              </a:rPr>
-              <a:t>анимацията трябва да е подобна на тази в </a:t>
-            </a:r>
-            <a:r>
-              <a:rPr lang="en-US" sz="2000" dirty="0" smtClean="0">
-                <a:solidFill>
-                  <a:schemeClr val="bg1">
-                    <a:lumMod val="95000"/>
-                  </a:schemeClr>
-                </a:solidFill>
-              </a:rPr>
-              <a:t>05-CSS3-Examples/animations.html</a:t>
-            </a:r>
-            <a:r>
-              <a:rPr lang="bg-BG" sz="2000" dirty="0" smtClean="0">
-                <a:solidFill>
-                  <a:schemeClr val="bg1">
-                    <a:lumMod val="95000"/>
-                  </a:schemeClr>
-                </a:solidFill>
-              </a:rPr>
-              <a:t>(</a:t>
-            </a:r>
-            <a:r>
-              <a:rPr lang="en-US" sz="2000" dirty="0" smtClean="0">
-                <a:solidFill>
-                  <a:schemeClr val="bg1">
-                    <a:lumMod val="95000"/>
-                  </a:schemeClr>
-                </a:solidFill>
-              </a:rPr>
-              <a:t>Example</a:t>
-            </a:r>
-            <a:r>
-              <a:rPr lang="bg-BG" sz="2000" dirty="0" smtClean="0">
-                <a:solidFill>
-                  <a:schemeClr val="bg1">
-                    <a:lumMod val="95000"/>
-                  </a:schemeClr>
-                </a:solidFill>
-              </a:rPr>
-              <a:t> елементът), но с обратна посока</a:t>
-            </a:r>
-          </a:p>
-          <a:p>
-            <a:pPr marL="0" indent="0">
-              <a:buNone/>
-            </a:pPr>
-            <a:endParaRPr lang="bg-BG" sz="2000" dirty="0" smtClean="0">
-              <a:solidFill>
-                <a:schemeClr val="bg1">
-                  <a:lumMod val="95000"/>
-                </a:schemeClr>
-              </a:solidFill>
-            </a:endParaRPr>
-          </a:p>
-          <a:p>
-            <a:pPr marL="0" indent="0">
-              <a:buNone/>
-            </a:pPr>
-            <a:r>
-              <a:rPr lang="bg-BG" sz="2000" dirty="0" smtClean="0">
-                <a:solidFill>
-                  <a:schemeClr val="bg1">
-                    <a:lumMod val="95000"/>
-                  </a:schemeClr>
-                </a:solidFill>
-              </a:rPr>
-              <a:t>Когато </a:t>
-            </a:r>
-            <a:r>
-              <a:rPr lang="bg-BG" sz="2000" dirty="0">
-                <a:solidFill>
-                  <a:schemeClr val="bg1">
-                    <a:lumMod val="95000"/>
-                  </a:schemeClr>
-                </a:solidFill>
-              </a:rPr>
-              <a:t>сте готови с всички задачи, ги качвате в </a:t>
-            </a:r>
-            <a:r>
-              <a:rPr lang="en-US" sz="2000" dirty="0">
-                <a:solidFill>
-                  <a:schemeClr val="bg1">
-                    <a:lumMod val="95000"/>
-                  </a:schemeClr>
-                </a:solidFill>
-              </a:rPr>
-              <a:t>GitHub </a:t>
-            </a:r>
-            <a:r>
-              <a:rPr lang="bg-BG" sz="2000" dirty="0">
-                <a:solidFill>
-                  <a:schemeClr val="bg1">
-                    <a:lumMod val="95000"/>
-                  </a:schemeClr>
-                </a:solidFill>
-              </a:rPr>
-              <a:t>и ми пращате линк</a:t>
-            </a:r>
-            <a:r>
-              <a:rPr lang="bg-BG" sz="2000" dirty="0" smtClean="0">
-                <a:solidFill>
-                  <a:schemeClr val="bg1">
-                    <a:lumMod val="95000"/>
-                  </a:schemeClr>
-                </a:solidFill>
-              </a:rPr>
-              <a:t>.</a:t>
-            </a:r>
-            <a:endParaRPr lang="bg-BG" sz="2000" dirty="0">
               <a:solidFill>
                 <a:schemeClr val="bg1">
                   <a:lumMod val="95000"/>
@@ -7921,7 +8583,7 @@
         <p:spPr/>
         <p:txBody>
           <a:bodyPr>
-            <a:normAutofit fontScale="92500" lnSpcReduction="20000"/>
+            <a:normAutofit/>
           </a:bodyPr>
           <a:lstStyle/>
           <a:p>
@@ -7930,12 +8592,20 @@
               <a:buChar char="-"/>
             </a:pPr>
             <a:r>
-              <a:rPr lang="bg-BG" dirty="0" smtClean="0">
+              <a:rPr lang="en-US" dirty="0" smtClean="0">
                 <a:solidFill>
                   <a:schemeClr val="bg1"/>
                 </a:solidFill>
               </a:rPr>
-              <a:t>Селектори</a:t>
+              <a:t>Box </a:t>
+            </a:r>
+            <a:r>
+              <a:rPr lang="en-US" dirty="0" smtClean="0">
+                <a:solidFill>
+                  <a:schemeClr val="bg1"/>
+                </a:solidFill>
+              </a:rPr>
+              <a:t>model</a:t>
             </a:r>
           </a:p>
           <a:p>
@@ -7949,7 +8619,15 @@
                   <a:schemeClr val="bg1"/>
                 </a:solidFill>
               </a:rPr>
-              <a:t>Box model</a:t>
+              <a:t>Backgrounds &amp; </a:t>
+            </a:r>
+            <a:r>
+              <a:rPr lang="en-US" dirty="0" smtClean="0">
+                <a:solidFill>
+                  <a:schemeClr val="bg1"/>
+                </a:solidFill>
+              </a:rPr>
+              <a:t>Borders</a:t>
             </a:r>
           </a:p>
           <a:p>
@@ -7963,7 +8641,15 @@
                   <a:schemeClr val="bg1"/>
                 </a:solidFill>
               </a:rPr>
-              <a:t>Backgrounds &amp; Borders</a:t>
+              <a:t>Text </a:t>
+            </a:r>
+            <a:r>
+              <a:rPr lang="en-US" dirty="0" smtClean="0">
+                <a:solidFill>
+                  <a:schemeClr val="bg1"/>
+                </a:solidFill>
+              </a:rPr>
+              <a:t>effects</a:t>
             </a:r>
           </a:p>
           <a:p>
@@ -7977,7 +8663,7 @@
                   <a:schemeClr val="bg1"/>
                 </a:solidFill>
               </a:rPr>
-              <a:t>Image values &amp; replaced content</a:t>
+              <a:t>2D/3D Transformations</a:t>
             </a:r>
           </a:p>
           <a:p>
@@ -7991,7 +8677,7 @@
                   <a:schemeClr val="bg1"/>
                 </a:solidFill>
               </a:rPr>
-              <a:t>Text effects</a:t>
+              <a:t>Animations</a:t>
             </a:r>
           </a:p>
           <a:p>
@@ -8005,49 +8691,15 @@
                   <a:schemeClr val="bg1"/>
                 </a:solidFill>
               </a:rPr>
-              <a:t>2D/3D Transformations</a:t>
-            </a:r>
-          </a:p>
-          <a:p>
-            <a:pPr>
-              <a:buFontTx/>
-              <a:buChar char="-"/>
-            </a:pPr>
+              <a:t>Multiple Column </a:t>
+            </a:r>
             <a:r>
               <a:rPr lang="en-US" dirty="0" smtClean="0">
                 <a:solidFill>
                   <a:schemeClr val="bg1"/>
                 </a:solidFill>
               </a:rPr>
-              <a:t>Animations</a:t>
-            </a:r>
-          </a:p>
-          <a:p>
-            <a:pPr>
-              <a:buFontTx/>
-              <a:buChar char="-"/>
-            </a:pPr>
-            <a:r>
-              <a:rPr lang="en-US" dirty="0" smtClean="0">
-                <a:solidFill>
-                  <a:schemeClr val="bg1"/>
-                </a:solidFill>
-              </a:rPr>
-              <a:t>Multiple Column Layout</a:t>
-            </a:r>
-          </a:p>
-          <a:p>
-            <a:pPr>
-              <a:buFontTx/>
-              <a:buChar char="-"/>
-            </a:pPr>
-            <a:r>
-              <a:rPr lang="en-US" dirty="0" smtClean="0">
-                <a:solidFill>
-                  <a:schemeClr val="bg1"/>
-                </a:solidFill>
-              </a:rPr>
-              <a:t>User Interface</a:t>
+              <a:t>Layout</a:t>
             </a:r>
             <a:endParaRPr lang="en-US" dirty="0">
               <a:solidFill>
@@ -8185,6 +8837,196 @@
               <a:buNone/>
             </a:pPr>
             <a:r>
+              <a:rPr lang="en-US" sz="1500" dirty="0">
+                <a:solidFill>
+                  <a:schemeClr val="accent3"/>
+                </a:solidFill>
+                <a:latin typeface="Courier New" panose="02070309020205020404" pitchFamily="49" charset="0"/>
+                <a:cs typeface="Courier New" panose="02070309020205020404" pitchFamily="49" charset="0"/>
+              </a:rPr>
+              <a:t>#</a:t>
+            </a:r>
+            <a:r>
+              <a:rPr lang="en-US" sz="1500" dirty="0" err="1">
+                <a:solidFill>
+                  <a:schemeClr val="accent3"/>
+                </a:solidFill>
+                <a:latin typeface="Courier New" panose="02070309020205020404" pitchFamily="49" charset="0"/>
+                <a:cs typeface="Courier New" panose="02070309020205020404" pitchFamily="49" charset="0"/>
+              </a:rPr>
+              <a:t>borderimg</a:t>
+            </a:r>
+            <a:r>
+              <a:rPr lang="en-US" sz="1500" dirty="0">
+                <a:solidFill>
+                  <a:schemeClr val="accent3"/>
+                </a:solidFill>
+                <a:latin typeface="Courier New" panose="02070309020205020404" pitchFamily="49" charset="0"/>
+                <a:cs typeface="Courier New" panose="02070309020205020404" pitchFamily="49" charset="0"/>
+              </a:rPr>
+              <a:t> {</a:t>
+            </a:r>
+          </a:p>
+          <a:p>
+            <a:pPr marL="0" indent="0">
+              <a:buNone/>
+            </a:pPr>
+            <a:r>
+              <a:rPr lang="en-US" sz="1500" dirty="0">
+                <a:solidFill>
+                  <a:schemeClr val="accent3"/>
+                </a:solidFill>
+                <a:latin typeface="Courier New" panose="02070309020205020404" pitchFamily="49" charset="0"/>
+                <a:cs typeface="Courier New" panose="02070309020205020404" pitchFamily="49" charset="0"/>
+              </a:rPr>
+              <a:t>    border: 10px solid transparent;</a:t>
+            </a:r>
+          </a:p>
+          <a:p>
+            <a:pPr marL="0" indent="0">
+              <a:buNone/>
+            </a:pPr>
+            <a:r>
+              <a:rPr lang="en-US" sz="1500" dirty="0">
+                <a:solidFill>
+                  <a:schemeClr val="accent3"/>
+                </a:solidFill>
+                <a:latin typeface="Courier New" panose="02070309020205020404" pitchFamily="49" charset="0"/>
+                <a:cs typeface="Courier New" panose="02070309020205020404" pitchFamily="49" charset="0"/>
+              </a:rPr>
+              <a:t>    padding: 15px;</a:t>
+            </a:r>
+          </a:p>
+          <a:p>
+            <a:pPr marL="0" indent="0">
+              <a:buNone/>
+            </a:pPr>
+            <a:r>
+              <a:rPr lang="en-US" sz="1500" dirty="0">
+                <a:solidFill>
+                  <a:schemeClr val="accent3"/>
+                </a:solidFill>
+                <a:latin typeface="Courier New" panose="02070309020205020404" pitchFamily="49" charset="0"/>
+                <a:cs typeface="Courier New" panose="02070309020205020404" pitchFamily="49" charset="0"/>
+              </a:rPr>
+              <a:t>    -</a:t>
+            </a:r>
+            <a:r>
+              <a:rPr lang="en-US" sz="1500" dirty="0" err="1">
+                <a:solidFill>
+                  <a:schemeClr val="accent3"/>
+                </a:solidFill>
+                <a:latin typeface="Courier New" panose="02070309020205020404" pitchFamily="49" charset="0"/>
+                <a:cs typeface="Courier New" panose="02070309020205020404" pitchFamily="49" charset="0"/>
+              </a:rPr>
+              <a:t>webkit</a:t>
+            </a:r>
+            <a:r>
+              <a:rPr lang="en-US" sz="1500" dirty="0">
+                <a:solidFill>
+                  <a:schemeClr val="accent3"/>
+                </a:solidFill>
+                <a:latin typeface="Courier New" panose="02070309020205020404" pitchFamily="49" charset="0"/>
+                <a:cs typeface="Courier New" panose="02070309020205020404" pitchFamily="49" charset="0"/>
+              </a:rPr>
+              <a:t>-border-image: </a:t>
+            </a:r>
+            <a:r>
+              <a:rPr lang="en-US" sz="1500" dirty="0" err="1">
+                <a:solidFill>
+                  <a:schemeClr val="accent3"/>
+                </a:solidFill>
+                <a:latin typeface="Courier New" panose="02070309020205020404" pitchFamily="49" charset="0"/>
+                <a:cs typeface="Courier New" panose="02070309020205020404" pitchFamily="49" charset="0"/>
+              </a:rPr>
+              <a:t>url</a:t>
+            </a:r>
+            <a:r>
+              <a:rPr lang="en-US" sz="1500" dirty="0">
+                <a:solidFill>
+                  <a:schemeClr val="accent3"/>
+                </a:solidFill>
+                <a:latin typeface="Courier New" panose="02070309020205020404" pitchFamily="49" charset="0"/>
+                <a:cs typeface="Courier New" panose="02070309020205020404" pitchFamily="49" charset="0"/>
+              </a:rPr>
+              <a:t>(border.png) 30 round; /* Safari 3.1-5 */</a:t>
+            </a:r>
+          </a:p>
+          <a:p>
+            <a:pPr marL="0" indent="0">
+              <a:buNone/>
+            </a:pPr>
+            <a:r>
+              <a:rPr lang="en-US" sz="1500" dirty="0">
+                <a:solidFill>
+                  <a:schemeClr val="accent3"/>
+                </a:solidFill>
+                <a:latin typeface="Courier New" panose="02070309020205020404" pitchFamily="49" charset="0"/>
+                <a:cs typeface="Courier New" panose="02070309020205020404" pitchFamily="49" charset="0"/>
+              </a:rPr>
+              <a:t>    -o-border-image: </a:t>
+            </a:r>
+            <a:r>
+              <a:rPr lang="en-US" sz="1500" dirty="0" err="1">
+                <a:solidFill>
+                  <a:schemeClr val="accent3"/>
+                </a:solidFill>
+                <a:latin typeface="Courier New" panose="02070309020205020404" pitchFamily="49" charset="0"/>
+                <a:cs typeface="Courier New" panose="02070309020205020404" pitchFamily="49" charset="0"/>
+              </a:rPr>
+              <a:t>url</a:t>
+            </a:r>
+            <a:r>
+              <a:rPr lang="en-US" sz="1500" dirty="0">
+                <a:solidFill>
+                  <a:schemeClr val="accent3"/>
+                </a:solidFill>
+                <a:latin typeface="Courier New" panose="02070309020205020404" pitchFamily="49" charset="0"/>
+                <a:cs typeface="Courier New" panose="02070309020205020404" pitchFamily="49" charset="0"/>
+              </a:rPr>
+              <a:t>(border.png) 30 round; /* Opera 11-12.1 */</a:t>
+            </a:r>
+          </a:p>
+          <a:p>
+            <a:pPr marL="0" indent="0">
+              <a:buNone/>
+            </a:pPr>
+            <a:r>
+              <a:rPr lang="en-US" sz="1500" dirty="0">
+                <a:solidFill>
+                  <a:schemeClr val="accent3"/>
+                </a:solidFill>
+                <a:latin typeface="Courier New" panose="02070309020205020404" pitchFamily="49" charset="0"/>
+                <a:cs typeface="Courier New" panose="02070309020205020404" pitchFamily="49" charset="0"/>
+              </a:rPr>
+              <a:t>    border-image: </a:t>
+            </a:r>
+            <a:r>
+              <a:rPr lang="en-US" sz="1500" dirty="0" err="1">
+                <a:solidFill>
+                  <a:schemeClr val="accent3"/>
+                </a:solidFill>
+                <a:latin typeface="Courier New" panose="02070309020205020404" pitchFamily="49" charset="0"/>
+                <a:cs typeface="Courier New" panose="02070309020205020404" pitchFamily="49" charset="0"/>
+              </a:rPr>
+              <a:t>url</a:t>
+            </a:r>
+            <a:r>
+              <a:rPr lang="en-US" sz="1500" dirty="0">
+                <a:solidFill>
+                  <a:schemeClr val="accent3"/>
+                </a:solidFill>
+                <a:latin typeface="Courier New" panose="02070309020205020404" pitchFamily="49" charset="0"/>
+                <a:cs typeface="Courier New" panose="02070309020205020404" pitchFamily="49" charset="0"/>
+              </a:rPr>
+              <a:t>(border.png) 30 round;</a:t>
+            </a:r>
+          </a:p>
+          <a:p>
+            <a:pPr marL="0" indent="0">
+              <a:buNone/>
+            </a:pPr>
+            <a:r>
               <a:rPr lang="en-US" sz="1500" dirty="0" smtClean="0">
                 <a:solidFill>
                   <a:schemeClr val="accent3"/>
@@ -8192,300 +9034,53 @@
                 <a:latin typeface="Courier New" panose="02070309020205020404" pitchFamily="49" charset="0"/>
                 <a:cs typeface="Courier New" panose="02070309020205020404" pitchFamily="49" charset="0"/>
               </a:rPr>
-              <a:t>.</a:t>
-            </a:r>
+              <a:t>}</a:t>
+            </a:r>
+          </a:p>
+          <a:p>
+            <a:pPr marL="0" indent="0">
+              <a:buNone/>
+            </a:pPr>
             <a:r>
               <a:rPr lang="en-US" sz="1500" dirty="0">
                 <a:solidFill>
-                  <a:schemeClr val="accent3"/>
-                </a:solidFill>
-                <a:latin typeface="Courier New" panose="02070309020205020404" pitchFamily="49" charset="0"/>
-                <a:cs typeface="Courier New" panose="02070309020205020404" pitchFamily="49" charset="0"/>
-              </a:rPr>
-              <a:t>border-</a:t>
+                  <a:schemeClr val="bg1"/>
+                </a:solidFill>
+                <a:latin typeface="Courier New" panose="02070309020205020404" pitchFamily="49" charset="0"/>
+                <a:cs typeface="Courier New" panose="02070309020205020404" pitchFamily="49" charset="0"/>
+              </a:rPr>
+              <a:t>&lt;p id="</a:t>
             </a:r>
             <a:r>
               <a:rPr lang="en-US" sz="1500" dirty="0" err="1">
                 <a:solidFill>
-                  <a:schemeClr val="accent3"/>
-                </a:solidFill>
-                <a:latin typeface="Courier New" panose="02070309020205020404" pitchFamily="49" charset="0"/>
-                <a:cs typeface="Courier New" panose="02070309020205020404" pitchFamily="49" charset="0"/>
-              </a:rPr>
-              <a:t>img</a:t>
+                  <a:schemeClr val="bg1"/>
+                </a:solidFill>
+                <a:latin typeface="Courier New" panose="02070309020205020404" pitchFamily="49" charset="0"/>
+                <a:cs typeface="Courier New" panose="02070309020205020404" pitchFamily="49" charset="0"/>
+              </a:rPr>
+              <a:t>borderimg</a:t>
             </a:r>
             <a:r>
               <a:rPr lang="en-US" sz="1500" dirty="0">
                 <a:solidFill>
-                  <a:schemeClr val="accent3"/>
-                </a:solidFill>
-                <a:latin typeface="Courier New" panose="02070309020205020404" pitchFamily="49" charset="0"/>
-                <a:cs typeface="Courier New" panose="02070309020205020404" pitchFamily="49" charset="0"/>
-              </a:rPr>
-              <a:t> {</a:t>
-            </a:r>
-          </a:p>
-          <a:p>
-            <a:pPr marL="0" indent="0">
-              <a:buNone/>
-            </a:pPr>
-            <a:r>
-              <a:rPr lang="en-US" sz="1500" dirty="0">
-                <a:solidFill>
-                  <a:schemeClr val="accent3"/>
-                </a:solidFill>
-                <a:latin typeface="Courier New" panose="02070309020205020404" pitchFamily="49" charset="0"/>
-                <a:cs typeface="Courier New" panose="02070309020205020404" pitchFamily="49" charset="0"/>
-              </a:rPr>
-              <a:t> </a:t>
-            </a:r>
-            <a:r>
-              <a:rPr lang="en-US" sz="1500" dirty="0" smtClean="0">
-                <a:solidFill>
-                  <a:schemeClr val="accent3"/>
-                </a:solidFill>
-                <a:latin typeface="Courier New" panose="02070309020205020404" pitchFamily="49" charset="0"/>
-                <a:cs typeface="Courier New" panose="02070309020205020404" pitchFamily="49" charset="0"/>
-              </a:rPr>
-              <a:t>   width</a:t>
-            </a:r>
-            <a:r>
-              <a:rPr lang="en-US" sz="1500" dirty="0">
-                <a:solidFill>
-                  <a:schemeClr val="accent3"/>
-                </a:solidFill>
-                <a:latin typeface="Courier New" panose="02070309020205020404" pitchFamily="49" charset="0"/>
-                <a:cs typeface="Courier New" panose="02070309020205020404" pitchFamily="49" charset="0"/>
-              </a:rPr>
-              <a:t>: 200px;</a:t>
-            </a:r>
-          </a:p>
-          <a:p>
-            <a:pPr marL="0" indent="0">
-              <a:buNone/>
-            </a:pPr>
-            <a:r>
-              <a:rPr lang="en-US" sz="1500" dirty="0" smtClean="0">
-                <a:solidFill>
-                  <a:schemeClr val="accent3"/>
-                </a:solidFill>
-                <a:latin typeface="Courier New" panose="02070309020205020404" pitchFamily="49" charset="0"/>
-                <a:cs typeface="Courier New" panose="02070309020205020404" pitchFamily="49" charset="0"/>
-              </a:rPr>
-              <a:t>    height</a:t>
-            </a:r>
-            <a:r>
-              <a:rPr lang="en-US" sz="1500" dirty="0">
-                <a:solidFill>
-                  <a:schemeClr val="accent3"/>
-                </a:solidFill>
-                <a:latin typeface="Courier New" panose="02070309020205020404" pitchFamily="49" charset="0"/>
-                <a:cs typeface="Courier New" panose="02070309020205020404" pitchFamily="49" charset="0"/>
-              </a:rPr>
-              <a:t>: 200px;</a:t>
-            </a:r>
-          </a:p>
-          <a:p>
-            <a:pPr marL="0" indent="0">
-              <a:buNone/>
-            </a:pPr>
-            <a:r>
-              <a:rPr lang="en-US" sz="1500" dirty="0" smtClean="0">
-                <a:solidFill>
-                  <a:schemeClr val="accent3"/>
-                </a:solidFill>
-                <a:latin typeface="Courier New" panose="02070309020205020404" pitchFamily="49" charset="0"/>
-                <a:cs typeface="Courier New" panose="02070309020205020404" pitchFamily="49" charset="0"/>
-              </a:rPr>
-              <a:t>    -</a:t>
-            </a:r>
-            <a:r>
-              <a:rPr lang="en-US" sz="1500" dirty="0" err="1">
-                <a:solidFill>
-                  <a:schemeClr val="accent3"/>
-                </a:solidFill>
-                <a:latin typeface="Courier New" panose="02070309020205020404" pitchFamily="49" charset="0"/>
-                <a:cs typeface="Courier New" panose="02070309020205020404" pitchFamily="49" charset="0"/>
-              </a:rPr>
-              <a:t>webkit</a:t>
-            </a:r>
-            <a:r>
-              <a:rPr lang="en-US" sz="1500" dirty="0">
-                <a:solidFill>
-                  <a:schemeClr val="accent3"/>
-                </a:solidFill>
-                <a:latin typeface="Courier New" panose="02070309020205020404" pitchFamily="49" charset="0"/>
-                <a:cs typeface="Courier New" panose="02070309020205020404" pitchFamily="49" charset="0"/>
-              </a:rPr>
-              <a:t>-border-image: </a:t>
-            </a:r>
-            <a:r>
-              <a:rPr lang="en-US" sz="1500" dirty="0" err="1">
-                <a:solidFill>
-                  <a:schemeClr val="accent3"/>
-                </a:solidFill>
-                <a:latin typeface="Courier New" panose="02070309020205020404" pitchFamily="49" charset="0"/>
-                <a:cs typeface="Courier New" panose="02070309020205020404" pitchFamily="49" charset="0"/>
-              </a:rPr>
-              <a:t>url</a:t>
-            </a:r>
-            <a:r>
-              <a:rPr lang="en-US" sz="1500" dirty="0">
-                <a:solidFill>
-                  <a:schemeClr val="accent3"/>
-                </a:solidFill>
-                <a:latin typeface="Courier New" panose="02070309020205020404" pitchFamily="49" charset="0"/>
-                <a:cs typeface="Courier New" panose="02070309020205020404" pitchFamily="49" charset="0"/>
-              </a:rPr>
-              <a:t>('Dot.png') 1 stretch; /* Safari 3.1-5 */</a:t>
-            </a:r>
-          </a:p>
-          <a:p>
-            <a:pPr marL="0" indent="0">
-              <a:buNone/>
-            </a:pPr>
-            <a:r>
-              <a:rPr lang="en-US" sz="1500" dirty="0">
-                <a:solidFill>
-                  <a:schemeClr val="accent3"/>
-                </a:solidFill>
-                <a:latin typeface="Courier New" panose="02070309020205020404" pitchFamily="49" charset="0"/>
-                <a:cs typeface="Courier New" panose="02070309020205020404" pitchFamily="49" charset="0"/>
-              </a:rPr>
-              <a:t>    -o-border-image: </a:t>
-            </a:r>
-            <a:r>
-              <a:rPr lang="en-US" sz="1500" dirty="0" err="1">
-                <a:solidFill>
-                  <a:schemeClr val="accent3"/>
-                </a:solidFill>
-                <a:latin typeface="Courier New" panose="02070309020205020404" pitchFamily="49" charset="0"/>
-                <a:cs typeface="Courier New" panose="02070309020205020404" pitchFamily="49" charset="0"/>
-              </a:rPr>
-              <a:t>url</a:t>
-            </a:r>
-            <a:r>
-              <a:rPr lang="en-US" sz="1500" dirty="0">
-                <a:solidFill>
-                  <a:schemeClr val="accent3"/>
-                </a:solidFill>
-                <a:latin typeface="Courier New" panose="02070309020205020404" pitchFamily="49" charset="0"/>
-                <a:cs typeface="Courier New" panose="02070309020205020404" pitchFamily="49" charset="0"/>
-              </a:rPr>
-              <a:t>('Dot.png') 1 stretch; /* Opera 11-12.1 */</a:t>
-            </a:r>
-          </a:p>
-          <a:p>
-            <a:pPr marL="0" indent="0">
-              <a:buNone/>
-            </a:pPr>
-            <a:r>
-              <a:rPr lang="en-US" sz="1500" dirty="0">
-                <a:solidFill>
-                  <a:schemeClr val="accent3"/>
-                </a:solidFill>
-                <a:latin typeface="Courier New" panose="02070309020205020404" pitchFamily="49" charset="0"/>
-                <a:cs typeface="Courier New" panose="02070309020205020404" pitchFamily="49" charset="0"/>
-              </a:rPr>
-              <a:t>    border-image: </a:t>
-            </a:r>
-            <a:r>
-              <a:rPr lang="en-US" sz="1500" dirty="0" err="1">
-                <a:solidFill>
-                  <a:schemeClr val="accent3"/>
-                </a:solidFill>
-                <a:latin typeface="Courier New" panose="02070309020205020404" pitchFamily="49" charset="0"/>
-                <a:cs typeface="Courier New" panose="02070309020205020404" pitchFamily="49" charset="0"/>
-              </a:rPr>
-              <a:t>url</a:t>
-            </a:r>
-            <a:r>
-              <a:rPr lang="en-US" sz="1500" dirty="0">
-                <a:solidFill>
-                  <a:schemeClr val="accent3"/>
-                </a:solidFill>
-                <a:latin typeface="Courier New" panose="02070309020205020404" pitchFamily="49" charset="0"/>
-                <a:cs typeface="Courier New" panose="02070309020205020404" pitchFamily="49" charset="0"/>
-              </a:rPr>
-              <a:t>('Dot.png') 1 stretch;</a:t>
-            </a:r>
-          </a:p>
-          <a:p>
-            <a:pPr marL="0" indent="0">
-              <a:buNone/>
-            </a:pPr>
-            <a:r>
-              <a:rPr lang="en-US" sz="1500" dirty="0" smtClean="0">
-                <a:solidFill>
-                  <a:schemeClr val="accent3"/>
-                </a:solidFill>
-                <a:latin typeface="Courier New" panose="02070309020205020404" pitchFamily="49" charset="0"/>
-                <a:cs typeface="Courier New" panose="02070309020205020404" pitchFamily="49" charset="0"/>
-              </a:rPr>
-              <a:t>}</a:t>
-            </a:r>
-          </a:p>
-          <a:p>
-            <a:pPr marL="0" indent="0">
-              <a:buNone/>
-            </a:pPr>
-            <a:endParaRPr lang="en-US" sz="1500" dirty="0">
+                  <a:schemeClr val="bg1"/>
+                </a:solidFill>
+                <a:latin typeface="Courier New" panose="02070309020205020404" pitchFamily="49" charset="0"/>
+                <a:cs typeface="Courier New" panose="02070309020205020404" pitchFamily="49" charset="0"/>
+              </a:rPr>
+              <a:t>"&gt;Here, the middle sections of the image are repeated to create the border.&lt;/p&gt;</a:t>
+            </a:r>
+          </a:p>
+          <a:p>
+            <a:pPr marL="0" indent="0">
+              <a:buNone/>
+            </a:pPr>
+            <a:endParaRPr lang="en-US" sz="1500" dirty="0" smtClean="0">
               <a:solidFill>
                 <a:schemeClr val="bg1"/>
               </a:solidFill>
               <a:latin typeface="Courier New" panose="02070309020205020404" pitchFamily="49" charset="0"/>
-              <a:cs typeface="Courier New" panose="02070309020205020404" pitchFamily="49" charset="0"/>
-            </a:endParaRPr>
-          </a:p>
-          <a:p>
-            <a:pPr>
-              <a:buAutoNum type="arabicPeriod"/>
-            </a:pPr>
-            <a:r>
-              <a:rPr lang="bg-BG" sz="2000" dirty="0" smtClean="0">
-                <a:solidFill>
-                  <a:schemeClr val="bg1"/>
-                </a:solidFill>
-                <a:latin typeface="+mj-lt"/>
-                <a:cs typeface="Courier New" panose="02070309020205020404" pitchFamily="49" charset="0"/>
-              </a:rPr>
-              <a:t>Коя картинка ще се използва за бордър</a:t>
-            </a:r>
-          </a:p>
-          <a:p>
-            <a:pPr>
-              <a:buAutoNum type="arabicPeriod"/>
-            </a:pPr>
-            <a:r>
-              <a:rPr lang="bg-BG" sz="2000" dirty="0" smtClean="0">
-                <a:solidFill>
-                  <a:schemeClr val="bg1"/>
-                </a:solidFill>
-                <a:latin typeface="+mj-lt"/>
-                <a:cs typeface="Courier New" panose="02070309020205020404" pitchFamily="49" charset="0"/>
-              </a:rPr>
-              <a:t>Къде точно да се отреже картинката</a:t>
-            </a:r>
-          </a:p>
-          <a:p>
-            <a:pPr>
-              <a:buAutoNum type="arabicPeriod"/>
-            </a:pPr>
-            <a:r>
-              <a:rPr lang="bg-BG" sz="2000" dirty="0" smtClean="0">
-                <a:solidFill>
-                  <a:schemeClr val="bg1"/>
-                </a:solidFill>
-                <a:latin typeface="+mj-lt"/>
-                <a:cs typeface="Courier New" panose="02070309020205020404" pitchFamily="49" charset="0"/>
-              </a:rPr>
-              <a:t>Дали вътрешните части ще бъдат повтаряни или разпънати</a:t>
-            </a:r>
-            <a:endParaRPr lang="en-US" sz="2000" dirty="0">
-              <a:solidFill>
-                <a:schemeClr val="bg1"/>
-              </a:solidFill>
-              <a:latin typeface="+mj-lt"/>
               <a:cs typeface="Courier New" panose="02070309020205020404" pitchFamily="49" charset="0"/>
             </a:endParaRPr>
           </a:p>
@@ -8967,7 +9562,32 @@
                 <a:latin typeface="Courier New" panose="02070309020205020404" pitchFamily="49" charset="0"/>
                 <a:cs typeface="Courier New" panose="02070309020205020404" pitchFamily="49" charset="0"/>
               </a:rPr>
-              <a:t>.</a:t>
+              <a:t>.container </a:t>
+            </a:r>
+            <a:r>
+              <a:rPr lang="en-US" sz="1500" dirty="0">
+                <a:solidFill>
+                  <a:schemeClr val="accent3"/>
+                </a:solidFill>
+                <a:latin typeface="Courier New" panose="02070309020205020404" pitchFamily="49" charset="0"/>
+                <a:cs typeface="Courier New" panose="02070309020205020404" pitchFamily="49" charset="0"/>
+              </a:rPr>
+              <a:t>{</a:t>
+            </a:r>
+          </a:p>
+          <a:p>
+            <a:pPr marL="0" indent="0">
+              <a:buNone/>
+            </a:pPr>
+            <a:r>
+              <a:rPr lang="en-US" sz="1500" dirty="0">
+                <a:solidFill>
+                  <a:schemeClr val="accent3"/>
+                </a:solidFill>
+                <a:latin typeface="Courier New" panose="02070309020205020404" pitchFamily="49" charset="0"/>
+                <a:cs typeface="Courier New" panose="02070309020205020404" pitchFamily="49" charset="0"/>
+              </a:rPr>
+              <a:t>	</a:t>
             </a:r>
             <a:r>
               <a:rPr lang="en-US" sz="1500" dirty="0" smtClean="0">
@@ -8977,7 +9597,27 @@
                 <a:latin typeface="Courier New" panose="02070309020205020404" pitchFamily="49" charset="0"/>
                 <a:cs typeface="Courier New" panose="02070309020205020404" pitchFamily="49" charset="0"/>
               </a:rPr>
-              <a:t>container</a:t>
+              <a:t>background</a:t>
+            </a:r>
+            <a:r>
+              <a:rPr lang="en-US" sz="1500" dirty="0">
+                <a:solidFill>
+                  <a:schemeClr val="accent3"/>
+                </a:solidFill>
+                <a:latin typeface="Courier New" panose="02070309020205020404" pitchFamily="49" charset="0"/>
+                <a:cs typeface="Courier New" panose="02070309020205020404" pitchFamily="49" charset="0"/>
+              </a:rPr>
+              <a:t>: </a:t>
+            </a:r>
+            <a:r>
+              <a:rPr lang="en-US" sz="1500" dirty="0" err="1" smtClean="0">
+                <a:solidFill>
+                  <a:schemeClr val="accent3"/>
+                </a:solidFill>
+                <a:latin typeface="Courier New" panose="02070309020205020404" pitchFamily="49" charset="0"/>
+                <a:cs typeface="Courier New" panose="02070309020205020404" pitchFamily="49" charset="0"/>
+              </a:rPr>
+              <a:t>url</a:t>
             </a:r>
             <a:r>
               <a:rPr lang="en-US" sz="1500" dirty="0" smtClean="0">
@@ -8987,7 +9627,7 @@
                 <a:latin typeface="Courier New" panose="02070309020205020404" pitchFamily="49" charset="0"/>
                 <a:cs typeface="Courier New" panose="02070309020205020404" pitchFamily="49" charset="0"/>
               </a:rPr>
-              <a:t> </a:t>
+              <a:t>(some_img.gif</a:t>
             </a:r>
             <a:r>
               <a:rPr lang="en-US" sz="1500" dirty="0">
@@ -8997,7 +9637,7 @@
                 <a:latin typeface="Courier New" panose="02070309020205020404" pitchFamily="49" charset="0"/>
                 <a:cs typeface="Courier New" panose="02070309020205020404" pitchFamily="49" charset="0"/>
               </a:rPr>
-              <a:t>{</a:t>
+              <a:t>);</a:t>
             </a:r>
           </a:p>
           <a:p>
@@ -9012,7 +9652,7 @@
                 <a:latin typeface="Courier New" panose="02070309020205020404" pitchFamily="49" charset="0"/>
                 <a:cs typeface="Courier New" panose="02070309020205020404" pitchFamily="49" charset="0"/>
               </a:rPr>
-              <a:t>	</a:t>
+              <a:t>    </a:t>
             </a:r>
             <a:r>
               <a:rPr lang="en-US" sz="1500" dirty="0" smtClean="0">
@@ -9022,7 +9662,7 @@
                 <a:latin typeface="Courier New" panose="02070309020205020404" pitchFamily="49" charset="0"/>
                 <a:cs typeface="Courier New" panose="02070309020205020404" pitchFamily="49" charset="0"/>
               </a:rPr>
-              <a:t>background</a:t>
+              <a:t>	background-size</a:t>
             </a:r>
             <a:r>
               <a:rPr lang="en-US" sz="1500" dirty="0">
@@ -9032,17 +9672,22 @@
                 <a:latin typeface="Courier New" panose="02070309020205020404" pitchFamily="49" charset="0"/>
                 <a:cs typeface="Courier New" panose="02070309020205020404" pitchFamily="49" charset="0"/>
               </a:rPr>
-              <a:t>: </a:t>
-            </a:r>
-            <a:r>
-              <a:rPr lang="en-US" sz="1500" dirty="0" err="1" smtClean="0">
-                <a:solidFill>
-                  <a:schemeClr val="accent3"/>
-                </a:solidFill>
-                <a:latin typeface="Courier New" panose="02070309020205020404" pitchFamily="49" charset="0"/>
-                <a:cs typeface="Courier New" panose="02070309020205020404" pitchFamily="49" charset="0"/>
-              </a:rPr>
-              <a:t>url</a:t>
+              <a:t>: 100px 80px;</a:t>
+            </a:r>
+          </a:p>
+          <a:p>
+            <a:pPr marL="0" indent="0">
+              <a:buNone/>
+            </a:pPr>
+            <a:r>
+              <a:rPr lang="en-US" sz="1500" dirty="0">
+                <a:solidFill>
+                  <a:schemeClr val="accent3"/>
+                </a:solidFill>
+                <a:latin typeface="Courier New" panose="02070309020205020404" pitchFamily="49" charset="0"/>
+                <a:cs typeface="Courier New" panose="02070309020205020404" pitchFamily="49" charset="0"/>
+              </a:rPr>
+              <a:t>    </a:t>
             </a:r>
             <a:r>
               <a:rPr lang="en-US" sz="1500" dirty="0" smtClean="0">
@@ -9052,7 +9697,7 @@
                 <a:latin typeface="Courier New" panose="02070309020205020404" pitchFamily="49" charset="0"/>
                 <a:cs typeface="Courier New" panose="02070309020205020404" pitchFamily="49" charset="0"/>
               </a:rPr>
-              <a:t>(some_img.gif</a:t>
+              <a:t>	background-repeat</a:t>
             </a:r>
             <a:r>
               <a:rPr lang="en-US" sz="1500" dirty="0">
@@ -9062,22 +9707,7 @@
                 <a:latin typeface="Courier New" panose="02070309020205020404" pitchFamily="49" charset="0"/>
                 <a:cs typeface="Courier New" panose="02070309020205020404" pitchFamily="49" charset="0"/>
               </a:rPr>
-              <a:t>);</a:t>
-            </a:r>
-          </a:p>
-          <a:p>
-            <a:pPr marL="0" indent="0">
-              <a:buNone/>
-            </a:pPr>
-            <a:r>
-              <a:rPr lang="en-US" sz="1500" dirty="0">
-                <a:solidFill>
-                  <a:schemeClr val="accent3"/>
-                </a:solidFill>
-                <a:latin typeface="Courier New" panose="02070309020205020404" pitchFamily="49" charset="0"/>
-                <a:cs typeface="Courier New" panose="02070309020205020404" pitchFamily="49" charset="0"/>
-              </a:rPr>
-              <a:t>    </a:t>
+              <a:t>: no-repeat</a:t>
             </a:r>
             <a:r>
               <a:rPr lang="en-US" sz="1500" dirty="0" smtClean="0">
@@ -9087,33 +9717,13 @@
                 <a:latin typeface="Courier New" panose="02070309020205020404" pitchFamily="49" charset="0"/>
                 <a:cs typeface="Courier New" panose="02070309020205020404" pitchFamily="49" charset="0"/>
               </a:rPr>
-              <a:t>	background-size</a:t>
-            </a:r>
-            <a:r>
-              <a:rPr lang="en-US" sz="1500" dirty="0">
-                <a:solidFill>
-                  <a:schemeClr val="accent3"/>
-                </a:solidFill>
-                <a:latin typeface="Courier New" panose="02070309020205020404" pitchFamily="49" charset="0"/>
-                <a:cs typeface="Courier New" panose="02070309020205020404" pitchFamily="49" charset="0"/>
-              </a:rPr>
-              <a:t>: 100px 80px;</a:t>
-            </a:r>
-          </a:p>
-          <a:p>
-            <a:pPr marL="0" indent="0">
-              <a:buNone/>
-            </a:pPr>
-            <a:r>
-              <a:rPr lang="en-US" sz="1500" dirty="0">
-                <a:solidFill>
-                  <a:schemeClr val="accent3"/>
-                </a:solidFill>
-                <a:latin typeface="Courier New" panose="02070309020205020404" pitchFamily="49" charset="0"/>
-                <a:cs typeface="Courier New" panose="02070309020205020404" pitchFamily="49" charset="0"/>
-              </a:rPr>
-              <a:t>    </a:t>
-            </a:r>
+              <a:t>;</a:t>
+            </a:r>
+          </a:p>
+          <a:p>
+            <a:pPr marL="0" indent="0">
+              <a:buNone/>
+            </a:pPr>
             <a:r>
               <a:rPr lang="en-US" sz="1500" dirty="0" smtClean="0">
                 <a:solidFill>
@@ -9122,50 +9732,8 @@
                 <a:latin typeface="Courier New" panose="02070309020205020404" pitchFamily="49" charset="0"/>
                 <a:cs typeface="Courier New" panose="02070309020205020404" pitchFamily="49" charset="0"/>
               </a:rPr>
-              <a:t>	background-repeat</a:t>
-            </a:r>
-            <a:r>
-              <a:rPr lang="en-US" sz="1500" dirty="0">
-                <a:solidFill>
-                  <a:schemeClr val="accent3"/>
-                </a:solidFill>
-                <a:latin typeface="Courier New" panose="02070309020205020404" pitchFamily="49" charset="0"/>
-                <a:cs typeface="Courier New" panose="02070309020205020404" pitchFamily="49" charset="0"/>
-              </a:rPr>
-              <a:t>: no-repeat</a:t>
-            </a:r>
-            <a:r>
-              <a:rPr lang="en-US" sz="1500" dirty="0" smtClean="0">
-                <a:solidFill>
-                  <a:schemeClr val="accent3"/>
-                </a:solidFill>
-                <a:latin typeface="Courier New" panose="02070309020205020404" pitchFamily="49" charset="0"/>
-                <a:cs typeface="Courier New" panose="02070309020205020404" pitchFamily="49" charset="0"/>
-              </a:rPr>
-              <a:t>;</a:t>
-            </a:r>
-          </a:p>
-          <a:p>
-            <a:pPr marL="0" indent="0">
-              <a:buNone/>
-            </a:pPr>
-            <a:r>
-              <a:rPr lang="en-US" sz="1500" dirty="0" smtClean="0">
-                <a:solidFill>
-                  <a:schemeClr val="accent3"/>
-                </a:solidFill>
-                <a:latin typeface="Courier New" panose="02070309020205020404" pitchFamily="49" charset="0"/>
-                <a:cs typeface="Courier New" panose="02070309020205020404" pitchFamily="49" charset="0"/>
-              </a:rPr>
               <a:t>}</a:t>
             </a:r>
-            <a:endParaRPr lang="en-US" sz="1500" dirty="0" smtClean="0">
-              <a:solidFill>
-                <a:schemeClr val="accent3"/>
-              </a:solidFill>
-              <a:latin typeface="Courier New" panose="02070309020205020404" pitchFamily="49" charset="0"/>
-              <a:cs typeface="Courier New" panose="02070309020205020404" pitchFamily="49" charset="0"/>
-            </a:endParaRPr>
           </a:p>
         </p:txBody>
       </p:sp>
@@ -9289,17 +9857,7 @@
                 <a:latin typeface="+mj-lt"/>
                 <a:cs typeface="Courier New" panose="02070309020205020404" pitchFamily="49" charset="0"/>
               </a:rPr>
-              <a:t>Свойство, което ни позволява да дефинираме две картинки като фон за един и същ елемент</a:t>
-            </a:r>
-            <a:r>
-              <a:rPr lang="bg-BG" sz="3000" dirty="0" smtClean="0">
-                <a:solidFill>
-                  <a:schemeClr val="bg1"/>
-                </a:solidFill>
-                <a:latin typeface="+mj-lt"/>
-                <a:cs typeface="Courier New" panose="02070309020205020404" pitchFamily="49" charset="0"/>
-              </a:rPr>
-              <a:t>.</a:t>
+              <a:t>Свойство, което ни позволява да дефинираме две картинки като фон за един и същ елемент.</a:t>
             </a:r>
             <a:endParaRPr lang="en-US" sz="3000" dirty="0" smtClean="0">
               <a:solidFill>
@@ -9314,16 +9872,6 @@
               <a:buNone/>
             </a:pPr>
             <a:r>
-              <a:rPr lang="en-US" sz="1500" dirty="0" smtClean="0">
-                <a:solidFill>
-                  <a:schemeClr val="accent3"/>
-                </a:solidFill>
-                <a:latin typeface="Courier New" panose="02070309020205020404" pitchFamily="49" charset="0"/>
-                <a:cs typeface="Courier New" panose="02070309020205020404" pitchFamily="49" charset="0"/>
-              </a:rPr>
-              <a:t>.</a:t>
-            </a:r>
-            <a:r>
               <a:rPr lang="en-US" sz="1500" dirty="0">
                 <a:solidFill>
                   <a:schemeClr val="accent3"/>
@@ -9331,7 +9879,7 @@
                 <a:latin typeface="Courier New" panose="02070309020205020404" pitchFamily="49" charset="0"/>
                 <a:cs typeface="Courier New" panose="02070309020205020404" pitchFamily="49" charset="0"/>
               </a:rPr>
-              <a:t>multiple-background {</a:t>
+              <a:t>#example1 {</a:t>
             </a:r>
           </a:p>
           <a:p>
@@ -9346,13 +9894,18 @@
                 <a:latin typeface="Courier New" panose="02070309020205020404" pitchFamily="49" charset="0"/>
                 <a:cs typeface="Courier New" panose="02070309020205020404" pitchFamily="49" charset="0"/>
               </a:rPr>
-              <a:t>	width: 1000px;</a:t>
-            </a:r>
-          </a:p>
-          <a:p>
-            <a:pPr marL="0" indent="0">
-              <a:buNone/>
-            </a:pPr>
+              <a:t>    background: </a:t>
+            </a:r>
+            <a:r>
+              <a:rPr lang="en-US" sz="1500" dirty="0" err="1">
+                <a:solidFill>
+                  <a:schemeClr val="accent3"/>
+                </a:solidFill>
+                <a:latin typeface="Courier New" panose="02070309020205020404" pitchFamily="49" charset="0"/>
+                <a:cs typeface="Courier New" panose="02070309020205020404" pitchFamily="49" charset="0"/>
+              </a:rPr>
+              <a:t>url</a:t>
+            </a:r>
             <a:r>
               <a:rPr lang="en-US" sz="1500" dirty="0">
                 <a:solidFill>
@@ -9361,13 +9914,18 @@
                 <a:latin typeface="Courier New" panose="02070309020205020404" pitchFamily="49" charset="0"/>
                 <a:cs typeface="Courier New" panose="02070309020205020404" pitchFamily="49" charset="0"/>
               </a:rPr>
-              <a:t>	height: 1000px;</a:t>
-            </a:r>
-          </a:p>
-          <a:p>
-            <a:pPr marL="0" indent="0">
-              <a:buNone/>
-            </a:pPr>
+              <a:t>(</a:t>
+            </a:r>
+            <a:r>
+              <a:rPr lang="en-US" sz="1500" dirty="0" err="1">
+                <a:solidFill>
+                  <a:schemeClr val="accent3"/>
+                </a:solidFill>
+                <a:latin typeface="Courier New" panose="02070309020205020404" pitchFamily="49" charset="0"/>
+                <a:cs typeface="Courier New" panose="02070309020205020404" pitchFamily="49" charset="0"/>
+              </a:rPr>
+              <a:t>img</a:t>
+            </a:r>
             <a:r>
               <a:rPr lang="en-US" sz="1500" dirty="0">
                 <a:solidFill>
@@ -9376,7 +9934,7 @@
                 <a:latin typeface="Courier New" panose="02070309020205020404" pitchFamily="49" charset="0"/>
                 <a:cs typeface="Courier New" panose="02070309020205020404" pitchFamily="49" charset="0"/>
               </a:rPr>
-              <a:t>	background: </a:t>
+              <a:t>/img_flwr.gif) left top no-repeat, </a:t>
             </a:r>
             <a:r>
               <a:rPr lang="en-US" sz="1500" dirty="0" err="1">
@@ -9396,7 +9954,7 @@
                 <a:latin typeface="Courier New" panose="02070309020205020404" pitchFamily="49" charset="0"/>
                 <a:cs typeface="Courier New" panose="02070309020205020404" pitchFamily="49" charset="0"/>
               </a:rPr>
-              <a:t>('img.jpg') no-repeat top left, </a:t>
+              <a:t>(</a:t>
             </a:r>
             <a:r>
               <a:rPr lang="en-US" sz="1500" dirty="0" err="1">
@@ -9406,6 +9964,26 @@
                 <a:latin typeface="Courier New" panose="02070309020205020404" pitchFamily="49" charset="0"/>
                 <a:cs typeface="Courier New" panose="02070309020205020404" pitchFamily="49" charset="0"/>
               </a:rPr>
+              <a:t>img</a:t>
+            </a:r>
+            <a:r>
+              <a:rPr lang="en-US" sz="1500" dirty="0">
+                <a:solidFill>
+                  <a:schemeClr val="accent3"/>
+                </a:solidFill>
+                <a:latin typeface="Courier New" panose="02070309020205020404" pitchFamily="49" charset="0"/>
+                <a:cs typeface="Courier New" panose="02070309020205020404" pitchFamily="49" charset="0"/>
+              </a:rPr>
+              <a:t>/img_flwr.gif) right bottom no-repeat, </a:t>
+            </a:r>
+            <a:r>
+              <a:rPr lang="en-US" sz="1500" dirty="0" err="1">
+                <a:solidFill>
+                  <a:schemeClr val="accent3"/>
+                </a:solidFill>
+                <a:latin typeface="Courier New" panose="02070309020205020404" pitchFamily="49" charset="0"/>
+                <a:cs typeface="Courier New" panose="02070309020205020404" pitchFamily="49" charset="0"/>
+              </a:rPr>
               <a:t>url</a:t>
             </a:r>
             <a:r>
@@ -9416,17 +9994,17 @@
                 <a:latin typeface="Courier New" panose="02070309020205020404" pitchFamily="49" charset="0"/>
                 <a:cs typeface="Courier New" panose="02070309020205020404" pitchFamily="49" charset="0"/>
               </a:rPr>
-              <a:t>('img2.jpg') </a:t>
-            </a:r>
-            <a:r>
-              <a:rPr lang="en-US" sz="1500" dirty="0" smtClean="0">
-                <a:solidFill>
-                  <a:schemeClr val="accent3"/>
-                </a:solidFill>
-                <a:latin typeface="Courier New" panose="02070309020205020404" pitchFamily="49" charset="0"/>
-                <a:cs typeface="Courier New" panose="02070309020205020404" pitchFamily="49" charset="0"/>
-              </a:rPr>
-              <a:t>	no-repeat </a:t>
+              <a:t>(</a:t>
+            </a:r>
+            <a:r>
+              <a:rPr lang="en-US" sz="1500" dirty="0" err="1">
+                <a:solidFill>
+                  <a:schemeClr val="accent3"/>
+                </a:solidFill>
+                <a:latin typeface="Courier New" panose="02070309020205020404" pitchFamily="49" charset="0"/>
+                <a:cs typeface="Courier New" panose="02070309020205020404" pitchFamily="49" charset="0"/>
+              </a:rPr>
+              <a:t>img</a:t>
             </a:r>
             <a:r>
               <a:rPr lang="en-US" sz="1500" dirty="0">
@@ -9436,15 +10014,45 @@
                 <a:latin typeface="Courier New" panose="02070309020205020404" pitchFamily="49" charset="0"/>
                 <a:cs typeface="Courier New" panose="02070309020205020404" pitchFamily="49" charset="0"/>
               </a:rPr>
-              <a:t>bottom right;</a:t>
-            </a:r>
-          </a:p>
-          <a:p>
-            <a:pPr marL="0" indent="0">
-              <a:buNone/>
-            </a:pPr>
-            <a:r>
-              <a:rPr lang="en-US" sz="1500" dirty="0" smtClean="0">
+              <a:t>/paper.gif) left top repeat;</a:t>
+            </a:r>
+          </a:p>
+          <a:p>
+            <a:pPr marL="0" indent="0">
+              <a:buNone/>
+            </a:pPr>
+            <a:r>
+              <a:rPr lang="en-US" sz="1500" dirty="0">
+                <a:solidFill>
+                  <a:schemeClr val="accent3"/>
+                </a:solidFill>
+                <a:latin typeface="Courier New" panose="02070309020205020404" pitchFamily="49" charset="0"/>
+                <a:cs typeface="Courier New" panose="02070309020205020404" pitchFamily="49" charset="0"/>
+              </a:rPr>
+              <a:t>    padding: 15px;</a:t>
+            </a:r>
+          </a:p>
+          <a:p>
+            <a:pPr marL="0" indent="0">
+              <a:buNone/>
+            </a:pPr>
+            <a:r>
+              <a:rPr lang="en-US" sz="1500" dirty="0">
+                <a:solidFill>
+                  <a:schemeClr val="accent3"/>
+                </a:solidFill>
+                <a:latin typeface="Courier New" panose="02070309020205020404" pitchFamily="49" charset="0"/>
+                <a:cs typeface="Courier New" panose="02070309020205020404" pitchFamily="49" charset="0"/>
+              </a:rPr>
+              <a:t>    background-size: 50px, 130px, auto;</a:t>
+            </a:r>
+          </a:p>
+          <a:p>
+            <a:pPr marL="0" indent="0">
+              <a:buNone/>
+            </a:pPr>
+            <a:r>
+              <a:rPr lang="en-US" sz="1500" dirty="0">
                 <a:solidFill>
                   <a:schemeClr val="accent3"/>
                 </a:solidFill>
@@ -9453,11 +10061,6 @@
               </a:rPr>
               <a:t>}</a:t>
             </a:r>
-          </a:p>
-          <a:p>
-            <a:pPr marL="0" indent="0">
-              <a:buNone/>
-            </a:pPr>
             <a:endParaRPr lang="en-US" sz="1500" dirty="0">
               <a:solidFill>
                 <a:schemeClr val="accent3"/>

--- a/05-CSS3/05-CSS3.pptx
+++ b/05-CSS3/05-CSS3.pptx
@@ -241,7 +241,7 @@
           <a:p>
             <a:fld id="{2E054F57-E93D-4CC3-8A27-2F256E70BB98}" type="datetimeFigureOut">
               <a:rPr lang="en-US" smtClean="0"/>
-              <a:t>6/13/2016</a:t>
+              <a:t>6/14/2016</a:t>
             </a:fld>
             <a:endParaRPr lang="en-US"/>
           </a:p>
@@ -690,7 +690,7 @@
           <a:p>
             <a:fld id="{3EA744D9-3FBE-48D8-BF2A-85DF203E4D20}" type="datetimeFigureOut">
               <a:rPr lang="bg-BG" smtClean="0"/>
-              <a:t>13.6.2016 г.</a:t>
+              <a:t>14.6.2016 г.</a:t>
             </a:fld>
             <a:endParaRPr lang="bg-BG"/>
           </a:p>
@@ -860,7 +860,7 @@
           <a:p>
             <a:fld id="{3EA744D9-3FBE-48D8-BF2A-85DF203E4D20}" type="datetimeFigureOut">
               <a:rPr lang="bg-BG" smtClean="0"/>
-              <a:t>13.6.2016 г.</a:t>
+              <a:t>14.6.2016 г.</a:t>
             </a:fld>
             <a:endParaRPr lang="bg-BG"/>
           </a:p>
@@ -1040,7 +1040,7 @@
           <a:p>
             <a:fld id="{3EA744D9-3FBE-48D8-BF2A-85DF203E4D20}" type="datetimeFigureOut">
               <a:rPr lang="bg-BG" smtClean="0"/>
-              <a:t>13.6.2016 г.</a:t>
+              <a:t>14.6.2016 г.</a:t>
             </a:fld>
             <a:endParaRPr lang="bg-BG"/>
           </a:p>
@@ -1210,7 +1210,7 @@
           <a:p>
             <a:fld id="{3EA744D9-3FBE-48D8-BF2A-85DF203E4D20}" type="datetimeFigureOut">
               <a:rPr lang="bg-BG" smtClean="0"/>
-              <a:t>13.6.2016 г.</a:t>
+              <a:t>14.6.2016 г.</a:t>
             </a:fld>
             <a:endParaRPr lang="bg-BG"/>
           </a:p>
@@ -1456,7 +1456,7 @@
           <a:p>
             <a:fld id="{3EA744D9-3FBE-48D8-BF2A-85DF203E4D20}" type="datetimeFigureOut">
               <a:rPr lang="bg-BG" smtClean="0"/>
-              <a:t>13.6.2016 г.</a:t>
+              <a:t>14.6.2016 г.</a:t>
             </a:fld>
             <a:endParaRPr lang="bg-BG"/>
           </a:p>
@@ -1744,7 +1744,7 @@
           <a:p>
             <a:fld id="{3EA744D9-3FBE-48D8-BF2A-85DF203E4D20}" type="datetimeFigureOut">
               <a:rPr lang="bg-BG" smtClean="0"/>
-              <a:t>13.6.2016 г.</a:t>
+              <a:t>14.6.2016 г.</a:t>
             </a:fld>
             <a:endParaRPr lang="bg-BG"/>
           </a:p>
@@ -2166,7 +2166,7 @@
           <a:p>
             <a:fld id="{3EA744D9-3FBE-48D8-BF2A-85DF203E4D20}" type="datetimeFigureOut">
               <a:rPr lang="bg-BG" smtClean="0"/>
-              <a:t>13.6.2016 г.</a:t>
+              <a:t>14.6.2016 г.</a:t>
             </a:fld>
             <a:endParaRPr lang="bg-BG"/>
           </a:p>
@@ -2284,7 +2284,7 @@
           <a:p>
             <a:fld id="{3EA744D9-3FBE-48D8-BF2A-85DF203E4D20}" type="datetimeFigureOut">
               <a:rPr lang="bg-BG" smtClean="0"/>
-              <a:t>13.6.2016 г.</a:t>
+              <a:t>14.6.2016 г.</a:t>
             </a:fld>
             <a:endParaRPr lang="bg-BG"/>
           </a:p>
@@ -2379,7 +2379,7 @@
           <a:p>
             <a:fld id="{3EA744D9-3FBE-48D8-BF2A-85DF203E4D20}" type="datetimeFigureOut">
               <a:rPr lang="bg-BG" smtClean="0"/>
-              <a:t>13.6.2016 г.</a:t>
+              <a:t>14.6.2016 г.</a:t>
             </a:fld>
             <a:endParaRPr lang="bg-BG"/>
           </a:p>
@@ -2656,7 +2656,7 @@
           <a:p>
             <a:fld id="{3EA744D9-3FBE-48D8-BF2A-85DF203E4D20}" type="datetimeFigureOut">
               <a:rPr lang="bg-BG" smtClean="0"/>
-              <a:t>13.6.2016 г.</a:t>
+              <a:t>14.6.2016 г.</a:t>
             </a:fld>
             <a:endParaRPr lang="bg-BG"/>
           </a:p>
@@ -2909,7 +2909,7 @@
           <a:p>
             <a:fld id="{3EA744D9-3FBE-48D8-BF2A-85DF203E4D20}" type="datetimeFigureOut">
               <a:rPr lang="bg-BG" smtClean="0"/>
-              <a:t>13.6.2016 г.</a:t>
+              <a:t>14.6.2016 г.</a:t>
             </a:fld>
             <a:endParaRPr lang="bg-BG"/>
           </a:p>
@@ -3131,7 +3131,7 @@
           <a:p>
             <a:fld id="{3EA744D9-3FBE-48D8-BF2A-85DF203E4D20}" type="datetimeFigureOut">
               <a:rPr lang="bg-BG" smtClean="0"/>
-              <a:t>13.6.2016 г.</a:t>
+              <a:t>14.6.2016 г.</a:t>
             </a:fld>
             <a:endParaRPr lang="bg-BG"/>
           </a:p>
@@ -7703,13 +7703,6 @@
               </a:rPr>
               <a:t>}</a:t>
             </a:r>
-            <a:endParaRPr lang="en-US" sz="3000" dirty="0">
-              <a:solidFill>
-                <a:srgbClr val="00B050"/>
-              </a:solidFill>
-              <a:latin typeface="+mj-lt"/>
-              <a:cs typeface="Courier New" panose="02070309020205020404" pitchFamily="49" charset="0"/>
-            </a:endParaRPr>
           </a:p>
         </p:txBody>
       </p:sp>
@@ -8476,13 +8469,6 @@
               </a:rPr>
               <a:t>CSS3-Tasks/task4.png</a:t>
             </a:r>
-            <a:endParaRPr lang="en-US" sz="2000" dirty="0" smtClean="0">
-              <a:solidFill>
-                <a:schemeClr val="bg1">
-                  <a:lumMod val="95000"/>
-                </a:schemeClr>
-              </a:solidFill>
-            </a:endParaRPr>
           </a:p>
         </p:txBody>
       </p:sp>
@@ -8597,15 +8583,7 @@
                   <a:schemeClr val="bg1"/>
                 </a:solidFill>
               </a:rPr>
-              <a:t>Box </a:t>
-            </a:r>
-            <a:r>
-              <a:rPr lang="en-US" dirty="0" smtClean="0">
-                <a:solidFill>
-                  <a:schemeClr val="bg1"/>
-                </a:solidFill>
-              </a:rPr>
-              <a:t>model</a:t>
+              <a:t>Box model</a:t>
             </a:r>
           </a:p>
           <a:p>
@@ -8619,15 +8597,7 @@
                   <a:schemeClr val="bg1"/>
                 </a:solidFill>
               </a:rPr>
-              <a:t>Backgrounds &amp; </a:t>
-            </a:r>
-            <a:r>
-              <a:rPr lang="en-US" dirty="0" smtClean="0">
-                <a:solidFill>
-                  <a:schemeClr val="bg1"/>
-                </a:solidFill>
-              </a:rPr>
-              <a:t>Borders</a:t>
+              <a:t>Backgrounds &amp; Borders</a:t>
             </a:r>
           </a:p>
           <a:p>
@@ -8641,15 +8611,7 @@
                   <a:schemeClr val="bg1"/>
                 </a:solidFill>
               </a:rPr>
-              <a:t>Text </a:t>
-            </a:r>
-            <a:r>
-              <a:rPr lang="en-US" dirty="0" smtClean="0">
-                <a:solidFill>
-                  <a:schemeClr val="bg1"/>
-                </a:solidFill>
-              </a:rPr>
-              <a:t>effects</a:t>
+              <a:t>Text effects</a:t>
             </a:r>
           </a:p>
           <a:p>
@@ -8691,15 +8653,7 @@
                   <a:schemeClr val="bg1"/>
                 </a:solidFill>
               </a:rPr>
-              <a:t>Multiple Column </a:t>
-            </a:r>
-            <a:r>
-              <a:rPr lang="en-US" dirty="0" smtClean="0">
-                <a:solidFill>
-                  <a:schemeClr val="bg1"/>
-                </a:solidFill>
-              </a:rPr>
-              <a:t>Layout</a:t>
+              <a:t>Multiple Column Layout</a:t>
             </a:r>
             <a:endParaRPr lang="en-US" dirty="0">
               <a:solidFill>
@@ -10061,13 +10015,6 @@
               </a:rPr>
               <a:t>}</a:t>
             </a:r>
-            <a:endParaRPr lang="en-US" sz="1500" dirty="0">
-              <a:solidFill>
-                <a:schemeClr val="accent3"/>
-              </a:solidFill>
-              <a:latin typeface="Courier New" panose="02070309020205020404" pitchFamily="49" charset="0"/>
-              <a:cs typeface="Courier New" panose="02070309020205020404" pitchFamily="49" charset="0"/>
-            </a:endParaRPr>
           </a:p>
         </p:txBody>
       </p:sp>
